--- a/Planung/Praesentationen/Praesentation_SRDP.pptx
+++ b/Planung/Praesentationen/Praesentation_SRDP.pptx
@@ -5238,7 +5238,7 @@
           <a:p>
             <a:fld id="{6C12F6B1-6786-4E64-B681-F379C9A54FC0}" type="datetimeFigureOut">
               <a:rPr lang="de-AT" smtClean="0"/>
-              <a:t>20.01.2018</a:t>
+              <a:t>17.03.2018</a:t>
             </a:fld>
             <a:endParaRPr lang="de-AT"/>
           </a:p>
@@ -6634,7 +6634,7 @@
           <a:p>
             <a:fld id="{83C286D2-5717-406C-AD4B-C4A69D5338FB}" type="datetimeFigureOut">
               <a:rPr lang="de-AT" smtClean="0"/>
-              <a:t>20.01.2018</a:t>
+              <a:t>17.03.2018</a:t>
             </a:fld>
             <a:endParaRPr lang="de-AT"/>
           </a:p>
@@ -6804,7 +6804,7 @@
           <a:p>
             <a:fld id="{83C286D2-5717-406C-AD4B-C4A69D5338FB}" type="datetimeFigureOut">
               <a:rPr lang="de-AT" smtClean="0"/>
-              <a:t>20.01.2018</a:t>
+              <a:t>17.03.2018</a:t>
             </a:fld>
             <a:endParaRPr lang="de-AT"/>
           </a:p>
@@ -6984,7 +6984,7 @@
           <a:p>
             <a:fld id="{83C286D2-5717-406C-AD4B-C4A69D5338FB}" type="datetimeFigureOut">
               <a:rPr lang="de-AT" smtClean="0"/>
-              <a:t>20.01.2018</a:t>
+              <a:t>17.03.2018</a:t>
             </a:fld>
             <a:endParaRPr lang="de-AT"/>
           </a:p>
@@ -7187,7 +7187,7 @@
           <a:p>
             <a:fld id="{83C286D2-5717-406C-AD4B-C4A69D5338FB}" type="datetimeFigureOut">
               <a:rPr lang="de-AT" smtClean="0"/>
-              <a:t>20.01.2018</a:t>
+              <a:t>17.03.2018</a:t>
             </a:fld>
             <a:endParaRPr lang="de-AT"/>
           </a:p>
@@ -7357,7 +7357,7 @@
           <a:p>
             <a:fld id="{83C286D2-5717-406C-AD4B-C4A69D5338FB}" type="datetimeFigureOut">
               <a:rPr lang="de-AT" smtClean="0"/>
-              <a:t>20.01.2018</a:t>
+              <a:t>17.03.2018</a:t>
             </a:fld>
             <a:endParaRPr lang="de-AT"/>
           </a:p>
@@ -7608,7 +7608,7 @@
           <a:p>
             <a:fld id="{83C286D2-5717-406C-AD4B-C4A69D5338FB}" type="datetimeFigureOut">
               <a:rPr lang="de-AT" smtClean="0"/>
-              <a:t>20.01.2018</a:t>
+              <a:t>17.03.2018</a:t>
             </a:fld>
             <a:endParaRPr lang="de-AT"/>
           </a:p>
@@ -7840,7 +7840,7 @@
           <a:p>
             <a:fld id="{83C286D2-5717-406C-AD4B-C4A69D5338FB}" type="datetimeFigureOut">
               <a:rPr lang="de-AT" smtClean="0"/>
-              <a:t>20.01.2018</a:t>
+              <a:t>17.03.2018</a:t>
             </a:fld>
             <a:endParaRPr lang="de-AT"/>
           </a:p>
@@ -8187,7 +8187,7 @@
           <a:p>
             <a:fld id="{83C286D2-5717-406C-AD4B-C4A69D5338FB}" type="datetimeFigureOut">
               <a:rPr lang="de-AT" smtClean="0"/>
-              <a:t>20.01.2018</a:t>
+              <a:t>17.03.2018</a:t>
             </a:fld>
             <a:endParaRPr lang="de-AT"/>
           </a:p>
@@ -8305,7 +8305,7 @@
           <a:p>
             <a:fld id="{83C286D2-5717-406C-AD4B-C4A69D5338FB}" type="datetimeFigureOut">
               <a:rPr lang="de-AT" smtClean="0"/>
-              <a:t>20.01.2018</a:t>
+              <a:t>17.03.2018</a:t>
             </a:fld>
             <a:endParaRPr lang="de-AT"/>
           </a:p>
@@ -8423,7 +8423,7 @@
           <a:p>
             <a:fld id="{83C286D2-5717-406C-AD4B-C4A69D5338FB}" type="datetimeFigureOut">
               <a:rPr lang="de-AT" smtClean="0"/>
-              <a:t>20.01.2018</a:t>
+              <a:t>17.03.2018</a:t>
             </a:fld>
             <a:endParaRPr lang="de-AT"/>
           </a:p>
@@ -8707,7 +8707,7 @@
           <a:p>
             <a:fld id="{83C286D2-5717-406C-AD4B-C4A69D5338FB}" type="datetimeFigureOut">
               <a:rPr lang="de-AT" smtClean="0"/>
-              <a:t>20.01.2018</a:t>
+              <a:t>17.03.2018</a:t>
             </a:fld>
             <a:endParaRPr lang="de-AT"/>
           </a:p>
@@ -8877,7 +8877,7 @@
           <a:p>
             <a:fld id="{83C286D2-5717-406C-AD4B-C4A69D5338FB}" type="datetimeFigureOut">
               <a:rPr lang="de-AT" smtClean="0"/>
-              <a:t>20.01.2018</a:t>
+              <a:t>17.03.2018</a:t>
             </a:fld>
             <a:endParaRPr lang="de-AT"/>
           </a:p>
@@ -9141,7 +9141,7 @@
           <a:p>
             <a:fld id="{83C286D2-5717-406C-AD4B-C4A69D5338FB}" type="datetimeFigureOut">
               <a:rPr lang="de-AT" smtClean="0"/>
-              <a:t>20.01.2018</a:t>
+              <a:t>17.03.2018</a:t>
             </a:fld>
             <a:endParaRPr lang="de-AT"/>
           </a:p>
@@ -9311,7 +9311,7 @@
           <a:p>
             <a:fld id="{83C286D2-5717-406C-AD4B-C4A69D5338FB}" type="datetimeFigureOut">
               <a:rPr lang="de-AT" smtClean="0"/>
-              <a:t>20.01.2018</a:t>
+              <a:t>17.03.2018</a:t>
             </a:fld>
             <a:endParaRPr lang="de-AT"/>
           </a:p>
@@ -9491,7 +9491,7 @@
           <a:p>
             <a:fld id="{83C286D2-5717-406C-AD4B-C4A69D5338FB}" type="datetimeFigureOut">
               <a:rPr lang="de-AT" smtClean="0"/>
-              <a:t>20.01.2018</a:t>
+              <a:t>17.03.2018</a:t>
             </a:fld>
             <a:endParaRPr lang="de-AT"/>
           </a:p>
@@ -9776,7 +9776,7 @@
           <a:p>
             <a:fld id="{83C286D2-5717-406C-AD4B-C4A69D5338FB}" type="datetimeFigureOut">
               <a:rPr lang="de-AT" smtClean="0"/>
-              <a:t>20.01.2018</a:t>
+              <a:t>17.03.2018</a:t>
             </a:fld>
             <a:endParaRPr lang="de-AT"/>
           </a:p>
@@ -9946,7 +9946,7 @@
           <a:p>
             <a:fld id="{83C286D2-5717-406C-AD4B-C4A69D5338FB}" type="datetimeFigureOut">
               <a:rPr lang="de-AT" smtClean="0"/>
-              <a:t>20.01.2018</a:t>
+              <a:t>17.03.2018</a:t>
             </a:fld>
             <a:endParaRPr lang="de-AT"/>
           </a:p>
@@ -10204,7 +10204,7 @@
           <a:p>
             <a:fld id="{83C286D2-5717-406C-AD4B-C4A69D5338FB}" type="datetimeFigureOut">
               <a:rPr lang="de-AT" smtClean="0"/>
-              <a:t>20.01.2018</a:t>
+              <a:t>17.03.2018</a:t>
             </a:fld>
             <a:endParaRPr lang="de-AT"/>
           </a:p>
@@ -10492,7 +10492,7 @@
           <a:p>
             <a:fld id="{83C286D2-5717-406C-AD4B-C4A69D5338FB}" type="datetimeFigureOut">
               <a:rPr lang="de-AT" smtClean="0"/>
-              <a:t>20.01.2018</a:t>
+              <a:t>17.03.2018</a:t>
             </a:fld>
             <a:endParaRPr lang="de-AT"/>
           </a:p>
@@ -10934,7 +10934,7 @@
           <a:p>
             <a:fld id="{83C286D2-5717-406C-AD4B-C4A69D5338FB}" type="datetimeFigureOut">
               <a:rPr lang="de-AT" smtClean="0"/>
-              <a:t>20.01.2018</a:t>
+              <a:t>17.03.2018</a:t>
             </a:fld>
             <a:endParaRPr lang="de-AT"/>
           </a:p>
@@ -11052,7 +11052,7 @@
           <a:p>
             <a:fld id="{83C286D2-5717-406C-AD4B-C4A69D5338FB}" type="datetimeFigureOut">
               <a:rPr lang="de-AT" smtClean="0"/>
-              <a:t>20.01.2018</a:t>
+              <a:t>17.03.2018</a:t>
             </a:fld>
             <a:endParaRPr lang="de-AT"/>
           </a:p>
@@ -11147,7 +11147,7 @@
           <a:p>
             <a:fld id="{83C286D2-5717-406C-AD4B-C4A69D5338FB}" type="datetimeFigureOut">
               <a:rPr lang="de-AT" smtClean="0"/>
-              <a:t>20.01.2018</a:t>
+              <a:t>17.03.2018</a:t>
             </a:fld>
             <a:endParaRPr lang="de-AT"/>
           </a:p>
@@ -11398,7 +11398,7 @@
           <a:p>
             <a:fld id="{83C286D2-5717-406C-AD4B-C4A69D5338FB}" type="datetimeFigureOut">
               <a:rPr lang="de-AT" smtClean="0"/>
-              <a:t>20.01.2018</a:t>
+              <a:t>17.03.2018</a:t>
             </a:fld>
             <a:endParaRPr lang="de-AT"/>
           </a:p>
@@ -11686,7 +11686,7 @@
           <a:p>
             <a:fld id="{83C286D2-5717-406C-AD4B-C4A69D5338FB}" type="datetimeFigureOut">
               <a:rPr lang="de-AT" smtClean="0"/>
-              <a:t>20.01.2018</a:t>
+              <a:t>17.03.2018</a:t>
             </a:fld>
             <a:endParaRPr lang="de-AT"/>
           </a:p>
@@ -11959,7 +11959,7 @@
           <a:p>
             <a:fld id="{83C286D2-5717-406C-AD4B-C4A69D5338FB}" type="datetimeFigureOut">
               <a:rPr lang="de-AT" smtClean="0"/>
-              <a:t>20.01.2018</a:t>
+              <a:t>17.03.2018</a:t>
             </a:fld>
             <a:endParaRPr lang="de-AT"/>
           </a:p>
@@ -12134,7 +12134,7 @@
           <a:p>
             <a:fld id="{83C286D2-5717-406C-AD4B-C4A69D5338FB}" type="datetimeFigureOut">
               <a:rPr lang="de-AT" smtClean="0"/>
-              <a:t>20.01.2018</a:t>
+              <a:t>17.03.2018</a:t>
             </a:fld>
             <a:endParaRPr lang="de-AT"/>
           </a:p>
@@ -12314,7 +12314,7 @@
           <a:p>
             <a:fld id="{83C286D2-5717-406C-AD4B-C4A69D5338FB}" type="datetimeFigureOut">
               <a:rPr lang="de-AT" smtClean="0"/>
-              <a:t>20.01.2018</a:t>
+              <a:t>17.03.2018</a:t>
             </a:fld>
             <a:endParaRPr lang="de-AT"/>
           </a:p>
@@ -12546,7 +12546,7 @@
           <a:p>
             <a:fld id="{83C286D2-5717-406C-AD4B-C4A69D5338FB}" type="datetimeFigureOut">
               <a:rPr lang="de-AT" smtClean="0"/>
-              <a:t>20.01.2018</a:t>
+              <a:t>17.03.2018</a:t>
             </a:fld>
             <a:endParaRPr lang="de-AT"/>
           </a:p>
@@ -12893,7 +12893,7 @@
           <a:p>
             <a:fld id="{83C286D2-5717-406C-AD4B-C4A69D5338FB}" type="datetimeFigureOut">
               <a:rPr lang="de-AT" smtClean="0"/>
-              <a:t>20.01.2018</a:t>
+              <a:t>17.03.2018</a:t>
             </a:fld>
             <a:endParaRPr lang="de-AT"/>
           </a:p>
@@ -13011,7 +13011,7 @@
           <a:p>
             <a:fld id="{83C286D2-5717-406C-AD4B-C4A69D5338FB}" type="datetimeFigureOut">
               <a:rPr lang="de-AT" smtClean="0"/>
-              <a:t>20.01.2018</a:t>
+              <a:t>17.03.2018</a:t>
             </a:fld>
             <a:endParaRPr lang="de-AT"/>
           </a:p>
@@ -13129,7 +13129,7 @@
           <a:p>
             <a:fld id="{83C286D2-5717-406C-AD4B-C4A69D5338FB}" type="datetimeFigureOut">
               <a:rPr lang="de-AT" smtClean="0"/>
-              <a:t>20.01.2018</a:t>
+              <a:t>17.03.2018</a:t>
             </a:fld>
             <a:endParaRPr lang="de-AT"/>
           </a:p>
@@ -13413,7 +13413,7 @@
           <a:p>
             <a:fld id="{83C286D2-5717-406C-AD4B-C4A69D5338FB}" type="datetimeFigureOut">
               <a:rPr lang="de-AT" smtClean="0"/>
-              <a:t>20.01.2018</a:t>
+              <a:t>17.03.2018</a:t>
             </a:fld>
             <a:endParaRPr lang="de-AT"/>
           </a:p>
@@ -13677,7 +13677,7 @@
           <a:p>
             <a:fld id="{83C286D2-5717-406C-AD4B-C4A69D5338FB}" type="datetimeFigureOut">
               <a:rPr lang="de-AT" smtClean="0"/>
-              <a:t>20.01.2018</a:t>
+              <a:t>17.03.2018</a:t>
             </a:fld>
             <a:endParaRPr lang="de-AT"/>
           </a:p>
@@ -13891,7 +13891,7 @@
           <a:p>
             <a:fld id="{83C286D2-5717-406C-AD4B-C4A69D5338FB}" type="datetimeFigureOut">
               <a:rPr lang="de-AT" smtClean="0"/>
-              <a:t>20.01.2018</a:t>
+              <a:t>17.03.2018</a:t>
             </a:fld>
             <a:endParaRPr lang="de-AT"/>
           </a:p>
@@ -14426,7 +14426,7 @@
           <a:p>
             <a:fld id="{83C286D2-5717-406C-AD4B-C4A69D5338FB}" type="datetimeFigureOut">
               <a:rPr lang="de-AT" smtClean="0"/>
-              <a:t>20.01.2018</a:t>
+              <a:t>17.03.2018</a:t>
             </a:fld>
             <a:endParaRPr lang="de-AT"/>
           </a:p>
@@ -15039,7 +15039,7 @@
           <a:p>
             <a:fld id="{83C286D2-5717-406C-AD4B-C4A69D5338FB}" type="datetimeFigureOut">
               <a:rPr lang="de-AT" smtClean="0"/>
-              <a:t>20.01.2018</a:t>
+              <a:t>17.03.2018</a:t>
             </a:fld>
             <a:endParaRPr lang="de-AT"/>
           </a:p>

--- a/Planung/Praesentationen/Praesentation_SRDP.pptx
+++ b/Planung/Praesentationen/Praesentation_SRDP.pptx
@@ -7,7 +7,7 @@
     <p:sldMasterId id="2147483720" r:id="rId3"/>
   </p:sldMasterIdLst>
   <p:notesMasterIdLst>
-    <p:notesMasterId r:id="rId16"/>
+    <p:notesMasterId r:id="rId15"/>
   </p:notesMasterIdLst>
   <p:sldIdLst>
     <p:sldId id="257" r:id="rId4"/>
@@ -19,9 +19,8 @@
     <p:sldId id="264" r:id="rId10"/>
     <p:sldId id="265" r:id="rId11"/>
     <p:sldId id="269" r:id="rId12"/>
-    <p:sldId id="268" r:id="rId13"/>
-    <p:sldId id="270" r:id="rId14"/>
-    <p:sldId id="267" r:id="rId15"/>
+    <p:sldId id="272" r:id="rId13"/>
+    <p:sldId id="267" r:id="rId14"/>
   </p:sldIdLst>
   <p:sldSz cx="12192000" cy="6858000"/>
   <p:notesSz cx="6858000" cy="9144000"/>
@@ -1729,282 +1728,6 @@
         </a:p>
       </dgm:t>
     </dgm:pt>
-    <dgm:pt modelId="{5C1FB28A-95A0-4CC1-8584-BEEBB592A75F}">
-      <dgm:prSet phldrT="[Text]" custT="1"/>
-      <dgm:spPr>
-        <a:solidFill>
-          <a:schemeClr val="bg1">
-            <a:lumMod val="85000"/>
-          </a:schemeClr>
-        </a:solidFill>
-      </dgm:spPr>
-      <dgm:t>
-        <a:bodyPr/>
-        <a:lstStyle/>
-        <a:p>
-          <a:r>
-            <a:rPr lang="de-AT" sz="3200" dirty="0"/>
-            <a:t>Benachrichtigungen für App und Website</a:t>
-          </a:r>
-        </a:p>
-      </dgm:t>
-    </dgm:pt>
-    <dgm:pt modelId="{5BE4131D-BFE0-409D-8F4F-7A0DF15AC414}" type="parTrans" cxnId="{E3E40B74-7D99-46EA-A6E9-D00E55450A14}">
-      <dgm:prSet/>
-      <dgm:spPr/>
-      <dgm:t>
-        <a:bodyPr/>
-        <a:lstStyle/>
-        <a:p>
-          <a:endParaRPr lang="de-AT"/>
-        </a:p>
-      </dgm:t>
-    </dgm:pt>
-    <dgm:pt modelId="{FF7DFC74-6A0B-4C50-84EE-B234A273EE4D}" type="sibTrans" cxnId="{E3E40B74-7D99-46EA-A6E9-D00E55450A14}">
-      <dgm:prSet/>
-      <dgm:spPr/>
-      <dgm:t>
-        <a:bodyPr/>
-        <a:lstStyle/>
-        <a:p>
-          <a:endParaRPr lang="de-AT"/>
-        </a:p>
-      </dgm:t>
-    </dgm:pt>
-    <dgm:pt modelId="{3B490453-3AB5-43BF-A220-8763E9334A62}" type="pres">
-      <dgm:prSet presAssocID="{77C88005-57ED-46BB-851F-E7B70AF0F948}" presName="linearFlow" presStyleCnt="0">
-        <dgm:presLayoutVars>
-          <dgm:dir/>
-          <dgm:resizeHandles val="exact"/>
-        </dgm:presLayoutVars>
-      </dgm:prSet>
-      <dgm:spPr/>
-    </dgm:pt>
-    <dgm:pt modelId="{4580621B-3F4C-445D-9A95-9704713C91A6}" type="pres">
-      <dgm:prSet presAssocID="{51086372-B383-46DB-A073-F6973D56964D}" presName="composite" presStyleCnt="0"/>
-      <dgm:spPr/>
-    </dgm:pt>
-    <dgm:pt modelId="{516FFA7E-9013-47BF-9536-86832F6406F2}" type="pres">
-      <dgm:prSet presAssocID="{51086372-B383-46DB-A073-F6973D56964D}" presName="imgShp" presStyleLbl="fgImgPlace1" presStyleIdx="0" presStyleCnt="3"/>
-      <dgm:spPr>
-        <a:blipFill>
-          <a:blip xmlns:r="http://schemas.openxmlformats.org/officeDocument/2006/relationships" r:embed="rId1">
-            <a:extLst>
-              <a:ext uri="{28A0092B-C50C-407E-A947-70E740481C1C}">
-                <a14:useLocalDpi xmlns:a14="http://schemas.microsoft.com/office/drawing/2010/main" val="0"/>
-              </a:ext>
-            </a:extLst>
-          </a:blip>
-          <a:srcRect/>
-          <a:stretch>
-            <a:fillRect/>
-          </a:stretch>
-        </a:blipFill>
-      </dgm:spPr>
-    </dgm:pt>
-    <dgm:pt modelId="{BA086358-07F9-4ACC-8501-46331B190259}" type="pres">
-      <dgm:prSet presAssocID="{51086372-B383-46DB-A073-F6973D56964D}" presName="txShp" presStyleLbl="node1" presStyleIdx="0" presStyleCnt="3">
-        <dgm:presLayoutVars>
-          <dgm:bulletEnabled val="1"/>
-        </dgm:presLayoutVars>
-      </dgm:prSet>
-      <dgm:spPr/>
-    </dgm:pt>
-    <dgm:pt modelId="{9642F644-8920-4926-AE25-86FB475BD3B8}" type="pres">
-      <dgm:prSet presAssocID="{7CE8BEBC-6F32-4AC5-84B5-CEB9F38F7572}" presName="spacing" presStyleCnt="0"/>
-      <dgm:spPr/>
-    </dgm:pt>
-    <dgm:pt modelId="{D4A81612-3745-49FC-BEAA-EE8E7FF6A613}" type="pres">
-      <dgm:prSet presAssocID="{CF307BCB-CDEA-4917-ACFE-3C9F6AC72DF3}" presName="composite" presStyleCnt="0"/>
-      <dgm:spPr/>
-    </dgm:pt>
-    <dgm:pt modelId="{CA9020D1-CCF3-4CD3-B6BB-D13BBBF1F2CF}" type="pres">
-      <dgm:prSet presAssocID="{CF307BCB-CDEA-4917-ACFE-3C9F6AC72DF3}" presName="imgShp" presStyleLbl="fgImgPlace1" presStyleIdx="1" presStyleCnt="3"/>
-      <dgm:spPr>
-        <a:blipFill>
-          <a:blip xmlns:r="http://schemas.openxmlformats.org/officeDocument/2006/relationships" r:embed="rId2">
-            <a:extLst>
-              <a:ext uri="{28A0092B-C50C-407E-A947-70E740481C1C}">
-                <a14:useLocalDpi xmlns:a14="http://schemas.microsoft.com/office/drawing/2010/main" val="0"/>
-              </a:ext>
-            </a:extLst>
-          </a:blip>
-          <a:srcRect/>
-          <a:stretch>
-            <a:fillRect/>
-          </a:stretch>
-        </a:blipFill>
-      </dgm:spPr>
-    </dgm:pt>
-    <dgm:pt modelId="{AE78A5D3-30DA-4952-86D7-1F67A9C1E761}" type="pres">
-      <dgm:prSet presAssocID="{CF307BCB-CDEA-4917-ACFE-3C9F6AC72DF3}" presName="txShp" presStyleLbl="node1" presStyleIdx="1" presStyleCnt="3">
-        <dgm:presLayoutVars>
-          <dgm:bulletEnabled val="1"/>
-        </dgm:presLayoutVars>
-      </dgm:prSet>
-      <dgm:spPr/>
-    </dgm:pt>
-    <dgm:pt modelId="{863DA4B4-D0A0-4817-B385-EE35C1BC4160}" type="pres">
-      <dgm:prSet presAssocID="{105870FA-3B57-4AE3-9DA4-47CFA007A7C4}" presName="spacing" presStyleCnt="0"/>
-      <dgm:spPr/>
-    </dgm:pt>
-    <dgm:pt modelId="{EDED24D9-1AC1-4020-AC46-7C465A4538EF}" type="pres">
-      <dgm:prSet presAssocID="{5C1FB28A-95A0-4CC1-8584-BEEBB592A75F}" presName="composite" presStyleCnt="0"/>
-      <dgm:spPr/>
-    </dgm:pt>
-    <dgm:pt modelId="{6E85E27C-7C49-4E3D-A330-E577528A40A2}" type="pres">
-      <dgm:prSet presAssocID="{5C1FB28A-95A0-4CC1-8584-BEEBB592A75F}" presName="imgShp" presStyleLbl="fgImgPlace1" presStyleIdx="2" presStyleCnt="3"/>
-      <dgm:spPr>
-        <a:blipFill>
-          <a:blip xmlns:r="http://schemas.openxmlformats.org/officeDocument/2006/relationships" r:embed="rId3">
-            <a:extLst>
-              <a:ext uri="{28A0092B-C50C-407E-A947-70E740481C1C}">
-                <a14:useLocalDpi xmlns:a14="http://schemas.microsoft.com/office/drawing/2010/main" val="0"/>
-              </a:ext>
-            </a:extLst>
-          </a:blip>
-          <a:srcRect/>
-          <a:stretch>
-            <a:fillRect/>
-          </a:stretch>
-        </a:blipFill>
-      </dgm:spPr>
-    </dgm:pt>
-    <dgm:pt modelId="{C87861A3-3052-4F6A-B4B1-3591B4528DB8}" type="pres">
-      <dgm:prSet presAssocID="{5C1FB28A-95A0-4CC1-8584-BEEBB592A75F}" presName="txShp" presStyleLbl="node1" presStyleIdx="2" presStyleCnt="3">
-        <dgm:presLayoutVars>
-          <dgm:bulletEnabled val="1"/>
-        </dgm:presLayoutVars>
-      </dgm:prSet>
-      <dgm:spPr/>
-    </dgm:pt>
-  </dgm:ptLst>
-  <dgm:cxnLst>
-    <dgm:cxn modelId="{CA5BAD06-EEFA-44B7-8613-614D4F613EC0}" type="presOf" srcId="{5C1FB28A-95A0-4CC1-8584-BEEBB592A75F}" destId="{C87861A3-3052-4F6A-B4B1-3591B4528DB8}" srcOrd="0" destOrd="0" presId="urn:microsoft.com/office/officeart/2005/8/layout/vList3"/>
-    <dgm:cxn modelId="{BCCC895C-8E8B-4A65-9C96-5A0E0EC7DB2A}" srcId="{77C88005-57ED-46BB-851F-E7B70AF0F948}" destId="{51086372-B383-46DB-A073-F6973D56964D}" srcOrd="0" destOrd="0" parTransId="{469B227E-ECA4-4A5C-9D04-71BDB803EBAE}" sibTransId="{7CE8BEBC-6F32-4AC5-84B5-CEB9F38F7572}"/>
-    <dgm:cxn modelId="{E3E40B74-7D99-46EA-A6E9-D00E55450A14}" srcId="{77C88005-57ED-46BB-851F-E7B70AF0F948}" destId="{5C1FB28A-95A0-4CC1-8584-BEEBB592A75F}" srcOrd="2" destOrd="0" parTransId="{5BE4131D-BFE0-409D-8F4F-7A0DF15AC414}" sibTransId="{FF7DFC74-6A0B-4C50-84EE-B234A273EE4D}"/>
-    <dgm:cxn modelId="{70884589-8D76-428D-A4E2-87FB1E46E741}" type="presOf" srcId="{77C88005-57ED-46BB-851F-E7B70AF0F948}" destId="{3B490453-3AB5-43BF-A220-8763E9334A62}" srcOrd="0" destOrd="0" presId="urn:microsoft.com/office/officeart/2005/8/layout/vList3"/>
-    <dgm:cxn modelId="{A63C5799-25F7-4F2C-B426-210D0EC623A6}" type="presOf" srcId="{51086372-B383-46DB-A073-F6973D56964D}" destId="{BA086358-07F9-4ACC-8501-46331B190259}" srcOrd="0" destOrd="0" presId="urn:microsoft.com/office/officeart/2005/8/layout/vList3"/>
-    <dgm:cxn modelId="{8B195A99-E9FF-400D-B01D-5AB3AA16FACB}" type="presOf" srcId="{CF307BCB-CDEA-4917-ACFE-3C9F6AC72DF3}" destId="{AE78A5D3-30DA-4952-86D7-1F67A9C1E761}" srcOrd="0" destOrd="0" presId="urn:microsoft.com/office/officeart/2005/8/layout/vList3"/>
-    <dgm:cxn modelId="{7752EBD3-CB98-4C7A-940F-D0D9A508F09C}" srcId="{77C88005-57ED-46BB-851F-E7B70AF0F948}" destId="{CF307BCB-CDEA-4917-ACFE-3C9F6AC72DF3}" srcOrd="1" destOrd="0" parTransId="{E2A3BD37-9B14-464A-9841-7F1A6C24199C}" sibTransId="{105870FA-3B57-4AE3-9DA4-47CFA007A7C4}"/>
-    <dgm:cxn modelId="{C8C11C63-0A5F-48A1-A9DF-608D3D26217E}" type="presParOf" srcId="{3B490453-3AB5-43BF-A220-8763E9334A62}" destId="{4580621B-3F4C-445D-9A95-9704713C91A6}" srcOrd="0" destOrd="0" presId="urn:microsoft.com/office/officeart/2005/8/layout/vList3"/>
-    <dgm:cxn modelId="{480517DE-B269-44C2-95E3-8714D7F28CCA}" type="presParOf" srcId="{4580621B-3F4C-445D-9A95-9704713C91A6}" destId="{516FFA7E-9013-47BF-9536-86832F6406F2}" srcOrd="0" destOrd="0" presId="urn:microsoft.com/office/officeart/2005/8/layout/vList3"/>
-    <dgm:cxn modelId="{4543D255-0359-49D2-9D4D-943FDE1E7396}" type="presParOf" srcId="{4580621B-3F4C-445D-9A95-9704713C91A6}" destId="{BA086358-07F9-4ACC-8501-46331B190259}" srcOrd="1" destOrd="0" presId="urn:microsoft.com/office/officeart/2005/8/layout/vList3"/>
-    <dgm:cxn modelId="{680391DE-1E2B-473B-B4C7-004D8EE86839}" type="presParOf" srcId="{3B490453-3AB5-43BF-A220-8763E9334A62}" destId="{9642F644-8920-4926-AE25-86FB475BD3B8}" srcOrd="1" destOrd="0" presId="urn:microsoft.com/office/officeart/2005/8/layout/vList3"/>
-    <dgm:cxn modelId="{49A5874F-C5F6-4BCC-8209-4B4928EA2FC4}" type="presParOf" srcId="{3B490453-3AB5-43BF-A220-8763E9334A62}" destId="{D4A81612-3745-49FC-BEAA-EE8E7FF6A613}" srcOrd="2" destOrd="0" presId="urn:microsoft.com/office/officeart/2005/8/layout/vList3"/>
-    <dgm:cxn modelId="{261DA342-A9CF-4A86-B17D-364DA9A044AD}" type="presParOf" srcId="{D4A81612-3745-49FC-BEAA-EE8E7FF6A613}" destId="{CA9020D1-CCF3-4CD3-B6BB-D13BBBF1F2CF}" srcOrd="0" destOrd="0" presId="urn:microsoft.com/office/officeart/2005/8/layout/vList3"/>
-    <dgm:cxn modelId="{367862E5-93F2-4632-AFBF-1FF6729BBC7B}" type="presParOf" srcId="{D4A81612-3745-49FC-BEAA-EE8E7FF6A613}" destId="{AE78A5D3-30DA-4952-86D7-1F67A9C1E761}" srcOrd="1" destOrd="0" presId="urn:microsoft.com/office/officeart/2005/8/layout/vList3"/>
-    <dgm:cxn modelId="{44D36CC5-2972-41FB-98A2-6BDEFC6D4F34}" type="presParOf" srcId="{3B490453-3AB5-43BF-A220-8763E9334A62}" destId="{863DA4B4-D0A0-4817-B385-EE35C1BC4160}" srcOrd="3" destOrd="0" presId="urn:microsoft.com/office/officeart/2005/8/layout/vList3"/>
-    <dgm:cxn modelId="{10D56A91-DCB0-4DDB-B127-98635853950A}" type="presParOf" srcId="{3B490453-3AB5-43BF-A220-8763E9334A62}" destId="{EDED24D9-1AC1-4020-AC46-7C465A4538EF}" srcOrd="4" destOrd="0" presId="urn:microsoft.com/office/officeart/2005/8/layout/vList3"/>
-    <dgm:cxn modelId="{2FEE3520-30C8-4352-8424-BC20ED3C1910}" type="presParOf" srcId="{EDED24D9-1AC1-4020-AC46-7C465A4538EF}" destId="{6E85E27C-7C49-4E3D-A330-E577528A40A2}" srcOrd="0" destOrd="0" presId="urn:microsoft.com/office/officeart/2005/8/layout/vList3"/>
-    <dgm:cxn modelId="{6A1DD8FA-6B5C-4394-B652-BB7C346E85F9}" type="presParOf" srcId="{EDED24D9-1AC1-4020-AC46-7C465A4538EF}" destId="{C87861A3-3052-4F6A-B4B1-3591B4528DB8}" srcOrd="1" destOrd="0" presId="urn:microsoft.com/office/officeart/2005/8/layout/vList3"/>
-  </dgm:cxnLst>
-  <dgm:bg/>
-  <dgm:whole/>
-  <dgm:extLst>
-    <a:ext uri="http://schemas.microsoft.com/office/drawing/2008/diagram">
-      <dsp:dataModelExt xmlns:dsp="http://schemas.microsoft.com/office/drawing/2008/diagram" relId="rId7" minVer="http://schemas.openxmlformats.org/drawingml/2006/diagram"/>
-    </a:ext>
-  </dgm:extLst>
-</dgm:dataModel>
-</file>
-
-<file path=ppt/diagrams/data2.xml><?xml version="1.0" encoding="utf-8"?>
-<dgm:dataModel xmlns:dgm="http://schemas.openxmlformats.org/drawingml/2006/diagram" xmlns:a="http://schemas.openxmlformats.org/drawingml/2006/main">
-  <dgm:ptLst>
-    <dgm:pt modelId="{77C88005-57ED-46BB-851F-E7B70AF0F948}" type="doc">
-      <dgm:prSet loTypeId="urn:microsoft.com/office/officeart/2005/8/layout/vList3" loCatId="list" qsTypeId="urn:microsoft.com/office/officeart/2005/8/quickstyle/simple1" qsCatId="simple" csTypeId="urn:microsoft.com/office/officeart/2005/8/colors/accent1_2" csCatId="accent1" phldr="1"/>
-      <dgm:spPr/>
-    </dgm:pt>
-    <dgm:pt modelId="{51086372-B383-46DB-A073-F6973D56964D}">
-      <dgm:prSet phldrT="[Text]"/>
-      <dgm:spPr>
-        <a:solidFill>
-          <a:schemeClr val="bg1">
-            <a:lumMod val="85000"/>
-          </a:schemeClr>
-        </a:solidFill>
-      </dgm:spPr>
-      <dgm:t>
-        <a:bodyPr/>
-        <a:lstStyle/>
-        <a:p>
-          <a:r>
-            <a:rPr lang="de-AT" dirty="0"/>
-            <a:t>Vorbereitung der Website für JSF</a:t>
-          </a:r>
-        </a:p>
-      </dgm:t>
-    </dgm:pt>
-    <dgm:pt modelId="{469B227E-ECA4-4A5C-9D04-71BDB803EBAE}" type="parTrans" cxnId="{BCCC895C-8E8B-4A65-9C96-5A0E0EC7DB2A}">
-      <dgm:prSet/>
-      <dgm:spPr/>
-      <dgm:t>
-        <a:bodyPr/>
-        <a:lstStyle/>
-        <a:p>
-          <a:endParaRPr lang="de-AT"/>
-        </a:p>
-      </dgm:t>
-    </dgm:pt>
-    <dgm:pt modelId="{7CE8BEBC-6F32-4AC5-84B5-CEB9F38F7572}" type="sibTrans" cxnId="{BCCC895C-8E8B-4A65-9C96-5A0E0EC7DB2A}">
-      <dgm:prSet/>
-      <dgm:spPr/>
-      <dgm:t>
-        <a:bodyPr/>
-        <a:lstStyle/>
-        <a:p>
-          <a:endParaRPr lang="de-AT"/>
-        </a:p>
-      </dgm:t>
-    </dgm:pt>
-    <dgm:pt modelId="{CF307BCB-CDEA-4917-ACFE-3C9F6AC72DF3}">
-      <dgm:prSet phldrT="[Text]"/>
-      <dgm:spPr>
-        <a:solidFill>
-          <a:schemeClr val="bg1">
-            <a:lumMod val="85000"/>
-          </a:schemeClr>
-        </a:solidFill>
-      </dgm:spPr>
-      <dgm:t>
-        <a:bodyPr/>
-        <a:lstStyle/>
-        <a:p>
-          <a:r>
-            <a:rPr lang="de-AT" dirty="0"/>
-            <a:t>Statistiken in der </a:t>
-          </a:r>
-          <a:r>
-            <a:rPr lang="de-AT" dirty="0" err="1"/>
-            <a:t>Androidapp</a:t>
-          </a:r>
-          <a:endParaRPr lang="de-AT" dirty="0"/>
-        </a:p>
-      </dgm:t>
-    </dgm:pt>
-    <dgm:pt modelId="{E2A3BD37-9B14-464A-9841-7F1A6C24199C}" type="parTrans" cxnId="{7752EBD3-CB98-4C7A-940F-D0D9A508F09C}">
-      <dgm:prSet/>
-      <dgm:spPr/>
-      <dgm:t>
-        <a:bodyPr/>
-        <a:lstStyle/>
-        <a:p>
-          <a:endParaRPr lang="de-AT"/>
-        </a:p>
-      </dgm:t>
-    </dgm:pt>
-    <dgm:pt modelId="{105870FA-3B57-4AE3-9DA4-47CFA007A7C4}" type="sibTrans" cxnId="{7752EBD3-CB98-4C7A-940F-D0D9A508F09C}">
-      <dgm:prSet/>
-      <dgm:spPr/>
-      <dgm:t>
-        <a:bodyPr/>
-        <a:lstStyle/>
-        <a:p>
-          <a:endParaRPr lang="de-AT"/>
-        </a:p>
-      </dgm:t>
-    </dgm:pt>
     <dgm:pt modelId="{3B490453-3AB5-43BF-A220-8763E9334A62}" type="pres">
       <dgm:prSet presAssocID="{77C88005-57ED-46BB-851F-E7B70AF0F948}" presName="linearFlow" presStyleCnt="0">
         <dgm:presLayoutVars>
@@ -2021,7 +1744,7 @@
     <dgm:pt modelId="{516FFA7E-9013-47BF-9536-86832F6406F2}" type="pres">
       <dgm:prSet presAssocID="{51086372-B383-46DB-A073-F6973D56964D}" presName="imgShp" presStyleLbl="fgImgPlace1" presStyleIdx="0" presStyleCnt="2"/>
       <dgm:spPr>
-        <a:blipFill>
+        <a:blipFill rotWithShape="1">
           <a:blip xmlns:r="http://schemas.openxmlformats.org/officeDocument/2006/relationships" r:embed="rId1">
             <a:extLst>
               <a:ext uri="{28A0092B-C50C-407E-A947-70E740481C1C}">
@@ -2097,72 +1820,99 @@
   <dgm:whole/>
   <dgm:extLst>
     <a:ext uri="http://schemas.microsoft.com/office/drawing/2008/diagram">
-      <dsp:dataModelExt xmlns:dsp="http://schemas.microsoft.com/office/drawing/2008/diagram" relId="rId6" minVer="http://schemas.openxmlformats.org/drawingml/2006/diagram"/>
+      <dsp:dataModelExt xmlns:dsp="http://schemas.microsoft.com/office/drawing/2008/diagram" relId="rId7" minVer="http://schemas.openxmlformats.org/drawingml/2006/diagram"/>
     </a:ext>
   </dgm:extLst>
 </dgm:dataModel>
 </file>
 
-<file path=ppt/diagrams/drawing1.xml><?xml version="1.0" encoding="utf-8"?>
-<dsp:drawing xmlns:dgm="http://schemas.openxmlformats.org/drawingml/2006/diagram" xmlns:dsp="http://schemas.microsoft.com/office/drawing/2008/diagram" xmlns:a="http://schemas.openxmlformats.org/drawingml/2006/main">
-  <dsp:spTree>
-    <dsp:nvGrpSpPr>
-      <dsp:cNvPr id="0" name=""/>
-      <dsp:cNvGrpSpPr/>
-    </dsp:nvGrpSpPr>
-    <dsp:grpSpPr/>
-    <dsp:sp modelId="{BA086358-07F9-4ACC-8501-46331B190259}">
-      <dsp:nvSpPr>
-        <dsp:cNvPr id="0" name=""/>
-        <dsp:cNvSpPr/>
-      </dsp:nvSpPr>
-      <dsp:spPr>
-        <a:xfrm rot="10800000">
-          <a:off x="1608330" y="196"/>
-          <a:ext cx="4972288" cy="1423647"/>
-        </a:xfrm>
-        <a:prstGeom prst="homePlate">
-          <a:avLst/>
-        </a:prstGeom>
+<file path=ppt/diagrams/data2.xml><?xml version="1.0" encoding="utf-8"?>
+<dgm:dataModel xmlns:dgm="http://schemas.openxmlformats.org/drawingml/2006/diagram" xmlns:a="http://schemas.openxmlformats.org/drawingml/2006/main">
+  <dgm:ptLst>
+    <dgm:pt modelId="{77C88005-57ED-46BB-851F-E7B70AF0F948}" type="doc">
+      <dgm:prSet loTypeId="urn:microsoft.com/office/officeart/2005/8/layout/vList3" loCatId="list" qsTypeId="urn:microsoft.com/office/officeart/2005/8/quickstyle/simple1" qsCatId="simple" csTypeId="urn:microsoft.com/office/officeart/2005/8/colors/accent1_2" csCatId="accent1" phldr="1"/>
+      <dgm:spPr/>
+    </dgm:pt>
+    <dgm:pt modelId="{51086372-B383-46DB-A073-F6973D56964D}">
+      <dgm:prSet phldrT="[Text]"/>
+      <dgm:spPr>
         <a:solidFill>
-          <a:schemeClr val="bg1">
+          <a:srgbClr val="FFFFFF">
             <a:lumMod val="85000"/>
-          </a:schemeClr>
+          </a:srgbClr>
         </a:solidFill>
         <a:ln w="10795" cap="flat" cmpd="sng" algn="ctr">
           <a:solidFill>
-            <a:schemeClr val="lt1">
+            <a:srgbClr val="FFFFFF">
               <a:hueOff val="0"/>
               <a:satOff val="0"/>
               <a:lumOff val="0"/>
               <a:alphaOff val="0"/>
-            </a:schemeClr>
+            </a:srgbClr>
           </a:solidFill>
           <a:prstDash val="solid"/>
         </a:ln>
         <a:effectLst/>
-      </dsp:spPr>
-      <dsp:style>
-        <a:lnRef idx="2">
-          <a:scrgbClr r="0" g="0" b="0"/>
-        </a:lnRef>
-        <a:fillRef idx="1">
-          <a:scrgbClr r="0" g="0" b="0"/>
-        </a:fillRef>
-        <a:effectRef idx="0">
-          <a:scrgbClr r="0" g="0" b="0"/>
-        </a:effectRef>
-        <a:fontRef idx="minor">
-          <a:schemeClr val="lt1"/>
-        </a:fontRef>
-      </dsp:style>
-      <dsp:txBody>
-        <a:bodyPr spcFirstLastPara="0" vert="horz" wrap="square" lIns="627789" tIns="125730" rIns="234696" bIns="125730" numCol="1" spcCol="1270" anchor="ctr" anchorCtr="0">
-          <a:noAutofit/>
-        </a:bodyPr>
+      </dgm:spPr>
+      <dgm:t>
+        <a:bodyPr spcFirstLastPara="0" vert="horz" wrap="square" lIns="627789" tIns="106680" rIns="199136" bIns="106680" numCol="1" spcCol="1270" anchor="ctr" anchorCtr="0"/>
         <a:lstStyle/>
         <a:p>
-          <a:pPr marL="0" lvl="0" indent="0" algn="ctr" defTabSz="1466850">
+          <a:r>
+            <a:rPr lang="de-AT" dirty="0"/>
+            <a:t>Vorbereitung der Website für JSF (XHTML)</a:t>
+          </a:r>
+        </a:p>
+      </dgm:t>
+    </dgm:pt>
+    <dgm:pt modelId="{469B227E-ECA4-4A5C-9D04-71BDB803EBAE}" type="parTrans" cxnId="{BCCC895C-8E8B-4A65-9C96-5A0E0EC7DB2A}">
+      <dgm:prSet/>
+      <dgm:spPr/>
+      <dgm:t>
+        <a:bodyPr/>
+        <a:lstStyle/>
+        <a:p>
+          <a:endParaRPr lang="de-AT"/>
+        </a:p>
+      </dgm:t>
+    </dgm:pt>
+    <dgm:pt modelId="{7CE8BEBC-6F32-4AC5-84B5-CEB9F38F7572}" type="sibTrans" cxnId="{BCCC895C-8E8B-4A65-9C96-5A0E0EC7DB2A}">
+      <dgm:prSet/>
+      <dgm:spPr/>
+      <dgm:t>
+        <a:bodyPr/>
+        <a:lstStyle/>
+        <a:p>
+          <a:endParaRPr lang="de-AT"/>
+        </a:p>
+      </dgm:t>
+    </dgm:pt>
+    <dgm:pt modelId="{CF307BCB-CDEA-4917-ACFE-3C9F6AC72DF3}">
+      <dgm:prSet phldrT="[Text]" custT="1"/>
+      <dgm:spPr>
+        <a:solidFill>
+          <a:srgbClr val="FFFFFF">
+            <a:lumMod val="85000"/>
+          </a:srgbClr>
+        </a:solidFill>
+        <a:ln w="10795" cap="flat" cmpd="sng" algn="ctr">
+          <a:solidFill>
+            <a:srgbClr val="FFFFFF">
+              <a:hueOff val="0"/>
+              <a:satOff val="0"/>
+              <a:lumOff val="0"/>
+              <a:alphaOff val="0"/>
+            </a:srgbClr>
+          </a:solidFill>
+          <a:prstDash val="solid"/>
+        </a:ln>
+        <a:effectLst/>
+      </dgm:spPr>
+      <dgm:t>
+        <a:bodyPr spcFirstLastPara="0" vert="horz" wrap="square" lIns="627789" tIns="106680" rIns="199136" bIns="106680" numCol="1" spcCol="1270" anchor="ctr" anchorCtr="0"/>
+        <a:lstStyle/>
+        <a:p>
+          <a:pPr marL="0" lvl="0" indent="0" algn="ctr" defTabSz="1244600">
             <a:lnSpc>
               <a:spcPct val="90000"/>
             </a:lnSpc>
@@ -2175,29 +1925,118 @@
             <a:buNone/>
           </a:pPr>
           <a:r>
-            <a:rPr lang="de-AT" sz="3300" kern="1200" dirty="0"/>
-            <a:t>Frontend-Gestaltung der Webinterfaces</a:t>
+            <a:rPr lang="de-AT" sz="2800" kern="1200" dirty="0">
+              <a:solidFill>
+                <a:srgbClr val="FFFFFF"/>
+              </a:solidFill>
+              <a:latin typeface="Corbel" panose="020B0503020204020204"/>
+              <a:ea typeface="+mn-ea"/>
+              <a:cs typeface="+mn-cs"/>
+            </a:rPr>
+            <a:t>Statistiken in der </a:t>
+          </a:r>
+          <a:r>
+            <a:rPr lang="de-AT" sz="2800" kern="1200" dirty="0" err="1">
+              <a:solidFill>
+                <a:srgbClr val="FFFFFF"/>
+              </a:solidFill>
+              <a:latin typeface="Corbel" panose="020B0503020204020204"/>
+              <a:ea typeface="+mn-ea"/>
+              <a:cs typeface="+mn-cs"/>
+            </a:rPr>
+            <a:t>Androidapp</a:t>
+          </a:r>
+          <a:endParaRPr lang="de-AT" sz="2800" kern="1200" dirty="0">
+            <a:solidFill>
+              <a:srgbClr val="FFFFFF"/>
+            </a:solidFill>
+            <a:latin typeface="Corbel" panose="020B0503020204020204"/>
+            <a:ea typeface="+mn-ea"/>
+            <a:cs typeface="+mn-cs"/>
+          </a:endParaRPr>
+        </a:p>
+      </dgm:t>
+    </dgm:pt>
+    <dgm:pt modelId="{E2A3BD37-9B14-464A-9841-7F1A6C24199C}" type="parTrans" cxnId="{7752EBD3-CB98-4C7A-940F-D0D9A508F09C}">
+      <dgm:prSet/>
+      <dgm:spPr/>
+      <dgm:t>
+        <a:bodyPr/>
+        <a:lstStyle/>
+        <a:p>
+          <a:endParaRPr lang="de-AT"/>
+        </a:p>
+      </dgm:t>
+    </dgm:pt>
+    <dgm:pt modelId="{105870FA-3B57-4AE3-9DA4-47CFA007A7C4}" type="sibTrans" cxnId="{7752EBD3-CB98-4C7A-940F-D0D9A508F09C}">
+      <dgm:prSet/>
+      <dgm:spPr/>
+      <dgm:t>
+        <a:bodyPr/>
+        <a:lstStyle/>
+        <a:p>
+          <a:endParaRPr lang="de-AT"/>
+        </a:p>
+      </dgm:t>
+    </dgm:pt>
+    <dgm:pt modelId="{5A7C641C-4F5B-4BDD-942E-F8846BE44EB0}">
+      <dgm:prSet phldrT="[Text]"/>
+      <dgm:spPr>
+        <a:solidFill>
+          <a:schemeClr val="bg1">
+            <a:lumMod val="85000"/>
+          </a:schemeClr>
+        </a:solidFill>
+      </dgm:spPr>
+      <dgm:t>
+        <a:bodyPr/>
+        <a:lstStyle/>
+        <a:p>
+          <a:r>
+            <a:rPr lang="de-AT" dirty="0"/>
+            <a:t>Benachrichtigungen für App und Website</a:t>
           </a:r>
         </a:p>
-      </dsp:txBody>
-      <dsp:txXfrm rot="10800000">
-        <a:off x="1964242" y="196"/>
-        <a:ext cx="4616376" cy="1423647"/>
-      </dsp:txXfrm>
-    </dsp:sp>
-    <dsp:sp modelId="{516FFA7E-9013-47BF-9536-86832F6406F2}">
-      <dsp:nvSpPr>
-        <dsp:cNvPr id="0" name=""/>
-        <dsp:cNvSpPr/>
-      </dsp:nvSpPr>
-      <dsp:spPr>
-        <a:xfrm>
-          <a:off x="896506" y="196"/>
-          <a:ext cx="1423647" cy="1423647"/>
-        </a:xfrm>
-        <a:prstGeom prst="ellipse">
-          <a:avLst/>
-        </a:prstGeom>
+      </dgm:t>
+    </dgm:pt>
+    <dgm:pt modelId="{EE065C2B-6566-49D1-9A18-503FA97CC918}" type="parTrans" cxnId="{8172500D-00DB-4EE7-B469-A8C4CB238F07}">
+      <dgm:prSet/>
+      <dgm:spPr/>
+      <dgm:t>
+        <a:bodyPr/>
+        <a:lstStyle/>
+        <a:p>
+          <a:endParaRPr lang="de-AT"/>
+        </a:p>
+      </dgm:t>
+    </dgm:pt>
+    <dgm:pt modelId="{8243C689-0EEE-424D-ABDF-C42EFA5C9983}" type="sibTrans" cxnId="{8172500D-00DB-4EE7-B469-A8C4CB238F07}">
+      <dgm:prSet/>
+      <dgm:spPr/>
+      <dgm:t>
+        <a:bodyPr/>
+        <a:lstStyle/>
+        <a:p>
+          <a:endParaRPr lang="de-AT"/>
+        </a:p>
+      </dgm:t>
+    </dgm:pt>
+    <dgm:pt modelId="{3B490453-3AB5-43BF-A220-8763E9334A62}" type="pres">
+      <dgm:prSet presAssocID="{77C88005-57ED-46BB-851F-E7B70AF0F948}" presName="linearFlow" presStyleCnt="0">
+        <dgm:presLayoutVars>
+          <dgm:dir/>
+          <dgm:resizeHandles val="exact"/>
+        </dgm:presLayoutVars>
+      </dgm:prSet>
+      <dgm:spPr/>
+    </dgm:pt>
+    <dgm:pt modelId="{4580621B-3F4C-445D-9A95-9704713C91A6}" type="pres">
+      <dgm:prSet presAssocID="{51086372-B383-46DB-A073-F6973D56964D}" presName="composite" presStyleCnt="0"/>
+      <dgm:spPr/>
+    </dgm:pt>
+    <dgm:pt modelId="{516FFA7E-9013-47BF-9536-86832F6406F2}" type="pres">
+      <dgm:prSet presAssocID="{51086372-B383-46DB-A073-F6973D56964D}" presName="imgShp" presStyleLbl="fgImgPlace1" presStyleIdx="0" presStyleCnt="3"/>
+      <dgm:spPr>
         <a:blipFill>
           <a:blip xmlns:r="http://schemas.openxmlformats.org/officeDocument/2006/relationships" r:embed="rId1">
             <a:extLst>
@@ -2211,119 +2050,35 @@
             <a:fillRect/>
           </a:stretch>
         </a:blipFill>
-        <a:ln w="10795" cap="flat" cmpd="sng" algn="ctr">
-          <a:solidFill>
-            <a:schemeClr val="lt1">
-              <a:hueOff val="0"/>
-              <a:satOff val="0"/>
-              <a:lumOff val="0"/>
-              <a:alphaOff val="0"/>
-            </a:schemeClr>
-          </a:solidFill>
-          <a:prstDash val="solid"/>
-        </a:ln>
-        <a:effectLst/>
-      </dsp:spPr>
-      <dsp:style>
-        <a:lnRef idx="2">
-          <a:scrgbClr r="0" g="0" b="0"/>
-        </a:lnRef>
-        <a:fillRef idx="1">
-          <a:scrgbClr r="0" g="0" b="0"/>
-        </a:fillRef>
-        <a:effectRef idx="0">
-          <a:scrgbClr r="0" g="0" b="0"/>
-        </a:effectRef>
-        <a:fontRef idx="minor"/>
-      </dsp:style>
-    </dsp:sp>
-    <dsp:sp modelId="{AE78A5D3-30DA-4952-86D7-1F67A9C1E761}">
-      <dsp:nvSpPr>
-        <dsp:cNvPr id="0" name=""/>
-        <dsp:cNvSpPr/>
-      </dsp:nvSpPr>
-      <dsp:spPr>
+      </dgm:spPr>
+    </dgm:pt>
+    <dgm:pt modelId="{BA086358-07F9-4ACC-8501-46331B190259}" type="pres">
+      <dgm:prSet presAssocID="{51086372-B383-46DB-A073-F6973D56964D}" presName="txShp" presStyleLbl="node1" presStyleIdx="0" presStyleCnt="3">
+        <dgm:presLayoutVars>
+          <dgm:bulletEnabled val="1"/>
+        </dgm:presLayoutVars>
+      </dgm:prSet>
+      <dgm:spPr>
         <a:xfrm rot="10800000">
-          <a:off x="1608330" y="1848813"/>
+          <a:off x="1608330" y="196"/>
           <a:ext cx="4972288" cy="1423647"/>
         </a:xfrm>
         <a:prstGeom prst="homePlate">
           <a:avLst/>
         </a:prstGeom>
-        <a:solidFill>
-          <a:schemeClr val="bg1">
-            <a:lumMod val="85000"/>
-          </a:schemeClr>
-        </a:solidFill>
-        <a:ln w="10795" cap="flat" cmpd="sng" algn="ctr">
-          <a:solidFill>
-            <a:schemeClr val="lt1">
-              <a:hueOff val="0"/>
-              <a:satOff val="0"/>
-              <a:lumOff val="0"/>
-              <a:alphaOff val="0"/>
-            </a:schemeClr>
-          </a:solidFill>
-          <a:prstDash val="solid"/>
-        </a:ln>
-        <a:effectLst/>
-      </dsp:spPr>
-      <dsp:style>
-        <a:lnRef idx="2">
-          <a:scrgbClr r="0" g="0" b="0"/>
-        </a:lnRef>
-        <a:fillRef idx="1">
-          <a:scrgbClr r="0" g="0" b="0"/>
-        </a:fillRef>
-        <a:effectRef idx="0">
-          <a:scrgbClr r="0" g="0" b="0"/>
-        </a:effectRef>
-        <a:fontRef idx="minor">
-          <a:schemeClr val="lt1"/>
-        </a:fontRef>
-      </dsp:style>
-      <dsp:txBody>
-        <a:bodyPr spcFirstLastPara="0" vert="horz" wrap="square" lIns="627789" tIns="125730" rIns="234696" bIns="125730" numCol="1" spcCol="1270" anchor="ctr" anchorCtr="0">
-          <a:noAutofit/>
-        </a:bodyPr>
-        <a:lstStyle/>
-        <a:p>
-          <a:pPr marL="0" lvl="0" indent="0" algn="ctr" defTabSz="1466850">
-            <a:lnSpc>
-              <a:spcPct val="90000"/>
-            </a:lnSpc>
-            <a:spcBef>
-              <a:spcPct val="0"/>
-            </a:spcBef>
-            <a:spcAft>
-              <a:spcPct val="35000"/>
-            </a:spcAft>
-            <a:buNone/>
-          </a:pPr>
-          <a:r>
-            <a:rPr lang="de-AT" sz="3300" kern="1200" dirty="0"/>
-            <a:t>Entwicklung einer Android-App</a:t>
-          </a:r>
-        </a:p>
-      </dsp:txBody>
-      <dsp:txXfrm rot="10800000">
-        <a:off x="1964242" y="1848813"/>
-        <a:ext cx="4616376" cy="1423647"/>
-      </dsp:txXfrm>
-    </dsp:sp>
-    <dsp:sp modelId="{CA9020D1-CCF3-4CD3-B6BB-D13BBBF1F2CF}">
-      <dsp:nvSpPr>
-        <dsp:cNvPr id="0" name=""/>
-        <dsp:cNvSpPr/>
-      </dsp:nvSpPr>
-      <dsp:spPr>
-        <a:xfrm>
-          <a:off x="896506" y="1848813"/>
-          <a:ext cx="1423647" cy="1423647"/>
-        </a:xfrm>
-        <a:prstGeom prst="ellipse">
-          <a:avLst/>
-        </a:prstGeom>
+      </dgm:spPr>
+    </dgm:pt>
+    <dgm:pt modelId="{D78E0657-8DE3-4B1D-B9D7-CF3163967DE6}" type="pres">
+      <dgm:prSet presAssocID="{7CE8BEBC-6F32-4AC5-84B5-CEB9F38F7572}" presName="spacing" presStyleCnt="0"/>
+      <dgm:spPr/>
+    </dgm:pt>
+    <dgm:pt modelId="{E2D558A2-DA61-4E1B-807D-F0600E8748D4}" type="pres">
+      <dgm:prSet presAssocID="{CF307BCB-CDEA-4917-ACFE-3C9F6AC72DF3}" presName="composite" presStyleCnt="0"/>
+      <dgm:spPr/>
+    </dgm:pt>
+    <dgm:pt modelId="{020F5142-2390-4CC0-9E87-73DC1120439D}" type="pres">
+      <dgm:prSet presAssocID="{CF307BCB-CDEA-4917-ACFE-3C9F6AC72DF3}" presName="imgShp" presStyleLbl="fgImgPlace1" presStyleIdx="1" presStyleCnt="3"/>
+      <dgm:spPr>
         <a:blipFill>
           <a:blip xmlns:r="http://schemas.openxmlformats.org/officeDocument/2006/relationships" r:embed="rId2">
             <a:extLst>
@@ -2337,119 +2092,35 @@
             <a:fillRect/>
           </a:stretch>
         </a:blipFill>
-        <a:ln w="10795" cap="flat" cmpd="sng" algn="ctr">
-          <a:solidFill>
-            <a:schemeClr val="lt1">
-              <a:hueOff val="0"/>
-              <a:satOff val="0"/>
-              <a:lumOff val="0"/>
-              <a:alphaOff val="0"/>
-            </a:schemeClr>
-          </a:solidFill>
-          <a:prstDash val="solid"/>
-        </a:ln>
-        <a:effectLst/>
-      </dsp:spPr>
-      <dsp:style>
-        <a:lnRef idx="2">
-          <a:scrgbClr r="0" g="0" b="0"/>
-        </a:lnRef>
-        <a:fillRef idx="1">
-          <a:scrgbClr r="0" g="0" b="0"/>
-        </a:fillRef>
-        <a:effectRef idx="0">
-          <a:scrgbClr r="0" g="0" b="0"/>
-        </a:effectRef>
-        <a:fontRef idx="minor"/>
-      </dsp:style>
-    </dsp:sp>
-    <dsp:sp modelId="{C87861A3-3052-4F6A-B4B1-3591B4528DB8}">
-      <dsp:nvSpPr>
-        <dsp:cNvPr id="0" name=""/>
-        <dsp:cNvSpPr/>
-      </dsp:nvSpPr>
-      <dsp:spPr>
+      </dgm:spPr>
+    </dgm:pt>
+    <dgm:pt modelId="{42EC1B92-387E-4FB5-A620-9437F830FB84}" type="pres">
+      <dgm:prSet presAssocID="{CF307BCB-CDEA-4917-ACFE-3C9F6AC72DF3}" presName="txShp" presStyleLbl="node1" presStyleIdx="1" presStyleCnt="3">
+        <dgm:presLayoutVars>
+          <dgm:bulletEnabled val="1"/>
+        </dgm:presLayoutVars>
+      </dgm:prSet>
+      <dgm:spPr>
         <a:xfrm rot="10800000">
-          <a:off x="1608330" y="3697430"/>
+          <a:off x="1608330" y="1848813"/>
           <a:ext cx="4972288" cy="1423647"/>
         </a:xfrm>
         <a:prstGeom prst="homePlate">
           <a:avLst/>
         </a:prstGeom>
-        <a:solidFill>
-          <a:schemeClr val="bg1">
-            <a:lumMod val="85000"/>
-          </a:schemeClr>
-        </a:solidFill>
-        <a:ln w="10795" cap="flat" cmpd="sng" algn="ctr">
-          <a:solidFill>
-            <a:schemeClr val="lt1">
-              <a:hueOff val="0"/>
-              <a:satOff val="0"/>
-              <a:lumOff val="0"/>
-              <a:alphaOff val="0"/>
-            </a:schemeClr>
-          </a:solidFill>
-          <a:prstDash val="solid"/>
-        </a:ln>
-        <a:effectLst/>
-      </dsp:spPr>
-      <dsp:style>
-        <a:lnRef idx="2">
-          <a:scrgbClr r="0" g="0" b="0"/>
-        </a:lnRef>
-        <a:fillRef idx="1">
-          <a:scrgbClr r="0" g="0" b="0"/>
-        </a:fillRef>
-        <a:effectRef idx="0">
-          <a:scrgbClr r="0" g="0" b="0"/>
-        </a:effectRef>
-        <a:fontRef idx="minor">
-          <a:schemeClr val="lt1"/>
-        </a:fontRef>
-      </dsp:style>
-      <dsp:txBody>
-        <a:bodyPr spcFirstLastPara="0" vert="horz" wrap="square" lIns="627789" tIns="121920" rIns="227584" bIns="121920" numCol="1" spcCol="1270" anchor="ctr" anchorCtr="0">
-          <a:noAutofit/>
-        </a:bodyPr>
-        <a:lstStyle/>
-        <a:p>
-          <a:pPr marL="0" lvl="0" indent="0" algn="ctr" defTabSz="1422400">
-            <a:lnSpc>
-              <a:spcPct val="90000"/>
-            </a:lnSpc>
-            <a:spcBef>
-              <a:spcPct val="0"/>
-            </a:spcBef>
-            <a:spcAft>
-              <a:spcPct val="35000"/>
-            </a:spcAft>
-            <a:buNone/>
-          </a:pPr>
-          <a:r>
-            <a:rPr lang="de-AT" sz="3200" kern="1200" dirty="0"/>
-            <a:t>Benachrichtigungen für App und Website</a:t>
-          </a:r>
-        </a:p>
-      </dsp:txBody>
-      <dsp:txXfrm rot="10800000">
-        <a:off x="1964242" y="3697430"/>
-        <a:ext cx="4616376" cy="1423647"/>
-      </dsp:txXfrm>
-    </dsp:sp>
-    <dsp:sp modelId="{6E85E27C-7C49-4E3D-A330-E577528A40A2}">
-      <dsp:nvSpPr>
-        <dsp:cNvPr id="0" name=""/>
-        <dsp:cNvSpPr/>
-      </dsp:nvSpPr>
-      <dsp:spPr>
-        <a:xfrm>
-          <a:off x="896506" y="3697430"/>
-          <a:ext cx="1423647" cy="1423647"/>
-        </a:xfrm>
-        <a:prstGeom prst="ellipse">
-          <a:avLst/>
-        </a:prstGeom>
+      </dgm:spPr>
+    </dgm:pt>
+    <dgm:pt modelId="{E03A0CC5-5DF9-4BAB-BCA0-6FBB021DB2F8}" type="pres">
+      <dgm:prSet presAssocID="{105870FA-3B57-4AE3-9DA4-47CFA007A7C4}" presName="spacing" presStyleCnt="0"/>
+      <dgm:spPr/>
+    </dgm:pt>
+    <dgm:pt modelId="{9A2E5926-559A-4B35-9F4F-F6F06A13B1D2}" type="pres">
+      <dgm:prSet presAssocID="{5A7C641C-4F5B-4BDD-942E-F8846BE44EB0}" presName="composite" presStyleCnt="0"/>
+      <dgm:spPr/>
+    </dgm:pt>
+    <dgm:pt modelId="{3696C9BE-6342-4DE7-B1DA-2E49DA2A8BFB}" type="pres">
+      <dgm:prSet presAssocID="{5A7C641C-4F5B-4BDD-942E-F8846BE44EB0}" presName="imgShp" presStyleLbl="fgImgPlace1" presStyleIdx="2" presStyleCnt="3"/>
+      <dgm:spPr>
         <a:blipFill>
           <a:blip xmlns:r="http://schemas.openxmlformats.org/officeDocument/2006/relationships" r:embed="rId3">
             <a:extLst>
@@ -2463,37 +2134,55 @@
             <a:fillRect/>
           </a:stretch>
         </a:blipFill>
-        <a:ln w="10795" cap="flat" cmpd="sng" algn="ctr">
-          <a:solidFill>
-            <a:schemeClr val="lt1">
-              <a:hueOff val="0"/>
-              <a:satOff val="0"/>
-              <a:lumOff val="0"/>
-              <a:alphaOff val="0"/>
-            </a:schemeClr>
-          </a:solidFill>
-          <a:prstDash val="solid"/>
-        </a:ln>
-        <a:effectLst/>
-      </dsp:spPr>
-      <dsp:style>
-        <a:lnRef idx="2">
-          <a:scrgbClr r="0" g="0" b="0"/>
-        </a:lnRef>
-        <a:fillRef idx="1">
-          <a:scrgbClr r="0" g="0" b="0"/>
-        </a:fillRef>
-        <a:effectRef idx="0">
-          <a:scrgbClr r="0" g="0" b="0"/>
-        </a:effectRef>
-        <a:fontRef idx="minor"/>
-      </dsp:style>
-    </dsp:sp>
-  </dsp:spTree>
-</dsp:drawing>
+      </dgm:spPr>
+      <dgm:t>
+        <a:bodyPr/>
+        <a:lstStyle/>
+        <a:p>
+          <a:endParaRPr lang="de-AT"/>
+        </a:p>
+      </dgm:t>
+    </dgm:pt>
+    <dgm:pt modelId="{8B8A97F4-6D79-4086-8516-B789D1C66AA3}" type="pres">
+      <dgm:prSet presAssocID="{5A7C641C-4F5B-4BDD-942E-F8846BE44EB0}" presName="txShp" presStyleLbl="node1" presStyleIdx="2" presStyleCnt="3">
+        <dgm:presLayoutVars>
+          <dgm:bulletEnabled val="1"/>
+        </dgm:presLayoutVars>
+      </dgm:prSet>
+      <dgm:spPr/>
+    </dgm:pt>
+  </dgm:ptLst>
+  <dgm:cxnLst>
+    <dgm:cxn modelId="{8172500D-00DB-4EE7-B469-A8C4CB238F07}" srcId="{77C88005-57ED-46BB-851F-E7B70AF0F948}" destId="{5A7C641C-4F5B-4BDD-942E-F8846BE44EB0}" srcOrd="2" destOrd="0" parTransId="{EE065C2B-6566-49D1-9A18-503FA97CC918}" sibTransId="{8243C689-0EEE-424D-ABDF-C42EFA5C9983}"/>
+    <dgm:cxn modelId="{BCCC895C-8E8B-4A65-9C96-5A0E0EC7DB2A}" srcId="{77C88005-57ED-46BB-851F-E7B70AF0F948}" destId="{51086372-B383-46DB-A073-F6973D56964D}" srcOrd="0" destOrd="0" parTransId="{469B227E-ECA4-4A5C-9D04-71BDB803EBAE}" sibTransId="{7CE8BEBC-6F32-4AC5-84B5-CEB9F38F7572}"/>
+    <dgm:cxn modelId="{79B94050-827B-47D9-82D2-698E3A0CA746}" type="presOf" srcId="{5A7C641C-4F5B-4BDD-942E-F8846BE44EB0}" destId="{8B8A97F4-6D79-4086-8516-B789D1C66AA3}" srcOrd="0" destOrd="0" presId="urn:microsoft.com/office/officeart/2005/8/layout/vList3"/>
+    <dgm:cxn modelId="{70884589-8D76-428D-A4E2-87FB1E46E741}" type="presOf" srcId="{77C88005-57ED-46BB-851F-E7B70AF0F948}" destId="{3B490453-3AB5-43BF-A220-8763E9334A62}" srcOrd="0" destOrd="0" presId="urn:microsoft.com/office/officeart/2005/8/layout/vList3"/>
+    <dgm:cxn modelId="{A63C5799-25F7-4F2C-B426-210D0EC623A6}" type="presOf" srcId="{51086372-B383-46DB-A073-F6973D56964D}" destId="{BA086358-07F9-4ACC-8501-46331B190259}" srcOrd="0" destOrd="0" presId="urn:microsoft.com/office/officeart/2005/8/layout/vList3"/>
+    <dgm:cxn modelId="{DC2765B4-9011-4C5D-826A-8804A0E5A282}" type="presOf" srcId="{CF307BCB-CDEA-4917-ACFE-3C9F6AC72DF3}" destId="{42EC1B92-387E-4FB5-A620-9437F830FB84}" srcOrd="0" destOrd="0" presId="urn:microsoft.com/office/officeart/2005/8/layout/vList3"/>
+    <dgm:cxn modelId="{7752EBD3-CB98-4C7A-940F-D0D9A508F09C}" srcId="{77C88005-57ED-46BB-851F-E7B70AF0F948}" destId="{CF307BCB-CDEA-4917-ACFE-3C9F6AC72DF3}" srcOrd="1" destOrd="0" parTransId="{E2A3BD37-9B14-464A-9841-7F1A6C24199C}" sibTransId="{105870FA-3B57-4AE3-9DA4-47CFA007A7C4}"/>
+    <dgm:cxn modelId="{C8C11C63-0A5F-48A1-A9DF-608D3D26217E}" type="presParOf" srcId="{3B490453-3AB5-43BF-A220-8763E9334A62}" destId="{4580621B-3F4C-445D-9A95-9704713C91A6}" srcOrd="0" destOrd="0" presId="urn:microsoft.com/office/officeart/2005/8/layout/vList3"/>
+    <dgm:cxn modelId="{480517DE-B269-44C2-95E3-8714D7F28CCA}" type="presParOf" srcId="{4580621B-3F4C-445D-9A95-9704713C91A6}" destId="{516FFA7E-9013-47BF-9536-86832F6406F2}" srcOrd="0" destOrd="0" presId="urn:microsoft.com/office/officeart/2005/8/layout/vList3"/>
+    <dgm:cxn modelId="{4543D255-0359-49D2-9D4D-943FDE1E7396}" type="presParOf" srcId="{4580621B-3F4C-445D-9A95-9704713C91A6}" destId="{BA086358-07F9-4ACC-8501-46331B190259}" srcOrd="1" destOrd="0" presId="urn:microsoft.com/office/officeart/2005/8/layout/vList3"/>
+    <dgm:cxn modelId="{1639F2ED-1862-4227-980D-3A1E0CD28F58}" type="presParOf" srcId="{3B490453-3AB5-43BF-A220-8763E9334A62}" destId="{D78E0657-8DE3-4B1D-B9D7-CF3163967DE6}" srcOrd="1" destOrd="0" presId="urn:microsoft.com/office/officeart/2005/8/layout/vList3"/>
+    <dgm:cxn modelId="{69194534-FDC4-4037-984E-AB68EA4585F9}" type="presParOf" srcId="{3B490453-3AB5-43BF-A220-8763E9334A62}" destId="{E2D558A2-DA61-4E1B-807D-F0600E8748D4}" srcOrd="2" destOrd="0" presId="urn:microsoft.com/office/officeart/2005/8/layout/vList3"/>
+    <dgm:cxn modelId="{8776D8F1-C298-4175-95C5-BCA77EEE35E4}" type="presParOf" srcId="{E2D558A2-DA61-4E1B-807D-F0600E8748D4}" destId="{020F5142-2390-4CC0-9E87-73DC1120439D}" srcOrd="0" destOrd="0" presId="urn:microsoft.com/office/officeart/2005/8/layout/vList3"/>
+    <dgm:cxn modelId="{37B7BBAD-F8EB-443E-B4D4-00DB180C0409}" type="presParOf" srcId="{E2D558A2-DA61-4E1B-807D-F0600E8748D4}" destId="{42EC1B92-387E-4FB5-A620-9437F830FB84}" srcOrd="1" destOrd="0" presId="urn:microsoft.com/office/officeart/2005/8/layout/vList3"/>
+    <dgm:cxn modelId="{A35456A6-2A6B-40F8-B1D6-0DD012319BE8}" type="presParOf" srcId="{3B490453-3AB5-43BF-A220-8763E9334A62}" destId="{E03A0CC5-5DF9-4BAB-BCA0-6FBB021DB2F8}" srcOrd="3" destOrd="0" presId="urn:microsoft.com/office/officeart/2005/8/layout/vList3"/>
+    <dgm:cxn modelId="{5BF2D631-CBF0-48C4-846F-F062F4CF01C7}" type="presParOf" srcId="{3B490453-3AB5-43BF-A220-8763E9334A62}" destId="{9A2E5926-559A-4B35-9F4F-F6F06A13B1D2}" srcOrd="4" destOrd="0" presId="urn:microsoft.com/office/officeart/2005/8/layout/vList3"/>
+    <dgm:cxn modelId="{A8637A78-CEC6-414F-A2ED-D2C2236375C7}" type="presParOf" srcId="{9A2E5926-559A-4B35-9F4F-F6F06A13B1D2}" destId="{3696C9BE-6342-4DE7-B1DA-2E49DA2A8BFB}" srcOrd="0" destOrd="0" presId="urn:microsoft.com/office/officeart/2005/8/layout/vList3"/>
+    <dgm:cxn modelId="{3DB49E85-CBD7-477C-AD9D-7FFF99458898}" type="presParOf" srcId="{9A2E5926-559A-4B35-9F4F-F6F06A13B1D2}" destId="{8B8A97F4-6D79-4086-8516-B789D1C66AA3}" srcOrd="1" destOrd="0" presId="urn:microsoft.com/office/officeart/2005/8/layout/vList3"/>
+  </dgm:cxnLst>
+  <dgm:bg/>
+  <dgm:whole/>
+  <dgm:extLst>
+    <a:ext uri="http://schemas.microsoft.com/office/drawing/2008/diagram">
+      <dsp:dataModelExt xmlns:dsp="http://schemas.microsoft.com/office/drawing/2008/diagram" relId="rId6" minVer="http://schemas.openxmlformats.org/drawingml/2006/diagram"/>
+    </a:ext>
+  </dgm:extLst>
+</dgm:dataModel>
 </file>
 
-<file path=ppt/diagrams/drawing2.xml><?xml version="1.0" encoding="utf-8"?>
+<file path=ppt/diagrams/drawing1.xml><?xml version="1.0" encoding="utf-8"?>
 <dsp:drawing xmlns:dgm="http://schemas.openxmlformats.org/drawingml/2006/diagram" xmlns:dsp="http://schemas.microsoft.com/office/drawing/2008/diagram" xmlns:a="http://schemas.openxmlformats.org/drawingml/2006/main">
   <dsp:spTree>
     <dsp:nvGrpSpPr>
@@ -2547,12 +2236,12 @@
         </a:fontRef>
       </dsp:style>
       <dsp:txBody>
-        <a:bodyPr spcFirstLastPara="0" vert="horz" wrap="square" lIns="981595" tIns="160020" rIns="298704" bIns="160020" numCol="1" spcCol="1270" anchor="ctr" anchorCtr="0">
+        <a:bodyPr spcFirstLastPara="0" vert="horz" wrap="square" lIns="981595" tIns="148590" rIns="277368" bIns="148590" numCol="1" spcCol="1270" anchor="ctr" anchorCtr="0">
           <a:noAutofit/>
         </a:bodyPr>
         <a:lstStyle/>
         <a:p>
-          <a:pPr marL="0" lvl="0" indent="0" algn="ctr" defTabSz="1866900">
+          <a:pPr marL="0" lvl="0" indent="0" algn="ctr" defTabSz="1733550">
             <a:lnSpc>
               <a:spcPct val="90000"/>
             </a:lnSpc>
@@ -2565,8 +2254,8 @@
             <a:buNone/>
           </a:pPr>
           <a:r>
-            <a:rPr lang="de-AT" sz="4200" kern="1200" dirty="0"/>
-            <a:t>Vorbereitung der Website für JSF</a:t>
+            <a:rPr lang="de-AT" sz="3900" kern="1200" dirty="0"/>
+            <a:t>Frontend-Gestaltung der Webinterfaces</a:t>
           </a:r>
         </a:p>
       </dsp:txBody>
@@ -2588,7 +2277,7 @@
         <a:prstGeom prst="ellipse">
           <a:avLst/>
         </a:prstGeom>
-        <a:blipFill>
+        <a:blipFill rotWithShape="1">
           <a:blip xmlns:r="http://schemas.openxmlformats.org/officeDocument/2006/relationships" r:embed="rId1">
             <a:extLst>
               <a:ext uri="{28A0092B-C50C-407E-A947-70E740481C1C}">
@@ -2673,12 +2362,12 @@
         </a:fontRef>
       </dsp:style>
       <dsp:txBody>
-        <a:bodyPr spcFirstLastPara="0" vert="horz" wrap="square" lIns="981595" tIns="160020" rIns="298704" bIns="160020" numCol="1" spcCol="1270" anchor="ctr" anchorCtr="0">
+        <a:bodyPr spcFirstLastPara="0" vert="horz" wrap="square" lIns="981595" tIns="148590" rIns="277368" bIns="148590" numCol="1" spcCol="1270" anchor="ctr" anchorCtr="0">
           <a:noAutofit/>
         </a:bodyPr>
         <a:lstStyle/>
         <a:p>
-          <a:pPr marL="0" lvl="0" indent="0" algn="ctr" defTabSz="1866900">
+          <a:pPr marL="0" lvl="0" indent="0" algn="ctr" defTabSz="1733550">
             <a:lnSpc>
               <a:spcPct val="90000"/>
             </a:lnSpc>
@@ -2691,14 +2380,9 @@
             <a:buNone/>
           </a:pPr>
           <a:r>
-            <a:rPr lang="de-AT" sz="4200" kern="1200" dirty="0"/>
-            <a:t>Statistiken in der </a:t>
+            <a:rPr lang="de-AT" sz="3900" kern="1200" dirty="0"/>
+            <a:t>Entwicklung einer Android-App</a:t>
           </a:r>
-          <a:r>
-            <a:rPr lang="de-AT" sz="4200" kern="1200" dirty="0" err="1"/>
-            <a:t>Androidapp</a:t>
-          </a:r>
-          <a:endParaRPr lang="de-AT" sz="4200" kern="1200" dirty="0"/>
         </a:p>
       </dsp:txBody>
       <dsp:txXfrm rot="10800000">
@@ -2721,6 +2405,422 @@
         </a:prstGeom>
         <a:blipFill>
           <a:blip xmlns:r="http://schemas.openxmlformats.org/officeDocument/2006/relationships" r:embed="rId2">
+            <a:extLst>
+              <a:ext uri="{28A0092B-C50C-407E-A947-70E740481C1C}">
+                <a14:useLocalDpi xmlns:a14="http://schemas.microsoft.com/office/drawing/2010/main" val="0"/>
+              </a:ext>
+            </a:extLst>
+          </a:blip>
+          <a:srcRect/>
+          <a:stretch>
+            <a:fillRect/>
+          </a:stretch>
+        </a:blipFill>
+        <a:ln w="10795" cap="flat" cmpd="sng" algn="ctr">
+          <a:solidFill>
+            <a:schemeClr val="lt1">
+              <a:hueOff val="0"/>
+              <a:satOff val="0"/>
+              <a:lumOff val="0"/>
+              <a:alphaOff val="0"/>
+            </a:schemeClr>
+          </a:solidFill>
+          <a:prstDash val="solid"/>
+        </a:ln>
+        <a:effectLst/>
+      </dsp:spPr>
+      <dsp:style>
+        <a:lnRef idx="2">
+          <a:scrgbClr r="0" g="0" b="0"/>
+        </a:lnRef>
+        <a:fillRef idx="1">
+          <a:scrgbClr r="0" g="0" b="0"/>
+        </a:fillRef>
+        <a:effectRef idx="0">
+          <a:scrgbClr r="0" g="0" b="0"/>
+        </a:effectRef>
+        <a:fontRef idx="minor"/>
+      </dsp:style>
+    </dsp:sp>
+  </dsp:spTree>
+</dsp:drawing>
+</file>
+
+<file path=ppt/diagrams/drawing2.xml><?xml version="1.0" encoding="utf-8"?>
+<dsp:drawing xmlns:dgm="http://schemas.openxmlformats.org/drawingml/2006/diagram" xmlns:dsp="http://schemas.microsoft.com/office/drawing/2008/diagram" xmlns:a="http://schemas.openxmlformats.org/drawingml/2006/main">
+  <dsp:spTree>
+    <dsp:nvGrpSpPr>
+      <dsp:cNvPr id="0" name=""/>
+      <dsp:cNvGrpSpPr/>
+    </dsp:nvGrpSpPr>
+    <dsp:grpSpPr/>
+    <dsp:sp modelId="{BA086358-07F9-4ACC-8501-46331B190259}">
+      <dsp:nvSpPr>
+        <dsp:cNvPr id="0" name=""/>
+        <dsp:cNvSpPr/>
+      </dsp:nvSpPr>
+      <dsp:spPr>
+        <a:xfrm rot="10800000">
+          <a:off x="1608330" y="196"/>
+          <a:ext cx="4972288" cy="1423647"/>
+        </a:xfrm>
+        <a:prstGeom prst="homePlate">
+          <a:avLst/>
+        </a:prstGeom>
+        <a:solidFill>
+          <a:srgbClr val="FFFFFF">
+            <a:lumMod val="85000"/>
+          </a:srgbClr>
+        </a:solidFill>
+        <a:ln w="10795" cap="flat" cmpd="sng" algn="ctr">
+          <a:solidFill>
+            <a:srgbClr val="FFFFFF">
+              <a:hueOff val="0"/>
+              <a:satOff val="0"/>
+              <a:lumOff val="0"/>
+              <a:alphaOff val="0"/>
+            </a:srgbClr>
+          </a:solidFill>
+          <a:prstDash val="solid"/>
+        </a:ln>
+        <a:effectLst/>
+      </dsp:spPr>
+      <dsp:style>
+        <a:lnRef idx="2">
+          <a:scrgbClr r="0" g="0" b="0"/>
+        </a:lnRef>
+        <a:fillRef idx="1">
+          <a:scrgbClr r="0" g="0" b="0"/>
+        </a:fillRef>
+        <a:effectRef idx="0">
+          <a:scrgbClr r="0" g="0" b="0"/>
+        </a:effectRef>
+        <a:fontRef idx="minor">
+          <a:schemeClr val="lt1"/>
+        </a:fontRef>
+      </dsp:style>
+      <dsp:txBody>
+        <a:bodyPr spcFirstLastPara="0" vert="horz" wrap="square" lIns="627789" tIns="106680" rIns="199136" bIns="106680" numCol="1" spcCol="1270" anchor="ctr" anchorCtr="0">
+          <a:noAutofit/>
+        </a:bodyPr>
+        <a:lstStyle/>
+        <a:p>
+          <a:pPr marL="0" lvl="0" indent="0" algn="ctr" defTabSz="1244600">
+            <a:lnSpc>
+              <a:spcPct val="90000"/>
+            </a:lnSpc>
+            <a:spcBef>
+              <a:spcPct val="0"/>
+            </a:spcBef>
+            <a:spcAft>
+              <a:spcPct val="35000"/>
+            </a:spcAft>
+            <a:buNone/>
+          </a:pPr>
+          <a:r>
+            <a:rPr lang="de-AT" sz="2800" kern="1200" dirty="0"/>
+            <a:t>Vorbereitung der Website für JSF (XHTML)</a:t>
+          </a:r>
+        </a:p>
+      </dsp:txBody>
+      <dsp:txXfrm rot="10800000">
+        <a:off x="1964242" y="196"/>
+        <a:ext cx="4616376" cy="1423647"/>
+      </dsp:txXfrm>
+    </dsp:sp>
+    <dsp:sp modelId="{516FFA7E-9013-47BF-9536-86832F6406F2}">
+      <dsp:nvSpPr>
+        <dsp:cNvPr id="0" name=""/>
+        <dsp:cNvSpPr/>
+      </dsp:nvSpPr>
+      <dsp:spPr>
+        <a:xfrm>
+          <a:off x="896506" y="196"/>
+          <a:ext cx="1423647" cy="1423647"/>
+        </a:xfrm>
+        <a:prstGeom prst="ellipse">
+          <a:avLst/>
+        </a:prstGeom>
+        <a:blipFill>
+          <a:blip xmlns:r="http://schemas.openxmlformats.org/officeDocument/2006/relationships" r:embed="rId1">
+            <a:extLst>
+              <a:ext uri="{28A0092B-C50C-407E-A947-70E740481C1C}">
+                <a14:useLocalDpi xmlns:a14="http://schemas.microsoft.com/office/drawing/2010/main" val="0"/>
+              </a:ext>
+            </a:extLst>
+          </a:blip>
+          <a:srcRect/>
+          <a:stretch>
+            <a:fillRect/>
+          </a:stretch>
+        </a:blipFill>
+        <a:ln w="10795" cap="flat" cmpd="sng" algn="ctr">
+          <a:solidFill>
+            <a:schemeClr val="lt1">
+              <a:hueOff val="0"/>
+              <a:satOff val="0"/>
+              <a:lumOff val="0"/>
+              <a:alphaOff val="0"/>
+            </a:schemeClr>
+          </a:solidFill>
+          <a:prstDash val="solid"/>
+        </a:ln>
+        <a:effectLst/>
+      </dsp:spPr>
+      <dsp:style>
+        <a:lnRef idx="2">
+          <a:scrgbClr r="0" g="0" b="0"/>
+        </a:lnRef>
+        <a:fillRef idx="1">
+          <a:scrgbClr r="0" g="0" b="0"/>
+        </a:fillRef>
+        <a:effectRef idx="0">
+          <a:scrgbClr r="0" g="0" b="0"/>
+        </a:effectRef>
+        <a:fontRef idx="minor"/>
+      </dsp:style>
+    </dsp:sp>
+    <dsp:sp modelId="{42EC1B92-387E-4FB5-A620-9437F830FB84}">
+      <dsp:nvSpPr>
+        <dsp:cNvPr id="0" name=""/>
+        <dsp:cNvSpPr/>
+      </dsp:nvSpPr>
+      <dsp:spPr>
+        <a:xfrm rot="10800000">
+          <a:off x="1608330" y="1848813"/>
+          <a:ext cx="4972288" cy="1423647"/>
+        </a:xfrm>
+        <a:prstGeom prst="homePlate">
+          <a:avLst/>
+        </a:prstGeom>
+        <a:solidFill>
+          <a:srgbClr val="FFFFFF">
+            <a:lumMod val="85000"/>
+          </a:srgbClr>
+        </a:solidFill>
+        <a:ln w="10795" cap="flat" cmpd="sng" algn="ctr">
+          <a:solidFill>
+            <a:srgbClr val="FFFFFF">
+              <a:hueOff val="0"/>
+              <a:satOff val="0"/>
+              <a:lumOff val="0"/>
+              <a:alphaOff val="0"/>
+            </a:srgbClr>
+          </a:solidFill>
+          <a:prstDash val="solid"/>
+        </a:ln>
+        <a:effectLst/>
+      </dsp:spPr>
+      <dsp:style>
+        <a:lnRef idx="2">
+          <a:scrgbClr r="0" g="0" b="0"/>
+        </a:lnRef>
+        <a:fillRef idx="1">
+          <a:scrgbClr r="0" g="0" b="0"/>
+        </a:fillRef>
+        <a:effectRef idx="0">
+          <a:scrgbClr r="0" g="0" b="0"/>
+        </a:effectRef>
+        <a:fontRef idx="minor">
+          <a:schemeClr val="lt1"/>
+        </a:fontRef>
+      </dsp:style>
+      <dsp:txBody>
+        <a:bodyPr spcFirstLastPara="0" vert="horz" wrap="square" lIns="627789" tIns="106680" rIns="199136" bIns="106680" numCol="1" spcCol="1270" anchor="ctr" anchorCtr="0">
+          <a:noAutofit/>
+        </a:bodyPr>
+        <a:lstStyle/>
+        <a:p>
+          <a:pPr marL="0" lvl="0" indent="0" algn="ctr" defTabSz="1244600">
+            <a:lnSpc>
+              <a:spcPct val="90000"/>
+            </a:lnSpc>
+            <a:spcBef>
+              <a:spcPct val="0"/>
+            </a:spcBef>
+            <a:spcAft>
+              <a:spcPct val="35000"/>
+            </a:spcAft>
+            <a:buNone/>
+          </a:pPr>
+          <a:r>
+            <a:rPr lang="de-AT" sz="2800" kern="1200" dirty="0">
+              <a:solidFill>
+                <a:srgbClr val="FFFFFF"/>
+              </a:solidFill>
+              <a:latin typeface="Corbel" panose="020B0503020204020204"/>
+              <a:ea typeface="+mn-ea"/>
+              <a:cs typeface="+mn-cs"/>
+            </a:rPr>
+            <a:t>Statistiken in der </a:t>
+          </a:r>
+          <a:r>
+            <a:rPr lang="de-AT" sz="2800" kern="1200" dirty="0" err="1">
+              <a:solidFill>
+                <a:srgbClr val="FFFFFF"/>
+              </a:solidFill>
+              <a:latin typeface="Corbel" panose="020B0503020204020204"/>
+              <a:ea typeface="+mn-ea"/>
+              <a:cs typeface="+mn-cs"/>
+            </a:rPr>
+            <a:t>Androidapp</a:t>
+          </a:r>
+          <a:endParaRPr lang="de-AT" sz="2800" kern="1200" dirty="0">
+            <a:solidFill>
+              <a:srgbClr val="FFFFFF"/>
+            </a:solidFill>
+            <a:latin typeface="Corbel" panose="020B0503020204020204"/>
+            <a:ea typeface="+mn-ea"/>
+            <a:cs typeface="+mn-cs"/>
+          </a:endParaRPr>
+        </a:p>
+      </dsp:txBody>
+      <dsp:txXfrm rot="10800000">
+        <a:off x="1964242" y="1848813"/>
+        <a:ext cx="4616376" cy="1423647"/>
+      </dsp:txXfrm>
+    </dsp:sp>
+    <dsp:sp modelId="{020F5142-2390-4CC0-9E87-73DC1120439D}">
+      <dsp:nvSpPr>
+        <dsp:cNvPr id="0" name=""/>
+        <dsp:cNvSpPr/>
+      </dsp:nvSpPr>
+      <dsp:spPr>
+        <a:xfrm>
+          <a:off x="896506" y="1848813"/>
+          <a:ext cx="1423647" cy="1423647"/>
+        </a:xfrm>
+        <a:prstGeom prst="ellipse">
+          <a:avLst/>
+        </a:prstGeom>
+        <a:blipFill>
+          <a:blip xmlns:r="http://schemas.openxmlformats.org/officeDocument/2006/relationships" r:embed="rId2">
+            <a:extLst>
+              <a:ext uri="{28A0092B-C50C-407E-A947-70E740481C1C}">
+                <a14:useLocalDpi xmlns:a14="http://schemas.microsoft.com/office/drawing/2010/main" val="0"/>
+              </a:ext>
+            </a:extLst>
+          </a:blip>
+          <a:srcRect/>
+          <a:stretch>
+            <a:fillRect/>
+          </a:stretch>
+        </a:blipFill>
+        <a:ln w="10795" cap="flat" cmpd="sng" algn="ctr">
+          <a:solidFill>
+            <a:schemeClr val="lt1">
+              <a:hueOff val="0"/>
+              <a:satOff val="0"/>
+              <a:lumOff val="0"/>
+              <a:alphaOff val="0"/>
+            </a:schemeClr>
+          </a:solidFill>
+          <a:prstDash val="solid"/>
+        </a:ln>
+        <a:effectLst/>
+      </dsp:spPr>
+      <dsp:style>
+        <a:lnRef idx="2">
+          <a:scrgbClr r="0" g="0" b="0"/>
+        </a:lnRef>
+        <a:fillRef idx="1">
+          <a:scrgbClr r="0" g="0" b="0"/>
+        </a:fillRef>
+        <a:effectRef idx="0">
+          <a:scrgbClr r="0" g="0" b="0"/>
+        </a:effectRef>
+        <a:fontRef idx="minor"/>
+      </dsp:style>
+    </dsp:sp>
+    <dsp:sp modelId="{8B8A97F4-6D79-4086-8516-B789D1C66AA3}">
+      <dsp:nvSpPr>
+        <dsp:cNvPr id="0" name=""/>
+        <dsp:cNvSpPr/>
+      </dsp:nvSpPr>
+      <dsp:spPr>
+        <a:xfrm rot="10800000">
+          <a:off x="1608330" y="3697430"/>
+          <a:ext cx="4972288" cy="1423647"/>
+        </a:xfrm>
+        <a:prstGeom prst="homePlate">
+          <a:avLst/>
+        </a:prstGeom>
+        <a:solidFill>
+          <a:schemeClr val="bg1">
+            <a:lumMod val="85000"/>
+          </a:schemeClr>
+        </a:solidFill>
+        <a:ln w="10795" cap="flat" cmpd="sng" algn="ctr">
+          <a:solidFill>
+            <a:schemeClr val="lt1">
+              <a:hueOff val="0"/>
+              <a:satOff val="0"/>
+              <a:lumOff val="0"/>
+              <a:alphaOff val="0"/>
+            </a:schemeClr>
+          </a:solidFill>
+          <a:prstDash val="solid"/>
+        </a:ln>
+        <a:effectLst/>
+      </dsp:spPr>
+      <dsp:style>
+        <a:lnRef idx="2">
+          <a:scrgbClr r="0" g="0" b="0"/>
+        </a:lnRef>
+        <a:fillRef idx="1">
+          <a:scrgbClr r="0" g="0" b="0"/>
+        </a:fillRef>
+        <a:effectRef idx="0">
+          <a:scrgbClr r="0" g="0" b="0"/>
+        </a:effectRef>
+        <a:fontRef idx="minor">
+          <a:schemeClr val="lt1"/>
+        </a:fontRef>
+      </dsp:style>
+      <dsp:txBody>
+        <a:bodyPr spcFirstLastPara="0" vert="horz" wrap="square" lIns="627789" tIns="106680" rIns="199136" bIns="106680" numCol="1" spcCol="1270" anchor="ctr" anchorCtr="0">
+          <a:noAutofit/>
+        </a:bodyPr>
+        <a:lstStyle/>
+        <a:p>
+          <a:pPr marL="0" lvl="0" indent="0" algn="ctr" defTabSz="1244600">
+            <a:lnSpc>
+              <a:spcPct val="90000"/>
+            </a:lnSpc>
+            <a:spcBef>
+              <a:spcPct val="0"/>
+            </a:spcBef>
+            <a:spcAft>
+              <a:spcPct val="35000"/>
+            </a:spcAft>
+            <a:buNone/>
+          </a:pPr>
+          <a:r>
+            <a:rPr lang="de-AT" sz="2800" kern="1200" dirty="0"/>
+            <a:t>Benachrichtigungen für App und Website</a:t>
+          </a:r>
+        </a:p>
+      </dsp:txBody>
+      <dsp:txXfrm rot="10800000">
+        <a:off x="1964242" y="3697430"/>
+        <a:ext cx="4616376" cy="1423647"/>
+      </dsp:txXfrm>
+    </dsp:sp>
+    <dsp:sp modelId="{3696C9BE-6342-4DE7-B1DA-2E49DA2A8BFB}">
+      <dsp:nvSpPr>
+        <dsp:cNvPr id="0" name=""/>
+        <dsp:cNvSpPr/>
+      </dsp:nvSpPr>
+      <dsp:spPr>
+        <a:xfrm>
+          <a:off x="896506" y="3697430"/>
+          <a:ext cx="1423647" cy="1423647"/>
+        </a:xfrm>
+        <a:prstGeom prst="ellipse">
+          <a:avLst/>
+        </a:prstGeom>
+        <a:blipFill>
+          <a:blip xmlns:r="http://schemas.openxmlformats.org/officeDocument/2006/relationships" r:embed="rId3">
             <a:extLst>
               <a:ext uri="{28A0092B-C50C-407E-A947-70E740481C1C}">
                 <a14:useLocalDpi xmlns:a14="http://schemas.microsoft.com/office/drawing/2010/main" val="0"/>
@@ -5238,7 +5338,7 @@
           <a:p>
             <a:fld id="{6C12F6B1-6786-4E64-B681-F379C9A54FC0}" type="datetimeFigureOut">
               <a:rPr lang="de-AT" smtClean="0"/>
-              <a:t>17.03.2018</a:t>
+              <a:t>31.03.2018</a:t>
             </a:fld>
             <a:endParaRPr lang="de-AT"/>
           </a:p>
@@ -6634,7 +6734,7 @@
           <a:p>
             <a:fld id="{83C286D2-5717-406C-AD4B-C4A69D5338FB}" type="datetimeFigureOut">
               <a:rPr lang="de-AT" smtClean="0"/>
-              <a:t>17.03.2018</a:t>
+              <a:t>31.03.2018</a:t>
             </a:fld>
             <a:endParaRPr lang="de-AT"/>
           </a:p>
@@ -6804,7 +6904,7 @@
           <a:p>
             <a:fld id="{83C286D2-5717-406C-AD4B-C4A69D5338FB}" type="datetimeFigureOut">
               <a:rPr lang="de-AT" smtClean="0"/>
-              <a:t>17.03.2018</a:t>
+              <a:t>31.03.2018</a:t>
             </a:fld>
             <a:endParaRPr lang="de-AT"/>
           </a:p>
@@ -6984,7 +7084,7 @@
           <a:p>
             <a:fld id="{83C286D2-5717-406C-AD4B-C4A69D5338FB}" type="datetimeFigureOut">
               <a:rPr lang="de-AT" smtClean="0"/>
-              <a:t>17.03.2018</a:t>
+              <a:t>31.03.2018</a:t>
             </a:fld>
             <a:endParaRPr lang="de-AT"/>
           </a:p>
@@ -7187,7 +7287,7 @@
           <a:p>
             <a:fld id="{83C286D2-5717-406C-AD4B-C4A69D5338FB}" type="datetimeFigureOut">
               <a:rPr lang="de-AT" smtClean="0"/>
-              <a:t>17.03.2018</a:t>
+              <a:t>31.03.2018</a:t>
             </a:fld>
             <a:endParaRPr lang="de-AT"/>
           </a:p>
@@ -7357,7 +7457,7 @@
           <a:p>
             <a:fld id="{83C286D2-5717-406C-AD4B-C4A69D5338FB}" type="datetimeFigureOut">
               <a:rPr lang="de-AT" smtClean="0"/>
-              <a:t>17.03.2018</a:t>
+              <a:t>31.03.2018</a:t>
             </a:fld>
             <a:endParaRPr lang="de-AT"/>
           </a:p>
@@ -7608,7 +7708,7 @@
           <a:p>
             <a:fld id="{83C286D2-5717-406C-AD4B-C4A69D5338FB}" type="datetimeFigureOut">
               <a:rPr lang="de-AT" smtClean="0"/>
-              <a:t>17.03.2018</a:t>
+              <a:t>31.03.2018</a:t>
             </a:fld>
             <a:endParaRPr lang="de-AT"/>
           </a:p>
@@ -7840,7 +7940,7 @@
           <a:p>
             <a:fld id="{83C286D2-5717-406C-AD4B-C4A69D5338FB}" type="datetimeFigureOut">
               <a:rPr lang="de-AT" smtClean="0"/>
-              <a:t>17.03.2018</a:t>
+              <a:t>31.03.2018</a:t>
             </a:fld>
             <a:endParaRPr lang="de-AT"/>
           </a:p>
@@ -8187,7 +8287,7 @@
           <a:p>
             <a:fld id="{83C286D2-5717-406C-AD4B-C4A69D5338FB}" type="datetimeFigureOut">
               <a:rPr lang="de-AT" smtClean="0"/>
-              <a:t>17.03.2018</a:t>
+              <a:t>31.03.2018</a:t>
             </a:fld>
             <a:endParaRPr lang="de-AT"/>
           </a:p>
@@ -8305,7 +8405,7 @@
           <a:p>
             <a:fld id="{83C286D2-5717-406C-AD4B-C4A69D5338FB}" type="datetimeFigureOut">
               <a:rPr lang="de-AT" smtClean="0"/>
-              <a:t>17.03.2018</a:t>
+              <a:t>31.03.2018</a:t>
             </a:fld>
             <a:endParaRPr lang="de-AT"/>
           </a:p>
@@ -8423,7 +8523,7 @@
           <a:p>
             <a:fld id="{83C286D2-5717-406C-AD4B-C4A69D5338FB}" type="datetimeFigureOut">
               <a:rPr lang="de-AT" smtClean="0"/>
-              <a:t>17.03.2018</a:t>
+              <a:t>31.03.2018</a:t>
             </a:fld>
             <a:endParaRPr lang="de-AT"/>
           </a:p>
@@ -8707,7 +8807,7 @@
           <a:p>
             <a:fld id="{83C286D2-5717-406C-AD4B-C4A69D5338FB}" type="datetimeFigureOut">
               <a:rPr lang="de-AT" smtClean="0"/>
-              <a:t>17.03.2018</a:t>
+              <a:t>31.03.2018</a:t>
             </a:fld>
             <a:endParaRPr lang="de-AT"/>
           </a:p>
@@ -8877,7 +8977,7 @@
           <a:p>
             <a:fld id="{83C286D2-5717-406C-AD4B-C4A69D5338FB}" type="datetimeFigureOut">
               <a:rPr lang="de-AT" smtClean="0"/>
-              <a:t>17.03.2018</a:t>
+              <a:t>31.03.2018</a:t>
             </a:fld>
             <a:endParaRPr lang="de-AT"/>
           </a:p>
@@ -9141,7 +9241,7 @@
           <a:p>
             <a:fld id="{83C286D2-5717-406C-AD4B-C4A69D5338FB}" type="datetimeFigureOut">
               <a:rPr lang="de-AT" smtClean="0"/>
-              <a:t>17.03.2018</a:t>
+              <a:t>31.03.2018</a:t>
             </a:fld>
             <a:endParaRPr lang="de-AT"/>
           </a:p>
@@ -9311,7 +9411,7 @@
           <a:p>
             <a:fld id="{83C286D2-5717-406C-AD4B-C4A69D5338FB}" type="datetimeFigureOut">
               <a:rPr lang="de-AT" smtClean="0"/>
-              <a:t>17.03.2018</a:t>
+              <a:t>31.03.2018</a:t>
             </a:fld>
             <a:endParaRPr lang="de-AT"/>
           </a:p>
@@ -9491,7 +9591,7 @@
           <a:p>
             <a:fld id="{83C286D2-5717-406C-AD4B-C4A69D5338FB}" type="datetimeFigureOut">
               <a:rPr lang="de-AT" smtClean="0"/>
-              <a:t>17.03.2018</a:t>
+              <a:t>31.03.2018</a:t>
             </a:fld>
             <a:endParaRPr lang="de-AT"/>
           </a:p>
@@ -9776,7 +9876,7 @@
           <a:p>
             <a:fld id="{83C286D2-5717-406C-AD4B-C4A69D5338FB}" type="datetimeFigureOut">
               <a:rPr lang="de-AT" smtClean="0"/>
-              <a:t>17.03.2018</a:t>
+              <a:t>31.03.2018</a:t>
             </a:fld>
             <a:endParaRPr lang="de-AT"/>
           </a:p>
@@ -9946,7 +10046,7 @@
           <a:p>
             <a:fld id="{83C286D2-5717-406C-AD4B-C4A69D5338FB}" type="datetimeFigureOut">
               <a:rPr lang="de-AT" smtClean="0"/>
-              <a:t>17.03.2018</a:t>
+              <a:t>31.03.2018</a:t>
             </a:fld>
             <a:endParaRPr lang="de-AT"/>
           </a:p>
@@ -10204,7 +10304,7 @@
           <a:p>
             <a:fld id="{83C286D2-5717-406C-AD4B-C4A69D5338FB}" type="datetimeFigureOut">
               <a:rPr lang="de-AT" smtClean="0"/>
-              <a:t>17.03.2018</a:t>
+              <a:t>31.03.2018</a:t>
             </a:fld>
             <a:endParaRPr lang="de-AT"/>
           </a:p>
@@ -10492,7 +10592,7 @@
           <a:p>
             <a:fld id="{83C286D2-5717-406C-AD4B-C4A69D5338FB}" type="datetimeFigureOut">
               <a:rPr lang="de-AT" smtClean="0"/>
-              <a:t>17.03.2018</a:t>
+              <a:t>31.03.2018</a:t>
             </a:fld>
             <a:endParaRPr lang="de-AT"/>
           </a:p>
@@ -10934,7 +11034,7 @@
           <a:p>
             <a:fld id="{83C286D2-5717-406C-AD4B-C4A69D5338FB}" type="datetimeFigureOut">
               <a:rPr lang="de-AT" smtClean="0"/>
-              <a:t>17.03.2018</a:t>
+              <a:t>31.03.2018</a:t>
             </a:fld>
             <a:endParaRPr lang="de-AT"/>
           </a:p>
@@ -11052,7 +11152,7 @@
           <a:p>
             <a:fld id="{83C286D2-5717-406C-AD4B-C4A69D5338FB}" type="datetimeFigureOut">
               <a:rPr lang="de-AT" smtClean="0"/>
-              <a:t>17.03.2018</a:t>
+              <a:t>31.03.2018</a:t>
             </a:fld>
             <a:endParaRPr lang="de-AT"/>
           </a:p>
@@ -11147,7 +11247,7 @@
           <a:p>
             <a:fld id="{83C286D2-5717-406C-AD4B-C4A69D5338FB}" type="datetimeFigureOut">
               <a:rPr lang="de-AT" smtClean="0"/>
-              <a:t>17.03.2018</a:t>
+              <a:t>31.03.2018</a:t>
             </a:fld>
             <a:endParaRPr lang="de-AT"/>
           </a:p>
@@ -11398,7 +11498,7 @@
           <a:p>
             <a:fld id="{83C286D2-5717-406C-AD4B-C4A69D5338FB}" type="datetimeFigureOut">
               <a:rPr lang="de-AT" smtClean="0"/>
-              <a:t>17.03.2018</a:t>
+              <a:t>31.03.2018</a:t>
             </a:fld>
             <a:endParaRPr lang="de-AT"/>
           </a:p>
@@ -11686,7 +11786,7 @@
           <a:p>
             <a:fld id="{83C286D2-5717-406C-AD4B-C4A69D5338FB}" type="datetimeFigureOut">
               <a:rPr lang="de-AT" smtClean="0"/>
-              <a:t>17.03.2018</a:t>
+              <a:t>31.03.2018</a:t>
             </a:fld>
             <a:endParaRPr lang="de-AT"/>
           </a:p>
@@ -11959,7 +12059,7 @@
           <a:p>
             <a:fld id="{83C286D2-5717-406C-AD4B-C4A69D5338FB}" type="datetimeFigureOut">
               <a:rPr lang="de-AT" smtClean="0"/>
-              <a:t>17.03.2018</a:t>
+              <a:t>31.03.2018</a:t>
             </a:fld>
             <a:endParaRPr lang="de-AT"/>
           </a:p>
@@ -12134,7 +12234,7 @@
           <a:p>
             <a:fld id="{83C286D2-5717-406C-AD4B-C4A69D5338FB}" type="datetimeFigureOut">
               <a:rPr lang="de-AT" smtClean="0"/>
-              <a:t>17.03.2018</a:t>
+              <a:t>31.03.2018</a:t>
             </a:fld>
             <a:endParaRPr lang="de-AT"/>
           </a:p>
@@ -12314,7 +12414,7 @@
           <a:p>
             <a:fld id="{83C286D2-5717-406C-AD4B-C4A69D5338FB}" type="datetimeFigureOut">
               <a:rPr lang="de-AT" smtClean="0"/>
-              <a:t>17.03.2018</a:t>
+              <a:t>31.03.2018</a:t>
             </a:fld>
             <a:endParaRPr lang="de-AT"/>
           </a:p>
@@ -12546,7 +12646,7 @@
           <a:p>
             <a:fld id="{83C286D2-5717-406C-AD4B-C4A69D5338FB}" type="datetimeFigureOut">
               <a:rPr lang="de-AT" smtClean="0"/>
-              <a:t>17.03.2018</a:t>
+              <a:t>31.03.2018</a:t>
             </a:fld>
             <a:endParaRPr lang="de-AT"/>
           </a:p>
@@ -12893,7 +12993,7 @@
           <a:p>
             <a:fld id="{83C286D2-5717-406C-AD4B-C4A69D5338FB}" type="datetimeFigureOut">
               <a:rPr lang="de-AT" smtClean="0"/>
-              <a:t>17.03.2018</a:t>
+              <a:t>31.03.2018</a:t>
             </a:fld>
             <a:endParaRPr lang="de-AT"/>
           </a:p>
@@ -13011,7 +13111,7 @@
           <a:p>
             <a:fld id="{83C286D2-5717-406C-AD4B-C4A69D5338FB}" type="datetimeFigureOut">
               <a:rPr lang="de-AT" smtClean="0"/>
-              <a:t>17.03.2018</a:t>
+              <a:t>31.03.2018</a:t>
             </a:fld>
             <a:endParaRPr lang="de-AT"/>
           </a:p>
@@ -13129,7 +13229,7 @@
           <a:p>
             <a:fld id="{83C286D2-5717-406C-AD4B-C4A69D5338FB}" type="datetimeFigureOut">
               <a:rPr lang="de-AT" smtClean="0"/>
-              <a:t>17.03.2018</a:t>
+              <a:t>31.03.2018</a:t>
             </a:fld>
             <a:endParaRPr lang="de-AT"/>
           </a:p>
@@ -13413,7 +13513,7 @@
           <a:p>
             <a:fld id="{83C286D2-5717-406C-AD4B-C4A69D5338FB}" type="datetimeFigureOut">
               <a:rPr lang="de-AT" smtClean="0"/>
-              <a:t>17.03.2018</a:t>
+              <a:t>31.03.2018</a:t>
             </a:fld>
             <a:endParaRPr lang="de-AT"/>
           </a:p>
@@ -13677,7 +13777,7 @@
           <a:p>
             <a:fld id="{83C286D2-5717-406C-AD4B-C4A69D5338FB}" type="datetimeFigureOut">
               <a:rPr lang="de-AT" smtClean="0"/>
-              <a:t>17.03.2018</a:t>
+              <a:t>31.03.2018</a:t>
             </a:fld>
             <a:endParaRPr lang="de-AT"/>
           </a:p>
@@ -13891,7 +13991,7 @@
           <a:p>
             <a:fld id="{83C286D2-5717-406C-AD4B-C4A69D5338FB}" type="datetimeFigureOut">
               <a:rPr lang="de-AT" smtClean="0"/>
-              <a:t>17.03.2018</a:t>
+              <a:t>31.03.2018</a:t>
             </a:fld>
             <a:endParaRPr lang="de-AT"/>
           </a:p>
@@ -14426,7 +14526,7 @@
           <a:p>
             <a:fld id="{83C286D2-5717-406C-AD4B-C4A69D5338FB}" type="datetimeFigureOut">
               <a:rPr lang="de-AT" smtClean="0"/>
-              <a:t>17.03.2018</a:t>
+              <a:t>31.03.2018</a:t>
             </a:fld>
             <a:endParaRPr lang="de-AT"/>
           </a:p>
@@ -15039,7 +15139,7 @@
           <a:p>
             <a:fld id="{83C286D2-5717-406C-AD4B-C4A69D5338FB}" type="datetimeFigureOut">
               <a:rPr lang="de-AT" smtClean="0"/>
-              <a:t>17.03.2018</a:t>
+              <a:t>31.03.2018</a:t>
             </a:fld>
             <a:endParaRPr lang="de-AT"/>
           </a:p>
@@ -15669,7 +15769,7 @@
           <p:cNvPr id="2" name="Titel 1">
             <a:extLst>
               <a:ext uri="{FF2B5EF4-FFF2-40B4-BE49-F238E27FC236}">
-                <a16:creationId xmlns:a16="http://schemas.microsoft.com/office/drawing/2014/main" id="{A14DFBAD-B1D5-4176-B2E3-EF5CD1E3594C}"/>
+                <a16:creationId xmlns:a16="http://schemas.microsoft.com/office/drawing/2014/main" id="{4E14152E-22F3-4F0B-BE11-87F4770B8E61}"/>
               </a:ext>
             </a:extLst>
           </p:cNvPr>
@@ -15687,3085 +15787,150 @@
           <a:p>
             <a:r>
               <a:rPr lang="de-AT" dirty="0"/>
-              <a:t>Projektplan</a:t>
-            </a:r>
-          </a:p>
-        </p:txBody>
-      </p:sp>
-      <p:graphicFrame>
-        <p:nvGraphicFramePr>
-          <p:cNvPr id="7" name="Inhaltsplatzhalter 6">
+              <a:t>Aufgaben </a:t>
+            </a:r>
+            <a:br>
+              <a:rPr lang="de-AT" dirty="0"/>
+            </a:br>
+            <a:r>
+              <a:rPr lang="de-AT" dirty="0"/>
+              <a:t>Lukas Knoll</a:t>
+            </a:r>
+          </a:p>
+        </p:txBody>
+      </p:sp>
+      <p:sp>
+        <p:nvSpPr>
+          <p:cNvPr id="3" name="Inhaltsplatzhalter 2">
             <a:extLst>
               <a:ext uri="{FF2B5EF4-FFF2-40B4-BE49-F238E27FC236}">
-                <a16:creationId xmlns:a16="http://schemas.microsoft.com/office/drawing/2014/main" id="{9E960B20-6233-43AD-9C51-3E033BF2659A}"/>
+                <a16:creationId xmlns:a16="http://schemas.microsoft.com/office/drawing/2014/main" id="{4823383D-0C88-4DB7-BFFB-5E854BC19490}"/>
               </a:ext>
             </a:extLst>
           </p:cNvPr>
-          <p:cNvGraphicFramePr>
-            <a:graphicFrameLocks noGrp="1"/>
-          </p:cNvGraphicFramePr>
+          <p:cNvSpPr>
+            <a:spLocks noGrp="1"/>
+          </p:cNvSpPr>
           <p:nvPr>
             <p:ph idx="1"/>
-            <p:extLst>
-              <p:ext uri="{D42A27DB-BD31-4B8C-83A1-F6EECF244321}">
-                <p14:modId xmlns:p14="http://schemas.microsoft.com/office/powerpoint/2010/main" val="1843682708"/>
-              </p:ext>
-            </p:extLst>
-          </p:nvPr>
-        </p:nvGraphicFramePr>
-        <p:xfrm>
-          <a:off x="3446586" y="3096360"/>
-          <a:ext cx="8358554" cy="2976195"/>
-        </p:xfrm>
-        <a:graphic>
-          <a:graphicData uri="http://schemas.openxmlformats.org/drawingml/2006/table">
-            <a:tbl>
-              <a:tblPr/>
-              <a:tblGrid>
-                <a:gridCol w="973659">
-                  <a:extLst>
-                    <a:ext uri="{9D8B030D-6E8A-4147-A177-3AD203B41FA5}">
-                      <a16:colId xmlns:a16="http://schemas.microsoft.com/office/drawing/2014/main" val="2301693330"/>
-                    </a:ext>
-                  </a:extLst>
-                </a:gridCol>
-                <a:gridCol w="4228352">
-                  <a:extLst>
-                    <a:ext uri="{9D8B030D-6E8A-4147-A177-3AD203B41FA5}">
-                      <a16:colId xmlns:a16="http://schemas.microsoft.com/office/drawing/2014/main" val="3797087131"/>
-                    </a:ext>
-                  </a:extLst>
-                </a:gridCol>
-                <a:gridCol w="1052181">
-                  <a:extLst>
-                    <a:ext uri="{9D8B030D-6E8A-4147-A177-3AD203B41FA5}">
-                      <a16:colId xmlns:a16="http://schemas.microsoft.com/office/drawing/2014/main" val="227264694"/>
-                    </a:ext>
-                  </a:extLst>
-                </a:gridCol>
-                <a:gridCol w="1052181">
-                  <a:extLst>
-                    <a:ext uri="{9D8B030D-6E8A-4147-A177-3AD203B41FA5}">
-                      <a16:colId xmlns:a16="http://schemas.microsoft.com/office/drawing/2014/main" val="714737663"/>
-                    </a:ext>
-                  </a:extLst>
-                </a:gridCol>
-                <a:gridCol w="1052181">
-                  <a:extLst>
-                    <a:ext uri="{9D8B030D-6E8A-4147-A177-3AD203B41FA5}">
-                      <a16:colId xmlns:a16="http://schemas.microsoft.com/office/drawing/2014/main" val="847092460"/>
-                    </a:ext>
-                  </a:extLst>
-                </a:gridCol>
-              </a:tblGrid>
-              <a:tr h="541128">
-                <a:tc>
-                  <a:txBody>
-                    <a:bodyPr/>
-                    <a:lstStyle/>
-                    <a:p>
-                      <a:pPr algn="l" fontAlgn="b"/>
-                      <a:r>
-                        <a:rPr lang="de-AT" sz="1000" b="1" i="0" u="none" strike="noStrike">
-                          <a:solidFill>
-                            <a:srgbClr val="000000"/>
-                          </a:solidFill>
-                          <a:effectLst/>
-                          <a:latin typeface="Arial" panose="020B0604020202020204" pitchFamily="34" charset="0"/>
-                        </a:rPr>
-                        <a:t>PSP-Code</a:t>
-                      </a:r>
-                    </a:p>
-                  </a:txBody>
-                  <a:tcPr marL="9525" marR="9525" marT="9525" marB="0" anchor="b">
-                    <a:lnL w="6350" cap="flat" cmpd="sng" algn="ctr">
-                      <a:solidFill>
-                        <a:srgbClr val="AEB9C1"/>
-                      </a:solidFill>
-                      <a:prstDash val="solid"/>
-                      <a:round/>
-                      <a:headEnd type="none" w="med" len="med"/>
-                      <a:tailEnd type="none" w="med" len="med"/>
-                    </a:lnL>
-                    <a:lnR w="6350" cap="flat" cmpd="sng" algn="ctr">
-                      <a:solidFill>
-                        <a:srgbClr val="AEB9C1"/>
-                      </a:solidFill>
-                      <a:prstDash val="solid"/>
-                      <a:round/>
-                      <a:headEnd type="none" w="med" len="med"/>
-                      <a:tailEnd type="none" w="med" len="med"/>
-                    </a:lnR>
-                    <a:lnT>
-                      <a:noFill/>
-                    </a:lnT>
-                    <a:lnB w="6350" cap="flat" cmpd="sng" algn="ctr">
-                      <a:solidFill>
-                        <a:srgbClr val="AEB9C1"/>
-                      </a:solidFill>
-                      <a:prstDash val="solid"/>
-                      <a:round/>
-                      <a:headEnd type="none" w="med" len="med"/>
-                      <a:tailEnd type="none" w="med" len="med"/>
-                    </a:lnB>
-                    <a:solidFill>
-                      <a:srgbClr val="E3E7EA"/>
-                    </a:solidFill>
-                  </a:tcPr>
-                </a:tc>
-                <a:tc>
-                  <a:txBody>
-                    <a:bodyPr/>
-                    <a:lstStyle/>
-                    <a:p>
-                      <a:pPr algn="l" fontAlgn="b"/>
-                      <a:r>
-                        <a:rPr lang="de-AT" sz="1000" b="1" i="0" u="none" strike="noStrike">
-                          <a:solidFill>
-                            <a:srgbClr val="000000"/>
-                          </a:solidFill>
-                          <a:effectLst/>
-                          <a:latin typeface="Arial" panose="020B0604020202020204" pitchFamily="34" charset="0"/>
-                        </a:rPr>
-                        <a:t>Meilenstein-Bezeichnung</a:t>
-                      </a:r>
-                    </a:p>
-                  </a:txBody>
-                  <a:tcPr marL="9525" marR="9525" marT="9525" marB="0" anchor="b">
-                    <a:lnL w="6350" cap="flat" cmpd="sng" algn="ctr">
-                      <a:solidFill>
-                        <a:srgbClr val="AEB9C1"/>
-                      </a:solidFill>
-                      <a:prstDash val="solid"/>
-                      <a:round/>
-                      <a:headEnd type="none" w="med" len="med"/>
-                      <a:tailEnd type="none" w="med" len="med"/>
-                    </a:lnL>
-                    <a:lnR w="6350" cap="flat" cmpd="sng" algn="ctr">
-                      <a:solidFill>
-                        <a:srgbClr val="AEB9C1"/>
-                      </a:solidFill>
-                      <a:prstDash val="solid"/>
-                      <a:round/>
-                      <a:headEnd type="none" w="med" len="med"/>
-                      <a:tailEnd type="none" w="med" len="med"/>
-                    </a:lnR>
-                    <a:lnT>
-                      <a:noFill/>
-                    </a:lnT>
-                    <a:lnB w="6350" cap="flat" cmpd="sng" algn="ctr">
-                      <a:solidFill>
-                        <a:srgbClr val="AEB9C1"/>
-                      </a:solidFill>
-                      <a:prstDash val="solid"/>
-                      <a:round/>
-                      <a:headEnd type="none" w="med" len="med"/>
-                      <a:tailEnd type="none" w="med" len="med"/>
-                    </a:lnB>
-                    <a:solidFill>
-                      <a:srgbClr val="E3E7EA"/>
-                    </a:solidFill>
-                  </a:tcPr>
-                </a:tc>
-                <a:tc>
-                  <a:txBody>
-                    <a:bodyPr/>
-                    <a:lstStyle/>
-                    <a:p>
-                      <a:pPr algn="ctr" fontAlgn="b"/>
-                      <a:r>
-                        <a:rPr lang="de-AT" sz="1000" b="1" i="0" u="none" strike="noStrike">
-                          <a:solidFill>
-                            <a:srgbClr val="000000"/>
-                          </a:solidFill>
-                          <a:effectLst/>
-                          <a:latin typeface="Arial" panose="020B0604020202020204" pitchFamily="34" charset="0"/>
-                        </a:rPr>
-                        <a:t>Basis Termine</a:t>
-                      </a:r>
-                    </a:p>
-                  </a:txBody>
-                  <a:tcPr marL="9525" marR="9525" marT="9525" marB="0" anchor="b">
-                    <a:lnL w="6350" cap="flat" cmpd="sng" algn="ctr">
-                      <a:solidFill>
-                        <a:srgbClr val="AEB9C1"/>
-                      </a:solidFill>
-                      <a:prstDash val="solid"/>
-                      <a:round/>
-                      <a:headEnd type="none" w="med" len="med"/>
-                      <a:tailEnd type="none" w="med" len="med"/>
-                    </a:lnL>
-                    <a:lnR w="6350" cap="flat" cmpd="sng" algn="ctr">
-                      <a:solidFill>
-                        <a:srgbClr val="AEB9C1"/>
-                      </a:solidFill>
-                      <a:prstDash val="solid"/>
-                      <a:round/>
-                      <a:headEnd type="none" w="med" len="med"/>
-                      <a:tailEnd type="none" w="med" len="med"/>
-                    </a:lnR>
-                    <a:lnT>
-                      <a:noFill/>
-                    </a:lnT>
-                    <a:lnB w="6350" cap="flat" cmpd="sng" algn="ctr">
-                      <a:solidFill>
-                        <a:srgbClr val="AEB9C1"/>
-                      </a:solidFill>
-                      <a:prstDash val="solid"/>
-                      <a:round/>
-                      <a:headEnd type="none" w="med" len="med"/>
-                      <a:tailEnd type="none" w="med" len="med"/>
-                    </a:lnB>
-                    <a:solidFill>
-                      <a:srgbClr val="E3E7EA"/>
-                    </a:solidFill>
-                  </a:tcPr>
-                </a:tc>
-                <a:tc>
-                  <a:txBody>
-                    <a:bodyPr/>
-                    <a:lstStyle/>
-                    <a:p>
-                      <a:pPr algn="ctr" fontAlgn="b"/>
-                      <a:r>
-                        <a:rPr lang="de-AT" sz="1000" b="1" i="0" u="none" strike="noStrike">
-                          <a:solidFill>
-                            <a:srgbClr val="000000"/>
-                          </a:solidFill>
-                          <a:effectLst/>
-                          <a:latin typeface="Arial" panose="020B0604020202020204" pitchFamily="34" charset="0"/>
-                        </a:rPr>
-                        <a:t>Aktuelle Termine</a:t>
-                      </a:r>
-                    </a:p>
-                  </a:txBody>
-                  <a:tcPr marL="9525" marR="9525" marT="9525" marB="0" anchor="b">
-                    <a:lnL w="6350" cap="flat" cmpd="sng" algn="ctr">
-                      <a:solidFill>
-                        <a:srgbClr val="AEB9C1"/>
-                      </a:solidFill>
-                      <a:prstDash val="solid"/>
-                      <a:round/>
-                      <a:headEnd type="none" w="med" len="med"/>
-                      <a:tailEnd type="none" w="med" len="med"/>
-                    </a:lnL>
-                    <a:lnR w="6350" cap="flat" cmpd="sng" algn="ctr">
-                      <a:solidFill>
-                        <a:srgbClr val="AEB9C1"/>
-                      </a:solidFill>
-                      <a:prstDash val="solid"/>
-                      <a:round/>
-                      <a:headEnd type="none" w="med" len="med"/>
-                      <a:tailEnd type="none" w="med" len="med"/>
-                    </a:lnR>
-                    <a:lnT>
-                      <a:noFill/>
-                    </a:lnT>
-                    <a:lnB w="6350" cap="flat" cmpd="sng" algn="ctr">
-                      <a:solidFill>
-                        <a:srgbClr val="AEB9C1"/>
-                      </a:solidFill>
-                      <a:prstDash val="solid"/>
-                      <a:round/>
-                      <a:headEnd type="none" w="med" len="med"/>
-                      <a:tailEnd type="none" w="med" len="med"/>
-                    </a:lnB>
-                    <a:solidFill>
-                      <a:srgbClr val="E3E7EA"/>
-                    </a:solidFill>
-                  </a:tcPr>
-                </a:tc>
-                <a:tc>
-                  <a:txBody>
-                    <a:bodyPr/>
-                    <a:lstStyle/>
-                    <a:p>
-                      <a:pPr algn="ctr" fontAlgn="b"/>
-                      <a:r>
-                        <a:rPr lang="de-AT" sz="1000" b="1" i="0" u="none" strike="noStrike">
-                          <a:solidFill>
-                            <a:srgbClr val="000000"/>
-                          </a:solidFill>
-                          <a:effectLst/>
-                          <a:latin typeface="Arial" panose="020B0604020202020204" pitchFamily="34" charset="0"/>
-                        </a:rPr>
-                        <a:t>Ist Termine</a:t>
-                      </a:r>
-                    </a:p>
-                  </a:txBody>
-                  <a:tcPr marL="9525" marR="9525" marT="9525" marB="0" anchor="b">
-                    <a:lnL w="6350" cap="flat" cmpd="sng" algn="ctr">
-                      <a:solidFill>
-                        <a:srgbClr val="AEB9C1"/>
-                      </a:solidFill>
-                      <a:prstDash val="solid"/>
-                      <a:round/>
-                      <a:headEnd type="none" w="med" len="med"/>
-                      <a:tailEnd type="none" w="med" len="med"/>
-                    </a:lnL>
-                    <a:lnR w="6350" cap="flat" cmpd="sng" algn="ctr">
-                      <a:solidFill>
-                        <a:srgbClr val="AEB9C1"/>
-                      </a:solidFill>
-                      <a:prstDash val="solid"/>
-                      <a:round/>
-                      <a:headEnd type="none" w="med" len="med"/>
-                      <a:tailEnd type="none" w="med" len="med"/>
-                    </a:lnR>
-                    <a:lnT>
-                      <a:noFill/>
-                    </a:lnT>
-                    <a:lnB w="6350" cap="flat" cmpd="sng" algn="ctr">
-                      <a:solidFill>
-                        <a:srgbClr val="AEB9C1"/>
-                      </a:solidFill>
-                      <a:prstDash val="solid"/>
-                      <a:round/>
-                      <a:headEnd type="none" w="med" len="med"/>
-                      <a:tailEnd type="none" w="med" len="med"/>
-                    </a:lnB>
-                    <a:solidFill>
-                      <a:srgbClr val="E3E7EA"/>
-                    </a:solidFill>
-                  </a:tcPr>
-                </a:tc>
-                <a:extLst>
-                  <a:ext uri="{0D108BD9-81ED-4DB2-BD59-A6C34878D82A}">
-                    <a16:rowId xmlns:a16="http://schemas.microsoft.com/office/drawing/2014/main" val="4054547525"/>
-                  </a:ext>
-                </a:extLst>
-              </a:tr>
-              <a:tr h="270563">
-                <a:tc>
-                  <a:txBody>
-                    <a:bodyPr/>
-                    <a:lstStyle/>
-                    <a:p>
-                      <a:pPr algn="l" fontAlgn="b"/>
-                      <a:r>
-                        <a:rPr lang="de-AT" sz="1000" b="0" i="0" u="none" strike="noStrike">
-                          <a:solidFill>
-                            <a:srgbClr val="000000"/>
-                          </a:solidFill>
-                          <a:effectLst/>
-                          <a:latin typeface="Arial" panose="020B0604020202020204" pitchFamily="34" charset="0"/>
-                        </a:rPr>
-                        <a:t>1.1.1</a:t>
-                      </a:r>
-                    </a:p>
-                  </a:txBody>
-                  <a:tcPr marL="9525" marR="9525" marT="9525" marB="0" anchor="b">
-                    <a:lnL w="6350" cap="flat" cmpd="sng" algn="ctr">
-                      <a:solidFill>
-                        <a:srgbClr val="AEB9C1"/>
-                      </a:solidFill>
-                      <a:prstDash val="solid"/>
-                      <a:round/>
-                      <a:headEnd type="none" w="med" len="med"/>
-                      <a:tailEnd type="none" w="med" len="med"/>
-                    </a:lnL>
-                    <a:lnR w="6350" cap="flat" cmpd="sng" algn="ctr">
-                      <a:solidFill>
-                        <a:srgbClr val="AEB9C1"/>
-                      </a:solidFill>
-                      <a:prstDash val="solid"/>
-                      <a:round/>
-                      <a:headEnd type="none" w="med" len="med"/>
-                      <a:tailEnd type="none" w="med" len="med"/>
-                    </a:lnR>
-                    <a:lnT w="6350" cap="flat" cmpd="sng" algn="ctr">
-                      <a:solidFill>
-                        <a:srgbClr val="AEB9C1"/>
-                      </a:solidFill>
-                      <a:prstDash val="solid"/>
-                      <a:round/>
-                      <a:headEnd type="none" w="med" len="med"/>
-                      <a:tailEnd type="none" w="med" len="med"/>
-                    </a:lnT>
-                    <a:lnB w="6350" cap="flat" cmpd="sng" algn="ctr">
-                      <a:solidFill>
-                        <a:srgbClr val="AEB9C1"/>
-                      </a:solidFill>
-                      <a:prstDash val="solid"/>
-                      <a:round/>
-                      <a:headEnd type="none" w="med" len="med"/>
-                      <a:tailEnd type="none" w="med" len="med"/>
-                    </a:lnB>
-                  </a:tcPr>
-                </a:tc>
-                <a:tc>
-                  <a:txBody>
-                    <a:bodyPr/>
-                    <a:lstStyle/>
-                    <a:p>
-                      <a:pPr algn="l" fontAlgn="b"/>
-                      <a:r>
-                        <a:rPr lang="de-AT" sz="1000" b="0" i="0" u="none" strike="noStrike">
-                          <a:solidFill>
-                            <a:srgbClr val="000000"/>
-                          </a:solidFill>
-                          <a:effectLst/>
-                          <a:latin typeface="Arial" panose="020B0604020202020204" pitchFamily="34" charset="0"/>
-                        </a:rPr>
-                        <a:t>Projekt gestartet</a:t>
-                      </a:r>
-                    </a:p>
-                  </a:txBody>
-                  <a:tcPr marL="9525" marR="9525" marT="9525" marB="0" anchor="b">
-                    <a:lnL w="6350" cap="flat" cmpd="sng" algn="ctr">
-                      <a:solidFill>
-                        <a:srgbClr val="AEB9C1"/>
-                      </a:solidFill>
-                      <a:prstDash val="solid"/>
-                      <a:round/>
-                      <a:headEnd type="none" w="med" len="med"/>
-                      <a:tailEnd type="none" w="med" len="med"/>
-                    </a:lnL>
-                    <a:lnR w="6350" cap="flat" cmpd="sng" algn="ctr">
-                      <a:solidFill>
-                        <a:srgbClr val="AEB9C1"/>
-                      </a:solidFill>
-                      <a:prstDash val="solid"/>
-                      <a:round/>
-                      <a:headEnd type="none" w="med" len="med"/>
-                      <a:tailEnd type="none" w="med" len="med"/>
-                    </a:lnR>
-                    <a:lnT w="6350" cap="flat" cmpd="sng" algn="ctr">
-                      <a:solidFill>
-                        <a:srgbClr val="AEB9C1"/>
-                      </a:solidFill>
-                      <a:prstDash val="solid"/>
-                      <a:round/>
-                      <a:headEnd type="none" w="med" len="med"/>
-                      <a:tailEnd type="none" w="med" len="med"/>
-                    </a:lnT>
-                    <a:lnB w="6350" cap="flat" cmpd="sng" algn="ctr">
-                      <a:solidFill>
-                        <a:srgbClr val="AEB9C1"/>
-                      </a:solidFill>
-                      <a:prstDash val="solid"/>
-                      <a:round/>
-                      <a:headEnd type="none" w="med" len="med"/>
-                      <a:tailEnd type="none" w="med" len="med"/>
-                    </a:lnB>
-                  </a:tcPr>
-                </a:tc>
-                <a:tc>
-                  <a:txBody>
-                    <a:bodyPr/>
-                    <a:lstStyle/>
-                    <a:p>
-                      <a:pPr algn="ctr" fontAlgn="b"/>
-                      <a:r>
-                        <a:rPr lang="de-AT" sz="900" b="0" i="0" u="none" strike="noStrike">
-                          <a:solidFill>
-                            <a:srgbClr val="000000"/>
-                          </a:solidFill>
-                          <a:effectLst/>
-                          <a:latin typeface="Arial" panose="020B0604020202020204" pitchFamily="34" charset="0"/>
-                        </a:rPr>
-                        <a:t>07.07.17</a:t>
-                      </a:r>
-                    </a:p>
-                  </a:txBody>
-                  <a:tcPr marL="9525" marR="9525" marT="9525" marB="0" anchor="b">
-                    <a:lnL w="6350" cap="flat" cmpd="sng" algn="ctr">
-                      <a:solidFill>
-                        <a:srgbClr val="AEB9C1"/>
-                      </a:solidFill>
-                      <a:prstDash val="solid"/>
-                      <a:round/>
-                      <a:headEnd type="none" w="med" len="med"/>
-                      <a:tailEnd type="none" w="med" len="med"/>
-                    </a:lnL>
-                    <a:lnR w="6350" cap="flat" cmpd="sng" algn="ctr">
-                      <a:solidFill>
-                        <a:srgbClr val="AEB9C1"/>
-                      </a:solidFill>
-                      <a:prstDash val="solid"/>
-                      <a:round/>
-                      <a:headEnd type="none" w="med" len="med"/>
-                      <a:tailEnd type="none" w="med" len="med"/>
-                    </a:lnR>
-                    <a:lnT w="6350" cap="flat" cmpd="sng" algn="ctr">
-                      <a:solidFill>
-                        <a:srgbClr val="AEB9C1"/>
-                      </a:solidFill>
-                      <a:prstDash val="solid"/>
-                      <a:round/>
-                      <a:headEnd type="none" w="med" len="med"/>
-                      <a:tailEnd type="none" w="med" len="med"/>
-                    </a:lnT>
-                    <a:lnB w="6350" cap="flat" cmpd="sng" algn="ctr">
-                      <a:solidFill>
-                        <a:srgbClr val="AEB9C1"/>
-                      </a:solidFill>
-                      <a:prstDash val="solid"/>
-                      <a:round/>
-                      <a:headEnd type="none" w="med" len="med"/>
-                      <a:tailEnd type="none" w="med" len="med"/>
-                    </a:lnB>
-                    <a:solidFill>
-                      <a:srgbClr val="D5E49C"/>
-                    </a:solidFill>
-                  </a:tcPr>
-                </a:tc>
-                <a:tc>
-                  <a:txBody>
-                    <a:bodyPr/>
-                    <a:lstStyle/>
-                    <a:p>
-                      <a:pPr algn="ctr" fontAlgn="b"/>
-                      <a:r>
-                        <a:rPr lang="de-AT" sz="900" b="0" i="0" u="none" strike="noStrike">
-                          <a:solidFill>
-                            <a:srgbClr val="000000"/>
-                          </a:solidFill>
-                          <a:effectLst/>
-                          <a:latin typeface="Arial" panose="020B0604020202020204" pitchFamily="34" charset="0"/>
-                        </a:rPr>
-                        <a:t>07.07.17</a:t>
-                      </a:r>
-                    </a:p>
-                  </a:txBody>
-                  <a:tcPr marL="9525" marR="9525" marT="9525" marB="0" anchor="b">
-                    <a:lnL w="6350" cap="flat" cmpd="sng" algn="ctr">
-                      <a:solidFill>
-                        <a:srgbClr val="AEB9C1"/>
-                      </a:solidFill>
-                      <a:prstDash val="solid"/>
-                      <a:round/>
-                      <a:headEnd type="none" w="med" len="med"/>
-                      <a:tailEnd type="none" w="med" len="med"/>
-                    </a:lnL>
-                    <a:lnR w="6350" cap="flat" cmpd="sng" algn="ctr">
-                      <a:solidFill>
-                        <a:srgbClr val="AEB9C1"/>
-                      </a:solidFill>
-                      <a:prstDash val="solid"/>
-                      <a:round/>
-                      <a:headEnd type="none" w="med" len="med"/>
-                      <a:tailEnd type="none" w="med" len="med"/>
-                    </a:lnR>
-                    <a:lnT w="6350" cap="flat" cmpd="sng" algn="ctr">
-                      <a:solidFill>
-                        <a:srgbClr val="AEB9C1"/>
-                      </a:solidFill>
-                      <a:prstDash val="solid"/>
-                      <a:round/>
-                      <a:headEnd type="none" w="med" len="med"/>
-                      <a:tailEnd type="none" w="med" len="med"/>
-                    </a:lnT>
-                    <a:lnB w="6350" cap="flat" cmpd="sng" algn="ctr">
-                      <a:solidFill>
-                        <a:srgbClr val="AEB9C1"/>
-                      </a:solidFill>
-                      <a:prstDash val="solid"/>
-                      <a:round/>
-                      <a:headEnd type="none" w="med" len="med"/>
-                      <a:tailEnd type="none" w="med" len="med"/>
-                    </a:lnB>
-                  </a:tcPr>
-                </a:tc>
-                <a:tc>
-                  <a:txBody>
-                    <a:bodyPr/>
-                    <a:lstStyle/>
-                    <a:p>
-                      <a:pPr algn="ctr" fontAlgn="b"/>
-                      <a:r>
-                        <a:rPr lang="de-AT" sz="900" b="0" i="0" u="none" strike="noStrike">
-                          <a:solidFill>
-                            <a:srgbClr val="000000"/>
-                          </a:solidFill>
-                          <a:effectLst/>
-                          <a:latin typeface="Arial" panose="020B0604020202020204" pitchFamily="34" charset="0"/>
-                        </a:rPr>
-                        <a:t>07.07.17</a:t>
-                      </a:r>
-                    </a:p>
-                  </a:txBody>
-                  <a:tcPr marL="9525" marR="9525" marT="9525" marB="0" anchor="b">
-                    <a:lnL w="6350" cap="flat" cmpd="sng" algn="ctr">
-                      <a:solidFill>
-                        <a:srgbClr val="AEB9C1"/>
-                      </a:solidFill>
-                      <a:prstDash val="solid"/>
-                      <a:round/>
-                      <a:headEnd type="none" w="med" len="med"/>
-                      <a:tailEnd type="none" w="med" len="med"/>
-                    </a:lnL>
-                    <a:lnR w="6350" cap="flat" cmpd="sng" algn="ctr">
-                      <a:solidFill>
-                        <a:srgbClr val="AEB9C1"/>
-                      </a:solidFill>
-                      <a:prstDash val="solid"/>
-                      <a:round/>
-                      <a:headEnd type="none" w="med" len="med"/>
-                      <a:tailEnd type="none" w="med" len="med"/>
-                    </a:lnR>
-                    <a:lnT w="6350" cap="flat" cmpd="sng" algn="ctr">
-                      <a:solidFill>
-                        <a:srgbClr val="AEB9C1"/>
-                      </a:solidFill>
-                      <a:prstDash val="solid"/>
-                      <a:round/>
-                      <a:headEnd type="none" w="med" len="med"/>
-                      <a:tailEnd type="none" w="med" len="med"/>
-                    </a:lnT>
-                    <a:lnB w="6350" cap="flat" cmpd="sng" algn="ctr">
-                      <a:solidFill>
-                        <a:srgbClr val="AEB9C1"/>
-                      </a:solidFill>
-                      <a:prstDash val="solid"/>
-                      <a:round/>
-                      <a:headEnd type="none" w="med" len="med"/>
-                      <a:tailEnd type="none" w="med" len="med"/>
-                    </a:lnB>
-                  </a:tcPr>
-                </a:tc>
-                <a:extLst>
-                  <a:ext uri="{0D108BD9-81ED-4DB2-BD59-A6C34878D82A}">
-                    <a16:rowId xmlns:a16="http://schemas.microsoft.com/office/drawing/2014/main" val="4024833317"/>
-                  </a:ext>
-                </a:extLst>
-              </a:tr>
-              <a:tr h="270563">
-                <a:tc>
-                  <a:txBody>
-                    <a:bodyPr/>
-                    <a:lstStyle/>
-                    <a:p>
-                      <a:pPr algn="l" fontAlgn="b"/>
-                      <a:r>
-                        <a:rPr lang="de-AT" sz="1000" b="0" i="0" u="none" strike="noStrike">
-                          <a:solidFill>
-                            <a:srgbClr val="000000"/>
-                          </a:solidFill>
-                          <a:effectLst/>
-                          <a:latin typeface="Arial" panose="020B0604020202020204" pitchFamily="34" charset="0"/>
-                        </a:rPr>
-                        <a:t>1.2.6</a:t>
-                      </a:r>
-                    </a:p>
-                  </a:txBody>
-                  <a:tcPr marL="9525" marR="9525" marT="9525" marB="0" anchor="b">
-                    <a:lnL w="6350" cap="flat" cmpd="sng" algn="ctr">
-                      <a:solidFill>
-                        <a:srgbClr val="AEB9C1"/>
-                      </a:solidFill>
-                      <a:prstDash val="solid"/>
-                      <a:round/>
-                      <a:headEnd type="none" w="med" len="med"/>
-                      <a:tailEnd type="none" w="med" len="med"/>
-                    </a:lnL>
-                    <a:lnR w="6350" cap="flat" cmpd="sng" algn="ctr">
-                      <a:solidFill>
-                        <a:srgbClr val="AEB9C1"/>
-                      </a:solidFill>
-                      <a:prstDash val="solid"/>
-                      <a:round/>
-                      <a:headEnd type="none" w="med" len="med"/>
-                      <a:tailEnd type="none" w="med" len="med"/>
-                    </a:lnR>
-                    <a:lnT w="6350" cap="flat" cmpd="sng" algn="ctr">
-                      <a:solidFill>
-                        <a:srgbClr val="AEB9C1"/>
-                      </a:solidFill>
-                      <a:prstDash val="solid"/>
-                      <a:round/>
-                      <a:headEnd type="none" w="med" len="med"/>
-                      <a:tailEnd type="none" w="med" len="med"/>
-                    </a:lnT>
-                    <a:lnB w="6350" cap="flat" cmpd="sng" algn="ctr">
-                      <a:solidFill>
-                        <a:srgbClr val="AEB9C1"/>
-                      </a:solidFill>
-                      <a:prstDash val="solid"/>
-                      <a:round/>
-                      <a:headEnd type="none" w="med" len="med"/>
-                      <a:tailEnd type="none" w="med" len="med"/>
-                    </a:lnB>
-                  </a:tcPr>
-                </a:tc>
-                <a:tc>
-                  <a:txBody>
-                    <a:bodyPr/>
-                    <a:lstStyle/>
-                    <a:p>
-                      <a:pPr algn="l" fontAlgn="b"/>
-                      <a:r>
-                        <a:rPr lang="de-AT" sz="1000" b="0" i="0" u="none" strike="noStrike">
-                          <a:solidFill>
-                            <a:srgbClr val="000000"/>
-                          </a:solidFill>
-                          <a:effectLst/>
-                          <a:latin typeface="Arial" panose="020B0604020202020204" pitchFamily="34" charset="0"/>
-                        </a:rPr>
-                        <a:t>Einarbeitung abgeschlossen</a:t>
-                      </a:r>
-                    </a:p>
-                  </a:txBody>
-                  <a:tcPr marL="9525" marR="9525" marT="9525" marB="0" anchor="b">
-                    <a:lnL w="6350" cap="flat" cmpd="sng" algn="ctr">
-                      <a:solidFill>
-                        <a:srgbClr val="AEB9C1"/>
-                      </a:solidFill>
-                      <a:prstDash val="solid"/>
-                      <a:round/>
-                      <a:headEnd type="none" w="med" len="med"/>
-                      <a:tailEnd type="none" w="med" len="med"/>
-                    </a:lnL>
-                    <a:lnR w="6350" cap="flat" cmpd="sng" algn="ctr">
-                      <a:solidFill>
-                        <a:srgbClr val="AEB9C1"/>
-                      </a:solidFill>
-                      <a:prstDash val="solid"/>
-                      <a:round/>
-                      <a:headEnd type="none" w="med" len="med"/>
-                      <a:tailEnd type="none" w="med" len="med"/>
-                    </a:lnR>
-                    <a:lnT w="6350" cap="flat" cmpd="sng" algn="ctr">
-                      <a:solidFill>
-                        <a:srgbClr val="AEB9C1"/>
-                      </a:solidFill>
-                      <a:prstDash val="solid"/>
-                      <a:round/>
-                      <a:headEnd type="none" w="med" len="med"/>
-                      <a:tailEnd type="none" w="med" len="med"/>
-                    </a:lnT>
-                    <a:lnB w="6350" cap="flat" cmpd="sng" algn="ctr">
-                      <a:solidFill>
-                        <a:srgbClr val="AEB9C1"/>
-                      </a:solidFill>
-                      <a:prstDash val="solid"/>
-                      <a:round/>
-                      <a:headEnd type="none" w="med" len="med"/>
-                      <a:tailEnd type="none" w="med" len="med"/>
-                    </a:lnB>
-                  </a:tcPr>
-                </a:tc>
-                <a:tc>
-                  <a:txBody>
-                    <a:bodyPr/>
-                    <a:lstStyle/>
-                    <a:p>
-                      <a:pPr algn="ctr" fontAlgn="b"/>
-                      <a:r>
-                        <a:rPr lang="de-AT" sz="900" b="0" i="0" u="none" strike="noStrike">
-                          <a:solidFill>
-                            <a:srgbClr val="000000"/>
-                          </a:solidFill>
-                          <a:effectLst/>
-                          <a:latin typeface="Arial" panose="020B0604020202020204" pitchFamily="34" charset="0"/>
-                        </a:rPr>
-                        <a:t>21.07.17</a:t>
-                      </a:r>
-                    </a:p>
-                  </a:txBody>
-                  <a:tcPr marL="9525" marR="9525" marT="9525" marB="0" anchor="b">
-                    <a:lnL w="6350" cap="flat" cmpd="sng" algn="ctr">
-                      <a:solidFill>
-                        <a:srgbClr val="AEB9C1"/>
-                      </a:solidFill>
-                      <a:prstDash val="solid"/>
-                      <a:round/>
-                      <a:headEnd type="none" w="med" len="med"/>
-                      <a:tailEnd type="none" w="med" len="med"/>
-                    </a:lnL>
-                    <a:lnR w="6350" cap="flat" cmpd="sng" algn="ctr">
-                      <a:solidFill>
-                        <a:srgbClr val="AEB9C1"/>
-                      </a:solidFill>
-                      <a:prstDash val="solid"/>
-                      <a:round/>
-                      <a:headEnd type="none" w="med" len="med"/>
-                      <a:tailEnd type="none" w="med" len="med"/>
-                    </a:lnR>
-                    <a:lnT w="6350" cap="flat" cmpd="sng" algn="ctr">
-                      <a:solidFill>
-                        <a:srgbClr val="AEB9C1"/>
-                      </a:solidFill>
-                      <a:prstDash val="solid"/>
-                      <a:round/>
-                      <a:headEnd type="none" w="med" len="med"/>
-                      <a:tailEnd type="none" w="med" len="med"/>
-                    </a:lnT>
-                    <a:lnB w="6350" cap="flat" cmpd="sng" algn="ctr">
-                      <a:solidFill>
-                        <a:srgbClr val="AEB9C1"/>
-                      </a:solidFill>
-                      <a:prstDash val="solid"/>
-                      <a:round/>
-                      <a:headEnd type="none" w="med" len="med"/>
-                      <a:tailEnd type="none" w="med" len="med"/>
-                    </a:lnB>
-                    <a:solidFill>
-                      <a:srgbClr val="D5E49C"/>
-                    </a:solidFill>
-                  </a:tcPr>
-                </a:tc>
-                <a:tc>
-                  <a:txBody>
-                    <a:bodyPr/>
-                    <a:lstStyle/>
-                    <a:p>
-                      <a:pPr algn="ctr" fontAlgn="b"/>
-                      <a:r>
-                        <a:rPr lang="de-AT" sz="900" b="0" i="0" u="none" strike="noStrike">
-                          <a:solidFill>
-                            <a:srgbClr val="000000"/>
-                          </a:solidFill>
-                          <a:effectLst/>
-                          <a:latin typeface="Arial" panose="020B0604020202020204" pitchFamily="34" charset="0"/>
-                        </a:rPr>
-                        <a:t>21.07.17</a:t>
-                      </a:r>
-                    </a:p>
-                  </a:txBody>
-                  <a:tcPr marL="9525" marR="9525" marT="9525" marB="0" anchor="b">
-                    <a:lnL w="6350" cap="flat" cmpd="sng" algn="ctr">
-                      <a:solidFill>
-                        <a:srgbClr val="AEB9C1"/>
-                      </a:solidFill>
-                      <a:prstDash val="solid"/>
-                      <a:round/>
-                      <a:headEnd type="none" w="med" len="med"/>
-                      <a:tailEnd type="none" w="med" len="med"/>
-                    </a:lnL>
-                    <a:lnR w="6350" cap="flat" cmpd="sng" algn="ctr">
-                      <a:solidFill>
-                        <a:srgbClr val="AEB9C1"/>
-                      </a:solidFill>
-                      <a:prstDash val="solid"/>
-                      <a:round/>
-                      <a:headEnd type="none" w="med" len="med"/>
-                      <a:tailEnd type="none" w="med" len="med"/>
-                    </a:lnR>
-                    <a:lnT w="6350" cap="flat" cmpd="sng" algn="ctr">
-                      <a:solidFill>
-                        <a:srgbClr val="AEB9C1"/>
-                      </a:solidFill>
-                      <a:prstDash val="solid"/>
-                      <a:round/>
-                      <a:headEnd type="none" w="med" len="med"/>
-                      <a:tailEnd type="none" w="med" len="med"/>
-                    </a:lnT>
-                    <a:lnB w="6350" cap="flat" cmpd="sng" algn="ctr">
-                      <a:solidFill>
-                        <a:srgbClr val="AEB9C1"/>
-                      </a:solidFill>
-                      <a:prstDash val="solid"/>
-                      <a:round/>
-                      <a:headEnd type="none" w="med" len="med"/>
-                      <a:tailEnd type="none" w="med" len="med"/>
-                    </a:lnB>
-                  </a:tcPr>
-                </a:tc>
-                <a:tc>
-                  <a:txBody>
-                    <a:bodyPr/>
-                    <a:lstStyle/>
-                    <a:p>
-                      <a:pPr algn="ctr" fontAlgn="b"/>
-                      <a:r>
-                        <a:rPr lang="de-AT" sz="900" b="0" i="0" u="none" strike="noStrike">
-                          <a:solidFill>
-                            <a:srgbClr val="000000"/>
-                          </a:solidFill>
-                          <a:effectLst/>
-                          <a:latin typeface="Arial" panose="020B0604020202020204" pitchFamily="34" charset="0"/>
-                        </a:rPr>
-                        <a:t>21.07.17</a:t>
-                      </a:r>
-                    </a:p>
-                  </a:txBody>
-                  <a:tcPr marL="9525" marR="9525" marT="9525" marB="0" anchor="b">
-                    <a:lnL w="6350" cap="flat" cmpd="sng" algn="ctr">
-                      <a:solidFill>
-                        <a:srgbClr val="AEB9C1"/>
-                      </a:solidFill>
-                      <a:prstDash val="solid"/>
-                      <a:round/>
-                      <a:headEnd type="none" w="med" len="med"/>
-                      <a:tailEnd type="none" w="med" len="med"/>
-                    </a:lnL>
-                    <a:lnR w="6350" cap="flat" cmpd="sng" algn="ctr">
-                      <a:solidFill>
-                        <a:srgbClr val="AEB9C1"/>
-                      </a:solidFill>
-                      <a:prstDash val="solid"/>
-                      <a:round/>
-                      <a:headEnd type="none" w="med" len="med"/>
-                      <a:tailEnd type="none" w="med" len="med"/>
-                    </a:lnR>
-                    <a:lnT w="6350" cap="flat" cmpd="sng" algn="ctr">
-                      <a:solidFill>
-                        <a:srgbClr val="AEB9C1"/>
-                      </a:solidFill>
-                      <a:prstDash val="solid"/>
-                      <a:round/>
-                      <a:headEnd type="none" w="med" len="med"/>
-                      <a:tailEnd type="none" w="med" len="med"/>
-                    </a:lnT>
-                    <a:lnB w="6350" cap="flat" cmpd="sng" algn="ctr">
-                      <a:solidFill>
-                        <a:srgbClr val="AEB9C1"/>
-                      </a:solidFill>
-                      <a:prstDash val="solid"/>
-                      <a:round/>
-                      <a:headEnd type="none" w="med" len="med"/>
-                      <a:tailEnd type="none" w="med" len="med"/>
-                    </a:lnB>
-                  </a:tcPr>
-                </a:tc>
-                <a:extLst>
-                  <a:ext uri="{0D108BD9-81ED-4DB2-BD59-A6C34878D82A}">
-                    <a16:rowId xmlns:a16="http://schemas.microsoft.com/office/drawing/2014/main" val="2991075967"/>
-                  </a:ext>
-                </a:extLst>
-              </a:tr>
-              <a:tr h="270563">
-                <a:tc>
-                  <a:txBody>
-                    <a:bodyPr/>
-                    <a:lstStyle/>
-                    <a:p>
-                      <a:pPr algn="l" fontAlgn="b"/>
-                      <a:r>
-                        <a:rPr lang="de-AT" sz="1000" b="0" i="0" u="none" strike="noStrike">
-                          <a:solidFill>
-                            <a:srgbClr val="000000"/>
-                          </a:solidFill>
-                          <a:effectLst/>
-                          <a:latin typeface="Arial" panose="020B0604020202020204" pitchFamily="34" charset="0"/>
-                        </a:rPr>
-                        <a:t>1.3.4</a:t>
-                      </a:r>
-                    </a:p>
-                  </a:txBody>
-                  <a:tcPr marL="9525" marR="9525" marT="9525" marB="0" anchor="b">
-                    <a:lnL w="6350" cap="flat" cmpd="sng" algn="ctr">
-                      <a:solidFill>
-                        <a:srgbClr val="AEB9C1"/>
-                      </a:solidFill>
-                      <a:prstDash val="solid"/>
-                      <a:round/>
-                      <a:headEnd type="none" w="med" len="med"/>
-                      <a:tailEnd type="none" w="med" len="med"/>
-                    </a:lnL>
-                    <a:lnR w="6350" cap="flat" cmpd="sng" algn="ctr">
-                      <a:solidFill>
-                        <a:srgbClr val="AEB9C1"/>
-                      </a:solidFill>
-                      <a:prstDash val="solid"/>
-                      <a:round/>
-                      <a:headEnd type="none" w="med" len="med"/>
-                      <a:tailEnd type="none" w="med" len="med"/>
-                    </a:lnR>
-                    <a:lnT w="6350" cap="flat" cmpd="sng" algn="ctr">
-                      <a:solidFill>
-                        <a:srgbClr val="AEB9C1"/>
-                      </a:solidFill>
-                      <a:prstDash val="solid"/>
-                      <a:round/>
-                      <a:headEnd type="none" w="med" len="med"/>
-                      <a:tailEnd type="none" w="med" len="med"/>
-                    </a:lnT>
-                    <a:lnB w="6350" cap="flat" cmpd="sng" algn="ctr">
-                      <a:solidFill>
-                        <a:srgbClr val="AEB9C1"/>
-                      </a:solidFill>
-                      <a:prstDash val="solid"/>
-                      <a:round/>
-                      <a:headEnd type="none" w="med" len="med"/>
-                      <a:tailEnd type="none" w="med" len="med"/>
-                    </a:lnB>
-                  </a:tcPr>
-                </a:tc>
-                <a:tc>
-                  <a:txBody>
-                    <a:bodyPr/>
-                    <a:lstStyle/>
-                    <a:p>
-                      <a:pPr algn="l" fontAlgn="b"/>
-                      <a:r>
-                        <a:rPr lang="de-AT" sz="1000" b="0" i="0" u="none" strike="noStrike" dirty="0">
-                          <a:solidFill>
-                            <a:srgbClr val="000000"/>
-                          </a:solidFill>
-                          <a:effectLst/>
-                          <a:latin typeface="Arial" panose="020B0604020202020204" pitchFamily="34" charset="0"/>
-                        </a:rPr>
-                        <a:t>Fertiges Userinterface Website und App</a:t>
-                      </a:r>
-                    </a:p>
-                  </a:txBody>
-                  <a:tcPr marL="9525" marR="9525" marT="9525" marB="0" anchor="b">
-                    <a:lnL w="6350" cap="flat" cmpd="sng" algn="ctr">
-                      <a:solidFill>
-                        <a:srgbClr val="AEB9C1"/>
-                      </a:solidFill>
-                      <a:prstDash val="solid"/>
-                      <a:round/>
-                      <a:headEnd type="none" w="med" len="med"/>
-                      <a:tailEnd type="none" w="med" len="med"/>
-                    </a:lnL>
-                    <a:lnR w="6350" cap="flat" cmpd="sng" algn="ctr">
-                      <a:solidFill>
-                        <a:srgbClr val="AEB9C1"/>
-                      </a:solidFill>
-                      <a:prstDash val="solid"/>
-                      <a:round/>
-                      <a:headEnd type="none" w="med" len="med"/>
-                      <a:tailEnd type="none" w="med" len="med"/>
-                    </a:lnR>
-                    <a:lnT w="6350" cap="flat" cmpd="sng" algn="ctr">
-                      <a:solidFill>
-                        <a:srgbClr val="AEB9C1"/>
-                      </a:solidFill>
-                      <a:prstDash val="solid"/>
-                      <a:round/>
-                      <a:headEnd type="none" w="med" len="med"/>
-                      <a:tailEnd type="none" w="med" len="med"/>
-                    </a:lnT>
-                    <a:lnB w="6350" cap="flat" cmpd="sng" algn="ctr">
-                      <a:solidFill>
-                        <a:srgbClr val="AEB9C1"/>
-                      </a:solidFill>
-                      <a:prstDash val="solid"/>
-                      <a:round/>
-                      <a:headEnd type="none" w="med" len="med"/>
-                      <a:tailEnd type="none" w="med" len="med"/>
-                    </a:lnB>
-                  </a:tcPr>
-                </a:tc>
-                <a:tc>
-                  <a:txBody>
-                    <a:bodyPr/>
-                    <a:lstStyle/>
-                    <a:p>
-                      <a:pPr algn="ctr" fontAlgn="b"/>
-                      <a:r>
-                        <a:rPr lang="de-AT" sz="900" b="0" i="0" u="none" strike="noStrike">
-                          <a:solidFill>
-                            <a:srgbClr val="000000"/>
-                          </a:solidFill>
-                          <a:effectLst/>
-                          <a:latin typeface="Arial" panose="020B0604020202020204" pitchFamily="34" charset="0"/>
-                        </a:rPr>
-                        <a:t>07.10.17</a:t>
-                      </a:r>
-                    </a:p>
-                  </a:txBody>
-                  <a:tcPr marL="9525" marR="9525" marT="9525" marB="0" anchor="b">
-                    <a:lnL w="6350" cap="flat" cmpd="sng" algn="ctr">
-                      <a:solidFill>
-                        <a:srgbClr val="AEB9C1"/>
-                      </a:solidFill>
-                      <a:prstDash val="solid"/>
-                      <a:round/>
-                      <a:headEnd type="none" w="med" len="med"/>
-                      <a:tailEnd type="none" w="med" len="med"/>
-                    </a:lnL>
-                    <a:lnR w="6350" cap="flat" cmpd="sng" algn="ctr">
-                      <a:solidFill>
-                        <a:srgbClr val="AEB9C1"/>
-                      </a:solidFill>
-                      <a:prstDash val="solid"/>
-                      <a:round/>
-                      <a:headEnd type="none" w="med" len="med"/>
-                      <a:tailEnd type="none" w="med" len="med"/>
-                    </a:lnR>
-                    <a:lnT w="6350" cap="flat" cmpd="sng" algn="ctr">
-                      <a:solidFill>
-                        <a:srgbClr val="AEB9C1"/>
-                      </a:solidFill>
-                      <a:prstDash val="solid"/>
-                      <a:round/>
-                      <a:headEnd type="none" w="med" len="med"/>
-                      <a:tailEnd type="none" w="med" len="med"/>
-                    </a:lnT>
-                    <a:lnB w="6350" cap="flat" cmpd="sng" algn="ctr">
-                      <a:solidFill>
-                        <a:srgbClr val="AEB9C1"/>
-                      </a:solidFill>
-                      <a:prstDash val="solid"/>
-                      <a:round/>
-                      <a:headEnd type="none" w="med" len="med"/>
-                      <a:tailEnd type="none" w="med" len="med"/>
-                    </a:lnB>
-                    <a:solidFill>
-                      <a:srgbClr val="D5E49C"/>
-                    </a:solidFill>
-                  </a:tcPr>
-                </a:tc>
-                <a:tc>
-                  <a:txBody>
-                    <a:bodyPr/>
-                    <a:lstStyle/>
-                    <a:p>
-                      <a:pPr algn="ctr" fontAlgn="b"/>
-                      <a:r>
-                        <a:rPr lang="de-AT" sz="900" b="0" i="0" u="none" strike="noStrike">
-                          <a:solidFill>
-                            <a:srgbClr val="000000"/>
-                          </a:solidFill>
-                          <a:effectLst/>
-                          <a:latin typeface="Arial" panose="020B0604020202020204" pitchFamily="34" charset="0"/>
-                        </a:rPr>
-                        <a:t>07.10.17</a:t>
-                      </a:r>
-                    </a:p>
-                  </a:txBody>
-                  <a:tcPr marL="9525" marR="9525" marT="9525" marB="0" anchor="b">
-                    <a:lnL w="6350" cap="flat" cmpd="sng" algn="ctr">
-                      <a:solidFill>
-                        <a:srgbClr val="AEB9C1"/>
-                      </a:solidFill>
-                      <a:prstDash val="solid"/>
-                      <a:round/>
-                      <a:headEnd type="none" w="med" len="med"/>
-                      <a:tailEnd type="none" w="med" len="med"/>
-                    </a:lnL>
-                    <a:lnR w="6350" cap="flat" cmpd="sng" algn="ctr">
-                      <a:solidFill>
-                        <a:srgbClr val="AEB9C1"/>
-                      </a:solidFill>
-                      <a:prstDash val="solid"/>
-                      <a:round/>
-                      <a:headEnd type="none" w="med" len="med"/>
-                      <a:tailEnd type="none" w="med" len="med"/>
-                    </a:lnR>
-                    <a:lnT w="6350" cap="flat" cmpd="sng" algn="ctr">
-                      <a:solidFill>
-                        <a:srgbClr val="AEB9C1"/>
-                      </a:solidFill>
-                      <a:prstDash val="solid"/>
-                      <a:round/>
-                      <a:headEnd type="none" w="med" len="med"/>
-                      <a:tailEnd type="none" w="med" len="med"/>
-                    </a:lnT>
-                    <a:lnB w="6350" cap="flat" cmpd="sng" algn="ctr">
-                      <a:solidFill>
-                        <a:srgbClr val="AEB9C1"/>
-                      </a:solidFill>
-                      <a:prstDash val="solid"/>
-                      <a:round/>
-                      <a:headEnd type="none" w="med" len="med"/>
-                      <a:tailEnd type="none" w="med" len="med"/>
-                    </a:lnB>
-                  </a:tcPr>
-                </a:tc>
-                <a:tc>
-                  <a:txBody>
-                    <a:bodyPr/>
-                    <a:lstStyle/>
-                    <a:p>
-                      <a:pPr algn="ctr" fontAlgn="b"/>
-                      <a:r>
-                        <a:rPr lang="de-AT" sz="900" b="0" i="0" u="none" strike="noStrike">
-                          <a:solidFill>
-                            <a:srgbClr val="000000"/>
-                          </a:solidFill>
-                          <a:effectLst/>
-                          <a:latin typeface="Arial" panose="020B0604020202020204" pitchFamily="34" charset="0"/>
-                        </a:rPr>
-                        <a:t>07.10.17</a:t>
-                      </a:r>
-                    </a:p>
-                  </a:txBody>
-                  <a:tcPr marL="9525" marR="9525" marT="9525" marB="0" anchor="b">
-                    <a:lnL w="6350" cap="flat" cmpd="sng" algn="ctr">
-                      <a:solidFill>
-                        <a:srgbClr val="AEB9C1"/>
-                      </a:solidFill>
-                      <a:prstDash val="solid"/>
-                      <a:round/>
-                      <a:headEnd type="none" w="med" len="med"/>
-                      <a:tailEnd type="none" w="med" len="med"/>
-                    </a:lnL>
-                    <a:lnR w="6350" cap="flat" cmpd="sng" algn="ctr">
-                      <a:solidFill>
-                        <a:srgbClr val="AEB9C1"/>
-                      </a:solidFill>
-                      <a:prstDash val="solid"/>
-                      <a:round/>
-                      <a:headEnd type="none" w="med" len="med"/>
-                      <a:tailEnd type="none" w="med" len="med"/>
-                    </a:lnR>
-                    <a:lnT w="6350" cap="flat" cmpd="sng" algn="ctr">
-                      <a:solidFill>
-                        <a:srgbClr val="AEB9C1"/>
-                      </a:solidFill>
-                      <a:prstDash val="solid"/>
-                      <a:round/>
-                      <a:headEnd type="none" w="med" len="med"/>
-                      <a:tailEnd type="none" w="med" len="med"/>
-                    </a:lnT>
-                    <a:lnB w="6350" cap="flat" cmpd="sng" algn="ctr">
-                      <a:solidFill>
-                        <a:srgbClr val="AEB9C1"/>
-                      </a:solidFill>
-                      <a:prstDash val="solid"/>
-                      <a:round/>
-                      <a:headEnd type="none" w="med" len="med"/>
-                      <a:tailEnd type="none" w="med" len="med"/>
-                    </a:lnB>
-                  </a:tcPr>
-                </a:tc>
-                <a:extLst>
-                  <a:ext uri="{0D108BD9-81ED-4DB2-BD59-A6C34878D82A}">
-                    <a16:rowId xmlns:a16="http://schemas.microsoft.com/office/drawing/2014/main" val="39142975"/>
-                  </a:ext>
-                </a:extLst>
-              </a:tr>
-              <a:tr h="270563">
-                <a:tc>
-                  <a:txBody>
-                    <a:bodyPr/>
-                    <a:lstStyle/>
-                    <a:p>
-                      <a:pPr algn="l" fontAlgn="b"/>
-                      <a:r>
-                        <a:rPr lang="de-AT" sz="1000" b="0" i="0" u="none" strike="noStrike">
-                          <a:solidFill>
-                            <a:srgbClr val="000000"/>
-                          </a:solidFill>
-                          <a:effectLst/>
-                          <a:latin typeface="Arial" panose="020B0604020202020204" pitchFamily="34" charset="0"/>
-                        </a:rPr>
-                        <a:t>1.3.13</a:t>
-                      </a:r>
-                    </a:p>
-                  </a:txBody>
-                  <a:tcPr marL="9525" marR="9525" marT="9525" marB="0" anchor="b">
-                    <a:lnL w="6350" cap="flat" cmpd="sng" algn="ctr">
-                      <a:solidFill>
-                        <a:srgbClr val="AEB9C1"/>
-                      </a:solidFill>
-                      <a:prstDash val="solid"/>
-                      <a:round/>
-                      <a:headEnd type="none" w="med" len="med"/>
-                      <a:tailEnd type="none" w="med" len="med"/>
-                    </a:lnL>
-                    <a:lnR w="6350" cap="flat" cmpd="sng" algn="ctr">
-                      <a:solidFill>
-                        <a:srgbClr val="AEB9C1"/>
-                      </a:solidFill>
-                      <a:prstDash val="solid"/>
-                      <a:round/>
-                      <a:headEnd type="none" w="med" len="med"/>
-                      <a:tailEnd type="none" w="med" len="med"/>
-                    </a:lnR>
-                    <a:lnT w="6350" cap="flat" cmpd="sng" algn="ctr">
-                      <a:solidFill>
-                        <a:srgbClr val="AEB9C1"/>
-                      </a:solidFill>
-                      <a:prstDash val="solid"/>
-                      <a:round/>
-                      <a:headEnd type="none" w="med" len="med"/>
-                      <a:tailEnd type="none" w="med" len="med"/>
-                    </a:lnT>
-                    <a:lnB w="6350" cap="flat" cmpd="sng" algn="ctr">
-                      <a:solidFill>
-                        <a:srgbClr val="AEB9C1"/>
-                      </a:solidFill>
-                      <a:prstDash val="solid"/>
-                      <a:round/>
-                      <a:headEnd type="none" w="med" len="med"/>
-                      <a:tailEnd type="none" w="med" len="med"/>
-                    </a:lnB>
-                  </a:tcPr>
-                </a:tc>
-                <a:tc>
-                  <a:txBody>
-                    <a:bodyPr/>
-                    <a:lstStyle/>
-                    <a:p>
-                      <a:pPr algn="l" fontAlgn="b"/>
-                      <a:r>
-                        <a:rPr lang="de-AT" sz="1000" b="0" i="0" u="none" strike="noStrike">
-                          <a:solidFill>
-                            <a:srgbClr val="000000"/>
-                          </a:solidFill>
-                          <a:effectLst/>
-                          <a:latin typeface="Arial" panose="020B0604020202020204" pitchFamily="34" charset="0"/>
-                        </a:rPr>
-                        <a:t>Erstellen von Statistiken und Berichten fertig</a:t>
-                      </a:r>
-                    </a:p>
-                  </a:txBody>
-                  <a:tcPr marL="9525" marR="9525" marT="9525" marB="0" anchor="b">
-                    <a:lnL w="6350" cap="flat" cmpd="sng" algn="ctr">
-                      <a:solidFill>
-                        <a:srgbClr val="AEB9C1"/>
-                      </a:solidFill>
-                      <a:prstDash val="solid"/>
-                      <a:round/>
-                      <a:headEnd type="none" w="med" len="med"/>
-                      <a:tailEnd type="none" w="med" len="med"/>
-                    </a:lnL>
-                    <a:lnR w="6350" cap="flat" cmpd="sng" algn="ctr">
-                      <a:solidFill>
-                        <a:srgbClr val="AEB9C1"/>
-                      </a:solidFill>
-                      <a:prstDash val="solid"/>
-                      <a:round/>
-                      <a:headEnd type="none" w="med" len="med"/>
-                      <a:tailEnd type="none" w="med" len="med"/>
-                    </a:lnR>
-                    <a:lnT w="6350" cap="flat" cmpd="sng" algn="ctr">
-                      <a:solidFill>
-                        <a:srgbClr val="AEB9C1"/>
-                      </a:solidFill>
-                      <a:prstDash val="solid"/>
-                      <a:round/>
-                      <a:headEnd type="none" w="med" len="med"/>
-                      <a:tailEnd type="none" w="med" len="med"/>
-                    </a:lnT>
-                    <a:lnB w="6350" cap="flat" cmpd="sng" algn="ctr">
-                      <a:solidFill>
-                        <a:srgbClr val="AEB9C1"/>
-                      </a:solidFill>
-                      <a:prstDash val="solid"/>
-                      <a:round/>
-                      <a:headEnd type="none" w="med" len="med"/>
-                      <a:tailEnd type="none" w="med" len="med"/>
-                    </a:lnB>
-                  </a:tcPr>
-                </a:tc>
-                <a:tc>
-                  <a:txBody>
-                    <a:bodyPr/>
-                    <a:lstStyle/>
-                    <a:p>
-                      <a:pPr algn="ctr" fontAlgn="b"/>
-                      <a:r>
-                        <a:rPr lang="de-AT" sz="900" b="0" i="0" u="none" strike="noStrike">
-                          <a:solidFill>
-                            <a:srgbClr val="000000"/>
-                          </a:solidFill>
-                          <a:effectLst/>
-                          <a:latin typeface="Arial" panose="020B0604020202020204" pitchFamily="34" charset="0"/>
-                        </a:rPr>
-                        <a:t>29.12.17</a:t>
-                      </a:r>
-                    </a:p>
-                  </a:txBody>
-                  <a:tcPr marL="9525" marR="9525" marT="9525" marB="0" anchor="b">
-                    <a:lnL w="6350" cap="flat" cmpd="sng" algn="ctr">
-                      <a:solidFill>
-                        <a:srgbClr val="AEB9C1"/>
-                      </a:solidFill>
-                      <a:prstDash val="solid"/>
-                      <a:round/>
-                      <a:headEnd type="none" w="med" len="med"/>
-                      <a:tailEnd type="none" w="med" len="med"/>
-                    </a:lnL>
-                    <a:lnR w="6350" cap="flat" cmpd="sng" algn="ctr">
-                      <a:solidFill>
-                        <a:srgbClr val="AEB9C1"/>
-                      </a:solidFill>
-                      <a:prstDash val="solid"/>
-                      <a:round/>
-                      <a:headEnd type="none" w="med" len="med"/>
-                      <a:tailEnd type="none" w="med" len="med"/>
-                    </a:lnR>
-                    <a:lnT w="6350" cap="flat" cmpd="sng" algn="ctr">
-                      <a:solidFill>
-                        <a:srgbClr val="AEB9C1"/>
-                      </a:solidFill>
-                      <a:prstDash val="solid"/>
-                      <a:round/>
-                      <a:headEnd type="none" w="med" len="med"/>
-                      <a:tailEnd type="none" w="med" len="med"/>
-                    </a:lnT>
-                    <a:lnB w="6350" cap="flat" cmpd="sng" algn="ctr">
-                      <a:solidFill>
-                        <a:srgbClr val="AEB9C1"/>
-                      </a:solidFill>
-                      <a:prstDash val="solid"/>
-                      <a:round/>
-                      <a:headEnd type="none" w="med" len="med"/>
-                      <a:tailEnd type="none" w="med" len="med"/>
-                    </a:lnB>
-                    <a:solidFill>
-                      <a:srgbClr val="D5E49C"/>
-                    </a:solidFill>
-                  </a:tcPr>
-                </a:tc>
-                <a:tc>
-                  <a:txBody>
-                    <a:bodyPr/>
-                    <a:lstStyle/>
-                    <a:p>
-                      <a:pPr algn="ctr" fontAlgn="b"/>
-                      <a:r>
-                        <a:rPr lang="de-AT" sz="900" b="0" i="0" u="none" strike="noStrike">
-                          <a:solidFill>
-                            <a:srgbClr val="000000"/>
-                          </a:solidFill>
-                          <a:effectLst/>
-                          <a:latin typeface="Arial" panose="020B0604020202020204" pitchFamily="34" charset="0"/>
-                        </a:rPr>
-                        <a:t>29.12.17</a:t>
-                      </a:r>
-                    </a:p>
-                  </a:txBody>
-                  <a:tcPr marL="9525" marR="9525" marT="9525" marB="0" anchor="b">
-                    <a:lnL w="6350" cap="flat" cmpd="sng" algn="ctr">
-                      <a:solidFill>
-                        <a:srgbClr val="AEB9C1"/>
-                      </a:solidFill>
-                      <a:prstDash val="solid"/>
-                      <a:round/>
-                      <a:headEnd type="none" w="med" len="med"/>
-                      <a:tailEnd type="none" w="med" len="med"/>
-                    </a:lnL>
-                    <a:lnR w="6350" cap="flat" cmpd="sng" algn="ctr">
-                      <a:solidFill>
-                        <a:srgbClr val="AEB9C1"/>
-                      </a:solidFill>
-                      <a:prstDash val="solid"/>
-                      <a:round/>
-                      <a:headEnd type="none" w="med" len="med"/>
-                      <a:tailEnd type="none" w="med" len="med"/>
-                    </a:lnR>
-                    <a:lnT w="6350" cap="flat" cmpd="sng" algn="ctr">
-                      <a:solidFill>
-                        <a:srgbClr val="AEB9C1"/>
-                      </a:solidFill>
-                      <a:prstDash val="solid"/>
-                      <a:round/>
-                      <a:headEnd type="none" w="med" len="med"/>
-                      <a:tailEnd type="none" w="med" len="med"/>
-                    </a:lnT>
-                    <a:lnB w="6350" cap="flat" cmpd="sng" algn="ctr">
-                      <a:solidFill>
-                        <a:srgbClr val="AEB9C1"/>
-                      </a:solidFill>
-                      <a:prstDash val="solid"/>
-                      <a:round/>
-                      <a:headEnd type="none" w="med" len="med"/>
-                      <a:tailEnd type="none" w="med" len="med"/>
-                    </a:lnB>
-                  </a:tcPr>
-                </a:tc>
-                <a:tc>
-                  <a:txBody>
-                    <a:bodyPr/>
-                    <a:lstStyle/>
-                    <a:p>
-                      <a:pPr algn="ctr" fontAlgn="b"/>
-                      <a:r>
-                        <a:rPr lang="de-AT" sz="900" b="0" i="0" u="none" strike="noStrike">
-                          <a:solidFill>
-                            <a:srgbClr val="000000"/>
-                          </a:solidFill>
-                          <a:effectLst/>
-                          <a:latin typeface="Arial" panose="020B0604020202020204" pitchFamily="34" charset="0"/>
-                        </a:rPr>
-                        <a:t> </a:t>
-                      </a:r>
-                    </a:p>
-                  </a:txBody>
-                  <a:tcPr marL="9525" marR="9525" marT="9525" marB="0" anchor="b">
-                    <a:lnL w="6350" cap="flat" cmpd="sng" algn="ctr">
-                      <a:solidFill>
-                        <a:srgbClr val="AEB9C1"/>
-                      </a:solidFill>
-                      <a:prstDash val="solid"/>
-                      <a:round/>
-                      <a:headEnd type="none" w="med" len="med"/>
-                      <a:tailEnd type="none" w="med" len="med"/>
-                    </a:lnL>
-                    <a:lnR w="6350" cap="flat" cmpd="sng" algn="ctr">
-                      <a:solidFill>
-                        <a:srgbClr val="AEB9C1"/>
-                      </a:solidFill>
-                      <a:prstDash val="solid"/>
-                      <a:round/>
-                      <a:headEnd type="none" w="med" len="med"/>
-                      <a:tailEnd type="none" w="med" len="med"/>
-                    </a:lnR>
-                    <a:lnT w="6350" cap="flat" cmpd="sng" algn="ctr">
-                      <a:solidFill>
-                        <a:srgbClr val="AEB9C1"/>
-                      </a:solidFill>
-                      <a:prstDash val="solid"/>
-                      <a:round/>
-                      <a:headEnd type="none" w="med" len="med"/>
-                      <a:tailEnd type="none" w="med" len="med"/>
-                    </a:lnT>
-                    <a:lnB w="6350" cap="flat" cmpd="sng" algn="ctr">
-                      <a:solidFill>
-                        <a:srgbClr val="AEB9C1"/>
-                      </a:solidFill>
-                      <a:prstDash val="solid"/>
-                      <a:round/>
-                      <a:headEnd type="none" w="med" len="med"/>
-                      <a:tailEnd type="none" w="med" len="med"/>
-                    </a:lnB>
-                  </a:tcPr>
-                </a:tc>
-                <a:extLst>
-                  <a:ext uri="{0D108BD9-81ED-4DB2-BD59-A6C34878D82A}">
-                    <a16:rowId xmlns:a16="http://schemas.microsoft.com/office/drawing/2014/main" val="338518514"/>
-                  </a:ext>
-                </a:extLst>
-              </a:tr>
-              <a:tr h="270563">
-                <a:tc>
-                  <a:txBody>
-                    <a:bodyPr/>
-                    <a:lstStyle/>
-                    <a:p>
-                      <a:pPr algn="l" fontAlgn="b"/>
-                      <a:r>
-                        <a:rPr lang="de-AT" sz="1000" b="0" i="0" u="none" strike="noStrike">
-                          <a:solidFill>
-                            <a:srgbClr val="000000"/>
-                          </a:solidFill>
-                          <a:effectLst/>
-                          <a:latin typeface="Arial" panose="020B0604020202020204" pitchFamily="34" charset="0"/>
-                        </a:rPr>
-                        <a:t>1.4.2</a:t>
-                      </a:r>
-                    </a:p>
-                  </a:txBody>
-                  <a:tcPr marL="9525" marR="9525" marT="9525" marB="0" anchor="b">
-                    <a:lnL w="6350" cap="flat" cmpd="sng" algn="ctr">
-                      <a:solidFill>
-                        <a:srgbClr val="AEB9C1"/>
-                      </a:solidFill>
-                      <a:prstDash val="solid"/>
-                      <a:round/>
-                      <a:headEnd type="none" w="med" len="med"/>
-                      <a:tailEnd type="none" w="med" len="med"/>
-                    </a:lnL>
-                    <a:lnR w="6350" cap="flat" cmpd="sng" algn="ctr">
-                      <a:solidFill>
-                        <a:srgbClr val="AEB9C1"/>
-                      </a:solidFill>
-                      <a:prstDash val="solid"/>
-                      <a:round/>
-                      <a:headEnd type="none" w="med" len="med"/>
-                      <a:tailEnd type="none" w="med" len="med"/>
-                    </a:lnR>
-                    <a:lnT w="6350" cap="flat" cmpd="sng" algn="ctr">
-                      <a:solidFill>
-                        <a:srgbClr val="AEB9C1"/>
-                      </a:solidFill>
-                      <a:prstDash val="solid"/>
-                      <a:round/>
-                      <a:headEnd type="none" w="med" len="med"/>
-                      <a:tailEnd type="none" w="med" len="med"/>
-                    </a:lnT>
-                    <a:lnB w="6350" cap="flat" cmpd="sng" algn="ctr">
-                      <a:solidFill>
-                        <a:srgbClr val="AEB9C1"/>
-                      </a:solidFill>
-                      <a:prstDash val="solid"/>
-                      <a:round/>
-                      <a:headEnd type="none" w="med" len="med"/>
-                      <a:tailEnd type="none" w="med" len="med"/>
-                    </a:lnB>
-                  </a:tcPr>
-                </a:tc>
-                <a:tc>
-                  <a:txBody>
-                    <a:bodyPr/>
-                    <a:lstStyle/>
-                    <a:p>
-                      <a:pPr algn="l" fontAlgn="b"/>
-                      <a:r>
-                        <a:rPr lang="de-AT" sz="1000" b="0" i="0" u="none" strike="noStrike">
-                          <a:solidFill>
-                            <a:srgbClr val="000000"/>
-                          </a:solidFill>
-                          <a:effectLst/>
-                          <a:latin typeface="Arial" panose="020B0604020202020204" pitchFamily="34" charset="0"/>
-                        </a:rPr>
-                        <a:t>Fertigstellung Testen</a:t>
-                      </a:r>
-                    </a:p>
-                  </a:txBody>
-                  <a:tcPr marL="9525" marR="9525" marT="9525" marB="0" anchor="b">
-                    <a:lnL w="6350" cap="flat" cmpd="sng" algn="ctr">
-                      <a:solidFill>
-                        <a:srgbClr val="AEB9C1"/>
-                      </a:solidFill>
-                      <a:prstDash val="solid"/>
-                      <a:round/>
-                      <a:headEnd type="none" w="med" len="med"/>
-                      <a:tailEnd type="none" w="med" len="med"/>
-                    </a:lnL>
-                    <a:lnR w="6350" cap="flat" cmpd="sng" algn="ctr">
-                      <a:solidFill>
-                        <a:srgbClr val="AEB9C1"/>
-                      </a:solidFill>
-                      <a:prstDash val="solid"/>
-                      <a:round/>
-                      <a:headEnd type="none" w="med" len="med"/>
-                      <a:tailEnd type="none" w="med" len="med"/>
-                    </a:lnR>
-                    <a:lnT w="6350" cap="flat" cmpd="sng" algn="ctr">
-                      <a:solidFill>
-                        <a:srgbClr val="AEB9C1"/>
-                      </a:solidFill>
-                      <a:prstDash val="solid"/>
-                      <a:round/>
-                      <a:headEnd type="none" w="med" len="med"/>
-                      <a:tailEnd type="none" w="med" len="med"/>
-                    </a:lnT>
-                    <a:lnB w="6350" cap="flat" cmpd="sng" algn="ctr">
-                      <a:solidFill>
-                        <a:srgbClr val="AEB9C1"/>
-                      </a:solidFill>
-                      <a:prstDash val="solid"/>
-                      <a:round/>
-                      <a:headEnd type="none" w="med" len="med"/>
-                      <a:tailEnd type="none" w="med" len="med"/>
-                    </a:lnB>
-                  </a:tcPr>
-                </a:tc>
-                <a:tc>
-                  <a:txBody>
-                    <a:bodyPr/>
-                    <a:lstStyle/>
-                    <a:p>
-                      <a:pPr algn="ctr" fontAlgn="b"/>
-                      <a:r>
-                        <a:rPr lang="de-AT" sz="900" b="0" i="0" u="none" strike="noStrike">
-                          <a:solidFill>
-                            <a:srgbClr val="000000"/>
-                          </a:solidFill>
-                          <a:effectLst/>
-                          <a:latin typeface="Arial" panose="020B0604020202020204" pitchFamily="34" charset="0"/>
-                        </a:rPr>
-                        <a:t>12.01.18</a:t>
-                      </a:r>
-                    </a:p>
-                  </a:txBody>
-                  <a:tcPr marL="9525" marR="9525" marT="9525" marB="0" anchor="b">
-                    <a:lnL w="6350" cap="flat" cmpd="sng" algn="ctr">
-                      <a:solidFill>
-                        <a:srgbClr val="AEB9C1"/>
-                      </a:solidFill>
-                      <a:prstDash val="solid"/>
-                      <a:round/>
-                      <a:headEnd type="none" w="med" len="med"/>
-                      <a:tailEnd type="none" w="med" len="med"/>
-                    </a:lnL>
-                    <a:lnR w="6350" cap="flat" cmpd="sng" algn="ctr">
-                      <a:solidFill>
-                        <a:srgbClr val="AEB9C1"/>
-                      </a:solidFill>
-                      <a:prstDash val="solid"/>
-                      <a:round/>
-                      <a:headEnd type="none" w="med" len="med"/>
-                      <a:tailEnd type="none" w="med" len="med"/>
-                    </a:lnR>
-                    <a:lnT w="6350" cap="flat" cmpd="sng" algn="ctr">
-                      <a:solidFill>
-                        <a:srgbClr val="AEB9C1"/>
-                      </a:solidFill>
-                      <a:prstDash val="solid"/>
-                      <a:round/>
-                      <a:headEnd type="none" w="med" len="med"/>
-                      <a:tailEnd type="none" w="med" len="med"/>
-                    </a:lnT>
-                    <a:lnB w="6350" cap="flat" cmpd="sng" algn="ctr">
-                      <a:solidFill>
-                        <a:srgbClr val="AEB9C1"/>
-                      </a:solidFill>
-                      <a:prstDash val="solid"/>
-                      <a:round/>
-                      <a:headEnd type="none" w="med" len="med"/>
-                      <a:tailEnd type="none" w="med" len="med"/>
-                    </a:lnB>
-                    <a:solidFill>
-                      <a:srgbClr val="D5E49C"/>
-                    </a:solidFill>
-                  </a:tcPr>
-                </a:tc>
-                <a:tc>
-                  <a:txBody>
-                    <a:bodyPr/>
-                    <a:lstStyle/>
-                    <a:p>
-                      <a:pPr algn="ctr" fontAlgn="b"/>
-                      <a:r>
-                        <a:rPr lang="de-AT" sz="900" b="0" i="0" u="none" strike="noStrike">
-                          <a:solidFill>
-                            <a:srgbClr val="000000"/>
-                          </a:solidFill>
-                          <a:effectLst/>
-                          <a:latin typeface="Arial" panose="020B0604020202020204" pitchFamily="34" charset="0"/>
-                        </a:rPr>
-                        <a:t>12.01.18</a:t>
-                      </a:r>
-                    </a:p>
-                  </a:txBody>
-                  <a:tcPr marL="9525" marR="9525" marT="9525" marB="0" anchor="b">
-                    <a:lnL w="6350" cap="flat" cmpd="sng" algn="ctr">
-                      <a:solidFill>
-                        <a:srgbClr val="AEB9C1"/>
-                      </a:solidFill>
-                      <a:prstDash val="solid"/>
-                      <a:round/>
-                      <a:headEnd type="none" w="med" len="med"/>
-                      <a:tailEnd type="none" w="med" len="med"/>
-                    </a:lnL>
-                    <a:lnR w="6350" cap="flat" cmpd="sng" algn="ctr">
-                      <a:solidFill>
-                        <a:srgbClr val="AEB9C1"/>
-                      </a:solidFill>
-                      <a:prstDash val="solid"/>
-                      <a:round/>
-                      <a:headEnd type="none" w="med" len="med"/>
-                      <a:tailEnd type="none" w="med" len="med"/>
-                    </a:lnR>
-                    <a:lnT w="6350" cap="flat" cmpd="sng" algn="ctr">
-                      <a:solidFill>
-                        <a:srgbClr val="AEB9C1"/>
-                      </a:solidFill>
-                      <a:prstDash val="solid"/>
-                      <a:round/>
-                      <a:headEnd type="none" w="med" len="med"/>
-                      <a:tailEnd type="none" w="med" len="med"/>
-                    </a:lnT>
-                    <a:lnB w="6350" cap="flat" cmpd="sng" algn="ctr">
-                      <a:solidFill>
-                        <a:srgbClr val="AEB9C1"/>
-                      </a:solidFill>
-                      <a:prstDash val="solid"/>
-                      <a:round/>
-                      <a:headEnd type="none" w="med" len="med"/>
-                      <a:tailEnd type="none" w="med" len="med"/>
-                    </a:lnB>
-                  </a:tcPr>
-                </a:tc>
-                <a:tc>
-                  <a:txBody>
-                    <a:bodyPr/>
-                    <a:lstStyle/>
-                    <a:p>
-                      <a:pPr algn="ctr" fontAlgn="b"/>
-                      <a:r>
-                        <a:rPr lang="de-AT" sz="900" b="0" i="0" u="none" strike="noStrike">
-                          <a:solidFill>
-                            <a:srgbClr val="000000"/>
-                          </a:solidFill>
-                          <a:effectLst/>
-                          <a:latin typeface="Arial" panose="020B0604020202020204" pitchFamily="34" charset="0"/>
-                        </a:rPr>
-                        <a:t> </a:t>
-                      </a:r>
-                    </a:p>
-                  </a:txBody>
-                  <a:tcPr marL="9525" marR="9525" marT="9525" marB="0" anchor="b">
-                    <a:lnL w="6350" cap="flat" cmpd="sng" algn="ctr">
-                      <a:solidFill>
-                        <a:srgbClr val="AEB9C1"/>
-                      </a:solidFill>
-                      <a:prstDash val="solid"/>
-                      <a:round/>
-                      <a:headEnd type="none" w="med" len="med"/>
-                      <a:tailEnd type="none" w="med" len="med"/>
-                    </a:lnL>
-                    <a:lnR w="6350" cap="flat" cmpd="sng" algn="ctr">
-                      <a:solidFill>
-                        <a:srgbClr val="AEB9C1"/>
-                      </a:solidFill>
-                      <a:prstDash val="solid"/>
-                      <a:round/>
-                      <a:headEnd type="none" w="med" len="med"/>
-                      <a:tailEnd type="none" w="med" len="med"/>
-                    </a:lnR>
-                    <a:lnT w="6350" cap="flat" cmpd="sng" algn="ctr">
-                      <a:solidFill>
-                        <a:srgbClr val="AEB9C1"/>
-                      </a:solidFill>
-                      <a:prstDash val="solid"/>
-                      <a:round/>
-                      <a:headEnd type="none" w="med" len="med"/>
-                      <a:tailEnd type="none" w="med" len="med"/>
-                    </a:lnT>
-                    <a:lnB w="6350" cap="flat" cmpd="sng" algn="ctr">
-                      <a:solidFill>
-                        <a:srgbClr val="AEB9C1"/>
-                      </a:solidFill>
-                      <a:prstDash val="solid"/>
-                      <a:round/>
-                      <a:headEnd type="none" w="med" len="med"/>
-                      <a:tailEnd type="none" w="med" len="med"/>
-                    </a:lnB>
-                  </a:tcPr>
-                </a:tc>
-                <a:extLst>
-                  <a:ext uri="{0D108BD9-81ED-4DB2-BD59-A6C34878D82A}">
-                    <a16:rowId xmlns:a16="http://schemas.microsoft.com/office/drawing/2014/main" val="4954013"/>
-                  </a:ext>
-                </a:extLst>
-              </a:tr>
-              <a:tr h="270563">
-                <a:tc>
-                  <a:txBody>
-                    <a:bodyPr/>
-                    <a:lstStyle/>
-                    <a:p>
-                      <a:pPr algn="l" fontAlgn="b"/>
-                      <a:r>
-                        <a:rPr lang="de-AT" sz="1000" b="0" i="0" u="none" strike="noStrike">
-                          <a:solidFill>
-                            <a:srgbClr val="000000"/>
-                          </a:solidFill>
-                          <a:effectLst/>
-                          <a:latin typeface="Arial" panose="020B0604020202020204" pitchFamily="34" charset="0"/>
-                        </a:rPr>
-                        <a:t>1.3.9</a:t>
-                      </a:r>
-                    </a:p>
-                  </a:txBody>
-                  <a:tcPr marL="9525" marR="9525" marT="9525" marB="0" anchor="b">
-                    <a:lnL w="6350" cap="flat" cmpd="sng" algn="ctr">
-                      <a:solidFill>
-                        <a:srgbClr val="AEB9C1"/>
-                      </a:solidFill>
-                      <a:prstDash val="solid"/>
-                      <a:round/>
-                      <a:headEnd type="none" w="med" len="med"/>
-                      <a:tailEnd type="none" w="med" len="med"/>
-                    </a:lnL>
-                    <a:lnR w="6350" cap="flat" cmpd="sng" algn="ctr">
-                      <a:solidFill>
-                        <a:srgbClr val="AEB9C1"/>
-                      </a:solidFill>
-                      <a:prstDash val="solid"/>
-                      <a:round/>
-                      <a:headEnd type="none" w="med" len="med"/>
-                      <a:tailEnd type="none" w="med" len="med"/>
-                    </a:lnR>
-                    <a:lnT w="6350" cap="flat" cmpd="sng" algn="ctr">
-                      <a:solidFill>
-                        <a:srgbClr val="AEB9C1"/>
-                      </a:solidFill>
-                      <a:prstDash val="solid"/>
-                      <a:round/>
-                      <a:headEnd type="none" w="med" len="med"/>
-                      <a:tailEnd type="none" w="med" len="med"/>
-                    </a:lnT>
-                    <a:lnB w="6350" cap="flat" cmpd="sng" algn="ctr">
-                      <a:solidFill>
-                        <a:srgbClr val="AEB9C1"/>
-                      </a:solidFill>
-                      <a:prstDash val="solid"/>
-                      <a:round/>
-                      <a:headEnd type="none" w="med" len="med"/>
-                      <a:tailEnd type="none" w="med" len="med"/>
-                    </a:lnB>
-                  </a:tcPr>
-                </a:tc>
-                <a:tc>
-                  <a:txBody>
-                    <a:bodyPr/>
-                    <a:lstStyle/>
-                    <a:p>
-                      <a:pPr algn="l" fontAlgn="b"/>
-                      <a:r>
-                        <a:rPr lang="de-AT" sz="1000" b="0" i="0" u="none" strike="noStrike">
-                          <a:solidFill>
-                            <a:srgbClr val="000000"/>
-                          </a:solidFill>
-                          <a:effectLst/>
-                          <a:latin typeface="Arial" panose="020B0604020202020204" pitchFamily="34" charset="0"/>
-                        </a:rPr>
-                        <a:t>Fertige Kommunikationstruktur Website und App</a:t>
-                      </a:r>
-                    </a:p>
-                  </a:txBody>
-                  <a:tcPr marL="9525" marR="9525" marT="9525" marB="0" anchor="b">
-                    <a:lnL w="6350" cap="flat" cmpd="sng" algn="ctr">
-                      <a:solidFill>
-                        <a:srgbClr val="AEB9C1"/>
-                      </a:solidFill>
-                      <a:prstDash val="solid"/>
-                      <a:round/>
-                      <a:headEnd type="none" w="med" len="med"/>
-                      <a:tailEnd type="none" w="med" len="med"/>
-                    </a:lnL>
-                    <a:lnR w="6350" cap="flat" cmpd="sng" algn="ctr">
-                      <a:solidFill>
-                        <a:srgbClr val="AEB9C1"/>
-                      </a:solidFill>
-                      <a:prstDash val="solid"/>
-                      <a:round/>
-                      <a:headEnd type="none" w="med" len="med"/>
-                      <a:tailEnd type="none" w="med" len="med"/>
-                    </a:lnR>
-                    <a:lnT w="6350" cap="flat" cmpd="sng" algn="ctr">
-                      <a:solidFill>
-                        <a:srgbClr val="AEB9C1"/>
-                      </a:solidFill>
-                      <a:prstDash val="solid"/>
-                      <a:round/>
-                      <a:headEnd type="none" w="med" len="med"/>
-                      <a:tailEnd type="none" w="med" len="med"/>
-                    </a:lnT>
-                    <a:lnB w="6350" cap="flat" cmpd="sng" algn="ctr">
-                      <a:solidFill>
-                        <a:srgbClr val="AEB9C1"/>
-                      </a:solidFill>
-                      <a:prstDash val="solid"/>
-                      <a:round/>
-                      <a:headEnd type="none" w="med" len="med"/>
-                      <a:tailEnd type="none" w="med" len="med"/>
-                    </a:lnB>
-                  </a:tcPr>
-                </a:tc>
-                <a:tc>
-                  <a:txBody>
-                    <a:bodyPr/>
-                    <a:lstStyle/>
-                    <a:p>
-                      <a:pPr algn="ctr" fontAlgn="b"/>
-                      <a:r>
-                        <a:rPr lang="de-AT" sz="900" b="0" i="0" u="none" strike="noStrike">
-                          <a:solidFill>
-                            <a:srgbClr val="000000"/>
-                          </a:solidFill>
-                          <a:effectLst/>
-                          <a:latin typeface="Arial" panose="020B0604020202020204" pitchFamily="34" charset="0"/>
-                        </a:rPr>
-                        <a:t>14.01.18</a:t>
-                      </a:r>
-                    </a:p>
-                  </a:txBody>
-                  <a:tcPr marL="9525" marR="9525" marT="9525" marB="0" anchor="b">
-                    <a:lnL w="6350" cap="flat" cmpd="sng" algn="ctr">
-                      <a:solidFill>
-                        <a:srgbClr val="AEB9C1"/>
-                      </a:solidFill>
-                      <a:prstDash val="solid"/>
-                      <a:round/>
-                      <a:headEnd type="none" w="med" len="med"/>
-                      <a:tailEnd type="none" w="med" len="med"/>
-                    </a:lnL>
-                    <a:lnR w="6350" cap="flat" cmpd="sng" algn="ctr">
-                      <a:solidFill>
-                        <a:srgbClr val="AEB9C1"/>
-                      </a:solidFill>
-                      <a:prstDash val="solid"/>
-                      <a:round/>
-                      <a:headEnd type="none" w="med" len="med"/>
-                      <a:tailEnd type="none" w="med" len="med"/>
-                    </a:lnR>
-                    <a:lnT w="6350" cap="flat" cmpd="sng" algn="ctr">
-                      <a:solidFill>
-                        <a:srgbClr val="AEB9C1"/>
-                      </a:solidFill>
-                      <a:prstDash val="solid"/>
-                      <a:round/>
-                      <a:headEnd type="none" w="med" len="med"/>
-                      <a:tailEnd type="none" w="med" len="med"/>
-                    </a:lnT>
-                    <a:lnB w="6350" cap="flat" cmpd="sng" algn="ctr">
-                      <a:solidFill>
-                        <a:srgbClr val="AEB9C1"/>
-                      </a:solidFill>
-                      <a:prstDash val="solid"/>
-                      <a:round/>
-                      <a:headEnd type="none" w="med" len="med"/>
-                      <a:tailEnd type="none" w="med" len="med"/>
-                    </a:lnB>
-                    <a:solidFill>
-                      <a:srgbClr val="D5E49C"/>
-                    </a:solidFill>
-                  </a:tcPr>
-                </a:tc>
-                <a:tc>
-                  <a:txBody>
-                    <a:bodyPr/>
-                    <a:lstStyle/>
-                    <a:p>
-                      <a:pPr algn="ctr" fontAlgn="b"/>
-                      <a:r>
-                        <a:rPr lang="de-AT" sz="900" b="0" i="0" u="none" strike="noStrike">
-                          <a:solidFill>
-                            <a:srgbClr val="000000"/>
-                          </a:solidFill>
-                          <a:effectLst/>
-                          <a:latin typeface="Arial" panose="020B0604020202020204" pitchFamily="34" charset="0"/>
-                        </a:rPr>
-                        <a:t>14.01.18</a:t>
-                      </a:r>
-                    </a:p>
-                  </a:txBody>
-                  <a:tcPr marL="9525" marR="9525" marT="9525" marB="0" anchor="b">
-                    <a:lnL w="6350" cap="flat" cmpd="sng" algn="ctr">
-                      <a:solidFill>
-                        <a:srgbClr val="AEB9C1"/>
-                      </a:solidFill>
-                      <a:prstDash val="solid"/>
-                      <a:round/>
-                      <a:headEnd type="none" w="med" len="med"/>
-                      <a:tailEnd type="none" w="med" len="med"/>
-                    </a:lnL>
-                    <a:lnR w="6350" cap="flat" cmpd="sng" algn="ctr">
-                      <a:solidFill>
-                        <a:srgbClr val="AEB9C1"/>
-                      </a:solidFill>
-                      <a:prstDash val="solid"/>
-                      <a:round/>
-                      <a:headEnd type="none" w="med" len="med"/>
-                      <a:tailEnd type="none" w="med" len="med"/>
-                    </a:lnR>
-                    <a:lnT w="6350" cap="flat" cmpd="sng" algn="ctr">
-                      <a:solidFill>
-                        <a:srgbClr val="AEB9C1"/>
-                      </a:solidFill>
-                      <a:prstDash val="solid"/>
-                      <a:round/>
-                      <a:headEnd type="none" w="med" len="med"/>
-                      <a:tailEnd type="none" w="med" len="med"/>
-                    </a:lnT>
-                    <a:lnB w="6350" cap="flat" cmpd="sng" algn="ctr">
-                      <a:solidFill>
-                        <a:srgbClr val="AEB9C1"/>
-                      </a:solidFill>
-                      <a:prstDash val="solid"/>
-                      <a:round/>
-                      <a:headEnd type="none" w="med" len="med"/>
-                      <a:tailEnd type="none" w="med" len="med"/>
-                    </a:lnB>
-                  </a:tcPr>
-                </a:tc>
-                <a:tc>
-                  <a:txBody>
-                    <a:bodyPr/>
-                    <a:lstStyle/>
-                    <a:p>
-                      <a:pPr algn="ctr" fontAlgn="b"/>
-                      <a:r>
-                        <a:rPr lang="de-AT" sz="900" b="0" i="0" u="none" strike="noStrike">
-                          <a:solidFill>
-                            <a:srgbClr val="000000"/>
-                          </a:solidFill>
-                          <a:effectLst/>
-                          <a:latin typeface="Arial" panose="020B0604020202020204" pitchFamily="34" charset="0"/>
-                        </a:rPr>
-                        <a:t> </a:t>
-                      </a:r>
-                    </a:p>
-                  </a:txBody>
-                  <a:tcPr marL="9525" marR="9525" marT="9525" marB="0" anchor="b">
-                    <a:lnL w="6350" cap="flat" cmpd="sng" algn="ctr">
-                      <a:solidFill>
-                        <a:srgbClr val="AEB9C1"/>
-                      </a:solidFill>
-                      <a:prstDash val="solid"/>
-                      <a:round/>
-                      <a:headEnd type="none" w="med" len="med"/>
-                      <a:tailEnd type="none" w="med" len="med"/>
-                    </a:lnL>
-                    <a:lnR w="6350" cap="flat" cmpd="sng" algn="ctr">
-                      <a:solidFill>
-                        <a:srgbClr val="AEB9C1"/>
-                      </a:solidFill>
-                      <a:prstDash val="solid"/>
-                      <a:round/>
-                      <a:headEnd type="none" w="med" len="med"/>
-                      <a:tailEnd type="none" w="med" len="med"/>
-                    </a:lnR>
-                    <a:lnT w="6350" cap="flat" cmpd="sng" algn="ctr">
-                      <a:solidFill>
-                        <a:srgbClr val="AEB9C1"/>
-                      </a:solidFill>
-                      <a:prstDash val="solid"/>
-                      <a:round/>
-                      <a:headEnd type="none" w="med" len="med"/>
-                      <a:tailEnd type="none" w="med" len="med"/>
-                    </a:lnT>
-                    <a:lnB w="6350" cap="flat" cmpd="sng" algn="ctr">
-                      <a:solidFill>
-                        <a:srgbClr val="AEB9C1"/>
-                      </a:solidFill>
-                      <a:prstDash val="solid"/>
-                      <a:round/>
-                      <a:headEnd type="none" w="med" len="med"/>
-                      <a:tailEnd type="none" w="med" len="med"/>
-                    </a:lnB>
-                  </a:tcPr>
-                </a:tc>
-                <a:extLst>
-                  <a:ext uri="{0D108BD9-81ED-4DB2-BD59-A6C34878D82A}">
-                    <a16:rowId xmlns:a16="http://schemas.microsoft.com/office/drawing/2014/main" val="4294229532"/>
-                  </a:ext>
-                </a:extLst>
-              </a:tr>
-              <a:tr h="270563">
-                <a:tc>
-                  <a:txBody>
-                    <a:bodyPr/>
-                    <a:lstStyle/>
-                    <a:p>
-                      <a:pPr algn="l" fontAlgn="b"/>
-                      <a:r>
-                        <a:rPr lang="de-AT" sz="1000" b="0" i="0" u="none" strike="noStrike">
-                          <a:solidFill>
-                            <a:srgbClr val="000000"/>
-                          </a:solidFill>
-                          <a:effectLst/>
-                          <a:latin typeface="Arial" panose="020B0604020202020204" pitchFamily="34" charset="0"/>
-                        </a:rPr>
-                        <a:t>1.3.18</a:t>
-                      </a:r>
-                    </a:p>
-                  </a:txBody>
-                  <a:tcPr marL="9525" marR="9525" marT="9525" marB="0" anchor="b">
-                    <a:lnL w="6350" cap="flat" cmpd="sng" algn="ctr">
-                      <a:solidFill>
-                        <a:srgbClr val="AEB9C1"/>
-                      </a:solidFill>
-                      <a:prstDash val="solid"/>
-                      <a:round/>
-                      <a:headEnd type="none" w="med" len="med"/>
-                      <a:tailEnd type="none" w="med" len="med"/>
-                    </a:lnL>
-                    <a:lnR w="6350" cap="flat" cmpd="sng" algn="ctr">
-                      <a:solidFill>
-                        <a:srgbClr val="AEB9C1"/>
-                      </a:solidFill>
-                      <a:prstDash val="solid"/>
-                      <a:round/>
-                      <a:headEnd type="none" w="med" len="med"/>
-                      <a:tailEnd type="none" w="med" len="med"/>
-                    </a:lnR>
-                    <a:lnT w="6350" cap="flat" cmpd="sng" algn="ctr">
-                      <a:solidFill>
-                        <a:srgbClr val="AEB9C1"/>
-                      </a:solidFill>
-                      <a:prstDash val="solid"/>
-                      <a:round/>
-                      <a:headEnd type="none" w="med" len="med"/>
-                      <a:tailEnd type="none" w="med" len="med"/>
-                    </a:lnT>
-                    <a:lnB w="6350" cap="flat" cmpd="sng" algn="ctr">
-                      <a:solidFill>
-                        <a:srgbClr val="AEB9C1"/>
-                      </a:solidFill>
-                      <a:prstDash val="solid"/>
-                      <a:round/>
-                      <a:headEnd type="none" w="med" len="med"/>
-                      <a:tailEnd type="none" w="med" len="med"/>
-                    </a:lnB>
-                  </a:tcPr>
-                </a:tc>
-                <a:tc>
-                  <a:txBody>
-                    <a:bodyPr/>
-                    <a:lstStyle/>
-                    <a:p>
-                      <a:pPr algn="l" fontAlgn="b"/>
-                      <a:r>
-                        <a:rPr lang="de-AT" sz="1000" b="0" i="0" u="none" strike="noStrike">
-                          <a:solidFill>
-                            <a:srgbClr val="000000"/>
-                          </a:solidFill>
-                          <a:effectLst/>
-                          <a:latin typeface="Arial" panose="020B0604020202020204" pitchFamily="34" charset="0"/>
-                        </a:rPr>
-                        <a:t>Funktionsfähiges Projekt</a:t>
-                      </a:r>
-                    </a:p>
-                  </a:txBody>
-                  <a:tcPr marL="9525" marR="9525" marT="9525" marB="0" anchor="b">
-                    <a:lnL w="6350" cap="flat" cmpd="sng" algn="ctr">
-                      <a:solidFill>
-                        <a:srgbClr val="AEB9C1"/>
-                      </a:solidFill>
-                      <a:prstDash val="solid"/>
-                      <a:round/>
-                      <a:headEnd type="none" w="med" len="med"/>
-                      <a:tailEnd type="none" w="med" len="med"/>
-                    </a:lnL>
-                    <a:lnR w="6350" cap="flat" cmpd="sng" algn="ctr">
-                      <a:solidFill>
-                        <a:srgbClr val="AEB9C1"/>
-                      </a:solidFill>
-                      <a:prstDash val="solid"/>
-                      <a:round/>
-                      <a:headEnd type="none" w="med" len="med"/>
-                      <a:tailEnd type="none" w="med" len="med"/>
-                    </a:lnR>
-                    <a:lnT w="6350" cap="flat" cmpd="sng" algn="ctr">
-                      <a:solidFill>
-                        <a:srgbClr val="AEB9C1"/>
-                      </a:solidFill>
-                      <a:prstDash val="solid"/>
-                      <a:round/>
-                      <a:headEnd type="none" w="med" len="med"/>
-                      <a:tailEnd type="none" w="med" len="med"/>
-                    </a:lnT>
-                    <a:lnB w="6350" cap="flat" cmpd="sng" algn="ctr">
-                      <a:solidFill>
-                        <a:srgbClr val="AEB9C1"/>
-                      </a:solidFill>
-                      <a:prstDash val="solid"/>
-                      <a:round/>
-                      <a:headEnd type="none" w="med" len="med"/>
-                      <a:tailEnd type="none" w="med" len="med"/>
-                    </a:lnB>
-                  </a:tcPr>
-                </a:tc>
-                <a:tc>
-                  <a:txBody>
-                    <a:bodyPr/>
-                    <a:lstStyle/>
-                    <a:p>
-                      <a:pPr algn="ctr" fontAlgn="b"/>
-                      <a:r>
-                        <a:rPr lang="de-AT" sz="900" b="0" i="0" u="none" strike="noStrike">
-                          <a:solidFill>
-                            <a:srgbClr val="000000"/>
-                          </a:solidFill>
-                          <a:effectLst/>
-                          <a:latin typeface="Arial" panose="020B0604020202020204" pitchFamily="34" charset="0"/>
-                        </a:rPr>
-                        <a:t>14.01.18</a:t>
-                      </a:r>
-                    </a:p>
-                  </a:txBody>
-                  <a:tcPr marL="9525" marR="9525" marT="9525" marB="0" anchor="b">
-                    <a:lnL w="6350" cap="flat" cmpd="sng" algn="ctr">
-                      <a:solidFill>
-                        <a:srgbClr val="AEB9C1"/>
-                      </a:solidFill>
-                      <a:prstDash val="solid"/>
-                      <a:round/>
-                      <a:headEnd type="none" w="med" len="med"/>
-                      <a:tailEnd type="none" w="med" len="med"/>
-                    </a:lnL>
-                    <a:lnR w="6350" cap="flat" cmpd="sng" algn="ctr">
-                      <a:solidFill>
-                        <a:srgbClr val="AEB9C1"/>
-                      </a:solidFill>
-                      <a:prstDash val="solid"/>
-                      <a:round/>
-                      <a:headEnd type="none" w="med" len="med"/>
-                      <a:tailEnd type="none" w="med" len="med"/>
-                    </a:lnR>
-                    <a:lnT w="6350" cap="flat" cmpd="sng" algn="ctr">
-                      <a:solidFill>
-                        <a:srgbClr val="AEB9C1"/>
-                      </a:solidFill>
-                      <a:prstDash val="solid"/>
-                      <a:round/>
-                      <a:headEnd type="none" w="med" len="med"/>
-                      <a:tailEnd type="none" w="med" len="med"/>
-                    </a:lnT>
-                    <a:lnB w="6350" cap="flat" cmpd="sng" algn="ctr">
-                      <a:solidFill>
-                        <a:srgbClr val="AEB9C1"/>
-                      </a:solidFill>
-                      <a:prstDash val="solid"/>
-                      <a:round/>
-                      <a:headEnd type="none" w="med" len="med"/>
-                      <a:tailEnd type="none" w="med" len="med"/>
-                    </a:lnB>
-                    <a:solidFill>
-                      <a:srgbClr val="D5E49C"/>
-                    </a:solidFill>
-                  </a:tcPr>
-                </a:tc>
-                <a:tc>
-                  <a:txBody>
-                    <a:bodyPr/>
-                    <a:lstStyle/>
-                    <a:p>
-                      <a:pPr algn="ctr" fontAlgn="b"/>
-                      <a:r>
-                        <a:rPr lang="de-AT" sz="900" b="0" i="0" u="none" strike="noStrike">
-                          <a:solidFill>
-                            <a:srgbClr val="000000"/>
-                          </a:solidFill>
-                          <a:effectLst/>
-                          <a:latin typeface="Arial" panose="020B0604020202020204" pitchFamily="34" charset="0"/>
-                        </a:rPr>
-                        <a:t>14.01.18</a:t>
-                      </a:r>
-                    </a:p>
-                  </a:txBody>
-                  <a:tcPr marL="9525" marR="9525" marT="9525" marB="0" anchor="b">
-                    <a:lnL w="6350" cap="flat" cmpd="sng" algn="ctr">
-                      <a:solidFill>
-                        <a:srgbClr val="AEB9C1"/>
-                      </a:solidFill>
-                      <a:prstDash val="solid"/>
-                      <a:round/>
-                      <a:headEnd type="none" w="med" len="med"/>
-                      <a:tailEnd type="none" w="med" len="med"/>
-                    </a:lnL>
-                    <a:lnR w="6350" cap="flat" cmpd="sng" algn="ctr">
-                      <a:solidFill>
-                        <a:srgbClr val="AEB9C1"/>
-                      </a:solidFill>
-                      <a:prstDash val="solid"/>
-                      <a:round/>
-                      <a:headEnd type="none" w="med" len="med"/>
-                      <a:tailEnd type="none" w="med" len="med"/>
-                    </a:lnR>
-                    <a:lnT w="6350" cap="flat" cmpd="sng" algn="ctr">
-                      <a:solidFill>
-                        <a:srgbClr val="AEB9C1"/>
-                      </a:solidFill>
-                      <a:prstDash val="solid"/>
-                      <a:round/>
-                      <a:headEnd type="none" w="med" len="med"/>
-                      <a:tailEnd type="none" w="med" len="med"/>
-                    </a:lnT>
-                    <a:lnB w="6350" cap="flat" cmpd="sng" algn="ctr">
-                      <a:solidFill>
-                        <a:srgbClr val="AEB9C1"/>
-                      </a:solidFill>
-                      <a:prstDash val="solid"/>
-                      <a:round/>
-                      <a:headEnd type="none" w="med" len="med"/>
-                      <a:tailEnd type="none" w="med" len="med"/>
-                    </a:lnB>
-                  </a:tcPr>
-                </a:tc>
-                <a:tc>
-                  <a:txBody>
-                    <a:bodyPr/>
-                    <a:lstStyle/>
-                    <a:p>
-                      <a:pPr algn="ctr" fontAlgn="b"/>
-                      <a:r>
-                        <a:rPr lang="de-AT" sz="900" b="0" i="0" u="none" strike="noStrike">
-                          <a:solidFill>
-                            <a:srgbClr val="000000"/>
-                          </a:solidFill>
-                          <a:effectLst/>
-                          <a:latin typeface="Arial" panose="020B0604020202020204" pitchFamily="34" charset="0"/>
-                        </a:rPr>
-                        <a:t> </a:t>
-                      </a:r>
-                    </a:p>
-                  </a:txBody>
-                  <a:tcPr marL="9525" marR="9525" marT="9525" marB="0" anchor="b">
-                    <a:lnL w="6350" cap="flat" cmpd="sng" algn="ctr">
-                      <a:solidFill>
-                        <a:srgbClr val="AEB9C1"/>
-                      </a:solidFill>
-                      <a:prstDash val="solid"/>
-                      <a:round/>
-                      <a:headEnd type="none" w="med" len="med"/>
-                      <a:tailEnd type="none" w="med" len="med"/>
-                    </a:lnL>
-                    <a:lnR w="6350" cap="flat" cmpd="sng" algn="ctr">
-                      <a:solidFill>
-                        <a:srgbClr val="AEB9C1"/>
-                      </a:solidFill>
-                      <a:prstDash val="solid"/>
-                      <a:round/>
-                      <a:headEnd type="none" w="med" len="med"/>
-                      <a:tailEnd type="none" w="med" len="med"/>
-                    </a:lnR>
-                    <a:lnT w="6350" cap="flat" cmpd="sng" algn="ctr">
-                      <a:solidFill>
-                        <a:srgbClr val="AEB9C1"/>
-                      </a:solidFill>
-                      <a:prstDash val="solid"/>
-                      <a:round/>
-                      <a:headEnd type="none" w="med" len="med"/>
-                      <a:tailEnd type="none" w="med" len="med"/>
-                    </a:lnT>
-                    <a:lnB w="6350" cap="flat" cmpd="sng" algn="ctr">
-                      <a:solidFill>
-                        <a:srgbClr val="AEB9C1"/>
-                      </a:solidFill>
-                      <a:prstDash val="solid"/>
-                      <a:round/>
-                      <a:headEnd type="none" w="med" len="med"/>
-                      <a:tailEnd type="none" w="med" len="med"/>
-                    </a:lnB>
-                  </a:tcPr>
-                </a:tc>
-                <a:extLst>
-                  <a:ext uri="{0D108BD9-81ED-4DB2-BD59-A6C34878D82A}">
-                    <a16:rowId xmlns:a16="http://schemas.microsoft.com/office/drawing/2014/main" val="608279816"/>
-                  </a:ext>
-                </a:extLst>
-              </a:tr>
-              <a:tr h="270563">
-                <a:tc>
-                  <a:txBody>
-                    <a:bodyPr/>
-                    <a:lstStyle/>
-                    <a:p>
-                      <a:pPr algn="l" fontAlgn="b"/>
-                      <a:r>
-                        <a:rPr lang="de-AT" sz="1000" b="0" i="0" u="none" strike="noStrike">
-                          <a:solidFill>
-                            <a:srgbClr val="000000"/>
-                          </a:solidFill>
-                          <a:effectLst/>
-                          <a:latin typeface="Arial" panose="020B0604020202020204" pitchFamily="34" charset="0"/>
-                        </a:rPr>
-                        <a:t>1.5.5</a:t>
-                      </a:r>
-                    </a:p>
-                  </a:txBody>
-                  <a:tcPr marL="9525" marR="9525" marT="9525" marB="0" anchor="b">
-                    <a:lnL w="6350" cap="flat" cmpd="sng" algn="ctr">
-                      <a:solidFill>
-                        <a:srgbClr val="AEB9C1"/>
-                      </a:solidFill>
-                      <a:prstDash val="solid"/>
-                      <a:round/>
-                      <a:headEnd type="none" w="med" len="med"/>
-                      <a:tailEnd type="none" w="med" len="med"/>
-                    </a:lnL>
-                    <a:lnR w="6350" cap="flat" cmpd="sng" algn="ctr">
-                      <a:solidFill>
-                        <a:srgbClr val="AEB9C1"/>
-                      </a:solidFill>
-                      <a:prstDash val="solid"/>
-                      <a:round/>
-                      <a:headEnd type="none" w="med" len="med"/>
-                      <a:tailEnd type="none" w="med" len="med"/>
-                    </a:lnR>
-                    <a:lnT w="6350" cap="flat" cmpd="sng" algn="ctr">
-                      <a:solidFill>
-                        <a:srgbClr val="AEB9C1"/>
-                      </a:solidFill>
-                      <a:prstDash val="solid"/>
-                      <a:round/>
-                      <a:headEnd type="none" w="med" len="med"/>
-                      <a:tailEnd type="none" w="med" len="med"/>
-                    </a:lnT>
-                    <a:lnB w="6350" cap="flat" cmpd="sng" algn="ctr">
-                      <a:solidFill>
-                        <a:srgbClr val="AEB9C1"/>
-                      </a:solidFill>
-                      <a:prstDash val="solid"/>
-                      <a:round/>
-                      <a:headEnd type="none" w="med" len="med"/>
-                      <a:tailEnd type="none" w="med" len="med"/>
-                    </a:lnB>
-                  </a:tcPr>
-                </a:tc>
-                <a:tc>
-                  <a:txBody>
-                    <a:bodyPr/>
-                    <a:lstStyle/>
-                    <a:p>
-                      <a:pPr algn="l" fontAlgn="b"/>
-                      <a:r>
-                        <a:rPr lang="de-AT" sz="1000" b="0" i="0" u="none" strike="noStrike">
-                          <a:solidFill>
-                            <a:srgbClr val="000000"/>
-                          </a:solidFill>
-                          <a:effectLst/>
-                          <a:latin typeface="Arial" panose="020B0604020202020204" pitchFamily="34" charset="0"/>
-                        </a:rPr>
-                        <a:t>Fertige Dokumentation</a:t>
-                      </a:r>
-                    </a:p>
-                  </a:txBody>
-                  <a:tcPr marL="9525" marR="9525" marT="9525" marB="0" anchor="b">
-                    <a:lnL w="6350" cap="flat" cmpd="sng" algn="ctr">
-                      <a:solidFill>
-                        <a:srgbClr val="AEB9C1"/>
-                      </a:solidFill>
-                      <a:prstDash val="solid"/>
-                      <a:round/>
-                      <a:headEnd type="none" w="med" len="med"/>
-                      <a:tailEnd type="none" w="med" len="med"/>
-                    </a:lnL>
-                    <a:lnR w="6350" cap="flat" cmpd="sng" algn="ctr">
-                      <a:solidFill>
-                        <a:srgbClr val="AEB9C1"/>
-                      </a:solidFill>
-                      <a:prstDash val="solid"/>
-                      <a:round/>
-                      <a:headEnd type="none" w="med" len="med"/>
-                      <a:tailEnd type="none" w="med" len="med"/>
-                    </a:lnR>
-                    <a:lnT w="6350" cap="flat" cmpd="sng" algn="ctr">
-                      <a:solidFill>
-                        <a:srgbClr val="AEB9C1"/>
-                      </a:solidFill>
-                      <a:prstDash val="solid"/>
-                      <a:round/>
-                      <a:headEnd type="none" w="med" len="med"/>
-                      <a:tailEnd type="none" w="med" len="med"/>
-                    </a:lnT>
-                    <a:lnB w="6350" cap="flat" cmpd="sng" algn="ctr">
-                      <a:solidFill>
-                        <a:srgbClr val="AEB9C1"/>
-                      </a:solidFill>
-                      <a:prstDash val="solid"/>
-                      <a:round/>
-                      <a:headEnd type="none" w="med" len="med"/>
-                      <a:tailEnd type="none" w="med" len="med"/>
-                    </a:lnB>
-                  </a:tcPr>
-                </a:tc>
-                <a:tc>
-                  <a:txBody>
-                    <a:bodyPr/>
-                    <a:lstStyle/>
-                    <a:p>
-                      <a:pPr algn="ctr" fontAlgn="b"/>
-                      <a:r>
-                        <a:rPr lang="de-AT" sz="900" b="0" i="0" u="none" strike="noStrike">
-                          <a:solidFill>
-                            <a:srgbClr val="000000"/>
-                          </a:solidFill>
-                          <a:effectLst/>
-                          <a:latin typeface="Arial" panose="020B0604020202020204" pitchFamily="34" charset="0"/>
-                        </a:rPr>
-                        <a:t>20.01.18</a:t>
-                      </a:r>
-                    </a:p>
-                  </a:txBody>
-                  <a:tcPr marL="9525" marR="9525" marT="9525" marB="0" anchor="b">
-                    <a:lnL w="6350" cap="flat" cmpd="sng" algn="ctr">
-                      <a:solidFill>
-                        <a:srgbClr val="AEB9C1"/>
-                      </a:solidFill>
-                      <a:prstDash val="solid"/>
-                      <a:round/>
-                      <a:headEnd type="none" w="med" len="med"/>
-                      <a:tailEnd type="none" w="med" len="med"/>
-                    </a:lnL>
-                    <a:lnR w="6350" cap="flat" cmpd="sng" algn="ctr">
-                      <a:solidFill>
-                        <a:srgbClr val="AEB9C1"/>
-                      </a:solidFill>
-                      <a:prstDash val="solid"/>
-                      <a:round/>
-                      <a:headEnd type="none" w="med" len="med"/>
-                      <a:tailEnd type="none" w="med" len="med"/>
-                    </a:lnR>
-                    <a:lnT w="6350" cap="flat" cmpd="sng" algn="ctr">
-                      <a:solidFill>
-                        <a:srgbClr val="AEB9C1"/>
-                      </a:solidFill>
-                      <a:prstDash val="solid"/>
-                      <a:round/>
-                      <a:headEnd type="none" w="med" len="med"/>
-                      <a:tailEnd type="none" w="med" len="med"/>
-                    </a:lnT>
-                    <a:lnB w="6350" cap="flat" cmpd="sng" algn="ctr">
-                      <a:solidFill>
-                        <a:srgbClr val="AEB9C1"/>
-                      </a:solidFill>
-                      <a:prstDash val="solid"/>
-                      <a:round/>
-                      <a:headEnd type="none" w="med" len="med"/>
-                      <a:tailEnd type="none" w="med" len="med"/>
-                    </a:lnB>
-                    <a:solidFill>
-                      <a:srgbClr val="D5E49C"/>
-                    </a:solidFill>
-                  </a:tcPr>
-                </a:tc>
-                <a:tc>
-                  <a:txBody>
-                    <a:bodyPr/>
-                    <a:lstStyle/>
-                    <a:p>
-                      <a:pPr algn="ctr" fontAlgn="b"/>
-                      <a:r>
-                        <a:rPr lang="de-AT" sz="900" b="0" i="0" u="none" strike="noStrike">
-                          <a:solidFill>
-                            <a:srgbClr val="000000"/>
-                          </a:solidFill>
-                          <a:effectLst/>
-                          <a:latin typeface="Arial" panose="020B0604020202020204" pitchFamily="34" charset="0"/>
-                        </a:rPr>
-                        <a:t>20.01.18</a:t>
-                      </a:r>
-                    </a:p>
-                  </a:txBody>
-                  <a:tcPr marL="9525" marR="9525" marT="9525" marB="0" anchor="b">
-                    <a:lnL w="6350" cap="flat" cmpd="sng" algn="ctr">
-                      <a:solidFill>
-                        <a:srgbClr val="AEB9C1"/>
-                      </a:solidFill>
-                      <a:prstDash val="solid"/>
-                      <a:round/>
-                      <a:headEnd type="none" w="med" len="med"/>
-                      <a:tailEnd type="none" w="med" len="med"/>
-                    </a:lnL>
-                    <a:lnR w="6350" cap="flat" cmpd="sng" algn="ctr">
-                      <a:solidFill>
-                        <a:srgbClr val="AEB9C1"/>
-                      </a:solidFill>
-                      <a:prstDash val="solid"/>
-                      <a:round/>
-                      <a:headEnd type="none" w="med" len="med"/>
-                      <a:tailEnd type="none" w="med" len="med"/>
-                    </a:lnR>
-                    <a:lnT w="6350" cap="flat" cmpd="sng" algn="ctr">
-                      <a:solidFill>
-                        <a:srgbClr val="AEB9C1"/>
-                      </a:solidFill>
-                      <a:prstDash val="solid"/>
-                      <a:round/>
-                      <a:headEnd type="none" w="med" len="med"/>
-                      <a:tailEnd type="none" w="med" len="med"/>
-                    </a:lnT>
-                    <a:lnB w="6350" cap="flat" cmpd="sng" algn="ctr">
-                      <a:solidFill>
-                        <a:srgbClr val="AEB9C1"/>
-                      </a:solidFill>
-                      <a:prstDash val="solid"/>
-                      <a:round/>
-                      <a:headEnd type="none" w="med" len="med"/>
-                      <a:tailEnd type="none" w="med" len="med"/>
-                    </a:lnB>
-                  </a:tcPr>
-                </a:tc>
-                <a:tc>
-                  <a:txBody>
-                    <a:bodyPr/>
-                    <a:lstStyle/>
-                    <a:p>
-                      <a:pPr algn="ctr" fontAlgn="b"/>
-                      <a:r>
-                        <a:rPr lang="de-AT" sz="900" b="0" i="0" u="none" strike="noStrike">
-                          <a:solidFill>
-                            <a:srgbClr val="000000"/>
-                          </a:solidFill>
-                          <a:effectLst/>
-                          <a:latin typeface="Arial" panose="020B0604020202020204" pitchFamily="34" charset="0"/>
-                        </a:rPr>
-                        <a:t> </a:t>
-                      </a:r>
-                    </a:p>
-                  </a:txBody>
-                  <a:tcPr marL="9525" marR="9525" marT="9525" marB="0" anchor="b">
-                    <a:lnL w="6350" cap="flat" cmpd="sng" algn="ctr">
-                      <a:solidFill>
-                        <a:srgbClr val="AEB9C1"/>
-                      </a:solidFill>
-                      <a:prstDash val="solid"/>
-                      <a:round/>
-                      <a:headEnd type="none" w="med" len="med"/>
-                      <a:tailEnd type="none" w="med" len="med"/>
-                    </a:lnL>
-                    <a:lnR w="6350" cap="flat" cmpd="sng" algn="ctr">
-                      <a:solidFill>
-                        <a:srgbClr val="AEB9C1"/>
-                      </a:solidFill>
-                      <a:prstDash val="solid"/>
-                      <a:round/>
-                      <a:headEnd type="none" w="med" len="med"/>
-                      <a:tailEnd type="none" w="med" len="med"/>
-                    </a:lnR>
-                    <a:lnT w="6350" cap="flat" cmpd="sng" algn="ctr">
-                      <a:solidFill>
-                        <a:srgbClr val="AEB9C1"/>
-                      </a:solidFill>
-                      <a:prstDash val="solid"/>
-                      <a:round/>
-                      <a:headEnd type="none" w="med" len="med"/>
-                      <a:tailEnd type="none" w="med" len="med"/>
-                    </a:lnT>
-                    <a:lnB w="6350" cap="flat" cmpd="sng" algn="ctr">
-                      <a:solidFill>
-                        <a:srgbClr val="AEB9C1"/>
-                      </a:solidFill>
-                      <a:prstDash val="solid"/>
-                      <a:round/>
-                      <a:headEnd type="none" w="med" len="med"/>
-                      <a:tailEnd type="none" w="med" len="med"/>
-                    </a:lnB>
-                  </a:tcPr>
-                </a:tc>
-                <a:extLst>
-                  <a:ext uri="{0D108BD9-81ED-4DB2-BD59-A6C34878D82A}">
-                    <a16:rowId xmlns:a16="http://schemas.microsoft.com/office/drawing/2014/main" val="69853510"/>
-                  </a:ext>
-                </a:extLst>
-              </a:tr>
-              <a:tr h="270563">
-                <a:tc>
-                  <a:txBody>
-                    <a:bodyPr/>
-                    <a:lstStyle/>
-                    <a:p>
-                      <a:pPr algn="l" fontAlgn="b"/>
-                      <a:r>
-                        <a:rPr lang="de-AT" sz="1000" b="0" i="0" u="none" strike="noStrike">
-                          <a:solidFill>
-                            <a:srgbClr val="000000"/>
-                          </a:solidFill>
-                          <a:effectLst/>
-                          <a:latin typeface="Arial" panose="020B0604020202020204" pitchFamily="34" charset="0"/>
-                        </a:rPr>
-                        <a:t>1.1.6</a:t>
-                      </a:r>
-                    </a:p>
-                  </a:txBody>
-                  <a:tcPr marL="9525" marR="9525" marT="9525" marB="0" anchor="b">
-                    <a:lnL w="6350" cap="flat" cmpd="sng" algn="ctr">
-                      <a:solidFill>
-                        <a:srgbClr val="AEB9C1"/>
-                      </a:solidFill>
-                      <a:prstDash val="solid"/>
-                      <a:round/>
-                      <a:headEnd type="none" w="med" len="med"/>
-                      <a:tailEnd type="none" w="med" len="med"/>
-                    </a:lnL>
-                    <a:lnR w="6350" cap="flat" cmpd="sng" algn="ctr">
-                      <a:solidFill>
-                        <a:srgbClr val="AEB9C1"/>
-                      </a:solidFill>
-                      <a:prstDash val="solid"/>
-                      <a:round/>
-                      <a:headEnd type="none" w="med" len="med"/>
-                      <a:tailEnd type="none" w="med" len="med"/>
-                    </a:lnR>
-                    <a:lnT w="6350" cap="flat" cmpd="sng" algn="ctr">
-                      <a:solidFill>
-                        <a:srgbClr val="AEB9C1"/>
-                      </a:solidFill>
-                      <a:prstDash val="solid"/>
-                      <a:round/>
-                      <a:headEnd type="none" w="med" len="med"/>
-                      <a:tailEnd type="none" w="med" len="med"/>
-                    </a:lnT>
-                    <a:lnB w="6350" cap="flat" cmpd="sng" algn="ctr">
-                      <a:solidFill>
-                        <a:srgbClr val="AEB9C1"/>
-                      </a:solidFill>
-                      <a:prstDash val="solid"/>
-                      <a:round/>
-                      <a:headEnd type="none" w="med" len="med"/>
-                      <a:tailEnd type="none" w="med" len="med"/>
-                    </a:lnB>
-                  </a:tcPr>
-                </a:tc>
-                <a:tc>
-                  <a:txBody>
-                    <a:bodyPr/>
-                    <a:lstStyle/>
-                    <a:p>
-                      <a:pPr algn="l" fontAlgn="b"/>
-                      <a:r>
-                        <a:rPr lang="de-AT" sz="1000" b="0" i="0" u="none" strike="noStrike">
-                          <a:solidFill>
-                            <a:srgbClr val="000000"/>
-                          </a:solidFill>
-                          <a:effectLst/>
-                          <a:latin typeface="Arial" panose="020B0604020202020204" pitchFamily="34" charset="0"/>
-                        </a:rPr>
-                        <a:t>Projekt abgeschlossen</a:t>
-                      </a:r>
-                    </a:p>
-                  </a:txBody>
-                  <a:tcPr marL="9525" marR="9525" marT="9525" marB="0" anchor="b">
-                    <a:lnL w="6350" cap="flat" cmpd="sng" algn="ctr">
-                      <a:solidFill>
-                        <a:srgbClr val="AEB9C1"/>
-                      </a:solidFill>
-                      <a:prstDash val="solid"/>
-                      <a:round/>
-                      <a:headEnd type="none" w="med" len="med"/>
-                      <a:tailEnd type="none" w="med" len="med"/>
-                    </a:lnL>
-                    <a:lnR w="6350" cap="flat" cmpd="sng" algn="ctr">
-                      <a:solidFill>
-                        <a:srgbClr val="AEB9C1"/>
-                      </a:solidFill>
-                      <a:prstDash val="solid"/>
-                      <a:round/>
-                      <a:headEnd type="none" w="med" len="med"/>
-                      <a:tailEnd type="none" w="med" len="med"/>
-                    </a:lnR>
-                    <a:lnT w="6350" cap="flat" cmpd="sng" algn="ctr">
-                      <a:solidFill>
-                        <a:srgbClr val="AEB9C1"/>
-                      </a:solidFill>
-                      <a:prstDash val="solid"/>
-                      <a:round/>
-                      <a:headEnd type="none" w="med" len="med"/>
-                      <a:tailEnd type="none" w="med" len="med"/>
-                    </a:lnT>
-                    <a:lnB w="6350" cap="flat" cmpd="sng" algn="ctr">
-                      <a:solidFill>
-                        <a:srgbClr val="AEB9C1"/>
-                      </a:solidFill>
-                      <a:prstDash val="solid"/>
-                      <a:round/>
-                      <a:headEnd type="none" w="med" len="med"/>
-                      <a:tailEnd type="none" w="med" len="med"/>
-                    </a:lnB>
-                  </a:tcPr>
-                </a:tc>
-                <a:tc>
-                  <a:txBody>
-                    <a:bodyPr/>
-                    <a:lstStyle/>
-                    <a:p>
-                      <a:pPr algn="ctr" fontAlgn="b"/>
-                      <a:r>
-                        <a:rPr lang="de-AT" sz="900" b="0" i="0" u="none" strike="noStrike">
-                          <a:solidFill>
-                            <a:srgbClr val="000000"/>
-                          </a:solidFill>
-                          <a:effectLst/>
-                          <a:latin typeface="Arial" panose="020B0604020202020204" pitchFamily="34" charset="0"/>
-                        </a:rPr>
-                        <a:t>20.01.18</a:t>
-                      </a:r>
-                    </a:p>
-                  </a:txBody>
-                  <a:tcPr marL="9525" marR="9525" marT="9525" marB="0" anchor="b">
-                    <a:lnL w="6350" cap="flat" cmpd="sng" algn="ctr">
-                      <a:solidFill>
-                        <a:srgbClr val="AEB9C1"/>
-                      </a:solidFill>
-                      <a:prstDash val="solid"/>
-                      <a:round/>
-                      <a:headEnd type="none" w="med" len="med"/>
-                      <a:tailEnd type="none" w="med" len="med"/>
-                    </a:lnL>
-                    <a:lnR w="6350" cap="flat" cmpd="sng" algn="ctr">
-                      <a:solidFill>
-                        <a:srgbClr val="AEB9C1"/>
-                      </a:solidFill>
-                      <a:prstDash val="solid"/>
-                      <a:round/>
-                      <a:headEnd type="none" w="med" len="med"/>
-                      <a:tailEnd type="none" w="med" len="med"/>
-                    </a:lnR>
-                    <a:lnT w="6350" cap="flat" cmpd="sng" algn="ctr">
-                      <a:solidFill>
-                        <a:srgbClr val="AEB9C1"/>
-                      </a:solidFill>
-                      <a:prstDash val="solid"/>
-                      <a:round/>
-                      <a:headEnd type="none" w="med" len="med"/>
-                      <a:tailEnd type="none" w="med" len="med"/>
-                    </a:lnT>
-                    <a:lnB w="6350" cap="flat" cmpd="sng" algn="ctr">
-                      <a:solidFill>
-                        <a:srgbClr val="AEB9C1"/>
-                      </a:solidFill>
-                      <a:prstDash val="solid"/>
-                      <a:round/>
-                      <a:headEnd type="none" w="med" len="med"/>
-                      <a:tailEnd type="none" w="med" len="med"/>
-                    </a:lnB>
-                    <a:solidFill>
-                      <a:srgbClr val="D5E49C"/>
-                    </a:solidFill>
-                  </a:tcPr>
-                </a:tc>
-                <a:tc>
-                  <a:txBody>
-                    <a:bodyPr/>
-                    <a:lstStyle/>
-                    <a:p>
-                      <a:pPr algn="ctr" fontAlgn="b"/>
-                      <a:r>
-                        <a:rPr lang="de-AT" sz="900" b="0" i="0" u="none" strike="noStrike">
-                          <a:solidFill>
-                            <a:srgbClr val="000000"/>
-                          </a:solidFill>
-                          <a:effectLst/>
-                          <a:latin typeface="Arial" panose="020B0604020202020204" pitchFamily="34" charset="0"/>
-                        </a:rPr>
-                        <a:t>20.01.18</a:t>
-                      </a:r>
-                    </a:p>
-                  </a:txBody>
-                  <a:tcPr marL="9525" marR="9525" marT="9525" marB="0" anchor="b">
-                    <a:lnL w="6350" cap="flat" cmpd="sng" algn="ctr">
-                      <a:solidFill>
-                        <a:srgbClr val="AEB9C1"/>
-                      </a:solidFill>
-                      <a:prstDash val="solid"/>
-                      <a:round/>
-                      <a:headEnd type="none" w="med" len="med"/>
-                      <a:tailEnd type="none" w="med" len="med"/>
-                    </a:lnL>
-                    <a:lnR w="6350" cap="flat" cmpd="sng" algn="ctr">
-                      <a:solidFill>
-                        <a:srgbClr val="AEB9C1"/>
-                      </a:solidFill>
-                      <a:prstDash val="solid"/>
-                      <a:round/>
-                      <a:headEnd type="none" w="med" len="med"/>
-                      <a:tailEnd type="none" w="med" len="med"/>
-                    </a:lnR>
-                    <a:lnT w="6350" cap="flat" cmpd="sng" algn="ctr">
-                      <a:solidFill>
-                        <a:srgbClr val="AEB9C1"/>
-                      </a:solidFill>
-                      <a:prstDash val="solid"/>
-                      <a:round/>
-                      <a:headEnd type="none" w="med" len="med"/>
-                      <a:tailEnd type="none" w="med" len="med"/>
-                    </a:lnT>
-                    <a:lnB w="6350" cap="flat" cmpd="sng" algn="ctr">
-                      <a:solidFill>
-                        <a:srgbClr val="AEB9C1"/>
-                      </a:solidFill>
-                      <a:prstDash val="solid"/>
-                      <a:round/>
-                      <a:headEnd type="none" w="med" len="med"/>
-                      <a:tailEnd type="none" w="med" len="med"/>
-                    </a:lnB>
-                  </a:tcPr>
-                </a:tc>
-                <a:tc>
-                  <a:txBody>
-                    <a:bodyPr/>
-                    <a:lstStyle/>
-                    <a:p>
-                      <a:pPr algn="ctr" fontAlgn="b"/>
-                      <a:r>
-                        <a:rPr lang="de-AT" sz="900" b="0" i="0" u="none" strike="noStrike" dirty="0">
-                          <a:solidFill>
-                            <a:srgbClr val="000000"/>
-                          </a:solidFill>
-                          <a:effectLst/>
-                          <a:latin typeface="Arial" panose="020B0604020202020204" pitchFamily="34" charset="0"/>
-                        </a:rPr>
-                        <a:t> </a:t>
-                      </a:r>
-                    </a:p>
-                  </a:txBody>
-                  <a:tcPr marL="9525" marR="9525" marT="9525" marB="0" anchor="b">
-                    <a:lnL w="6350" cap="flat" cmpd="sng" algn="ctr">
-                      <a:solidFill>
-                        <a:srgbClr val="AEB9C1"/>
-                      </a:solidFill>
-                      <a:prstDash val="solid"/>
-                      <a:round/>
-                      <a:headEnd type="none" w="med" len="med"/>
-                      <a:tailEnd type="none" w="med" len="med"/>
-                    </a:lnL>
-                    <a:lnR w="6350" cap="flat" cmpd="sng" algn="ctr">
-                      <a:solidFill>
-                        <a:srgbClr val="AEB9C1"/>
-                      </a:solidFill>
-                      <a:prstDash val="solid"/>
-                      <a:round/>
-                      <a:headEnd type="none" w="med" len="med"/>
-                      <a:tailEnd type="none" w="med" len="med"/>
-                    </a:lnR>
-                    <a:lnT w="6350" cap="flat" cmpd="sng" algn="ctr">
-                      <a:solidFill>
-                        <a:srgbClr val="AEB9C1"/>
-                      </a:solidFill>
-                      <a:prstDash val="solid"/>
-                      <a:round/>
-                      <a:headEnd type="none" w="med" len="med"/>
-                      <a:tailEnd type="none" w="med" len="med"/>
-                    </a:lnT>
-                    <a:lnB w="6350" cap="flat" cmpd="sng" algn="ctr">
-                      <a:solidFill>
-                        <a:srgbClr val="AEB9C1"/>
-                      </a:solidFill>
-                      <a:prstDash val="solid"/>
-                      <a:round/>
-                      <a:headEnd type="none" w="med" len="med"/>
-                      <a:tailEnd type="none" w="med" len="med"/>
-                    </a:lnB>
-                  </a:tcPr>
-                </a:tc>
-                <a:extLst>
-                  <a:ext uri="{0D108BD9-81ED-4DB2-BD59-A6C34878D82A}">
-                    <a16:rowId xmlns:a16="http://schemas.microsoft.com/office/drawing/2014/main" val="3980495480"/>
-                  </a:ext>
-                </a:extLst>
-              </a:tr>
-            </a:tbl>
-          </a:graphicData>
-        </a:graphic>
-      </p:graphicFrame>
-      <p:sp>
-        <p:nvSpPr>
-          <p:cNvPr id="8" name="Textfeld 7">
-            <a:extLst>
-              <a:ext uri="{FF2B5EF4-FFF2-40B4-BE49-F238E27FC236}">
-                <a16:creationId xmlns:a16="http://schemas.microsoft.com/office/drawing/2014/main" id="{30BF16EE-493F-4A14-B472-04EE566A148C}"/>
-              </a:ext>
-            </a:extLst>
-          </p:cNvPr>
-          <p:cNvSpPr txBox="1"/>
-          <p:nvPr/>
-        </p:nvSpPr>
-        <p:spPr>
-          <a:xfrm>
-            <a:off x="3446587" y="785445"/>
-            <a:ext cx="8358554" cy="1938992"/>
-          </a:xfrm>
-          <a:prstGeom prst="rect">
-            <a:avLst/>
-          </a:prstGeom>
-          <a:noFill/>
-        </p:spPr>
-        <p:txBody>
-          <a:bodyPr wrap="square" rtlCol="0">
-            <a:spAutoFit/>
+          </p:nvPr>
+        </p:nvSpPr>
+        <p:spPr/>
+        <p:txBody>
+          <a:bodyPr>
+            <a:normAutofit/>
           </a:bodyPr>
           <a:lstStyle/>
           <a:p>
             <a:r>
-              <a:rPr lang="de-AT" sz="2400" dirty="0">
-                <a:latin typeface="Calibri" panose="020F0502020204030204" pitchFamily="34" charset="0"/>
-                <a:cs typeface="Calibri" panose="020F0502020204030204" pitchFamily="34" charset="0"/>
-              </a:rPr>
-              <a:t>Lukas Knoll: 123 Std.</a:t>
-            </a:r>
-          </a:p>
-          <a:p>
-            <a:endParaRPr lang="de-AT" sz="2400" dirty="0">
-              <a:latin typeface="Calibri" panose="020F0502020204030204" pitchFamily="34" charset="0"/>
-              <a:cs typeface="Calibri" panose="020F0502020204030204" pitchFamily="34" charset="0"/>
-            </a:endParaRPr>
-          </a:p>
-          <a:p>
-            <a:r>
-              <a:rPr lang="de-AT" sz="2400" dirty="0">
-                <a:latin typeface="Calibri" panose="020F0502020204030204" pitchFamily="34" charset="0"/>
-                <a:cs typeface="Calibri" panose="020F0502020204030204" pitchFamily="34" charset="0"/>
-              </a:rPr>
-              <a:t>Niklas Graf: 120 Std.</a:t>
-            </a:r>
-          </a:p>
-          <a:p>
-            <a:endParaRPr lang="de-AT" sz="2400" dirty="0">
-              <a:latin typeface="Calibri" panose="020F0502020204030204" pitchFamily="34" charset="0"/>
-              <a:cs typeface="Calibri" panose="020F0502020204030204" pitchFamily="34" charset="0"/>
-            </a:endParaRPr>
-          </a:p>
-          <a:p>
-            <a:r>
-              <a:rPr lang="de-AT" sz="2400" dirty="0">
-                <a:latin typeface="Calibri" panose="020F0502020204030204" pitchFamily="34" charset="0"/>
-                <a:cs typeface="Calibri" panose="020F0502020204030204" pitchFamily="34" charset="0"/>
-              </a:rPr>
-              <a:t>Sebastian Mandl: 138 Std.</a:t>
-            </a:r>
+              <a:rPr lang="de-AT" dirty="0"/>
+              <a:t>Technologien</a:t>
+            </a:r>
+          </a:p>
+          <a:p>
+            <a:pPr lvl="1"/>
+            <a:r>
+              <a:rPr lang="de-AT" dirty="0"/>
+              <a:t>HTML</a:t>
+            </a:r>
+          </a:p>
+          <a:p>
+            <a:pPr lvl="1"/>
+            <a:r>
+              <a:rPr lang="de-AT" dirty="0"/>
+              <a:t>CSS</a:t>
+            </a:r>
+          </a:p>
+          <a:p>
+            <a:pPr lvl="1"/>
+            <a:r>
+              <a:rPr lang="de-AT" dirty="0" err="1"/>
+              <a:t>Javascript</a:t>
+            </a:r>
+            <a:endParaRPr lang="de-AT" dirty="0"/>
+          </a:p>
+          <a:p>
+            <a:pPr lvl="1"/>
+            <a:r>
+              <a:rPr lang="de-AT" dirty="0"/>
+              <a:t>Java</a:t>
+            </a:r>
+          </a:p>
+          <a:p>
+            <a:pPr lvl="1"/>
+            <a:r>
+              <a:rPr lang="de-AT" dirty="0"/>
+              <a:t>XML</a:t>
+            </a:r>
+          </a:p>
+          <a:p>
+            <a:pPr lvl="1"/>
+            <a:r>
+              <a:rPr lang="de-AT" dirty="0"/>
+              <a:t>XHTML</a:t>
+            </a:r>
+          </a:p>
+          <a:p>
+            <a:pPr lvl="1"/>
+            <a:endParaRPr lang="de-AT" dirty="0"/>
+          </a:p>
+          <a:p>
+            <a:r>
+              <a:rPr lang="de-AT" dirty="0"/>
+              <a:t>Verwendete Libraries</a:t>
+            </a:r>
+          </a:p>
+          <a:p>
+            <a:pPr lvl="1"/>
+            <a:r>
+              <a:rPr lang="de-AT" dirty="0" err="1"/>
+              <a:t>MPAndroidchart</a:t>
+            </a:r>
+            <a:endParaRPr lang="de-AT" dirty="0"/>
+          </a:p>
+          <a:p>
+            <a:pPr lvl="1"/>
+            <a:r>
+              <a:rPr lang="de-AT" dirty="0"/>
+              <a:t>Bootstrap</a:t>
+            </a:r>
+          </a:p>
+          <a:p>
+            <a:pPr lvl="1"/>
+            <a:r>
+              <a:rPr lang="de-AT" dirty="0"/>
+              <a:t>Bootsnipp-Modal</a:t>
+            </a:r>
+          </a:p>
+          <a:p>
+            <a:pPr lvl="1"/>
+            <a:r>
+              <a:rPr lang="de-AT" dirty="0" err="1"/>
+              <a:t>Firebase</a:t>
+            </a:r>
+            <a:endParaRPr lang="de-AT" dirty="0"/>
+          </a:p>
+          <a:p>
+            <a:pPr lvl="1"/>
+            <a:r>
+              <a:rPr lang="de-AT" dirty="0"/>
+              <a:t>JSON/GSON</a:t>
+            </a:r>
+          </a:p>
+          <a:p>
+            <a:pPr lvl="1"/>
+            <a:r>
+              <a:rPr lang="de-AT" dirty="0" err="1"/>
+              <a:t>aems-apilib</a:t>
+            </a:r>
+            <a:endParaRPr lang="de-AT" dirty="0"/>
           </a:p>
         </p:txBody>
       </p:sp>
     </p:spTree>
     <p:extLst>
       <p:ext uri="{BB962C8B-B14F-4D97-AF65-F5344CB8AC3E}">
-        <p14:creationId xmlns:p14="http://schemas.microsoft.com/office/powerpoint/2010/main" val="927595724"/>
+        <p14:creationId xmlns:p14="http://schemas.microsoft.com/office/powerpoint/2010/main" val="2110192687"/>
       </p:ext>
     </p:extLst>
   </p:cSld>
@@ -18776,104 +15941,6 @@
 </file>
 
 <file path=ppt/slides/slide11.xml><?xml version="1.0" encoding="utf-8"?>
-<p:sld xmlns:a="http://schemas.openxmlformats.org/drawingml/2006/main" xmlns:r="http://schemas.openxmlformats.org/officeDocument/2006/relationships" xmlns:p="http://schemas.openxmlformats.org/presentationml/2006/main">
-  <p:cSld>
-    <p:spTree>
-      <p:nvGrpSpPr>
-        <p:cNvPr id="1" name=""/>
-        <p:cNvGrpSpPr/>
-        <p:nvPr/>
-      </p:nvGrpSpPr>
-      <p:grpSpPr>
-        <a:xfrm>
-          <a:off x="0" y="0"/>
-          <a:ext cx="0" cy="0"/>
-          <a:chOff x="0" y="0"/>
-          <a:chExt cx="0" cy="0"/>
-        </a:xfrm>
-      </p:grpSpPr>
-      <p:sp>
-        <p:nvSpPr>
-          <p:cNvPr id="2" name="Titel 1">
-            <a:extLst>
-              <a:ext uri="{FF2B5EF4-FFF2-40B4-BE49-F238E27FC236}">
-                <a16:creationId xmlns:a16="http://schemas.microsoft.com/office/drawing/2014/main" id="{78F8492A-A28E-4A9E-AC85-D3C1B401136D}"/>
-              </a:ext>
-            </a:extLst>
-          </p:cNvPr>
-          <p:cNvSpPr>
-            <a:spLocks noGrp="1"/>
-          </p:cNvSpPr>
-          <p:nvPr>
-            <p:ph type="title"/>
-          </p:nvPr>
-        </p:nvSpPr>
-        <p:spPr>
-          <a:xfrm>
-            <a:off x="1195100" y="1128408"/>
-            <a:ext cx="1020561" cy="4601183"/>
-          </a:xfrm>
-        </p:spPr>
-        <p:txBody>
-          <a:bodyPr/>
-          <a:lstStyle/>
-          <a:p>
-            <a:r>
-              <a:rPr lang="de-AT" dirty="0"/>
-              <a:t>ERD</a:t>
-            </a:r>
-          </a:p>
-        </p:txBody>
-      </p:sp>
-      <p:pic>
-        <p:nvPicPr>
-          <p:cNvPr id="5" name="Inhaltsplatzhalter 4">
-            <a:extLst>
-              <a:ext uri="{FF2B5EF4-FFF2-40B4-BE49-F238E27FC236}">
-                <a16:creationId xmlns:a16="http://schemas.microsoft.com/office/drawing/2014/main" id="{D2655425-92E8-45B1-B4CD-C9AB3D4D1F76}"/>
-              </a:ext>
-            </a:extLst>
-          </p:cNvPr>
-          <p:cNvPicPr>
-            <a:picLocks noGrp="1" noChangeAspect="1"/>
-          </p:cNvPicPr>
-          <p:nvPr>
-            <p:ph idx="1"/>
-          </p:nvPr>
-        </p:nvPicPr>
-        <p:blipFill>
-          <a:blip r:embed="rId2">
-            <a:extLst>
-              <a:ext uri="{28A0092B-C50C-407E-A947-70E740481C1C}">
-                <a14:useLocalDpi xmlns:a14="http://schemas.microsoft.com/office/drawing/2010/main" val="0"/>
-              </a:ext>
-            </a:extLst>
-          </a:blip>
-          <a:stretch>
-            <a:fillRect/>
-          </a:stretch>
-        </p:blipFill>
-        <p:spPr>
-          <a:xfrm>
-            <a:off x="3200400" y="1278086"/>
-            <a:ext cx="8754357" cy="4266932"/>
-          </a:xfrm>
-        </p:spPr>
-      </p:pic>
-    </p:spTree>
-    <p:extLst>
-      <p:ext uri="{BB962C8B-B14F-4D97-AF65-F5344CB8AC3E}">
-        <p14:creationId xmlns:p14="http://schemas.microsoft.com/office/powerpoint/2010/main" val="1928537852"/>
-      </p:ext>
-    </p:extLst>
-  </p:cSld>
-  <p:clrMapOvr>
-    <a:masterClrMapping/>
-  </p:clrMapOvr>
-</p:sld>
-</file>
-
-<file path=ppt/slides/slide12.xml><?xml version="1.0" encoding="utf-8"?>
 <p:sld xmlns:a="http://schemas.openxmlformats.org/drawingml/2006/main" xmlns:r="http://schemas.openxmlformats.org/officeDocument/2006/relationships" xmlns:p="http://schemas.openxmlformats.org/presentationml/2006/main">
   <p:cSld>
     <p:spTree>
@@ -19360,7 +16427,7 @@
         </p:blipFill>
         <p:spPr>
           <a:xfrm>
-            <a:off x="3727785" y="659287"/>
+            <a:off x="3487153" y="2041857"/>
             <a:ext cx="8323262" cy="2765141"/>
           </a:xfrm>
         </p:spPr>
@@ -19481,7 +16548,7 @@
             <a:pPr lvl="1"/>
             <a:r>
               <a:rPr lang="de-AT" sz="2000" dirty="0"/>
-              <a:t>Anzeige von Kontextrelevanten Daten für den Benutzer</a:t>
+              <a:t>Anzeige von kontextrelevanten Daten für den Benutzer</a:t>
             </a:r>
           </a:p>
           <a:p>
@@ -19503,7 +16570,7 @@
             <a:pPr lvl="1"/>
             <a:r>
               <a:rPr lang="de-AT" sz="2000" dirty="0"/>
-              <a:t>Anzeige der Statistiken und Download selbiger als PDF</a:t>
+              <a:t>Anzeige der Statistiken und Download dieser als PDF</a:t>
             </a:r>
           </a:p>
           <a:p>
@@ -19808,7 +16875,7 @@
             <p:ph idx="1"/>
             <p:extLst>
               <p:ext uri="{D42A27DB-BD31-4B8C-83A1-F6EECF244321}">
-                <p14:modId xmlns:p14="http://schemas.microsoft.com/office/powerpoint/2010/main" val="4055744292"/>
+                <p14:modId xmlns:p14="http://schemas.microsoft.com/office/powerpoint/2010/main" val="853987410"/>
               </p:ext>
             </p:extLst>
           </p:nvPr>
@@ -19855,31 +16922,6 @@
       </p:grpSpPr>
       <p:sp>
         <p:nvSpPr>
-          <p:cNvPr id="3" name="Inhaltsplatzhalter 2">
-            <a:extLst>
-              <a:ext uri="{FF2B5EF4-FFF2-40B4-BE49-F238E27FC236}">
-                <a16:creationId xmlns:a16="http://schemas.microsoft.com/office/drawing/2014/main" id="{2B1B71B1-6536-4B04-A248-64C7EF0D4CBA}"/>
-              </a:ext>
-            </a:extLst>
-          </p:cNvPr>
-          <p:cNvSpPr>
-            <a:spLocks noGrp="1"/>
-          </p:cNvSpPr>
-          <p:nvPr>
-            <p:ph idx="1"/>
-          </p:nvPr>
-        </p:nvSpPr>
-        <p:spPr/>
-        <p:txBody>
-          <a:bodyPr/>
-          <a:lstStyle/>
-          <a:p>
-            <a:endParaRPr lang="de-AT"/>
-          </a:p>
-        </p:txBody>
-      </p:sp>
-      <p:sp>
-        <p:nvSpPr>
           <p:cNvPr id="4" name="Titel 1">
             <a:extLst>
               <a:ext uri="{FF2B5EF4-FFF2-40B4-BE49-F238E27FC236}">
@@ -19948,7 +16990,7 @@
           <p:nvPr>
             <p:extLst>
               <p:ext uri="{D42A27DB-BD31-4B8C-83A1-F6EECF244321}">
-                <p14:modId xmlns:p14="http://schemas.microsoft.com/office/powerpoint/2010/main" val="2737727471"/>
+                <p14:modId xmlns:p14="http://schemas.microsoft.com/office/powerpoint/2010/main" val="2419796557"/>
               </p:ext>
             </p:extLst>
           </p:nvPr>

--- a/Planung/Praesentationen/Praesentation_SRDP.pptx
+++ b/Planung/Praesentationen/Praesentation_SRDP.pptx
@@ -2135,13 +2135,6 @@
           </a:stretch>
         </a:blipFill>
       </dgm:spPr>
-      <dgm:t>
-        <a:bodyPr/>
-        <a:lstStyle/>
-        <a:p>
-          <a:endParaRPr lang="de-AT"/>
-        </a:p>
-      </dgm:t>
     </dgm:pt>
     <dgm:pt modelId="{8B8A97F4-6D79-4086-8516-B789D1C66AA3}" type="pres">
       <dgm:prSet presAssocID="{5A7C641C-4F5B-4BDD-942E-F8846BE44EB0}" presName="txShp" presStyleLbl="node1" presStyleIdx="2" presStyleCnt="3">
@@ -5338,7 +5331,7 @@
           <a:p>
             <a:fld id="{6C12F6B1-6786-4E64-B681-F379C9A54FC0}" type="datetimeFigureOut">
               <a:rPr lang="de-AT" smtClean="0"/>
-              <a:t>31.03.2018</a:t>
+              <a:t>10.05.2018</a:t>
             </a:fld>
             <a:endParaRPr lang="de-AT"/>
           </a:p>
@@ -6734,7 +6727,7 @@
           <a:p>
             <a:fld id="{83C286D2-5717-406C-AD4B-C4A69D5338FB}" type="datetimeFigureOut">
               <a:rPr lang="de-AT" smtClean="0"/>
-              <a:t>31.03.2018</a:t>
+              <a:t>10.05.2018</a:t>
             </a:fld>
             <a:endParaRPr lang="de-AT"/>
           </a:p>
@@ -6904,7 +6897,7 @@
           <a:p>
             <a:fld id="{83C286D2-5717-406C-AD4B-C4A69D5338FB}" type="datetimeFigureOut">
               <a:rPr lang="de-AT" smtClean="0"/>
-              <a:t>31.03.2018</a:t>
+              <a:t>10.05.2018</a:t>
             </a:fld>
             <a:endParaRPr lang="de-AT"/>
           </a:p>
@@ -7084,7 +7077,7 @@
           <a:p>
             <a:fld id="{83C286D2-5717-406C-AD4B-C4A69D5338FB}" type="datetimeFigureOut">
               <a:rPr lang="de-AT" smtClean="0"/>
-              <a:t>31.03.2018</a:t>
+              <a:t>10.05.2018</a:t>
             </a:fld>
             <a:endParaRPr lang="de-AT"/>
           </a:p>
@@ -7287,7 +7280,7 @@
           <a:p>
             <a:fld id="{83C286D2-5717-406C-AD4B-C4A69D5338FB}" type="datetimeFigureOut">
               <a:rPr lang="de-AT" smtClean="0"/>
-              <a:t>31.03.2018</a:t>
+              <a:t>10.05.2018</a:t>
             </a:fld>
             <a:endParaRPr lang="de-AT"/>
           </a:p>
@@ -7457,7 +7450,7 @@
           <a:p>
             <a:fld id="{83C286D2-5717-406C-AD4B-C4A69D5338FB}" type="datetimeFigureOut">
               <a:rPr lang="de-AT" smtClean="0"/>
-              <a:t>31.03.2018</a:t>
+              <a:t>10.05.2018</a:t>
             </a:fld>
             <a:endParaRPr lang="de-AT"/>
           </a:p>
@@ -7708,7 +7701,7 @@
           <a:p>
             <a:fld id="{83C286D2-5717-406C-AD4B-C4A69D5338FB}" type="datetimeFigureOut">
               <a:rPr lang="de-AT" smtClean="0"/>
-              <a:t>31.03.2018</a:t>
+              <a:t>10.05.2018</a:t>
             </a:fld>
             <a:endParaRPr lang="de-AT"/>
           </a:p>
@@ -7940,7 +7933,7 @@
           <a:p>
             <a:fld id="{83C286D2-5717-406C-AD4B-C4A69D5338FB}" type="datetimeFigureOut">
               <a:rPr lang="de-AT" smtClean="0"/>
-              <a:t>31.03.2018</a:t>
+              <a:t>10.05.2018</a:t>
             </a:fld>
             <a:endParaRPr lang="de-AT"/>
           </a:p>
@@ -8287,7 +8280,7 @@
           <a:p>
             <a:fld id="{83C286D2-5717-406C-AD4B-C4A69D5338FB}" type="datetimeFigureOut">
               <a:rPr lang="de-AT" smtClean="0"/>
-              <a:t>31.03.2018</a:t>
+              <a:t>10.05.2018</a:t>
             </a:fld>
             <a:endParaRPr lang="de-AT"/>
           </a:p>
@@ -8405,7 +8398,7 @@
           <a:p>
             <a:fld id="{83C286D2-5717-406C-AD4B-C4A69D5338FB}" type="datetimeFigureOut">
               <a:rPr lang="de-AT" smtClean="0"/>
-              <a:t>31.03.2018</a:t>
+              <a:t>10.05.2018</a:t>
             </a:fld>
             <a:endParaRPr lang="de-AT"/>
           </a:p>
@@ -8523,7 +8516,7 @@
           <a:p>
             <a:fld id="{83C286D2-5717-406C-AD4B-C4A69D5338FB}" type="datetimeFigureOut">
               <a:rPr lang="de-AT" smtClean="0"/>
-              <a:t>31.03.2018</a:t>
+              <a:t>10.05.2018</a:t>
             </a:fld>
             <a:endParaRPr lang="de-AT"/>
           </a:p>
@@ -8807,7 +8800,7 @@
           <a:p>
             <a:fld id="{83C286D2-5717-406C-AD4B-C4A69D5338FB}" type="datetimeFigureOut">
               <a:rPr lang="de-AT" smtClean="0"/>
-              <a:t>31.03.2018</a:t>
+              <a:t>10.05.2018</a:t>
             </a:fld>
             <a:endParaRPr lang="de-AT"/>
           </a:p>
@@ -8977,7 +8970,7 @@
           <a:p>
             <a:fld id="{83C286D2-5717-406C-AD4B-C4A69D5338FB}" type="datetimeFigureOut">
               <a:rPr lang="de-AT" smtClean="0"/>
-              <a:t>31.03.2018</a:t>
+              <a:t>10.05.2018</a:t>
             </a:fld>
             <a:endParaRPr lang="de-AT"/>
           </a:p>
@@ -9241,7 +9234,7 @@
           <a:p>
             <a:fld id="{83C286D2-5717-406C-AD4B-C4A69D5338FB}" type="datetimeFigureOut">
               <a:rPr lang="de-AT" smtClean="0"/>
-              <a:t>31.03.2018</a:t>
+              <a:t>10.05.2018</a:t>
             </a:fld>
             <a:endParaRPr lang="de-AT"/>
           </a:p>
@@ -9411,7 +9404,7 @@
           <a:p>
             <a:fld id="{83C286D2-5717-406C-AD4B-C4A69D5338FB}" type="datetimeFigureOut">
               <a:rPr lang="de-AT" smtClean="0"/>
-              <a:t>31.03.2018</a:t>
+              <a:t>10.05.2018</a:t>
             </a:fld>
             <a:endParaRPr lang="de-AT"/>
           </a:p>
@@ -9591,7 +9584,7 @@
           <a:p>
             <a:fld id="{83C286D2-5717-406C-AD4B-C4A69D5338FB}" type="datetimeFigureOut">
               <a:rPr lang="de-AT" smtClean="0"/>
-              <a:t>31.03.2018</a:t>
+              <a:t>10.05.2018</a:t>
             </a:fld>
             <a:endParaRPr lang="de-AT"/>
           </a:p>
@@ -9876,7 +9869,7 @@
           <a:p>
             <a:fld id="{83C286D2-5717-406C-AD4B-C4A69D5338FB}" type="datetimeFigureOut">
               <a:rPr lang="de-AT" smtClean="0"/>
-              <a:t>31.03.2018</a:t>
+              <a:t>10.05.2018</a:t>
             </a:fld>
             <a:endParaRPr lang="de-AT"/>
           </a:p>
@@ -10046,7 +10039,7 @@
           <a:p>
             <a:fld id="{83C286D2-5717-406C-AD4B-C4A69D5338FB}" type="datetimeFigureOut">
               <a:rPr lang="de-AT" smtClean="0"/>
-              <a:t>31.03.2018</a:t>
+              <a:t>10.05.2018</a:t>
             </a:fld>
             <a:endParaRPr lang="de-AT"/>
           </a:p>
@@ -10304,7 +10297,7 @@
           <a:p>
             <a:fld id="{83C286D2-5717-406C-AD4B-C4A69D5338FB}" type="datetimeFigureOut">
               <a:rPr lang="de-AT" smtClean="0"/>
-              <a:t>31.03.2018</a:t>
+              <a:t>10.05.2018</a:t>
             </a:fld>
             <a:endParaRPr lang="de-AT"/>
           </a:p>
@@ -10592,7 +10585,7 @@
           <a:p>
             <a:fld id="{83C286D2-5717-406C-AD4B-C4A69D5338FB}" type="datetimeFigureOut">
               <a:rPr lang="de-AT" smtClean="0"/>
-              <a:t>31.03.2018</a:t>
+              <a:t>10.05.2018</a:t>
             </a:fld>
             <a:endParaRPr lang="de-AT"/>
           </a:p>
@@ -11034,7 +11027,7 @@
           <a:p>
             <a:fld id="{83C286D2-5717-406C-AD4B-C4A69D5338FB}" type="datetimeFigureOut">
               <a:rPr lang="de-AT" smtClean="0"/>
-              <a:t>31.03.2018</a:t>
+              <a:t>10.05.2018</a:t>
             </a:fld>
             <a:endParaRPr lang="de-AT"/>
           </a:p>
@@ -11152,7 +11145,7 @@
           <a:p>
             <a:fld id="{83C286D2-5717-406C-AD4B-C4A69D5338FB}" type="datetimeFigureOut">
               <a:rPr lang="de-AT" smtClean="0"/>
-              <a:t>31.03.2018</a:t>
+              <a:t>10.05.2018</a:t>
             </a:fld>
             <a:endParaRPr lang="de-AT"/>
           </a:p>
@@ -11247,7 +11240,7 @@
           <a:p>
             <a:fld id="{83C286D2-5717-406C-AD4B-C4A69D5338FB}" type="datetimeFigureOut">
               <a:rPr lang="de-AT" smtClean="0"/>
-              <a:t>31.03.2018</a:t>
+              <a:t>10.05.2018</a:t>
             </a:fld>
             <a:endParaRPr lang="de-AT"/>
           </a:p>
@@ -11498,7 +11491,7 @@
           <a:p>
             <a:fld id="{83C286D2-5717-406C-AD4B-C4A69D5338FB}" type="datetimeFigureOut">
               <a:rPr lang="de-AT" smtClean="0"/>
-              <a:t>31.03.2018</a:t>
+              <a:t>10.05.2018</a:t>
             </a:fld>
             <a:endParaRPr lang="de-AT"/>
           </a:p>
@@ -11786,7 +11779,7 @@
           <a:p>
             <a:fld id="{83C286D2-5717-406C-AD4B-C4A69D5338FB}" type="datetimeFigureOut">
               <a:rPr lang="de-AT" smtClean="0"/>
-              <a:t>31.03.2018</a:t>
+              <a:t>10.05.2018</a:t>
             </a:fld>
             <a:endParaRPr lang="de-AT"/>
           </a:p>
@@ -12059,7 +12052,7 @@
           <a:p>
             <a:fld id="{83C286D2-5717-406C-AD4B-C4A69D5338FB}" type="datetimeFigureOut">
               <a:rPr lang="de-AT" smtClean="0"/>
-              <a:t>31.03.2018</a:t>
+              <a:t>10.05.2018</a:t>
             </a:fld>
             <a:endParaRPr lang="de-AT"/>
           </a:p>
@@ -12234,7 +12227,7 @@
           <a:p>
             <a:fld id="{83C286D2-5717-406C-AD4B-C4A69D5338FB}" type="datetimeFigureOut">
               <a:rPr lang="de-AT" smtClean="0"/>
-              <a:t>31.03.2018</a:t>
+              <a:t>10.05.2018</a:t>
             </a:fld>
             <a:endParaRPr lang="de-AT"/>
           </a:p>
@@ -12414,7 +12407,7 @@
           <a:p>
             <a:fld id="{83C286D2-5717-406C-AD4B-C4A69D5338FB}" type="datetimeFigureOut">
               <a:rPr lang="de-AT" smtClean="0"/>
-              <a:t>31.03.2018</a:t>
+              <a:t>10.05.2018</a:t>
             </a:fld>
             <a:endParaRPr lang="de-AT"/>
           </a:p>
@@ -12646,7 +12639,7 @@
           <a:p>
             <a:fld id="{83C286D2-5717-406C-AD4B-C4A69D5338FB}" type="datetimeFigureOut">
               <a:rPr lang="de-AT" smtClean="0"/>
-              <a:t>31.03.2018</a:t>
+              <a:t>10.05.2018</a:t>
             </a:fld>
             <a:endParaRPr lang="de-AT"/>
           </a:p>
@@ -12993,7 +12986,7 @@
           <a:p>
             <a:fld id="{83C286D2-5717-406C-AD4B-C4A69D5338FB}" type="datetimeFigureOut">
               <a:rPr lang="de-AT" smtClean="0"/>
-              <a:t>31.03.2018</a:t>
+              <a:t>10.05.2018</a:t>
             </a:fld>
             <a:endParaRPr lang="de-AT"/>
           </a:p>
@@ -13111,7 +13104,7 @@
           <a:p>
             <a:fld id="{83C286D2-5717-406C-AD4B-C4A69D5338FB}" type="datetimeFigureOut">
               <a:rPr lang="de-AT" smtClean="0"/>
-              <a:t>31.03.2018</a:t>
+              <a:t>10.05.2018</a:t>
             </a:fld>
             <a:endParaRPr lang="de-AT"/>
           </a:p>
@@ -13229,7 +13222,7 @@
           <a:p>
             <a:fld id="{83C286D2-5717-406C-AD4B-C4A69D5338FB}" type="datetimeFigureOut">
               <a:rPr lang="de-AT" smtClean="0"/>
-              <a:t>31.03.2018</a:t>
+              <a:t>10.05.2018</a:t>
             </a:fld>
             <a:endParaRPr lang="de-AT"/>
           </a:p>
@@ -13513,7 +13506,7 @@
           <a:p>
             <a:fld id="{83C286D2-5717-406C-AD4B-C4A69D5338FB}" type="datetimeFigureOut">
               <a:rPr lang="de-AT" smtClean="0"/>
-              <a:t>31.03.2018</a:t>
+              <a:t>10.05.2018</a:t>
             </a:fld>
             <a:endParaRPr lang="de-AT"/>
           </a:p>
@@ -13777,7 +13770,7 @@
           <a:p>
             <a:fld id="{83C286D2-5717-406C-AD4B-C4A69D5338FB}" type="datetimeFigureOut">
               <a:rPr lang="de-AT" smtClean="0"/>
-              <a:t>31.03.2018</a:t>
+              <a:t>10.05.2018</a:t>
             </a:fld>
             <a:endParaRPr lang="de-AT"/>
           </a:p>
@@ -13991,7 +13984,7 @@
           <a:p>
             <a:fld id="{83C286D2-5717-406C-AD4B-C4A69D5338FB}" type="datetimeFigureOut">
               <a:rPr lang="de-AT" smtClean="0"/>
-              <a:t>31.03.2018</a:t>
+              <a:t>10.05.2018</a:t>
             </a:fld>
             <a:endParaRPr lang="de-AT"/>
           </a:p>
@@ -14526,7 +14519,7 @@
           <a:p>
             <a:fld id="{83C286D2-5717-406C-AD4B-C4A69D5338FB}" type="datetimeFigureOut">
               <a:rPr lang="de-AT" smtClean="0"/>
-              <a:t>31.03.2018</a:t>
+              <a:t>10.05.2018</a:t>
             </a:fld>
             <a:endParaRPr lang="de-AT"/>
           </a:p>
@@ -15139,7 +15132,7 @@
           <a:p>
             <a:fld id="{83C286D2-5717-406C-AD4B-C4A69D5338FB}" type="datetimeFigureOut">
               <a:rPr lang="de-AT" smtClean="0"/>
-              <a:t>31.03.2018</a:t>
+              <a:t>10.05.2018</a:t>
             </a:fld>
             <a:endParaRPr lang="de-AT"/>
           </a:p>
@@ -16032,7 +16025,7 @@
 </file>
 
 <file path=ppt/slides/slide2.xml><?xml version="1.0" encoding="utf-8"?>
-<p:sld xmlns:a="http://schemas.openxmlformats.org/drawingml/2006/main" xmlns:r="http://schemas.openxmlformats.org/officeDocument/2006/relationships" xmlns:p="http://schemas.openxmlformats.org/presentationml/2006/main">
+<p:sld xmlns:a="http://schemas.openxmlformats.org/drawingml/2006/main" xmlns:r="http://schemas.openxmlformats.org/officeDocument/2006/relationships" xmlns:p="http://schemas.openxmlformats.org/presentationml/2006/main" show="0">
   <p:cSld>
     <p:spTree>
       <p:nvGrpSpPr>

--- a/Planung/Praesentationen/Praesentation_SRDP.pptx
+++ b/Planung/Praesentationen/Praesentation_SRDP.pptx
@@ -5339,7 +5339,7 @@
           <a:p>
             <a:fld id="{6C12F6B1-6786-4E64-B681-F379C9A54FC0}" type="datetimeFigureOut">
               <a:rPr lang="de-AT" smtClean="0"/>
-              <a:t>12.05.2018</a:t>
+              <a:t>13.05.2018</a:t>
             </a:fld>
             <a:endParaRPr lang="de-AT"/>
           </a:p>
@@ -8405,7 +8405,7 @@
           <a:p>
             <a:fld id="{83C286D2-5717-406C-AD4B-C4A69D5338FB}" type="datetimeFigureOut">
               <a:rPr lang="de-AT" smtClean="0"/>
-              <a:t>12.05.2018</a:t>
+              <a:t>13.05.2018</a:t>
             </a:fld>
             <a:endParaRPr lang="de-AT"/>
           </a:p>
@@ -8585,7 +8585,7 @@
           <a:p>
             <a:fld id="{83C286D2-5717-406C-AD4B-C4A69D5338FB}" type="datetimeFigureOut">
               <a:rPr lang="de-AT" smtClean="0"/>
-              <a:t>12.05.2018</a:t>
+              <a:t>13.05.2018</a:t>
             </a:fld>
             <a:endParaRPr lang="de-AT"/>
           </a:p>
@@ -8788,7 +8788,7 @@
           <a:p>
             <a:fld id="{83C286D2-5717-406C-AD4B-C4A69D5338FB}" type="datetimeFigureOut">
               <a:rPr lang="de-AT" smtClean="0"/>
-              <a:t>12.05.2018</a:t>
+              <a:t>13.05.2018</a:t>
             </a:fld>
             <a:endParaRPr lang="de-AT"/>
           </a:p>
@@ -8958,7 +8958,7 @@
           <a:p>
             <a:fld id="{83C286D2-5717-406C-AD4B-C4A69D5338FB}" type="datetimeFigureOut">
               <a:rPr lang="de-AT" smtClean="0"/>
-              <a:t>12.05.2018</a:t>
+              <a:t>13.05.2018</a:t>
             </a:fld>
             <a:endParaRPr lang="de-AT"/>
           </a:p>
@@ -9209,7 +9209,7 @@
           <a:p>
             <a:fld id="{83C286D2-5717-406C-AD4B-C4A69D5338FB}" type="datetimeFigureOut">
               <a:rPr lang="de-AT" smtClean="0"/>
-              <a:t>12.05.2018</a:t>
+              <a:t>13.05.2018</a:t>
             </a:fld>
             <a:endParaRPr lang="de-AT"/>
           </a:p>
@@ -9441,7 +9441,7 @@
           <a:p>
             <a:fld id="{83C286D2-5717-406C-AD4B-C4A69D5338FB}" type="datetimeFigureOut">
               <a:rPr lang="de-AT" smtClean="0"/>
-              <a:t>12.05.2018</a:t>
+              <a:t>13.05.2018</a:t>
             </a:fld>
             <a:endParaRPr lang="de-AT"/>
           </a:p>
@@ -9788,7 +9788,7 @@
           <a:p>
             <a:fld id="{83C286D2-5717-406C-AD4B-C4A69D5338FB}" type="datetimeFigureOut">
               <a:rPr lang="de-AT" smtClean="0"/>
-              <a:t>12.05.2018</a:t>
+              <a:t>13.05.2018</a:t>
             </a:fld>
             <a:endParaRPr lang="de-AT"/>
           </a:p>
@@ -9906,7 +9906,7 @@
           <a:p>
             <a:fld id="{83C286D2-5717-406C-AD4B-C4A69D5338FB}" type="datetimeFigureOut">
               <a:rPr lang="de-AT" smtClean="0"/>
-              <a:t>12.05.2018</a:t>
+              <a:t>13.05.2018</a:t>
             </a:fld>
             <a:endParaRPr lang="de-AT"/>
           </a:p>
@@ -10024,7 +10024,7 @@
           <a:p>
             <a:fld id="{83C286D2-5717-406C-AD4B-C4A69D5338FB}" type="datetimeFigureOut">
               <a:rPr lang="de-AT" smtClean="0"/>
-              <a:t>12.05.2018</a:t>
+              <a:t>13.05.2018</a:t>
             </a:fld>
             <a:endParaRPr lang="de-AT"/>
           </a:p>
@@ -10308,7 +10308,7 @@
           <a:p>
             <a:fld id="{83C286D2-5717-406C-AD4B-C4A69D5338FB}" type="datetimeFigureOut">
               <a:rPr lang="de-AT" smtClean="0"/>
-              <a:t>12.05.2018</a:t>
+              <a:t>13.05.2018</a:t>
             </a:fld>
             <a:endParaRPr lang="de-AT"/>
           </a:p>
@@ -10748,7 +10748,7 @@
           <a:p>
             <a:fld id="{83C286D2-5717-406C-AD4B-C4A69D5338FB}" type="datetimeFigureOut">
               <a:rPr lang="de-AT" smtClean="0"/>
-              <a:t>12.05.2018</a:t>
+              <a:t>13.05.2018</a:t>
             </a:fld>
             <a:endParaRPr lang="de-AT"/>
           </a:p>
@@ -10918,7 +10918,7 @@
           <a:p>
             <a:fld id="{83C286D2-5717-406C-AD4B-C4A69D5338FB}" type="datetimeFigureOut">
               <a:rPr lang="de-AT" smtClean="0"/>
-              <a:t>12.05.2018</a:t>
+              <a:t>13.05.2018</a:t>
             </a:fld>
             <a:endParaRPr lang="de-AT"/>
           </a:p>
@@ -11098,7 +11098,7 @@
           <a:p>
             <a:fld id="{83C286D2-5717-406C-AD4B-C4A69D5338FB}" type="datetimeFigureOut">
               <a:rPr lang="de-AT" smtClean="0"/>
-              <a:t>12.05.2018</a:t>
+              <a:t>13.05.2018</a:t>
             </a:fld>
             <a:endParaRPr lang="de-AT"/>
           </a:p>
@@ -11349,7 +11349,7 @@
           <a:p>
             <a:fld id="{83C286D2-5717-406C-AD4B-C4A69D5338FB}" type="datetimeFigureOut">
               <a:rPr lang="de-AT" smtClean="0"/>
-              <a:t>12.05.2018</a:t>
+              <a:t>13.05.2018</a:t>
             </a:fld>
             <a:endParaRPr lang="de-AT"/>
           </a:p>
@@ -11581,7 +11581,7 @@
           <a:p>
             <a:fld id="{83C286D2-5717-406C-AD4B-C4A69D5338FB}" type="datetimeFigureOut">
               <a:rPr lang="de-AT" smtClean="0"/>
-              <a:t>12.05.2018</a:t>
+              <a:t>13.05.2018</a:t>
             </a:fld>
             <a:endParaRPr lang="de-AT"/>
           </a:p>
@@ -11928,7 +11928,7 @@
           <a:p>
             <a:fld id="{83C286D2-5717-406C-AD4B-C4A69D5338FB}" type="datetimeFigureOut">
               <a:rPr lang="de-AT" smtClean="0"/>
-              <a:t>12.05.2018</a:t>
+              <a:t>13.05.2018</a:t>
             </a:fld>
             <a:endParaRPr lang="de-AT"/>
           </a:p>
@@ -12046,7 +12046,7 @@
           <a:p>
             <a:fld id="{83C286D2-5717-406C-AD4B-C4A69D5338FB}" type="datetimeFigureOut">
               <a:rPr lang="de-AT" smtClean="0"/>
-              <a:t>12.05.2018</a:t>
+              <a:t>13.05.2018</a:t>
             </a:fld>
             <a:endParaRPr lang="de-AT"/>
           </a:p>
@@ -12164,7 +12164,7 @@
           <a:p>
             <a:fld id="{83C286D2-5717-406C-AD4B-C4A69D5338FB}" type="datetimeFigureOut">
               <a:rPr lang="de-AT" smtClean="0"/>
-              <a:t>12.05.2018</a:t>
+              <a:t>13.05.2018</a:t>
             </a:fld>
             <a:endParaRPr lang="de-AT"/>
           </a:p>
@@ -12448,7 +12448,7 @@
           <a:p>
             <a:fld id="{83C286D2-5717-406C-AD4B-C4A69D5338FB}" type="datetimeFigureOut">
               <a:rPr lang="de-AT" smtClean="0"/>
-              <a:t>12.05.2018</a:t>
+              <a:t>13.05.2018</a:t>
             </a:fld>
             <a:endParaRPr lang="de-AT"/>
           </a:p>
@@ -12712,7 +12712,7 @@
           <a:p>
             <a:fld id="{83C286D2-5717-406C-AD4B-C4A69D5338FB}" type="datetimeFigureOut">
               <a:rPr lang="de-AT" smtClean="0"/>
-              <a:t>12.05.2018</a:t>
+              <a:t>13.05.2018</a:t>
             </a:fld>
             <a:endParaRPr lang="de-AT"/>
           </a:p>
@@ -12926,7 +12926,7 @@
           <a:p>
             <a:fld id="{83C286D2-5717-406C-AD4B-C4A69D5338FB}" type="datetimeFigureOut">
               <a:rPr lang="de-AT" smtClean="0"/>
-              <a:t>12.05.2018</a:t>
+              <a:t>13.05.2018</a:t>
             </a:fld>
             <a:endParaRPr lang="de-AT"/>
           </a:p>
@@ -13461,7 +13461,7 @@
           <a:p>
             <a:fld id="{83C286D2-5717-406C-AD4B-C4A69D5338FB}" type="datetimeFigureOut">
               <a:rPr lang="de-AT" smtClean="0"/>
-              <a:t>12.05.2018</a:t>
+              <a:t>13.05.2018</a:t>
             </a:fld>
             <a:endParaRPr lang="de-AT"/>
           </a:p>
@@ -14246,7 +14246,7 @@
         <p:spPr>
           <a:xfrm>
             <a:off x="4844374" y="1134246"/>
-            <a:ext cx="5564221" cy="797669"/>
+            <a:ext cx="5564221" cy="987631"/>
           </a:xfrm>
           <a:prstGeom prst="roundRect">
             <a:avLst>
@@ -14285,7 +14285,7 @@
               <a:rPr lang="de-AT" sz="3200" dirty="0">
                 <a:latin typeface="raleway"/>
               </a:rPr>
-              <a:t>FRONTEND &amp; ANDROID DEV</a:t>
+              <a:t>FRONTEND, ANDROID &amp; MANAGEMENT</a:t>
             </a:r>
           </a:p>
         </p:txBody>
@@ -14655,7 +14655,7 @@
                               <p:par>
                                 <p:cTn id="5" presetID="42" presetClass="entr" presetSubtype="0" fill="hold" nodeType="afterEffect">
                                   <p:stCondLst>
-                                    <p:cond delay="500"/>
+                                    <p:cond delay="0"/>
                                   </p:stCondLst>
                                   <p:childTnLst>
                                     <p:set>
@@ -14666,7 +14666,7 @@
                                           </p:stCondLst>
                                         </p:cTn>
                                         <p:tgtEl>
-                                          <p:spTgt spid="22"/>
+                                          <p:spTgt spid="28"/>
                                         </p:tgtEl>
                                         <p:attrNameLst>
                                           <p:attrName>style.visibility</p:attrName>
@@ -14680,7 +14680,7 @@
                                       <p:cBhvr>
                                         <p:cTn id="7" dur="1000"/>
                                         <p:tgtEl>
-                                          <p:spTgt spid="22"/>
+                                          <p:spTgt spid="28"/>
                                         </p:tgtEl>
                                       </p:cBhvr>
                                     </p:animEffect>
@@ -14688,7 +14688,7 @@
                                       <p:cBhvr>
                                         <p:cTn id="8" dur="1000" fill="hold"/>
                                         <p:tgtEl>
-                                          <p:spTgt spid="22"/>
+                                          <p:spTgt spid="28"/>
                                         </p:tgtEl>
                                         <p:attrNameLst>
                                           <p:attrName>ppt_x</p:attrName>
@@ -14711,7 +14711,7 @@
                                       <p:cBhvr>
                                         <p:cTn id="9" dur="1000" fill="hold"/>
                                         <p:tgtEl>
-                                          <p:spTgt spid="22"/>
+                                          <p:spTgt spid="28"/>
                                         </p:tgtEl>
                                         <p:attrNameLst>
                                           <p:attrName>ppt_y</p:attrName>
@@ -14739,7 +14739,7 @@
                         <p:par>
                           <p:cTn id="10" fill="hold">
                             <p:stCondLst>
-                              <p:cond delay="1500"/>
+                              <p:cond delay="1000"/>
                             </p:stCondLst>
                             <p:childTnLst>
                               <p:par>
@@ -14751,96 +14751,6 @@
                                     <p:set>
                                       <p:cBhvr>
                                         <p:cTn id="12" dur="1" fill="hold">
-                                          <p:stCondLst>
-                                            <p:cond delay="0"/>
-                                          </p:stCondLst>
-                                        </p:cTn>
-                                        <p:tgtEl>
-                                          <p:spTgt spid="28"/>
-                                        </p:tgtEl>
-                                        <p:attrNameLst>
-                                          <p:attrName>style.visibility</p:attrName>
-                                        </p:attrNameLst>
-                                      </p:cBhvr>
-                                      <p:to>
-                                        <p:strVal val="visible"/>
-                                      </p:to>
-                                    </p:set>
-                                    <p:animEffect transition="in" filter="fade">
-                                      <p:cBhvr>
-                                        <p:cTn id="13" dur="1000"/>
-                                        <p:tgtEl>
-                                          <p:spTgt spid="28"/>
-                                        </p:tgtEl>
-                                      </p:cBhvr>
-                                    </p:animEffect>
-                                    <p:anim calcmode="lin" valueType="num">
-                                      <p:cBhvr>
-                                        <p:cTn id="14" dur="1000" fill="hold"/>
-                                        <p:tgtEl>
-                                          <p:spTgt spid="28"/>
-                                        </p:tgtEl>
-                                        <p:attrNameLst>
-                                          <p:attrName>ppt_x</p:attrName>
-                                        </p:attrNameLst>
-                                      </p:cBhvr>
-                                      <p:tavLst>
-                                        <p:tav tm="0">
-                                          <p:val>
-                                            <p:strVal val="#ppt_x"/>
-                                          </p:val>
-                                        </p:tav>
-                                        <p:tav tm="100000">
-                                          <p:val>
-                                            <p:strVal val="#ppt_x"/>
-                                          </p:val>
-                                        </p:tav>
-                                      </p:tavLst>
-                                    </p:anim>
-                                    <p:anim calcmode="lin" valueType="num">
-                                      <p:cBhvr>
-                                        <p:cTn id="15" dur="1000" fill="hold"/>
-                                        <p:tgtEl>
-                                          <p:spTgt spid="28"/>
-                                        </p:tgtEl>
-                                        <p:attrNameLst>
-                                          <p:attrName>ppt_y</p:attrName>
-                                        </p:attrNameLst>
-                                      </p:cBhvr>
-                                      <p:tavLst>
-                                        <p:tav tm="0">
-                                          <p:val>
-                                            <p:strVal val="#ppt_y+.1"/>
-                                          </p:val>
-                                        </p:tav>
-                                        <p:tav tm="100000">
-                                          <p:val>
-                                            <p:strVal val="#ppt_y"/>
-                                          </p:val>
-                                        </p:tav>
-                                      </p:tavLst>
-                                    </p:anim>
-                                  </p:childTnLst>
-                                </p:cTn>
-                              </p:par>
-                            </p:childTnLst>
-                          </p:cTn>
-                        </p:par>
-                        <p:par>
-                          <p:cTn id="16" fill="hold">
-                            <p:stCondLst>
-                              <p:cond delay="2500"/>
-                            </p:stCondLst>
-                            <p:childTnLst>
-                              <p:par>
-                                <p:cTn id="17" presetID="42" presetClass="entr" presetSubtype="0" fill="hold" nodeType="afterEffect">
-                                  <p:stCondLst>
-                                    <p:cond delay="0"/>
-                                  </p:stCondLst>
-                                  <p:childTnLst>
-                                    <p:set>
-                                      <p:cBhvr>
-                                        <p:cTn id="18" dur="1" fill="hold">
                                           <p:stCondLst>
                                             <p:cond delay="0"/>
                                           </p:stCondLst>
@@ -14858,7 +14768,7 @@
                                     </p:set>
                                     <p:animEffect transition="in" filter="fade">
                                       <p:cBhvr>
-                                        <p:cTn id="19" dur="1000"/>
+                                        <p:cTn id="13" dur="1000"/>
                                         <p:tgtEl>
                                           <p:spTgt spid="31"/>
                                         </p:tgtEl>
@@ -14866,7 +14776,7 @@
                                     </p:animEffect>
                                     <p:anim calcmode="lin" valueType="num">
                                       <p:cBhvr>
-                                        <p:cTn id="20" dur="1000" fill="hold"/>
+                                        <p:cTn id="14" dur="1000" fill="hold"/>
                                         <p:tgtEl>
                                           <p:spTgt spid="31"/>
                                         </p:tgtEl>
@@ -14889,7 +14799,7 @@
                                     </p:anim>
                                     <p:anim calcmode="lin" valueType="num">
                                       <p:cBhvr>
-                                        <p:cTn id="21" dur="1000" fill="hold"/>
+                                        <p:cTn id="15" dur="1000" fill="hold"/>
                                         <p:tgtEl>
                                           <p:spTgt spid="31"/>
                                         </p:tgtEl>
@@ -15907,7 +15817,7 @@
         <p:spPr>
           <a:xfrm>
             <a:off x="9078686" y="2336000"/>
-            <a:ext cx="2953050" cy="923330"/>
+            <a:ext cx="3113314" cy="830997"/>
           </a:xfrm>
           <a:prstGeom prst="rect">
             <a:avLst/>
@@ -15921,7 +15831,7 @@
           <a:lstStyle/>
           <a:p>
             <a:r>
-              <a:rPr lang="de-AT" sz="5400" dirty="0">
+              <a:rPr lang="de-AT" sz="4800" dirty="0">
                 <a:solidFill>
                   <a:schemeClr val="bg1"/>
                 </a:solidFill>
@@ -16170,7 +16080,7 @@
         <p:spPr>
           <a:xfrm>
             <a:off x="10026675" y="4648537"/>
-            <a:ext cx="1921165" cy="923330"/>
+            <a:ext cx="1921165" cy="830997"/>
           </a:xfrm>
           <a:prstGeom prst="rect">
             <a:avLst/>
@@ -16184,7 +16094,7 @@
           <a:lstStyle/>
           <a:p>
             <a:r>
-              <a:rPr lang="de-AT" sz="5400" dirty="0">
+              <a:rPr lang="de-AT" sz="4800" dirty="0">
                 <a:solidFill>
                   <a:schemeClr val="bg1"/>
                 </a:solidFill>
@@ -16971,7 +16881,7 @@
           <p:spPr>
             <a:xfrm>
               <a:off x="4138891" y="4250989"/>
-              <a:ext cx="1206230" cy="769441"/>
+              <a:ext cx="1364712" cy="769441"/>
             </a:xfrm>
             <a:prstGeom prst="rect">
               <a:avLst/>
@@ -17011,10 +16921,10 @@
         </p:nvGrpSpPr>
         <p:grpSpPr>
           <a:xfrm>
-            <a:off x="9544334" y="2488823"/>
-            <a:ext cx="1965390" cy="2580241"/>
-            <a:chOff x="9544334" y="2488823"/>
-            <a:chExt cx="1965390" cy="2580241"/>
+            <a:off x="9544333" y="2488823"/>
+            <a:ext cx="2149435" cy="2580241"/>
+            <a:chOff x="9544333" y="2488823"/>
+            <a:chExt cx="2149435" cy="2580241"/>
           </a:xfrm>
         </p:grpSpPr>
         <p:sp>
@@ -17031,8 +16941,8 @@
           </p:nvSpPr>
           <p:spPr>
             <a:xfrm>
-              <a:off x="9544334" y="4299623"/>
-              <a:ext cx="1965390" cy="769441"/>
+              <a:off x="9544333" y="4299623"/>
+              <a:ext cx="2149435" cy="769441"/>
             </a:xfrm>
             <a:prstGeom prst="rect">
               <a:avLst/>
@@ -17109,9 +17019,9 @@
         <p:grpSpPr>
           <a:xfrm>
             <a:off x="6577541" y="2708202"/>
-            <a:ext cx="2113225" cy="2317092"/>
+            <a:ext cx="2320274" cy="2317092"/>
             <a:chOff x="6661248" y="2714019"/>
-            <a:chExt cx="2113225" cy="2317092"/>
+            <a:chExt cx="2320274" cy="2317092"/>
           </a:xfrm>
         </p:grpSpPr>
         <p:sp>
@@ -17129,7 +17039,7 @@
           <p:spPr>
             <a:xfrm>
               <a:off x="6661248" y="4261670"/>
-              <a:ext cx="2113225" cy="769441"/>
+              <a:ext cx="2320274" cy="769441"/>
             </a:xfrm>
             <a:prstGeom prst="rect">
               <a:avLst/>
@@ -17734,11 +17644,13 @@
         </p:nvSpPr>
         <p:spPr/>
         <p:txBody>
-          <a:bodyPr/>
+          <a:bodyPr>
+            <a:normAutofit/>
+          </a:bodyPr>
           <a:lstStyle/>
           <a:p>
             <a:r>
-              <a:rPr lang="de-AT" dirty="0"/>
+              <a:rPr lang="de-AT" sz="3200" dirty="0"/>
               <a:t>Webserver</a:t>
             </a:r>
           </a:p>
@@ -17840,10 +17752,7 @@
               <a:rPr lang="de-AT" sz="2400" dirty="0" err="1"/>
               <a:t>Script</a:t>
             </a:r>
-            <a:r>
-              <a:rPr lang="de-AT" sz="2400" dirty="0"/>
-              <a:t>. </a:t>
-            </a:r>
+            <a:endParaRPr lang="de-AT" sz="2400" dirty="0"/>
           </a:p>
           <a:p>
             <a:endParaRPr lang="de-AT" sz="2400" dirty="0"/>

--- a/Planung/Praesentationen/Praesentation_SRDP.pptx
+++ b/Planung/Praesentationen/Praesentation_SRDP.pptx
@@ -11,20 +11,20 @@
   <p:sldIdLst>
     <p:sldId id="257" r:id="rId3"/>
     <p:sldId id="273" r:id="rId4"/>
-    <p:sldId id="258" r:id="rId5"/>
-    <p:sldId id="261" r:id="rId6"/>
-    <p:sldId id="271" r:id="rId7"/>
-    <p:sldId id="262" r:id="rId8"/>
-    <p:sldId id="274" r:id="rId9"/>
-    <p:sldId id="275" r:id="rId10"/>
-    <p:sldId id="263" r:id="rId11"/>
-    <p:sldId id="264" r:id="rId12"/>
-    <p:sldId id="276" r:id="rId13"/>
-    <p:sldId id="277" r:id="rId14"/>
-    <p:sldId id="278" r:id="rId15"/>
-    <p:sldId id="279" r:id="rId16"/>
-    <p:sldId id="280" r:id="rId17"/>
-    <p:sldId id="281" r:id="rId18"/>
+    <p:sldId id="261" r:id="rId5"/>
+    <p:sldId id="271" r:id="rId6"/>
+    <p:sldId id="262" r:id="rId7"/>
+    <p:sldId id="274" r:id="rId8"/>
+    <p:sldId id="275" r:id="rId9"/>
+    <p:sldId id="263" r:id="rId10"/>
+    <p:sldId id="264" r:id="rId11"/>
+    <p:sldId id="276" r:id="rId12"/>
+    <p:sldId id="277" r:id="rId13"/>
+    <p:sldId id="282" r:id="rId14"/>
+    <p:sldId id="279" r:id="rId15"/>
+    <p:sldId id="280" r:id="rId16"/>
+    <p:sldId id="281" r:id="rId17"/>
+    <p:sldId id="283" r:id="rId18"/>
     <p:sldId id="265" r:id="rId19"/>
     <p:sldId id="269" r:id="rId20"/>
     <p:sldId id="272" r:id="rId21"/>
@@ -5339,7 +5339,7 @@
           <a:p>
             <a:fld id="{6C12F6B1-6786-4E64-B681-F379C9A54FC0}" type="datetimeFigureOut">
               <a:rPr lang="de-AT" smtClean="0"/>
-              <a:t>13.05.2018</a:t>
+              <a:t>15.05.2018</a:t>
             </a:fld>
             <a:endParaRPr lang="de-AT"/>
           </a:p>
@@ -5820,90 +5820,7 @@
           <a:bodyPr/>
           <a:lstStyle/>
           <a:p>
-            <a:r>
-              <a:rPr lang="de-AT" dirty="0"/>
-              <a:t>Als Schnittstelle soll die bereits bestehende Diplomarbeit „Smart-Meter Integration“ genommen werden. Diese arbeitet mit der </a:t>
-            </a:r>
-            <a:r>
-              <a:rPr lang="de-AT" dirty="0" err="1"/>
-              <a:t>OpenHAB</a:t>
-            </a:r>
-            <a:r>
-              <a:rPr lang="de-AT" dirty="0"/>
-              <a:t> Schnittstelle. </a:t>
-            </a:r>
-          </a:p>
-          <a:p>
-            <a:r>
-              <a:rPr lang="de-AT" dirty="0"/>
-              <a:t>Aufgabe ist es Daten dieser </a:t>
-            </a:r>
-            <a:r>
-              <a:rPr lang="de-AT" dirty="0" err="1"/>
-              <a:t>OpenHAB</a:t>
-            </a:r>
-            <a:r>
-              <a:rPr lang="de-AT" dirty="0"/>
-              <a:t> Schnittstelle zu verarbeiten </a:t>
-            </a:r>
-            <a:r>
-              <a:rPr lang="de-AT" dirty="0">
-                <a:sym typeface="Wingdings" panose="05000000000000000000" pitchFamily="2" charset="2"/>
-              </a:rPr>
-              <a:t> </a:t>
-            </a:r>
-            <a:r>
-              <a:rPr lang="de-AT" dirty="0" err="1">
-                <a:sym typeface="Wingdings" panose="05000000000000000000" pitchFamily="2" charset="2"/>
-              </a:rPr>
-              <a:t>z.B</a:t>
-            </a:r>
-            <a:r>
-              <a:rPr lang="de-AT" dirty="0">
-                <a:sym typeface="Wingdings" panose="05000000000000000000" pitchFamily="2" charset="2"/>
-              </a:rPr>
-              <a:t>: Wasser-, oder Gaszähler. Für diese Arten von Zählern sollen eigene Reports und Statistiken erstellt werden. Weiters werden hier andere Algorithmen zur Erkennung der Anomalien benötigt.</a:t>
-            </a:r>
-          </a:p>
-          <a:p>
-            <a:r>
-              <a:rPr lang="de-AT" dirty="0">
-                <a:sym typeface="Wingdings" panose="05000000000000000000" pitchFamily="2" charset="2"/>
-              </a:rPr>
-              <a:t>Erstellung eigener Zähler auf Raspberry-</a:t>
-            </a:r>
-            <a:r>
-              <a:rPr lang="de-AT" dirty="0" err="1">
-                <a:sym typeface="Wingdings" panose="05000000000000000000" pitchFamily="2" charset="2"/>
-              </a:rPr>
-              <a:t>Pi‘s</a:t>
-            </a:r>
-            <a:endParaRPr lang="de-AT" dirty="0">
-              <a:sym typeface="Wingdings" panose="05000000000000000000" pitchFamily="2" charset="2"/>
-            </a:endParaRPr>
-          </a:p>
-          <a:p>
-            <a:r>
-              <a:rPr lang="de-AT" dirty="0" err="1">
-                <a:sym typeface="Wingdings" panose="05000000000000000000" pitchFamily="2" charset="2"/>
-              </a:rPr>
-              <a:t>Dependency</a:t>
-            </a:r>
-            <a:r>
-              <a:rPr lang="de-AT" dirty="0">
-                <a:sym typeface="Wingdings" panose="05000000000000000000" pitchFamily="2" charset="2"/>
-              </a:rPr>
-              <a:t>-Editor:</a:t>
-            </a:r>
-          </a:p>
-          <a:p>
-            <a:pPr lvl="1"/>
-            <a:r>
-              <a:rPr lang="de-AT" dirty="0">
-                <a:sym typeface="Wingdings" panose="05000000000000000000" pitchFamily="2" charset="2"/>
-              </a:rPr>
-              <a:t>Grafische Definitionen der Restriktionen für Gebäude (Zähler)</a:t>
-            </a:r>
+            <a:endParaRPr lang="de-AT" dirty="0"/>
           </a:p>
           <a:p>
             <a:endParaRPr lang="de-AT" dirty="0"/>
@@ -5936,7 +5853,7 @@
     </p:spTree>
     <p:extLst>
       <p:ext uri="{BB962C8B-B14F-4D97-AF65-F5344CB8AC3E}">
-        <p14:creationId xmlns:p14="http://schemas.microsoft.com/office/powerpoint/2010/main" val="1185143360"/>
+        <p14:creationId xmlns:p14="http://schemas.microsoft.com/office/powerpoint/2010/main" val="1459670617"/>
       </p:ext>
     </p:extLst>
   </p:cSld>
@@ -5992,72 +5909,88 @@
           <a:p>
             <a:r>
               <a:rPr lang="de-AT" dirty="0"/>
-              <a:t>Datenbankadministration</a:t>
-            </a:r>
-          </a:p>
-          <a:p>
-            <a:endParaRPr lang="de-AT" dirty="0"/>
-          </a:p>
-          <a:p>
+              <a:t>Als Schnittstelle soll die bereits bestehende Diplomarbeit „Smart-Meter Integration“ genommen werden. Diese arbeitet mit der </a:t>
+            </a:r>
+            <a:r>
+              <a:rPr lang="de-AT" dirty="0" err="1"/>
+              <a:t>OpenHAB</a:t>
+            </a:r>
             <a:r>
               <a:rPr lang="de-AT" dirty="0"/>
-              <a:t>Nach bestimmten Zeiten sollen die Daten in der Datenbank </a:t>
-            </a:r>
-            <a:r>
-              <a:rPr lang="de-AT" b="1" dirty="0"/>
-              <a:t>komprimiert</a:t>
-            </a:r>
+              <a:t> Schnittstelle. </a:t>
+            </a:r>
+          </a:p>
+          <a:p>
             <a:r>
               <a:rPr lang="de-AT" dirty="0"/>
-              <a:t> werden.</a:t>
-            </a:r>
-          </a:p>
-          <a:p>
-            <a:endParaRPr lang="de-AT" dirty="0"/>
-          </a:p>
-          <a:p>
+              <a:t>Aufgabe ist es Daten dieser </a:t>
+            </a:r>
+            <a:r>
+              <a:rPr lang="de-AT" dirty="0" err="1"/>
+              <a:t>OpenHAB</a:t>
+            </a:r>
             <a:r>
               <a:rPr lang="de-AT" dirty="0"/>
-              <a:t>Selbstständige </a:t>
-            </a:r>
-            <a:r>
-              <a:rPr lang="de-AT" b="1" dirty="0"/>
-              <a:t>Warnungen</a:t>
-            </a:r>
-            <a:r>
-              <a:rPr lang="de-AT" dirty="0"/>
-              <a:t> sollen konfiguriert werden können.</a:t>
+              <a:t> Schnittstelle zu verarbeiten </a:t>
+            </a:r>
+            <a:r>
+              <a:rPr lang="de-AT" dirty="0">
+                <a:sym typeface="Wingdings" panose="05000000000000000000" pitchFamily="2" charset="2"/>
+              </a:rPr>
+              <a:t> </a:t>
+            </a:r>
+            <a:r>
+              <a:rPr lang="de-AT" dirty="0" err="1">
+                <a:sym typeface="Wingdings" panose="05000000000000000000" pitchFamily="2" charset="2"/>
+              </a:rPr>
+              <a:t>z.B</a:t>
+            </a:r>
+            <a:r>
+              <a:rPr lang="de-AT" dirty="0">
+                <a:sym typeface="Wingdings" panose="05000000000000000000" pitchFamily="2" charset="2"/>
+              </a:rPr>
+              <a:t>: Wasser-, oder Gaszähler. Für diese Arten von Zählern sollen eigene Reports und Statistiken erstellt werden. Weiters werden hier andere Algorithmen zur Erkennung der Anomalien benötigt.</a:t>
+            </a:r>
+          </a:p>
+          <a:p>
+            <a:r>
+              <a:rPr lang="de-AT" dirty="0">
+                <a:sym typeface="Wingdings" panose="05000000000000000000" pitchFamily="2" charset="2"/>
+              </a:rPr>
+              <a:t>Erstellung eigener Zähler auf Raspberry-</a:t>
+            </a:r>
+            <a:r>
+              <a:rPr lang="de-AT" dirty="0" err="1">
+                <a:sym typeface="Wingdings" panose="05000000000000000000" pitchFamily="2" charset="2"/>
+              </a:rPr>
+              <a:t>Pi‘s</a:t>
+            </a:r>
+            <a:endParaRPr lang="de-AT" dirty="0">
+              <a:sym typeface="Wingdings" panose="05000000000000000000" pitchFamily="2" charset="2"/>
+            </a:endParaRPr>
+          </a:p>
+          <a:p>
+            <a:r>
+              <a:rPr lang="de-AT" dirty="0" err="1">
+                <a:sym typeface="Wingdings" panose="05000000000000000000" pitchFamily="2" charset="2"/>
+              </a:rPr>
+              <a:t>Dependency</a:t>
+            </a:r>
+            <a:r>
+              <a:rPr lang="de-AT" dirty="0">
+                <a:sym typeface="Wingdings" panose="05000000000000000000" pitchFamily="2" charset="2"/>
+              </a:rPr>
+              <a:t>-Editor:</a:t>
             </a:r>
           </a:p>
           <a:p>
             <a:pPr lvl="1"/>
             <a:r>
-              <a:rPr lang="de-AT" dirty="0"/>
-              <a:t>Dringende Warnung (Bei viel zu hohem Energieverbrauch)</a:t>
-            </a:r>
-          </a:p>
-          <a:p>
-            <a:pPr lvl="1"/>
-            <a:r>
-              <a:rPr lang="de-AT" dirty="0"/>
-              <a:t>Warnung </a:t>
-            </a:r>
-          </a:p>
-          <a:p>
-            <a:pPr lvl="1"/>
-            <a:r>
-              <a:rPr lang="de-AT" dirty="0"/>
-              <a:t>Benachrichtigung</a:t>
-            </a:r>
-          </a:p>
-          <a:p>
-            <a:endParaRPr lang="de-AT" dirty="0"/>
-          </a:p>
-          <a:p>
-            <a:endParaRPr lang="de-AT" dirty="0"/>
-          </a:p>
-          <a:p>
-            <a:endParaRPr lang="de-AT" dirty="0"/>
+              <a:rPr lang="de-AT" dirty="0">
+                <a:sym typeface="Wingdings" panose="05000000000000000000" pitchFamily="2" charset="2"/>
+              </a:rPr>
+              <a:t>Grafische Definitionen der Restriktionen für Gebäude (Zähler)</a:t>
+            </a:r>
           </a:p>
           <a:p>
             <a:endParaRPr lang="de-AT" dirty="0"/>
@@ -6090,7 +6023,7 @@
     </p:spTree>
     <p:extLst>
       <p:ext uri="{BB962C8B-B14F-4D97-AF65-F5344CB8AC3E}">
-        <p14:creationId xmlns:p14="http://schemas.microsoft.com/office/powerpoint/2010/main" val="62825789"/>
+        <p14:creationId xmlns:p14="http://schemas.microsoft.com/office/powerpoint/2010/main" val="1222117719"/>
       </p:ext>
     </p:extLst>
   </p:cSld>
@@ -6260,7 +6193,7 @@
     </p:spTree>
     <p:extLst>
       <p:ext uri="{BB962C8B-B14F-4D97-AF65-F5344CB8AC3E}">
-        <p14:creationId xmlns:p14="http://schemas.microsoft.com/office/powerpoint/2010/main" val="1222117719"/>
+        <p14:creationId xmlns:p14="http://schemas.microsoft.com/office/powerpoint/2010/main" val="1481981187"/>
       </p:ext>
     </p:extLst>
   </p:cSld>
@@ -6430,7 +6363,7 @@
     </p:spTree>
     <p:extLst>
       <p:ext uri="{BB962C8B-B14F-4D97-AF65-F5344CB8AC3E}">
-        <p14:creationId xmlns:p14="http://schemas.microsoft.com/office/powerpoint/2010/main" val="1481981187"/>
+        <p14:creationId xmlns:p14="http://schemas.microsoft.com/office/powerpoint/2010/main" val="2395808146"/>
       </p:ext>
     </p:extLst>
   </p:cSld>
@@ -6441,176 +6374,6 @@
 </file>
 
 <file path=ppt/notesSlides/notesSlide14.xml><?xml version="1.0" encoding="utf-8"?>
-<p:notes xmlns:a="http://schemas.openxmlformats.org/drawingml/2006/main" xmlns:r="http://schemas.openxmlformats.org/officeDocument/2006/relationships" xmlns:p="http://schemas.openxmlformats.org/presentationml/2006/main">
-  <p:cSld>
-    <p:spTree>
-      <p:nvGrpSpPr>
-        <p:cNvPr id="1" name=""/>
-        <p:cNvGrpSpPr/>
-        <p:nvPr/>
-      </p:nvGrpSpPr>
-      <p:grpSpPr>
-        <a:xfrm>
-          <a:off x="0" y="0"/>
-          <a:ext cx="0" cy="0"/>
-          <a:chOff x="0" y="0"/>
-          <a:chExt cx="0" cy="0"/>
-        </a:xfrm>
-      </p:grpSpPr>
-      <p:sp>
-        <p:nvSpPr>
-          <p:cNvPr id="2" name="Folienbildplatzhalter 1"/>
-          <p:cNvSpPr>
-            <a:spLocks noGrp="1" noRot="1" noChangeAspect="1"/>
-          </p:cNvSpPr>
-          <p:nvPr>
-            <p:ph type="sldImg"/>
-          </p:nvPr>
-        </p:nvSpPr>
-        <p:spPr/>
-      </p:sp>
-      <p:sp>
-        <p:nvSpPr>
-          <p:cNvPr id="3" name="Notizenplatzhalter 2"/>
-          <p:cNvSpPr>
-            <a:spLocks noGrp="1"/>
-          </p:cNvSpPr>
-          <p:nvPr>
-            <p:ph type="body" idx="1"/>
-          </p:nvPr>
-        </p:nvSpPr>
-        <p:spPr/>
-        <p:txBody>
-          <a:bodyPr/>
-          <a:lstStyle/>
-          <a:p>
-            <a:r>
-              <a:rPr lang="de-AT" dirty="0"/>
-              <a:t>Als Schnittstelle soll die bereits bestehende Diplomarbeit „Smart-Meter Integration“ genommen werden. Diese arbeitet mit der </a:t>
-            </a:r>
-            <a:r>
-              <a:rPr lang="de-AT" dirty="0" err="1"/>
-              <a:t>OpenHAB</a:t>
-            </a:r>
-            <a:r>
-              <a:rPr lang="de-AT" dirty="0"/>
-              <a:t> Schnittstelle. </a:t>
-            </a:r>
-          </a:p>
-          <a:p>
-            <a:r>
-              <a:rPr lang="de-AT" dirty="0"/>
-              <a:t>Aufgabe ist es Daten dieser </a:t>
-            </a:r>
-            <a:r>
-              <a:rPr lang="de-AT" dirty="0" err="1"/>
-              <a:t>OpenHAB</a:t>
-            </a:r>
-            <a:r>
-              <a:rPr lang="de-AT" dirty="0"/>
-              <a:t> Schnittstelle zu verarbeiten </a:t>
-            </a:r>
-            <a:r>
-              <a:rPr lang="de-AT" dirty="0">
-                <a:sym typeface="Wingdings" panose="05000000000000000000" pitchFamily="2" charset="2"/>
-              </a:rPr>
-              <a:t> </a:t>
-            </a:r>
-            <a:r>
-              <a:rPr lang="de-AT" dirty="0" err="1">
-                <a:sym typeface="Wingdings" panose="05000000000000000000" pitchFamily="2" charset="2"/>
-              </a:rPr>
-              <a:t>z.B</a:t>
-            </a:r>
-            <a:r>
-              <a:rPr lang="de-AT" dirty="0">
-                <a:sym typeface="Wingdings" panose="05000000000000000000" pitchFamily="2" charset="2"/>
-              </a:rPr>
-              <a:t>: Wasser-, oder Gaszähler. Für diese Arten von Zählern sollen eigene Reports und Statistiken erstellt werden. Weiters werden hier andere Algorithmen zur Erkennung der Anomalien benötigt.</a:t>
-            </a:r>
-          </a:p>
-          <a:p>
-            <a:r>
-              <a:rPr lang="de-AT" dirty="0">
-                <a:sym typeface="Wingdings" panose="05000000000000000000" pitchFamily="2" charset="2"/>
-              </a:rPr>
-              <a:t>Erstellung eigener Zähler auf Raspberry-</a:t>
-            </a:r>
-            <a:r>
-              <a:rPr lang="de-AT" dirty="0" err="1">
-                <a:sym typeface="Wingdings" panose="05000000000000000000" pitchFamily="2" charset="2"/>
-              </a:rPr>
-              <a:t>Pi‘s</a:t>
-            </a:r>
-            <a:endParaRPr lang="de-AT" dirty="0">
-              <a:sym typeface="Wingdings" panose="05000000000000000000" pitchFamily="2" charset="2"/>
-            </a:endParaRPr>
-          </a:p>
-          <a:p>
-            <a:r>
-              <a:rPr lang="de-AT" dirty="0" err="1">
-                <a:sym typeface="Wingdings" panose="05000000000000000000" pitchFamily="2" charset="2"/>
-              </a:rPr>
-              <a:t>Dependency</a:t>
-            </a:r>
-            <a:r>
-              <a:rPr lang="de-AT" dirty="0">
-                <a:sym typeface="Wingdings" panose="05000000000000000000" pitchFamily="2" charset="2"/>
-              </a:rPr>
-              <a:t>-Editor:</a:t>
-            </a:r>
-          </a:p>
-          <a:p>
-            <a:pPr lvl="1"/>
-            <a:r>
-              <a:rPr lang="de-AT" dirty="0">
-                <a:sym typeface="Wingdings" panose="05000000000000000000" pitchFamily="2" charset="2"/>
-              </a:rPr>
-              <a:t>Grafische Definitionen der Restriktionen für Gebäude (Zähler)</a:t>
-            </a:r>
-          </a:p>
-          <a:p>
-            <a:endParaRPr lang="de-AT" dirty="0"/>
-          </a:p>
-        </p:txBody>
-      </p:sp>
-      <p:sp>
-        <p:nvSpPr>
-          <p:cNvPr id="4" name="Foliennummernplatzhalter 3"/>
-          <p:cNvSpPr>
-            <a:spLocks noGrp="1"/>
-          </p:cNvSpPr>
-          <p:nvPr>
-            <p:ph type="sldNum" sz="quarter" idx="10"/>
-          </p:nvPr>
-        </p:nvSpPr>
-        <p:spPr/>
-        <p:txBody>
-          <a:bodyPr/>
-          <a:lstStyle/>
-          <a:p>
-            <a:fld id="{B7AC7242-7699-4B54-8BDA-8FADE3A1DDAA}" type="slidenum">
-              <a:rPr lang="de-AT" smtClean="0"/>
-              <a:t>16</a:t>
-            </a:fld>
-            <a:endParaRPr lang="de-AT"/>
-          </a:p>
-        </p:txBody>
-      </p:sp>
-    </p:spTree>
-    <p:extLst>
-      <p:ext uri="{BB962C8B-B14F-4D97-AF65-F5344CB8AC3E}">
-        <p14:creationId xmlns:p14="http://schemas.microsoft.com/office/powerpoint/2010/main" val="2395808146"/>
-      </p:ext>
-    </p:extLst>
-  </p:cSld>
-  <p:clrMapOvr>
-    <a:masterClrMapping/>
-  </p:clrMapOvr>
-</p:notes>
-</file>
-
-<file path=ppt/notesSlides/notesSlide15.xml><?xml version="1.0" encoding="utf-8"?>
 <p:notes xmlns:a="http://schemas.openxmlformats.org/drawingml/2006/main" xmlns:r="http://schemas.openxmlformats.org/officeDocument/2006/relationships" xmlns:p="http://schemas.openxmlformats.org/presentationml/2006/main">
   <p:cSld>
     <p:spTree>
@@ -6805,16 +6568,94 @@
           <a:bodyPr/>
           <a:lstStyle/>
           <a:p>
+            <a:pPr marL="0" indent="0">
+              <a:buNone/>
+            </a:pPr>
             <a:endParaRPr lang="de-AT" dirty="0"/>
           </a:p>
           <a:p>
+            <a:r>
+              <a:rPr lang="de-AT" dirty="0"/>
+              <a:t>Umsetzung des </a:t>
+            </a:r>
+            <a:r>
+              <a:rPr lang="de-AT" b="1" dirty="0"/>
+              <a:t>Bots</a:t>
+            </a:r>
+            <a:r>
+              <a:rPr lang="de-AT" dirty="0"/>
+              <a:t>, welcher die Daten aus den Exceldateien </a:t>
+            </a:r>
+            <a:r>
+              <a:rPr lang="de-AT" b="1" dirty="0"/>
+              <a:t>ausliest</a:t>
+            </a:r>
+            <a:r>
+              <a:rPr lang="de-AT" dirty="0"/>
+              <a:t> und in der </a:t>
+            </a:r>
+            <a:r>
+              <a:rPr lang="de-AT" b="1" dirty="0"/>
+              <a:t>Datenbank</a:t>
+            </a:r>
+            <a:r>
+              <a:rPr lang="de-AT" dirty="0"/>
+              <a:t> </a:t>
+            </a:r>
+            <a:r>
+              <a:rPr lang="de-AT" b="1" dirty="0"/>
+              <a:t>abspeichert</a:t>
+            </a:r>
+          </a:p>
+          <a:p>
             <a:endParaRPr lang="de-AT" dirty="0"/>
           </a:p>
           <a:p>
             <a:r>
+              <a:rPr lang="de-AT" b="1" dirty="0"/>
+              <a:t>Statistiken</a:t>
+            </a:r>
+            <a:r>
               <a:rPr lang="de-AT" dirty="0"/>
-              <a:t>Auftraggeber: Energiegenossenschaft Eferding</a:t>
-            </a:r>
+              <a:t> über selbst gewählte Perioden sollen erstellt werden können </a:t>
+            </a:r>
+            <a:r>
+              <a:rPr lang="de-AT" dirty="0">
+                <a:sym typeface="Wingdings" panose="05000000000000000000" pitchFamily="2" charset="2"/>
+              </a:rPr>
+              <a:t> </a:t>
+            </a:r>
+            <a:r>
+              <a:rPr lang="de-AT" b="1" dirty="0">
+                <a:sym typeface="Wingdings" panose="05000000000000000000" pitchFamily="2" charset="2"/>
+              </a:rPr>
+              <a:t>Anzeige</a:t>
+            </a:r>
+            <a:r>
+              <a:rPr lang="de-AT" dirty="0">
+                <a:sym typeface="Wingdings" panose="05000000000000000000" pitchFamily="2" charset="2"/>
+              </a:rPr>
+              <a:t> direkt auf </a:t>
+            </a:r>
+            <a:r>
+              <a:rPr lang="de-AT" b="1" dirty="0">
+                <a:sym typeface="Wingdings" panose="05000000000000000000" pitchFamily="2" charset="2"/>
+              </a:rPr>
+              <a:t>Website</a:t>
+            </a:r>
+            <a:r>
+              <a:rPr lang="de-AT" dirty="0">
+                <a:sym typeface="Wingdings" panose="05000000000000000000" pitchFamily="2" charset="2"/>
+              </a:rPr>
+              <a:t> und in der </a:t>
+            </a:r>
+            <a:r>
+              <a:rPr lang="de-AT" b="1" dirty="0">
+                <a:sym typeface="Wingdings" panose="05000000000000000000" pitchFamily="2" charset="2"/>
+              </a:rPr>
+              <a:t>App</a:t>
+            </a:r>
+            <a:endParaRPr lang="de-AT" b="1" dirty="0"/>
           </a:p>
           <a:p>
             <a:endParaRPr lang="de-AT" dirty="0"/>
@@ -6822,55 +6663,18 @@
           <a:p>
             <a:r>
               <a:rPr lang="de-AT" dirty="0"/>
-              <a:t>Ansprechpartner: Ing. Herbert </a:t>
-            </a:r>
-            <a:r>
-              <a:rPr lang="de-AT" dirty="0" err="1"/>
-              <a:t>Pölzlberger</a:t>
-            </a:r>
-            <a:endParaRPr lang="de-AT" dirty="0"/>
-          </a:p>
-          <a:p>
-            <a:endParaRPr lang="de-AT" dirty="0"/>
-          </a:p>
-          <a:p>
+              <a:t>Automatische Erstellung der </a:t>
+            </a:r>
+            <a:r>
+              <a:rPr lang="de-AT" b="1" dirty="0"/>
+              <a:t>Energie-Reports</a:t>
+            </a:r>
             <a:r>
               <a:rPr lang="de-AT" dirty="0"/>
-              <a:t>Betreuungslehrer: Josef Doppelbauer</a:t>
-            </a:r>
-          </a:p>
-          <a:p>
-            <a:endParaRPr lang="de-AT" dirty="0"/>
-          </a:p>
-          <a:p>
-            <a:r>
-              <a:rPr lang="de-AT" dirty="0"/>
-              <a:t>Projektteam: </a:t>
-            </a:r>
-          </a:p>
-          <a:p>
-            <a:pPr lvl="1"/>
-            <a:r>
-              <a:rPr lang="de-AT" dirty="0"/>
-              <a:t>Projektleiter: Lukas Knoll</a:t>
-            </a:r>
-          </a:p>
-          <a:p>
-            <a:pPr lvl="1"/>
-            <a:r>
-              <a:rPr lang="de-AT" dirty="0"/>
-              <a:t>Projektmitglied: Niklas Graf</a:t>
-            </a:r>
-          </a:p>
-          <a:p>
-            <a:pPr lvl="1"/>
-            <a:r>
-              <a:rPr lang="de-AT" dirty="0"/>
-              <a:t>Projektmitglied: Sebastian Mandl</a:t>
-            </a:r>
-          </a:p>
-          <a:p>
-            <a:pPr lvl="1"/>
+              <a:t> mit wichtigen Informationen als PDF zu gewünschten Terminen</a:t>
+            </a:r>
+          </a:p>
+          <a:p>
             <a:endParaRPr lang="de-AT" dirty="0"/>
           </a:p>
           <a:p>
@@ -6904,7 +6708,7 @@
     </p:spTree>
     <p:extLst>
       <p:ext uri="{BB962C8B-B14F-4D97-AF65-F5344CB8AC3E}">
-        <p14:creationId xmlns:p14="http://schemas.microsoft.com/office/powerpoint/2010/main" val="3743715092"/>
+        <p14:creationId xmlns:p14="http://schemas.microsoft.com/office/powerpoint/2010/main" val="2378080316"/>
       </p:ext>
     </p:extLst>
   </p:cSld>
@@ -6958,116 +6762,10 @@
           <a:bodyPr/>
           <a:lstStyle/>
           <a:p>
-            <a:pPr marL="0" indent="0">
-              <a:buNone/>
-            </a:pPr>
-            <a:endParaRPr lang="de-AT" dirty="0"/>
-          </a:p>
-          <a:p>
-            <a:r>
-              <a:rPr lang="de-AT" dirty="0"/>
-              <a:t>Umsetzung des </a:t>
-            </a:r>
             <a:r>
               <a:rPr lang="de-AT" b="1" dirty="0"/>
-              <a:t>Bots</a:t>
-            </a:r>
-            <a:r>
-              <a:rPr lang="de-AT" dirty="0"/>
-              <a:t>, welcher die Daten aus den Exceldateien </a:t>
-            </a:r>
-            <a:r>
-              <a:rPr lang="de-AT" b="1" dirty="0"/>
-              <a:t>ausliest</a:t>
-            </a:r>
-            <a:r>
-              <a:rPr lang="de-AT" dirty="0"/>
-              <a:t> und in der </a:t>
-            </a:r>
-            <a:r>
-              <a:rPr lang="de-AT" b="1" dirty="0"/>
-              <a:t>Datenbank</a:t>
-            </a:r>
-            <a:r>
-              <a:rPr lang="de-AT" dirty="0"/>
-              <a:t> </a:t>
-            </a:r>
-            <a:r>
-              <a:rPr lang="de-AT" b="1" dirty="0"/>
-              <a:t>abspeichert</a:t>
-            </a:r>
-          </a:p>
-          <a:p>
-            <a:endParaRPr lang="de-AT" dirty="0"/>
-          </a:p>
-          <a:p>
-            <a:r>
-              <a:rPr lang="de-AT" b="1" dirty="0"/>
-              <a:t>Statistiken</a:t>
-            </a:r>
-            <a:r>
-              <a:rPr lang="de-AT" dirty="0"/>
-              <a:t> über selbst gewählte Perioden sollen erstellt werden können </a:t>
-            </a:r>
-            <a:r>
-              <a:rPr lang="de-AT" dirty="0">
-                <a:sym typeface="Wingdings" panose="05000000000000000000" pitchFamily="2" charset="2"/>
-              </a:rPr>
-              <a:t> </a:t>
-            </a:r>
-            <a:r>
-              <a:rPr lang="de-AT" b="1" dirty="0">
-                <a:sym typeface="Wingdings" panose="05000000000000000000" pitchFamily="2" charset="2"/>
-              </a:rPr>
-              <a:t>Anzeige</a:t>
-            </a:r>
-            <a:r>
-              <a:rPr lang="de-AT" dirty="0">
-                <a:sym typeface="Wingdings" panose="05000000000000000000" pitchFamily="2" charset="2"/>
-              </a:rPr>
-              <a:t> direkt auf </a:t>
-            </a:r>
-            <a:r>
-              <a:rPr lang="de-AT" b="1" dirty="0">
-                <a:sym typeface="Wingdings" panose="05000000000000000000" pitchFamily="2" charset="2"/>
-              </a:rPr>
-              <a:t>Website</a:t>
-            </a:r>
-            <a:r>
-              <a:rPr lang="de-AT" dirty="0">
-                <a:sym typeface="Wingdings" panose="05000000000000000000" pitchFamily="2" charset="2"/>
-              </a:rPr>
-              <a:t> und in der </a:t>
-            </a:r>
-            <a:r>
-              <a:rPr lang="de-AT" b="1" dirty="0">
-                <a:sym typeface="Wingdings" panose="05000000000000000000" pitchFamily="2" charset="2"/>
-              </a:rPr>
-              <a:t>App</a:t>
-            </a:r>
-            <a:endParaRPr lang="de-AT" b="1" dirty="0"/>
-          </a:p>
-          <a:p>
-            <a:endParaRPr lang="de-AT" dirty="0"/>
-          </a:p>
-          <a:p>
-            <a:r>
-              <a:rPr lang="de-AT" dirty="0"/>
-              <a:t>Automatische Erstellung der </a:t>
-            </a:r>
-            <a:r>
-              <a:rPr lang="de-AT" b="1" dirty="0"/>
-              <a:t>Energie-Reports</a:t>
-            </a:r>
-            <a:r>
-              <a:rPr lang="de-AT" dirty="0"/>
-              <a:t> mit wichtigen Informationen als PDF zu gewünschten Terminen</a:t>
-            </a:r>
-          </a:p>
-          <a:p>
-            <a:endParaRPr lang="de-AT" dirty="0"/>
-          </a:p>
-          <a:p>
+              <a:t>Userobjekte = Statistiken, Berichte, Warnungen</a:t>
+            </a:r>
             <a:endParaRPr lang="de-AT" dirty="0"/>
           </a:p>
         </p:txBody>
@@ -7089,7 +6787,7 @@
           <a:p>
             <a:fld id="{B7AC7242-7699-4B54-8BDA-8FADE3A1DDAA}" type="slidenum">
               <a:rPr lang="de-AT" smtClean="0"/>
-              <a:t>4</a:t>
+              <a:t>5</a:t>
             </a:fld>
             <a:endParaRPr lang="de-AT"/>
           </a:p>
@@ -7098,7 +6796,7 @@
     </p:spTree>
     <p:extLst>
       <p:ext uri="{BB962C8B-B14F-4D97-AF65-F5344CB8AC3E}">
-        <p14:creationId xmlns:p14="http://schemas.microsoft.com/office/powerpoint/2010/main" val="2378080316"/>
+        <p14:creationId xmlns:p14="http://schemas.microsoft.com/office/powerpoint/2010/main" val="150588653"/>
       </p:ext>
     </p:extLst>
   </p:cSld>
@@ -7153,8 +6851,18 @@
           <a:lstStyle/>
           <a:p>
             <a:r>
-              <a:rPr lang="de-AT" b="1" dirty="0"/>
-              <a:t>Userobjekte = Statistiken, Berichte, Warnungen</a:t>
+              <a:rPr lang="de-AT" dirty="0"/>
+              <a:t>Probleme: Android und Java 7, SSL Trust Store</a:t>
+            </a:r>
+          </a:p>
+          <a:p>
+            <a:r>
+              <a:rPr lang="de-AT" dirty="0"/>
+              <a:t>Lösung: </a:t>
+            </a:r>
+            <a:r>
+              <a:rPr lang="de-AT" dirty="0" err="1"/>
+              <a:t>Shading</a:t>
             </a:r>
             <a:endParaRPr lang="de-AT" dirty="0"/>
           </a:p>
@@ -7186,7 +6894,7 @@
     </p:spTree>
     <p:extLst>
       <p:ext uri="{BB962C8B-B14F-4D97-AF65-F5344CB8AC3E}">
-        <p14:creationId xmlns:p14="http://schemas.microsoft.com/office/powerpoint/2010/main" val="150588653"/>
+        <p14:creationId xmlns:p14="http://schemas.microsoft.com/office/powerpoint/2010/main" val="3084736994"/>
       </p:ext>
     </p:extLst>
   </p:cSld>
@@ -7284,7 +6992,7 @@
     </p:spTree>
     <p:extLst>
       <p:ext uri="{BB962C8B-B14F-4D97-AF65-F5344CB8AC3E}">
-        <p14:creationId xmlns:p14="http://schemas.microsoft.com/office/powerpoint/2010/main" val="3084736994"/>
+        <p14:creationId xmlns:p14="http://schemas.microsoft.com/office/powerpoint/2010/main" val="2813890604"/>
       </p:ext>
     </p:extLst>
   </p:cSld>
@@ -7340,18 +7048,74 @@
           <a:p>
             <a:r>
               <a:rPr lang="de-AT" dirty="0"/>
-              <a:t>Probleme: Android und Java 7, SSL Trust Store</a:t>
-            </a:r>
+              <a:t>Datenbankadministration</a:t>
+            </a:r>
+          </a:p>
+          <a:p>
+            <a:endParaRPr lang="de-AT" dirty="0"/>
           </a:p>
           <a:p>
             <a:r>
               <a:rPr lang="de-AT" dirty="0"/>
-              <a:t>Lösung: </a:t>
-            </a:r>
-            <a:r>
-              <a:rPr lang="de-AT" dirty="0" err="1"/>
-              <a:t>Shading</a:t>
-            </a:r>
+              <a:t>Nach bestimmten Zeiten sollen die Daten in der Datenbank </a:t>
+            </a:r>
+            <a:r>
+              <a:rPr lang="de-AT" b="1" dirty="0"/>
+              <a:t>komprimiert</a:t>
+            </a:r>
+            <a:r>
+              <a:rPr lang="de-AT" dirty="0"/>
+              <a:t> werden.</a:t>
+            </a:r>
+          </a:p>
+          <a:p>
+            <a:endParaRPr lang="de-AT" dirty="0"/>
+          </a:p>
+          <a:p>
+            <a:r>
+              <a:rPr lang="de-AT" dirty="0"/>
+              <a:t>Selbstständige </a:t>
+            </a:r>
+            <a:r>
+              <a:rPr lang="de-AT" b="1" dirty="0"/>
+              <a:t>Warnungen</a:t>
+            </a:r>
+            <a:r>
+              <a:rPr lang="de-AT" dirty="0"/>
+              <a:t> sollen konfiguriert werden können.</a:t>
+            </a:r>
+          </a:p>
+          <a:p>
+            <a:pPr lvl="1"/>
+            <a:r>
+              <a:rPr lang="de-AT" dirty="0"/>
+              <a:t>Dringende Warnung (Bei viel zu hohem Energieverbrauch)</a:t>
+            </a:r>
+          </a:p>
+          <a:p>
+            <a:pPr lvl="1"/>
+            <a:r>
+              <a:rPr lang="de-AT" dirty="0"/>
+              <a:t>Warnung </a:t>
+            </a:r>
+          </a:p>
+          <a:p>
+            <a:pPr lvl="1"/>
+            <a:r>
+              <a:rPr lang="de-AT" dirty="0"/>
+              <a:t>Benachrichtigung</a:t>
+            </a:r>
+          </a:p>
+          <a:p>
+            <a:endParaRPr lang="de-AT" dirty="0"/>
+          </a:p>
+          <a:p>
+            <a:endParaRPr lang="de-AT" dirty="0"/>
+          </a:p>
+          <a:p>
+            <a:endParaRPr lang="de-AT" dirty="0"/>
+          </a:p>
+          <a:p>
             <a:endParaRPr lang="de-AT" dirty="0"/>
           </a:p>
         </p:txBody>
@@ -7382,7 +7146,7 @@
     </p:spTree>
     <p:extLst>
       <p:ext uri="{BB962C8B-B14F-4D97-AF65-F5344CB8AC3E}">
-        <p14:creationId xmlns:p14="http://schemas.microsoft.com/office/powerpoint/2010/main" val="2813890604"/>
+        <p14:creationId xmlns:p14="http://schemas.microsoft.com/office/powerpoint/2010/main" val="49232318"/>
       </p:ext>
     </p:extLst>
   </p:cSld>
@@ -7438,72 +7202,88 @@
           <a:p>
             <a:r>
               <a:rPr lang="de-AT" dirty="0"/>
-              <a:t>Datenbankadministration</a:t>
-            </a:r>
-          </a:p>
-          <a:p>
-            <a:endParaRPr lang="de-AT" dirty="0"/>
-          </a:p>
-          <a:p>
+              <a:t>Als Schnittstelle soll die bereits bestehende Diplomarbeit „Smart-Meter Integration“ genommen werden. Diese arbeitet mit der </a:t>
+            </a:r>
+            <a:r>
+              <a:rPr lang="de-AT" dirty="0" err="1"/>
+              <a:t>OpenHAB</a:t>
+            </a:r>
             <a:r>
               <a:rPr lang="de-AT" dirty="0"/>
-              <a:t>Nach bestimmten Zeiten sollen die Daten in der Datenbank </a:t>
-            </a:r>
-            <a:r>
-              <a:rPr lang="de-AT" b="1" dirty="0"/>
-              <a:t>komprimiert</a:t>
-            </a:r>
+              <a:t> Schnittstelle. </a:t>
+            </a:r>
+          </a:p>
+          <a:p>
             <a:r>
               <a:rPr lang="de-AT" dirty="0"/>
-              <a:t> werden.</a:t>
-            </a:r>
-          </a:p>
-          <a:p>
-            <a:endParaRPr lang="de-AT" dirty="0"/>
-          </a:p>
-          <a:p>
+              <a:t>Aufgabe ist es Daten dieser </a:t>
+            </a:r>
+            <a:r>
+              <a:rPr lang="de-AT" dirty="0" err="1"/>
+              <a:t>OpenHAB</a:t>
+            </a:r>
             <a:r>
               <a:rPr lang="de-AT" dirty="0"/>
-              <a:t>Selbstständige </a:t>
-            </a:r>
-            <a:r>
-              <a:rPr lang="de-AT" b="1" dirty="0"/>
-              <a:t>Warnungen</a:t>
-            </a:r>
-            <a:r>
-              <a:rPr lang="de-AT" dirty="0"/>
-              <a:t> sollen konfiguriert werden können.</a:t>
+              <a:t> Schnittstelle zu verarbeiten </a:t>
+            </a:r>
+            <a:r>
+              <a:rPr lang="de-AT" dirty="0">
+                <a:sym typeface="Wingdings" panose="05000000000000000000" pitchFamily="2" charset="2"/>
+              </a:rPr>
+              <a:t> </a:t>
+            </a:r>
+            <a:r>
+              <a:rPr lang="de-AT" dirty="0" err="1">
+                <a:sym typeface="Wingdings" panose="05000000000000000000" pitchFamily="2" charset="2"/>
+              </a:rPr>
+              <a:t>z.B</a:t>
+            </a:r>
+            <a:r>
+              <a:rPr lang="de-AT" dirty="0">
+                <a:sym typeface="Wingdings" panose="05000000000000000000" pitchFamily="2" charset="2"/>
+              </a:rPr>
+              <a:t>: Wasser-, oder Gaszähler. Für diese Arten von Zählern sollen eigene Reports und Statistiken erstellt werden. Weiters werden hier andere Algorithmen zur Erkennung der Anomalien benötigt.</a:t>
+            </a:r>
+          </a:p>
+          <a:p>
+            <a:r>
+              <a:rPr lang="de-AT" dirty="0">
+                <a:sym typeface="Wingdings" panose="05000000000000000000" pitchFamily="2" charset="2"/>
+              </a:rPr>
+              <a:t>Erstellung eigener Zähler auf Raspberry-</a:t>
+            </a:r>
+            <a:r>
+              <a:rPr lang="de-AT" dirty="0" err="1">
+                <a:sym typeface="Wingdings" panose="05000000000000000000" pitchFamily="2" charset="2"/>
+              </a:rPr>
+              <a:t>Pi‘s</a:t>
+            </a:r>
+            <a:endParaRPr lang="de-AT" dirty="0">
+              <a:sym typeface="Wingdings" panose="05000000000000000000" pitchFamily="2" charset="2"/>
+            </a:endParaRPr>
+          </a:p>
+          <a:p>
+            <a:r>
+              <a:rPr lang="de-AT" dirty="0" err="1">
+                <a:sym typeface="Wingdings" panose="05000000000000000000" pitchFamily="2" charset="2"/>
+              </a:rPr>
+              <a:t>Dependency</a:t>
+            </a:r>
+            <a:r>
+              <a:rPr lang="de-AT" dirty="0">
+                <a:sym typeface="Wingdings" panose="05000000000000000000" pitchFamily="2" charset="2"/>
+              </a:rPr>
+              <a:t>-Editor:</a:t>
             </a:r>
           </a:p>
           <a:p>
             <a:pPr lvl="1"/>
             <a:r>
-              <a:rPr lang="de-AT" dirty="0"/>
-              <a:t>Dringende Warnung (Bei viel zu hohem Energieverbrauch)</a:t>
-            </a:r>
-          </a:p>
-          <a:p>
-            <a:pPr lvl="1"/>
-            <a:r>
-              <a:rPr lang="de-AT" dirty="0"/>
-              <a:t>Warnung </a:t>
-            </a:r>
-          </a:p>
-          <a:p>
-            <a:pPr lvl="1"/>
-            <a:r>
-              <a:rPr lang="de-AT" dirty="0"/>
-              <a:t>Benachrichtigung</a:t>
-            </a:r>
-          </a:p>
-          <a:p>
-            <a:endParaRPr lang="de-AT" dirty="0"/>
-          </a:p>
-          <a:p>
-            <a:endParaRPr lang="de-AT" dirty="0"/>
-          </a:p>
-          <a:p>
-            <a:endParaRPr lang="de-AT" dirty="0"/>
+              <a:rPr lang="de-AT" dirty="0">
+                <a:sym typeface="Wingdings" panose="05000000000000000000" pitchFamily="2" charset="2"/>
+              </a:rPr>
+              <a:t>Grafische Definitionen der Restriktionen für Gebäude (Zähler)</a:t>
+            </a:r>
           </a:p>
           <a:p>
             <a:endParaRPr lang="de-AT" dirty="0"/>
@@ -7536,7 +7316,7 @@
     </p:spTree>
     <p:extLst>
       <p:ext uri="{BB962C8B-B14F-4D97-AF65-F5344CB8AC3E}">
-        <p14:creationId xmlns:p14="http://schemas.microsoft.com/office/powerpoint/2010/main" val="49232318"/>
+        <p14:creationId xmlns:p14="http://schemas.microsoft.com/office/powerpoint/2010/main" val="2101187640"/>
       </p:ext>
     </p:extLst>
   </p:cSld>
@@ -7706,7 +7486,7 @@
     </p:spTree>
     <p:extLst>
       <p:ext uri="{BB962C8B-B14F-4D97-AF65-F5344CB8AC3E}">
-        <p14:creationId xmlns:p14="http://schemas.microsoft.com/office/powerpoint/2010/main" val="2101187640"/>
+        <p14:creationId xmlns:p14="http://schemas.microsoft.com/office/powerpoint/2010/main" val="1042495958"/>
       </p:ext>
     </p:extLst>
   </p:cSld>
@@ -7876,7 +7656,7 @@
     </p:spTree>
     <p:extLst>
       <p:ext uri="{BB962C8B-B14F-4D97-AF65-F5344CB8AC3E}">
-        <p14:creationId xmlns:p14="http://schemas.microsoft.com/office/powerpoint/2010/main" val="1042495958"/>
+        <p14:creationId xmlns:p14="http://schemas.microsoft.com/office/powerpoint/2010/main" val="1185143360"/>
       </p:ext>
     </p:extLst>
   </p:cSld>
@@ -8405,7 +8185,7 @@
           <a:p>
             <a:fld id="{83C286D2-5717-406C-AD4B-C4A69D5338FB}" type="datetimeFigureOut">
               <a:rPr lang="de-AT" smtClean="0"/>
-              <a:t>13.05.2018</a:t>
+              <a:t>15.05.2018</a:t>
             </a:fld>
             <a:endParaRPr lang="de-AT"/>
           </a:p>
@@ -8585,7 +8365,7 @@
           <a:p>
             <a:fld id="{83C286D2-5717-406C-AD4B-C4A69D5338FB}" type="datetimeFigureOut">
               <a:rPr lang="de-AT" smtClean="0"/>
-              <a:t>13.05.2018</a:t>
+              <a:t>15.05.2018</a:t>
             </a:fld>
             <a:endParaRPr lang="de-AT"/>
           </a:p>
@@ -8788,7 +8568,7 @@
           <a:p>
             <a:fld id="{83C286D2-5717-406C-AD4B-C4A69D5338FB}" type="datetimeFigureOut">
               <a:rPr lang="de-AT" smtClean="0"/>
-              <a:t>13.05.2018</a:t>
+              <a:t>15.05.2018</a:t>
             </a:fld>
             <a:endParaRPr lang="de-AT"/>
           </a:p>
@@ -8958,7 +8738,7 @@
           <a:p>
             <a:fld id="{83C286D2-5717-406C-AD4B-C4A69D5338FB}" type="datetimeFigureOut">
               <a:rPr lang="de-AT" smtClean="0"/>
-              <a:t>13.05.2018</a:t>
+              <a:t>15.05.2018</a:t>
             </a:fld>
             <a:endParaRPr lang="de-AT"/>
           </a:p>
@@ -9209,7 +8989,7 @@
           <a:p>
             <a:fld id="{83C286D2-5717-406C-AD4B-C4A69D5338FB}" type="datetimeFigureOut">
               <a:rPr lang="de-AT" smtClean="0"/>
-              <a:t>13.05.2018</a:t>
+              <a:t>15.05.2018</a:t>
             </a:fld>
             <a:endParaRPr lang="de-AT"/>
           </a:p>
@@ -9441,7 +9221,7 @@
           <a:p>
             <a:fld id="{83C286D2-5717-406C-AD4B-C4A69D5338FB}" type="datetimeFigureOut">
               <a:rPr lang="de-AT" smtClean="0"/>
-              <a:t>13.05.2018</a:t>
+              <a:t>15.05.2018</a:t>
             </a:fld>
             <a:endParaRPr lang="de-AT"/>
           </a:p>
@@ -9788,7 +9568,7 @@
           <a:p>
             <a:fld id="{83C286D2-5717-406C-AD4B-C4A69D5338FB}" type="datetimeFigureOut">
               <a:rPr lang="de-AT" smtClean="0"/>
-              <a:t>13.05.2018</a:t>
+              <a:t>15.05.2018</a:t>
             </a:fld>
             <a:endParaRPr lang="de-AT"/>
           </a:p>
@@ -9906,7 +9686,7 @@
           <a:p>
             <a:fld id="{83C286D2-5717-406C-AD4B-C4A69D5338FB}" type="datetimeFigureOut">
               <a:rPr lang="de-AT" smtClean="0"/>
-              <a:t>13.05.2018</a:t>
+              <a:t>15.05.2018</a:t>
             </a:fld>
             <a:endParaRPr lang="de-AT"/>
           </a:p>
@@ -10024,7 +9804,7 @@
           <a:p>
             <a:fld id="{83C286D2-5717-406C-AD4B-C4A69D5338FB}" type="datetimeFigureOut">
               <a:rPr lang="de-AT" smtClean="0"/>
-              <a:t>13.05.2018</a:t>
+              <a:t>15.05.2018</a:t>
             </a:fld>
             <a:endParaRPr lang="de-AT"/>
           </a:p>
@@ -10308,7 +10088,7 @@
           <a:p>
             <a:fld id="{83C286D2-5717-406C-AD4B-C4A69D5338FB}" type="datetimeFigureOut">
               <a:rPr lang="de-AT" smtClean="0"/>
-              <a:t>13.05.2018</a:t>
+              <a:t>15.05.2018</a:t>
             </a:fld>
             <a:endParaRPr lang="de-AT"/>
           </a:p>
@@ -10748,7 +10528,7 @@
           <a:p>
             <a:fld id="{83C286D2-5717-406C-AD4B-C4A69D5338FB}" type="datetimeFigureOut">
               <a:rPr lang="de-AT" smtClean="0"/>
-              <a:t>13.05.2018</a:t>
+              <a:t>15.05.2018</a:t>
             </a:fld>
             <a:endParaRPr lang="de-AT"/>
           </a:p>
@@ -10918,7 +10698,7 @@
           <a:p>
             <a:fld id="{83C286D2-5717-406C-AD4B-C4A69D5338FB}" type="datetimeFigureOut">
               <a:rPr lang="de-AT" smtClean="0"/>
-              <a:t>13.05.2018</a:t>
+              <a:t>15.05.2018</a:t>
             </a:fld>
             <a:endParaRPr lang="de-AT"/>
           </a:p>
@@ -11098,7 +10878,7 @@
           <a:p>
             <a:fld id="{83C286D2-5717-406C-AD4B-C4A69D5338FB}" type="datetimeFigureOut">
               <a:rPr lang="de-AT" smtClean="0"/>
-              <a:t>13.05.2018</a:t>
+              <a:t>15.05.2018</a:t>
             </a:fld>
             <a:endParaRPr lang="de-AT"/>
           </a:p>
@@ -11349,7 +11129,7 @@
           <a:p>
             <a:fld id="{83C286D2-5717-406C-AD4B-C4A69D5338FB}" type="datetimeFigureOut">
               <a:rPr lang="de-AT" smtClean="0"/>
-              <a:t>13.05.2018</a:t>
+              <a:t>15.05.2018</a:t>
             </a:fld>
             <a:endParaRPr lang="de-AT"/>
           </a:p>
@@ -11581,7 +11361,7 @@
           <a:p>
             <a:fld id="{83C286D2-5717-406C-AD4B-C4A69D5338FB}" type="datetimeFigureOut">
               <a:rPr lang="de-AT" smtClean="0"/>
-              <a:t>13.05.2018</a:t>
+              <a:t>15.05.2018</a:t>
             </a:fld>
             <a:endParaRPr lang="de-AT"/>
           </a:p>
@@ -11928,7 +11708,7 @@
           <a:p>
             <a:fld id="{83C286D2-5717-406C-AD4B-C4A69D5338FB}" type="datetimeFigureOut">
               <a:rPr lang="de-AT" smtClean="0"/>
-              <a:t>13.05.2018</a:t>
+              <a:t>15.05.2018</a:t>
             </a:fld>
             <a:endParaRPr lang="de-AT"/>
           </a:p>
@@ -12046,7 +11826,7 @@
           <a:p>
             <a:fld id="{83C286D2-5717-406C-AD4B-C4A69D5338FB}" type="datetimeFigureOut">
               <a:rPr lang="de-AT" smtClean="0"/>
-              <a:t>13.05.2018</a:t>
+              <a:t>15.05.2018</a:t>
             </a:fld>
             <a:endParaRPr lang="de-AT"/>
           </a:p>
@@ -12164,7 +11944,7 @@
           <a:p>
             <a:fld id="{83C286D2-5717-406C-AD4B-C4A69D5338FB}" type="datetimeFigureOut">
               <a:rPr lang="de-AT" smtClean="0"/>
-              <a:t>13.05.2018</a:t>
+              <a:t>15.05.2018</a:t>
             </a:fld>
             <a:endParaRPr lang="de-AT"/>
           </a:p>
@@ -12448,7 +12228,7 @@
           <a:p>
             <a:fld id="{83C286D2-5717-406C-AD4B-C4A69D5338FB}" type="datetimeFigureOut">
               <a:rPr lang="de-AT" smtClean="0"/>
-              <a:t>13.05.2018</a:t>
+              <a:t>15.05.2018</a:t>
             </a:fld>
             <a:endParaRPr lang="de-AT"/>
           </a:p>
@@ -12712,7 +12492,7 @@
           <a:p>
             <a:fld id="{83C286D2-5717-406C-AD4B-C4A69D5338FB}" type="datetimeFigureOut">
               <a:rPr lang="de-AT" smtClean="0"/>
-              <a:t>13.05.2018</a:t>
+              <a:t>15.05.2018</a:t>
             </a:fld>
             <a:endParaRPr lang="de-AT"/>
           </a:p>
@@ -12926,7 +12706,7 @@
           <a:p>
             <a:fld id="{83C286D2-5717-406C-AD4B-C4A69D5338FB}" type="datetimeFigureOut">
               <a:rPr lang="de-AT" smtClean="0"/>
-              <a:t>13.05.2018</a:t>
+              <a:t>15.05.2018</a:t>
             </a:fld>
             <a:endParaRPr lang="de-AT"/>
           </a:p>
@@ -13461,7 +13241,7 @@
           <a:p>
             <a:fld id="{83C286D2-5717-406C-AD4B-C4A69D5338FB}" type="datetimeFigureOut">
               <a:rPr lang="de-AT" smtClean="0"/>
-              <a:t>13.05.2018</a:t>
+              <a:t>15.05.2018</a:t>
             </a:fld>
             <a:endParaRPr lang="de-AT"/>
           </a:p>
@@ -13990,7 +13770,7 @@
           <a:p>
             <a:r>
               <a:rPr lang="de-AT" dirty="0"/>
-              <a:t>Aufgabe 1</a:t>
+              <a:t>Aufgabe 2</a:t>
             </a:r>
           </a:p>
         </p:txBody>
@@ -13998,7 +13778,7 @@
     </p:spTree>
     <p:extLst>
       <p:ext uri="{BB962C8B-B14F-4D97-AF65-F5344CB8AC3E}">
-        <p14:creationId xmlns:p14="http://schemas.microsoft.com/office/powerpoint/2010/main" val="3126797282"/>
+        <p14:creationId xmlns:p14="http://schemas.microsoft.com/office/powerpoint/2010/main" val="3708766889"/>
       </p:ext>
     </p:extLst>
   </p:cSld>
@@ -14073,7 +13853,7 @@
           <a:p>
             <a:r>
               <a:rPr lang="de-AT" dirty="0"/>
-              <a:t>Aufgabe 2</a:t>
+              <a:t>Aufgabe 3</a:t>
             </a:r>
           </a:p>
         </p:txBody>
@@ -14081,7 +13861,7 @@
     </p:spTree>
     <p:extLst>
       <p:ext uri="{BB962C8B-B14F-4D97-AF65-F5344CB8AC3E}">
-        <p14:creationId xmlns:p14="http://schemas.microsoft.com/office/powerpoint/2010/main" val="3708766889"/>
+        <p14:creationId xmlns:p14="http://schemas.microsoft.com/office/powerpoint/2010/main" val="610799193"/>
       </p:ext>
     </p:extLst>
   </p:cSld>
@@ -14110,10 +13890,10 @@
       </p:grpSpPr>
       <p:sp>
         <p:nvSpPr>
-          <p:cNvPr id="3" name="Inhaltsplatzhalter 2">
+          <p:cNvPr id="5" name="Titel 4">
             <a:extLst>
               <a:ext uri="{FF2B5EF4-FFF2-40B4-BE49-F238E27FC236}">
-                <a16:creationId xmlns:a16="http://schemas.microsoft.com/office/drawing/2014/main" id="{8FF1EF5B-8B05-47AE-91D8-6071315520CB}"/>
+                <a16:creationId xmlns:a16="http://schemas.microsoft.com/office/drawing/2014/main" id="{47192FCA-5747-43F1-B674-4166B4AC6A28}"/>
               </a:ext>
             </a:extLst>
           </p:cNvPr>
@@ -14121,98 +13901,10 @@
             <a:spLocks noGrp="1"/>
           </p:cNvSpPr>
           <p:nvPr>
-            <p:ph idx="1"/>
+            <p:ph type="title"/>
           </p:nvPr>
         </p:nvSpPr>
         <p:spPr/>
-        <p:txBody>
-          <a:bodyPr/>
-          <a:lstStyle/>
-          <a:p>
-            <a:endParaRPr lang="de-AT"/>
-          </a:p>
-        </p:txBody>
-      </p:sp>
-      <p:sp>
-        <p:nvSpPr>
-          <p:cNvPr id="5" name="Titel 4">
-            <a:extLst>
-              <a:ext uri="{FF2B5EF4-FFF2-40B4-BE49-F238E27FC236}">
-                <a16:creationId xmlns:a16="http://schemas.microsoft.com/office/drawing/2014/main" id="{83B32A56-86C4-4638-ABB7-821179F05E57}"/>
-              </a:ext>
-            </a:extLst>
-          </p:cNvPr>
-          <p:cNvSpPr>
-            <a:spLocks noGrp="1"/>
-          </p:cNvSpPr>
-          <p:nvPr>
-            <p:ph type="title"/>
-          </p:nvPr>
-        </p:nvSpPr>
-        <p:spPr/>
-        <p:txBody>
-          <a:bodyPr/>
-          <a:lstStyle/>
-          <a:p>
-            <a:r>
-              <a:rPr lang="de-AT" dirty="0"/>
-              <a:t>Aufgabe 3</a:t>
-            </a:r>
-          </a:p>
-        </p:txBody>
-      </p:sp>
-    </p:spTree>
-    <p:extLst>
-      <p:ext uri="{BB962C8B-B14F-4D97-AF65-F5344CB8AC3E}">
-        <p14:creationId xmlns:p14="http://schemas.microsoft.com/office/powerpoint/2010/main" val="610799193"/>
-      </p:ext>
-    </p:extLst>
-  </p:cSld>
-  <p:clrMapOvr>
-    <a:masterClrMapping/>
-  </p:clrMapOvr>
-</p:sld>
-</file>
-
-<file path=ppt/slides/slide13.xml><?xml version="1.0" encoding="utf-8"?>
-<p:sld xmlns:a="http://schemas.openxmlformats.org/drawingml/2006/main" xmlns:r="http://schemas.openxmlformats.org/officeDocument/2006/relationships" xmlns:p="http://schemas.openxmlformats.org/presentationml/2006/main">
-  <p:cSld>
-    <p:spTree>
-      <p:nvGrpSpPr>
-        <p:cNvPr id="1" name=""/>
-        <p:cNvGrpSpPr/>
-        <p:nvPr/>
-      </p:nvGrpSpPr>
-      <p:grpSpPr>
-        <a:xfrm>
-          <a:off x="0" y="0"/>
-          <a:ext cx="0" cy="0"/>
-          <a:chOff x="0" y="0"/>
-          <a:chExt cx="0" cy="0"/>
-        </a:xfrm>
-      </p:grpSpPr>
-      <p:sp>
-        <p:nvSpPr>
-          <p:cNvPr id="20" name="Titel 4">
-            <a:extLst>
-              <a:ext uri="{FF2B5EF4-FFF2-40B4-BE49-F238E27FC236}">
-                <a16:creationId xmlns:a16="http://schemas.microsoft.com/office/drawing/2014/main" id="{EE1B5E54-144F-44D9-8115-3E0C55847923}"/>
-              </a:ext>
-            </a:extLst>
-          </p:cNvPr>
-          <p:cNvSpPr>
-            <a:spLocks noGrp="1"/>
-          </p:cNvSpPr>
-          <p:nvPr>
-            <p:ph type="title"/>
-          </p:nvPr>
-        </p:nvSpPr>
-        <p:spPr>
-          <a:xfrm>
-            <a:off x="136477" y="1828800"/>
-            <a:ext cx="2511189" cy="4135271"/>
-          </a:xfrm>
-        </p:spPr>
         <p:txBody>
           <a:bodyPr/>
           <a:lstStyle/>
@@ -14233,10 +13925,10 @@
       </p:sp>
       <p:sp>
         <p:nvSpPr>
-          <p:cNvPr id="21" name="Rechteck: abgerundete Ecken 20">
+          <p:cNvPr id="6" name="Rechteck: abgerundete Ecken 5">
             <a:extLst>
               <a:ext uri="{FF2B5EF4-FFF2-40B4-BE49-F238E27FC236}">
-                <a16:creationId xmlns:a16="http://schemas.microsoft.com/office/drawing/2014/main" id="{AB3B8D62-40BA-4B53-A6ED-29D70923114E}"/>
+                <a16:creationId xmlns:a16="http://schemas.microsoft.com/office/drawing/2014/main" id="{656E1AB3-02D2-4705-894C-9B29AD7E3A76}"/>
               </a:ext>
             </a:extLst>
           </p:cNvPr>
@@ -14245,8 +13937,8 @@
         </p:nvSpPr>
         <p:spPr>
           <a:xfrm>
-            <a:off x="4844374" y="1134246"/>
-            <a:ext cx="5564221" cy="987631"/>
+            <a:off x="4740447" y="881576"/>
+            <a:ext cx="5856550" cy="1343896"/>
           </a:xfrm>
           <a:prstGeom prst="roundRect">
             <a:avLst>
@@ -14285,17 +13977,17 @@
               <a:rPr lang="de-AT" sz="3200" dirty="0">
                 <a:latin typeface="raleway"/>
               </a:rPr>
-              <a:t>FRONTEND, ANDROID &amp; MANAGEMENT</a:t>
+              <a:t>WEB (Frontend), ANDROID &amp; MANAGEMENT</a:t>
             </a:r>
           </a:p>
         </p:txBody>
       </p:sp>
       <p:grpSp>
         <p:nvGrpSpPr>
-          <p:cNvPr id="22" name="Gruppieren 21">
+          <p:cNvPr id="8" name="Gruppieren 7">
             <a:extLst>
               <a:ext uri="{FF2B5EF4-FFF2-40B4-BE49-F238E27FC236}">
-                <a16:creationId xmlns:a16="http://schemas.microsoft.com/office/drawing/2014/main" id="{FA5C7B07-7C4F-4D0F-B942-E91BC54BF4BB}"/>
+                <a16:creationId xmlns:a16="http://schemas.microsoft.com/office/drawing/2014/main" id="{1354CC71-6CEE-4CB7-B3AA-3E79FAD6EA42}"/>
               </a:ext>
             </a:extLst>
           </p:cNvPr>
@@ -14304,18 +13996,18 @@
         </p:nvGrpSpPr>
         <p:grpSpPr>
           <a:xfrm>
-            <a:off x="3997472" y="2363822"/>
-            <a:ext cx="1809345" cy="2661472"/>
-            <a:chOff x="3837334" y="2358958"/>
-            <a:chExt cx="1809345" cy="2661472"/>
+            <a:off x="3342249" y="2962217"/>
+            <a:ext cx="2006060" cy="2198889"/>
+            <a:chOff x="3811169" y="2821541"/>
+            <a:chExt cx="2006060" cy="2198889"/>
           </a:xfrm>
         </p:grpSpPr>
         <p:pic>
           <p:nvPicPr>
-            <p:cNvPr id="23" name="Grafik 22">
+            <p:cNvPr id="18" name="Grafik 17">
               <a:extLst>
                 <a:ext uri="{FF2B5EF4-FFF2-40B4-BE49-F238E27FC236}">
-                  <a16:creationId xmlns:a16="http://schemas.microsoft.com/office/drawing/2014/main" id="{F02867D7-6865-4748-889A-63BE16A107C9}"/>
+                  <a16:creationId xmlns:a16="http://schemas.microsoft.com/office/drawing/2014/main" id="{FCB61EB4-376D-4E29-9B48-5695858F15C1}"/>
                 </a:ext>
               </a:extLst>
             </p:cNvPr>
@@ -14338,8 +14030,8 @@
           </p:blipFill>
           <p:spPr>
             <a:xfrm>
-              <a:off x="3837334" y="2358958"/>
-              <a:ext cx="1809345" cy="1809345"/>
+              <a:off x="3811169" y="2821541"/>
+              <a:ext cx="2006060" cy="1245140"/>
             </a:xfrm>
             <a:prstGeom prst="ellipse">
               <a:avLst/>
@@ -14348,10 +14040,10 @@
         </p:pic>
         <p:sp>
           <p:nvSpPr>
-            <p:cNvPr id="24" name="Textfeld 23">
+            <p:cNvPr id="19" name="Textfeld 18">
               <a:extLst>
                 <a:ext uri="{FF2B5EF4-FFF2-40B4-BE49-F238E27FC236}">
-                  <a16:creationId xmlns:a16="http://schemas.microsoft.com/office/drawing/2014/main" id="{F17D5BE6-6925-43AA-A7FD-FD0DCA4F1417}"/>
+                  <a16:creationId xmlns:a16="http://schemas.microsoft.com/office/drawing/2014/main" id="{DE4DE45B-CF6D-43B6-B991-348AEA7E349F}"/>
                 </a:ext>
               </a:extLst>
             </p:cNvPr>
@@ -14361,7 +14053,7 @@
           <p:spPr>
             <a:xfrm>
               <a:off x="4138891" y="4250989"/>
-              <a:ext cx="1206230" cy="769441"/>
+              <a:ext cx="1364712" cy="769441"/>
             </a:xfrm>
             <a:prstGeom prst="rect">
               <a:avLst/>
@@ -14382,7 +14074,7 @@
                   </a:solidFill>
                   <a:latin typeface="raleway"/>
                 </a:rPr>
-                <a:t>?</a:t>
+                <a:t>App</a:t>
               </a:r>
             </a:p>
           </p:txBody>
@@ -14390,10 +14082,10 @@
       </p:grpSp>
       <p:grpSp>
         <p:nvGrpSpPr>
-          <p:cNvPr id="28" name="Gruppieren 27">
+          <p:cNvPr id="10" name="Gruppieren 9">
             <a:extLst>
               <a:ext uri="{FF2B5EF4-FFF2-40B4-BE49-F238E27FC236}">
-                <a16:creationId xmlns:a16="http://schemas.microsoft.com/office/drawing/2014/main" id="{61BDA79E-FACE-4EB3-8CF3-AC13FE438A49}"/>
+                <a16:creationId xmlns:a16="http://schemas.microsoft.com/office/drawing/2014/main" id="{1FA36EB6-5753-4392-A75F-12B7118C6249}"/>
               </a:ext>
             </a:extLst>
           </p:cNvPr>
@@ -14402,18 +14094,120 @@
         </p:nvGrpSpPr>
         <p:grpSpPr>
           <a:xfrm>
-            <a:off x="6577539" y="2358230"/>
-            <a:ext cx="2113225" cy="2667064"/>
-            <a:chOff x="6661248" y="2364047"/>
-            <a:chExt cx="2113225" cy="2667064"/>
+            <a:off x="9058342" y="2676272"/>
+            <a:ext cx="2830868" cy="2533468"/>
+            <a:chOff x="9245910" y="2535596"/>
+            <a:chExt cx="2830868" cy="2533468"/>
           </a:xfrm>
         </p:grpSpPr>
         <p:sp>
           <p:nvSpPr>
-            <p:cNvPr id="29" name="Textfeld 28">
+            <p:cNvPr id="23" name="Textfeld 22">
               <a:extLst>
                 <a:ext uri="{FF2B5EF4-FFF2-40B4-BE49-F238E27FC236}">
-                  <a16:creationId xmlns:a16="http://schemas.microsoft.com/office/drawing/2014/main" id="{6542B29F-8A5F-4213-AA08-053733A9939A}"/>
+                  <a16:creationId xmlns:a16="http://schemas.microsoft.com/office/drawing/2014/main" id="{E7BD2114-35ED-4F1A-94F5-595B2D481EAF}"/>
+                </a:ext>
+              </a:extLst>
+            </p:cNvPr>
+            <p:cNvSpPr txBox="1"/>
+            <p:nvPr/>
+          </p:nvSpPr>
+          <p:spPr>
+            <a:xfrm>
+              <a:off x="9459184" y="4299623"/>
+              <a:ext cx="2501004" cy="769441"/>
+            </a:xfrm>
+            <a:prstGeom prst="rect">
+              <a:avLst/>
+            </a:prstGeom>
+            <a:noFill/>
+          </p:spPr>
+          <p:txBody>
+            <a:bodyPr wrap="square" rtlCol="0">
+              <a:spAutoFit/>
+            </a:bodyPr>
+            <a:lstStyle/>
+            <a:p>
+              <a:r>
+                <a:rPr lang="de-AT" sz="4400" dirty="0" err="1">
+                  <a:solidFill>
+                    <a:srgbClr val="0070C0"/>
+                  </a:solidFill>
+                  <a:latin typeface="raleway"/>
+                </a:rPr>
+                <a:t>Planning</a:t>
+              </a:r>
+              <a:endParaRPr lang="de-AT" sz="4400" dirty="0">
+                <a:solidFill>
+                  <a:srgbClr val="0070C0"/>
+                </a:solidFill>
+                <a:latin typeface="raleway"/>
+              </a:endParaRPr>
+            </a:p>
+          </p:txBody>
+        </p:sp>
+        <p:pic>
+          <p:nvPicPr>
+            <p:cNvPr id="3" name="Grafik 2">
+              <a:extLst>
+                <a:ext uri="{FF2B5EF4-FFF2-40B4-BE49-F238E27FC236}">
+                  <a16:creationId xmlns:a16="http://schemas.microsoft.com/office/drawing/2014/main" id="{A3C92086-B071-4C3C-B94E-82F3A6CACB35}"/>
+                </a:ext>
+              </a:extLst>
+            </p:cNvPr>
+            <p:cNvPicPr>
+              <a:picLocks noChangeAspect="1"/>
+            </p:cNvPicPr>
+            <p:nvPr/>
+          </p:nvPicPr>
+          <p:blipFill rotWithShape="1">
+            <a:blip r:embed="rId4">
+              <a:extLst>
+                <a:ext uri="{28A0092B-C50C-407E-A947-70E740481C1C}">
+                  <a14:useLocalDpi xmlns:a14="http://schemas.microsoft.com/office/drawing/2010/main" val="0"/>
+                </a:ext>
+              </a:extLst>
+            </a:blip>
+            <a:srcRect l="-10951" t="-9083" r="-5727" b="459"/>
+            <a:stretch/>
+          </p:blipFill>
+          <p:spPr>
+            <a:xfrm>
+              <a:off x="9245910" y="2535596"/>
+              <a:ext cx="2830868" cy="1756941"/>
+            </a:xfrm>
+            <a:prstGeom prst="ellipse">
+              <a:avLst/>
+            </a:prstGeom>
+          </p:spPr>
+        </p:pic>
+      </p:grpSp>
+      <p:grpSp>
+        <p:nvGrpSpPr>
+          <p:cNvPr id="9" name="Gruppieren 8">
+            <a:extLst>
+              <a:ext uri="{FF2B5EF4-FFF2-40B4-BE49-F238E27FC236}">
+                <a16:creationId xmlns:a16="http://schemas.microsoft.com/office/drawing/2014/main" id="{08D49ED1-C928-4729-8347-6868B6DFC2D6}"/>
+              </a:ext>
+            </a:extLst>
+          </p:cNvPr>
+          <p:cNvGrpSpPr/>
+          <p:nvPr/>
+        </p:nvGrpSpPr>
+        <p:grpSpPr>
+          <a:xfrm>
+            <a:off x="5601449" y="2954025"/>
+            <a:ext cx="3357714" cy="2211945"/>
+            <a:chOff x="6212691" y="2819166"/>
+            <a:chExt cx="3357714" cy="2211945"/>
+          </a:xfrm>
+        </p:grpSpPr>
+        <p:sp>
+          <p:nvSpPr>
+            <p:cNvPr id="22" name="Textfeld 21">
+              <a:extLst>
+                <a:ext uri="{FF2B5EF4-FFF2-40B4-BE49-F238E27FC236}">
+                  <a16:creationId xmlns:a16="http://schemas.microsoft.com/office/drawing/2014/main" id="{46A320E6-6789-4559-A229-F92CD8C578E9}"/>
                 </a:ext>
               </a:extLst>
             </p:cNvPr>
@@ -14423,7 +14217,7 @@
           <p:spPr>
             <a:xfrm>
               <a:off x="6661248" y="4261670"/>
-              <a:ext cx="2113225" cy="769441"/>
+              <a:ext cx="2320274" cy="769441"/>
             </a:xfrm>
             <a:prstGeom prst="rect">
               <a:avLst/>
@@ -14444,17 +14238,17 @@
                   </a:solidFill>
                   <a:latin typeface="raleway"/>
                 </a:rPr>
-                <a:t>?</a:t>
+                <a:t>Web</a:t>
               </a:r>
             </a:p>
           </p:txBody>
         </p:sp>
         <p:pic>
           <p:nvPicPr>
-            <p:cNvPr id="30" name="Grafik 29">
+            <p:cNvPr id="7" name="Grafik 6">
               <a:extLst>
                 <a:ext uri="{FF2B5EF4-FFF2-40B4-BE49-F238E27FC236}">
-                  <a16:creationId xmlns:a16="http://schemas.microsoft.com/office/drawing/2014/main" id="{551CDCDF-2805-495A-A38A-2CD64321AEF5}"/>
+                  <a16:creationId xmlns:a16="http://schemas.microsoft.com/office/drawing/2014/main" id="{057FD376-4624-4DFC-8E00-E5A71F9DBF6C}"/>
                 </a:ext>
               </a:extLst>
             </p:cNvPr>
@@ -14463,166 +14257,35 @@
             </p:cNvPicPr>
             <p:nvPr/>
           </p:nvPicPr>
-          <p:blipFill>
-            <a:blip r:embed="rId3">
+          <p:blipFill rotWithShape="1">
+            <a:blip r:embed="rId5">
               <a:extLst>
                 <a:ext uri="{28A0092B-C50C-407E-A947-70E740481C1C}">
                   <a14:useLocalDpi xmlns:a14="http://schemas.microsoft.com/office/drawing/2010/main" val="0"/>
                 </a:ext>
               </a:extLst>
             </a:blip>
-            <a:stretch>
-              <a:fillRect/>
-            </a:stretch>
+            <a:srcRect l="-17862" t="-14083" r="-15848" b="-25845"/>
+            <a:stretch/>
           </p:blipFill>
           <p:spPr>
             <a:xfrm>
-              <a:off x="6812459" y="2364047"/>
-              <a:ext cx="1810800" cy="1810800"/>
+              <a:off x="6212691" y="2819166"/>
+              <a:ext cx="3357714" cy="1756941"/>
             </a:xfrm>
             <a:prstGeom prst="ellipse">
               <a:avLst/>
             </a:prstGeom>
+            <a:ln>
+              <a:noFill/>
+            </a:ln>
           </p:spPr>
         </p:pic>
       </p:grpSp>
-      <p:grpSp>
-        <p:nvGrpSpPr>
-          <p:cNvPr id="31" name="Gruppieren 30">
-            <a:extLst>
-              <a:ext uri="{FF2B5EF4-FFF2-40B4-BE49-F238E27FC236}">
-                <a16:creationId xmlns:a16="http://schemas.microsoft.com/office/drawing/2014/main" id="{2D4021C8-89BC-43CA-85FC-CC7AF59C7DED}"/>
-              </a:ext>
-            </a:extLst>
-          </p:cNvPr>
-          <p:cNvGrpSpPr/>
-          <p:nvPr/>
-        </p:nvGrpSpPr>
-        <p:grpSpPr>
-          <a:xfrm>
-            <a:off x="9155369" y="2358230"/>
-            <a:ext cx="2113225" cy="2667064"/>
-            <a:chOff x="6661248" y="2364047"/>
-            <a:chExt cx="2113225" cy="2667064"/>
-          </a:xfrm>
-        </p:grpSpPr>
-        <p:sp>
-          <p:nvSpPr>
-            <p:cNvPr id="32" name="Textfeld 31">
-              <a:extLst>
-                <a:ext uri="{FF2B5EF4-FFF2-40B4-BE49-F238E27FC236}">
-                  <a16:creationId xmlns:a16="http://schemas.microsoft.com/office/drawing/2014/main" id="{6640A9B4-29D7-4E2C-8671-D7C25BF06EB5}"/>
-                </a:ext>
-              </a:extLst>
-            </p:cNvPr>
-            <p:cNvSpPr txBox="1"/>
-            <p:nvPr/>
-          </p:nvSpPr>
-          <p:spPr>
-            <a:xfrm>
-              <a:off x="6661248" y="4261670"/>
-              <a:ext cx="2113225" cy="769441"/>
-            </a:xfrm>
-            <a:prstGeom prst="rect">
-              <a:avLst/>
-            </a:prstGeom>
-            <a:noFill/>
-          </p:spPr>
-          <p:txBody>
-            <a:bodyPr wrap="square" rtlCol="0">
-              <a:spAutoFit/>
-            </a:bodyPr>
-            <a:lstStyle/>
-            <a:p>
-              <a:pPr algn="ctr"/>
-              <a:r>
-                <a:rPr lang="de-AT" sz="4400" dirty="0">
-                  <a:solidFill>
-                    <a:srgbClr val="0070C0"/>
-                  </a:solidFill>
-                  <a:latin typeface="raleway"/>
-                </a:rPr>
-                <a:t>?</a:t>
-              </a:r>
-            </a:p>
-          </p:txBody>
-        </p:sp>
-        <p:pic>
-          <p:nvPicPr>
-            <p:cNvPr id="33" name="Grafik 32">
-              <a:extLst>
-                <a:ext uri="{FF2B5EF4-FFF2-40B4-BE49-F238E27FC236}">
-                  <a16:creationId xmlns:a16="http://schemas.microsoft.com/office/drawing/2014/main" id="{ECB3E844-1991-400D-B6CE-286FA030808B}"/>
-                </a:ext>
-              </a:extLst>
-            </p:cNvPr>
-            <p:cNvPicPr>
-              <a:picLocks noChangeAspect="1"/>
-            </p:cNvPicPr>
-            <p:nvPr/>
-          </p:nvPicPr>
-          <p:blipFill>
-            <a:blip r:embed="rId3">
-              <a:extLst>
-                <a:ext uri="{28A0092B-C50C-407E-A947-70E740481C1C}">
-                  <a14:useLocalDpi xmlns:a14="http://schemas.microsoft.com/office/drawing/2010/main" val="0"/>
-                </a:ext>
-              </a:extLst>
-            </a:blip>
-            <a:stretch>
-              <a:fillRect/>
-            </a:stretch>
-          </p:blipFill>
-          <p:spPr>
-            <a:xfrm>
-              <a:off x="6812459" y="2364047"/>
-              <a:ext cx="1810800" cy="1810800"/>
-            </a:xfrm>
-            <a:prstGeom prst="ellipse">
-              <a:avLst/>
-            </a:prstGeom>
-          </p:spPr>
-        </p:pic>
-      </p:grpSp>
-      <p:sp>
-        <p:nvSpPr>
-          <p:cNvPr id="34" name="Textfeld 33">
-            <a:extLst>
-              <a:ext uri="{FF2B5EF4-FFF2-40B4-BE49-F238E27FC236}">
-                <a16:creationId xmlns:a16="http://schemas.microsoft.com/office/drawing/2014/main" id="{9CB393DE-61F6-481D-B798-892D4172A28E}"/>
-              </a:ext>
-            </a:extLst>
-          </p:cNvPr>
-          <p:cNvSpPr txBox="1"/>
-          <p:nvPr/>
-        </p:nvSpPr>
-        <p:spPr>
-          <a:xfrm>
-            <a:off x="3035030" y="5964071"/>
-            <a:ext cx="8424153" cy="369332"/>
-          </a:xfrm>
-          <a:prstGeom prst="rect">
-            <a:avLst/>
-          </a:prstGeom>
-          <a:noFill/>
-        </p:spPr>
-        <p:txBody>
-          <a:bodyPr wrap="square" rtlCol="0">
-            <a:spAutoFit/>
-          </a:bodyPr>
-          <a:lstStyle/>
-          <a:p>
-            <a:r>
-              <a:rPr lang="de-AT" dirty="0"/>
-              <a:t>Vorschläge: HTML CSS JS, Android, JSF Konvertierung, …</a:t>
-            </a:r>
-          </a:p>
-        </p:txBody>
-      </p:sp>
     </p:spTree>
     <p:extLst>
       <p:ext uri="{BB962C8B-B14F-4D97-AF65-F5344CB8AC3E}">
-        <p14:creationId xmlns:p14="http://schemas.microsoft.com/office/powerpoint/2010/main" val="1781532737"/>
+        <p14:creationId xmlns:p14="http://schemas.microsoft.com/office/powerpoint/2010/main" val="575478575"/>
       </p:ext>
     </p:extLst>
   </p:cSld>
@@ -14655,7 +14318,7 @@
                               <p:par>
                                 <p:cTn id="5" presetID="42" presetClass="entr" presetSubtype="0" fill="hold" nodeType="afterEffect">
                                   <p:stCondLst>
-                                    <p:cond delay="0"/>
+                                    <p:cond delay="500"/>
                                   </p:stCondLst>
                                   <p:childTnLst>
                                     <p:set>
@@ -14666,7 +14329,7 @@
                                           </p:stCondLst>
                                         </p:cTn>
                                         <p:tgtEl>
-                                          <p:spTgt spid="28"/>
+                                          <p:spTgt spid="8"/>
                                         </p:tgtEl>
                                         <p:attrNameLst>
                                           <p:attrName>style.visibility</p:attrName>
@@ -14680,7 +14343,7 @@
                                       <p:cBhvr>
                                         <p:cTn id="7" dur="1000"/>
                                         <p:tgtEl>
-                                          <p:spTgt spid="28"/>
+                                          <p:spTgt spid="8"/>
                                         </p:tgtEl>
                                       </p:cBhvr>
                                     </p:animEffect>
@@ -14688,7 +14351,7 @@
                                       <p:cBhvr>
                                         <p:cTn id="8" dur="1000" fill="hold"/>
                                         <p:tgtEl>
-                                          <p:spTgt spid="28"/>
+                                          <p:spTgt spid="8"/>
                                         </p:tgtEl>
                                         <p:attrNameLst>
                                           <p:attrName>ppt_x</p:attrName>
@@ -14711,7 +14374,7 @@
                                       <p:cBhvr>
                                         <p:cTn id="9" dur="1000" fill="hold"/>
                                         <p:tgtEl>
-                                          <p:spTgt spid="28"/>
+                                          <p:spTgt spid="8"/>
                                         </p:tgtEl>
                                         <p:attrNameLst>
                                           <p:attrName>ppt_y</p:attrName>
@@ -14739,7 +14402,7 @@
                         <p:par>
                           <p:cTn id="10" fill="hold">
                             <p:stCondLst>
-                              <p:cond delay="1000"/>
+                              <p:cond delay="1500"/>
                             </p:stCondLst>
                             <p:childTnLst>
                               <p:par>
@@ -14756,7 +14419,7 @@
                                           </p:stCondLst>
                                         </p:cTn>
                                         <p:tgtEl>
-                                          <p:spTgt spid="31"/>
+                                          <p:spTgt spid="9"/>
                                         </p:tgtEl>
                                         <p:attrNameLst>
                                           <p:attrName>style.visibility</p:attrName>
@@ -14770,7 +14433,7 @@
                                       <p:cBhvr>
                                         <p:cTn id="13" dur="1000"/>
                                         <p:tgtEl>
-                                          <p:spTgt spid="31"/>
+                                          <p:spTgt spid="9"/>
                                         </p:tgtEl>
                                       </p:cBhvr>
                                     </p:animEffect>
@@ -14778,7 +14441,7 @@
                                       <p:cBhvr>
                                         <p:cTn id="14" dur="1000" fill="hold"/>
                                         <p:tgtEl>
-                                          <p:spTgt spid="31"/>
+                                          <p:spTgt spid="9"/>
                                         </p:tgtEl>
                                         <p:attrNameLst>
                                           <p:attrName>ppt_x</p:attrName>
@@ -14801,7 +14464,97 @@
                                       <p:cBhvr>
                                         <p:cTn id="15" dur="1000" fill="hold"/>
                                         <p:tgtEl>
-                                          <p:spTgt spid="31"/>
+                                          <p:spTgt spid="9"/>
+                                        </p:tgtEl>
+                                        <p:attrNameLst>
+                                          <p:attrName>ppt_y</p:attrName>
+                                        </p:attrNameLst>
+                                      </p:cBhvr>
+                                      <p:tavLst>
+                                        <p:tav tm="0">
+                                          <p:val>
+                                            <p:strVal val="#ppt_y+.1"/>
+                                          </p:val>
+                                        </p:tav>
+                                        <p:tav tm="100000">
+                                          <p:val>
+                                            <p:strVal val="#ppt_y"/>
+                                          </p:val>
+                                        </p:tav>
+                                      </p:tavLst>
+                                    </p:anim>
+                                  </p:childTnLst>
+                                </p:cTn>
+                              </p:par>
+                            </p:childTnLst>
+                          </p:cTn>
+                        </p:par>
+                        <p:par>
+                          <p:cTn id="16" fill="hold">
+                            <p:stCondLst>
+                              <p:cond delay="2500"/>
+                            </p:stCondLst>
+                            <p:childTnLst>
+                              <p:par>
+                                <p:cTn id="17" presetID="42" presetClass="entr" presetSubtype="0" fill="hold" nodeType="afterEffect">
+                                  <p:stCondLst>
+                                    <p:cond delay="0"/>
+                                  </p:stCondLst>
+                                  <p:childTnLst>
+                                    <p:set>
+                                      <p:cBhvr>
+                                        <p:cTn id="18" dur="1" fill="hold">
+                                          <p:stCondLst>
+                                            <p:cond delay="0"/>
+                                          </p:stCondLst>
+                                        </p:cTn>
+                                        <p:tgtEl>
+                                          <p:spTgt spid="10"/>
+                                        </p:tgtEl>
+                                        <p:attrNameLst>
+                                          <p:attrName>style.visibility</p:attrName>
+                                        </p:attrNameLst>
+                                      </p:cBhvr>
+                                      <p:to>
+                                        <p:strVal val="visible"/>
+                                      </p:to>
+                                    </p:set>
+                                    <p:animEffect transition="in" filter="fade">
+                                      <p:cBhvr>
+                                        <p:cTn id="19" dur="1000"/>
+                                        <p:tgtEl>
+                                          <p:spTgt spid="10"/>
+                                        </p:tgtEl>
+                                      </p:cBhvr>
+                                    </p:animEffect>
+                                    <p:anim calcmode="lin" valueType="num">
+                                      <p:cBhvr>
+                                        <p:cTn id="20" dur="1000" fill="hold"/>
+                                        <p:tgtEl>
+                                          <p:spTgt spid="10"/>
+                                        </p:tgtEl>
+                                        <p:attrNameLst>
+                                          <p:attrName>ppt_x</p:attrName>
+                                        </p:attrNameLst>
+                                      </p:cBhvr>
+                                      <p:tavLst>
+                                        <p:tav tm="0">
+                                          <p:val>
+                                            <p:strVal val="#ppt_x"/>
+                                          </p:val>
+                                        </p:tav>
+                                        <p:tav tm="100000">
+                                          <p:val>
+                                            <p:strVal val="#ppt_x"/>
+                                          </p:val>
+                                        </p:tav>
+                                      </p:tavLst>
+                                    </p:anim>
+                                    <p:anim calcmode="lin" valueType="num">
+                                      <p:cBhvr>
+                                        <p:cTn id="21" dur="1000" fill="hold"/>
+                                        <p:tgtEl>
+                                          <p:spTgt spid="10"/>
                                         </p:tgtEl>
                                         <p:attrNameLst>
                                           <p:attrName>ppt_y</p:attrName>
@@ -14854,6 +14607,200 @@
 </p:sld>
 </file>
 
+<file path=ppt/slides/slide13.xml><?xml version="1.0" encoding="utf-8"?>
+<p:sld xmlns:a="http://schemas.openxmlformats.org/drawingml/2006/main" xmlns:r="http://schemas.openxmlformats.org/officeDocument/2006/relationships" xmlns:p="http://schemas.openxmlformats.org/presentationml/2006/main">
+  <p:cSld>
+    <p:spTree>
+      <p:nvGrpSpPr>
+        <p:cNvPr id="1" name=""/>
+        <p:cNvGrpSpPr/>
+        <p:nvPr/>
+      </p:nvGrpSpPr>
+      <p:grpSpPr>
+        <a:xfrm>
+          <a:off x="0" y="0"/>
+          <a:ext cx="0" cy="0"/>
+          <a:chOff x="0" y="0"/>
+          <a:chExt cx="0" cy="0"/>
+        </a:xfrm>
+      </p:grpSpPr>
+      <p:sp>
+        <p:nvSpPr>
+          <p:cNvPr id="3" name="Inhaltsplatzhalter 2">
+            <a:extLst>
+              <a:ext uri="{FF2B5EF4-FFF2-40B4-BE49-F238E27FC236}">
+                <a16:creationId xmlns:a16="http://schemas.microsoft.com/office/drawing/2014/main" id="{8FF1EF5B-8B05-47AE-91D8-6071315520CB}"/>
+              </a:ext>
+            </a:extLst>
+          </p:cNvPr>
+          <p:cNvSpPr>
+            <a:spLocks noGrp="1"/>
+          </p:cNvSpPr>
+          <p:nvPr>
+            <p:ph idx="1"/>
+          </p:nvPr>
+        </p:nvSpPr>
+        <p:spPr/>
+        <p:txBody>
+          <a:bodyPr>
+            <a:normAutofit fontScale="77500" lnSpcReduction="20000"/>
+          </a:bodyPr>
+          <a:lstStyle/>
+          <a:p>
+            <a:r>
+              <a:rPr lang="de-AT" dirty="0"/>
+              <a:t>Anzeige von Statistiken mithilfe von </a:t>
+            </a:r>
+            <a:r>
+              <a:rPr lang="de-AT" dirty="0" err="1"/>
+              <a:t>MPAndroidChart</a:t>
+            </a:r>
+            <a:endParaRPr lang="de-AT" dirty="0"/>
+          </a:p>
+          <a:p>
+            <a:endParaRPr lang="de-AT" dirty="0"/>
+          </a:p>
+          <a:p>
+            <a:r>
+              <a:rPr lang="de-AT" dirty="0"/>
+              <a:t>Benachrichtigungen über Google </a:t>
+            </a:r>
+            <a:r>
+              <a:rPr lang="de-AT" dirty="0" err="1"/>
+              <a:t>Firebase</a:t>
+            </a:r>
+            <a:r>
+              <a:rPr lang="de-AT" dirty="0"/>
+              <a:t> Cloud Messaging</a:t>
+            </a:r>
+          </a:p>
+          <a:p>
+            <a:endParaRPr lang="de-AT" dirty="0"/>
+          </a:p>
+          <a:p>
+            <a:r>
+              <a:rPr lang="de-AT" dirty="0"/>
+              <a:t>Anzeige von Benachrichtigungen in der App</a:t>
+            </a:r>
+          </a:p>
+          <a:p>
+            <a:endParaRPr lang="de-AT" dirty="0"/>
+          </a:p>
+          <a:p>
+            <a:r>
+              <a:rPr lang="de-AT" dirty="0"/>
+              <a:t>Download von Statistiken auf den internen Speicher</a:t>
+            </a:r>
+          </a:p>
+          <a:p>
+            <a:endParaRPr lang="de-AT" dirty="0"/>
+          </a:p>
+          <a:p>
+            <a:r>
+              <a:rPr lang="de-AT" dirty="0"/>
+              <a:t>Optimierung für Android 4.4 KitKat bis Android 8 Oreo</a:t>
+            </a:r>
+          </a:p>
+          <a:p>
+            <a:endParaRPr lang="de-AT" dirty="0"/>
+          </a:p>
+          <a:p>
+            <a:r>
+              <a:rPr lang="de-AT" dirty="0"/>
+              <a:t>Kommunikation über </a:t>
+            </a:r>
+            <a:r>
+              <a:rPr lang="de-AT" dirty="0" err="1"/>
+              <a:t>GraphQL</a:t>
+            </a:r>
+            <a:endParaRPr lang="de-AT" dirty="0"/>
+          </a:p>
+        </p:txBody>
+      </p:sp>
+      <p:sp>
+        <p:nvSpPr>
+          <p:cNvPr id="5" name="Titel 4">
+            <a:extLst>
+              <a:ext uri="{FF2B5EF4-FFF2-40B4-BE49-F238E27FC236}">
+                <a16:creationId xmlns:a16="http://schemas.microsoft.com/office/drawing/2014/main" id="{83B32A56-86C4-4638-ABB7-821179F05E57}"/>
+              </a:ext>
+            </a:extLst>
+          </p:cNvPr>
+          <p:cNvSpPr>
+            <a:spLocks noGrp="1"/>
+          </p:cNvSpPr>
+          <p:nvPr>
+            <p:ph type="title"/>
+          </p:nvPr>
+        </p:nvSpPr>
+        <p:spPr/>
+        <p:txBody>
+          <a:bodyPr/>
+          <a:lstStyle/>
+          <a:p>
+            <a:r>
+              <a:rPr lang="de-AT" dirty="0"/>
+              <a:t>Android</a:t>
+            </a:r>
+            <a:br>
+              <a:rPr lang="de-AT" dirty="0"/>
+            </a:br>
+            <a:r>
+              <a:rPr lang="de-AT" dirty="0"/>
+              <a:t>App</a:t>
+            </a:r>
+          </a:p>
+        </p:txBody>
+      </p:sp>
+      <p:pic>
+        <p:nvPicPr>
+          <p:cNvPr id="4" name="Grafik 3">
+            <a:extLst>
+              <a:ext uri="{FF2B5EF4-FFF2-40B4-BE49-F238E27FC236}">
+                <a16:creationId xmlns:a16="http://schemas.microsoft.com/office/drawing/2014/main" id="{B4EFAE70-93F6-4683-A6D1-70441F1F11A7}"/>
+              </a:ext>
+            </a:extLst>
+          </p:cNvPr>
+          <p:cNvPicPr>
+            <a:picLocks noChangeAspect="1"/>
+          </p:cNvPicPr>
+          <p:nvPr/>
+        </p:nvPicPr>
+        <p:blipFill>
+          <a:blip r:embed="rId3">
+            <a:extLst>
+              <a:ext uri="{28A0092B-C50C-407E-A947-70E740481C1C}">
+                <a14:useLocalDpi xmlns:a14="http://schemas.microsoft.com/office/drawing/2010/main" val="0"/>
+              </a:ext>
+            </a:extLst>
+          </a:blip>
+          <a:stretch>
+            <a:fillRect/>
+          </a:stretch>
+        </p:blipFill>
+        <p:spPr>
+          <a:xfrm>
+            <a:off x="10185940" y="254187"/>
+            <a:ext cx="2006060" cy="1245140"/>
+          </a:xfrm>
+          <a:prstGeom prst="ellipse">
+            <a:avLst/>
+          </a:prstGeom>
+        </p:spPr>
+      </p:pic>
+    </p:spTree>
+    <p:extLst>
+      <p:ext uri="{BB962C8B-B14F-4D97-AF65-F5344CB8AC3E}">
+        <p14:creationId xmlns:p14="http://schemas.microsoft.com/office/powerpoint/2010/main" val="354466000"/>
+      </p:ext>
+    </p:extLst>
+  </p:cSld>
+  <p:clrMapOvr>
+    <a:masterClrMapping/>
+  </p:clrMapOvr>
+</p:sld>
+</file>
+
 <file path=ppt/slides/slide14.xml><?xml version="1.0" encoding="utf-8"?>
 <p:sld xmlns:a="http://schemas.openxmlformats.org/drawingml/2006/main" xmlns:r="http://schemas.openxmlformats.org/officeDocument/2006/relationships" xmlns:p="http://schemas.openxmlformats.org/presentationml/2006/main">
   <p:cSld>
@@ -14889,10 +14836,63 @@
         </p:nvSpPr>
         <p:spPr/>
         <p:txBody>
-          <a:bodyPr/>
+          <a:bodyPr>
+            <a:normAutofit fontScale="85000" lnSpcReduction="10000"/>
+          </a:bodyPr>
           <a:lstStyle/>
           <a:p>
-            <a:endParaRPr lang="de-AT"/>
+            <a:r>
+              <a:rPr lang="de-AT" dirty="0"/>
+              <a:t>Entwicklung zweier Websites (AEMS + AEMS-Admin)</a:t>
+            </a:r>
+          </a:p>
+          <a:p>
+            <a:endParaRPr lang="de-AT" dirty="0"/>
+          </a:p>
+          <a:p>
+            <a:r>
+              <a:rPr lang="de-AT" dirty="0"/>
+              <a:t>Seitenaufbau mit HTML und CSS – Verwendetes Tool Adobe Dreamweaver</a:t>
+            </a:r>
+          </a:p>
+          <a:p>
+            <a:endParaRPr lang="de-AT" dirty="0"/>
+          </a:p>
+          <a:p>
+            <a:r>
+              <a:rPr lang="de-AT" dirty="0"/>
+              <a:t>Designkomponenten von Bootstrap wurden angepasst</a:t>
+            </a:r>
+          </a:p>
+          <a:p>
+            <a:endParaRPr lang="de-AT" dirty="0"/>
+          </a:p>
+          <a:p>
+            <a:r>
+              <a:rPr lang="de-AT" dirty="0" err="1"/>
+              <a:t>Javascript</a:t>
+            </a:r>
+            <a:r>
+              <a:rPr lang="de-AT" dirty="0"/>
+              <a:t>/</a:t>
+            </a:r>
+            <a:r>
+              <a:rPr lang="de-AT" dirty="0" err="1"/>
+              <a:t>jQuery</a:t>
+            </a:r>
+            <a:r>
+              <a:rPr lang="de-AT" dirty="0"/>
+              <a:t>-Funktionen</a:t>
+            </a:r>
+          </a:p>
+          <a:p>
+            <a:endParaRPr lang="de-AT" dirty="0"/>
+          </a:p>
+          <a:p>
+            <a:r>
+              <a:rPr lang="de-AT" dirty="0"/>
+              <a:t>Optimierung für Web, Tablet und Smartphone</a:t>
+            </a:r>
           </a:p>
         </p:txBody>
       </p:sp>
@@ -14919,15 +14919,58 @@
           <a:p>
             <a:r>
               <a:rPr lang="de-AT" dirty="0"/>
-              <a:t>Aufgabe 1</a:t>
-            </a:r>
-          </a:p>
-        </p:txBody>
-      </p:sp>
+              <a:t>Web </a:t>
+            </a:r>
+            <a:r>
+              <a:rPr lang="de-AT" sz="2400" dirty="0"/>
+              <a:t>(Frontend)</a:t>
+            </a:r>
+            <a:endParaRPr lang="de-AT" dirty="0"/>
+          </a:p>
+        </p:txBody>
+      </p:sp>
+      <p:pic>
+        <p:nvPicPr>
+          <p:cNvPr id="4" name="Grafik 3">
+            <a:extLst>
+              <a:ext uri="{FF2B5EF4-FFF2-40B4-BE49-F238E27FC236}">
+                <a16:creationId xmlns:a16="http://schemas.microsoft.com/office/drawing/2014/main" id="{8A02FC07-FFAF-4292-872C-9EE52DA1A350}"/>
+              </a:ext>
+            </a:extLst>
+          </p:cNvPr>
+          <p:cNvPicPr>
+            <a:picLocks noChangeAspect="1"/>
+          </p:cNvPicPr>
+          <p:nvPr/>
+        </p:nvPicPr>
+        <p:blipFill rotWithShape="1">
+          <a:blip r:embed="rId3">
+            <a:extLst>
+              <a:ext uri="{28A0092B-C50C-407E-A947-70E740481C1C}">
+                <a14:useLocalDpi xmlns:a14="http://schemas.microsoft.com/office/drawing/2010/main" val="0"/>
+              </a:ext>
+            </a:extLst>
+          </a:blip>
+          <a:srcRect l="-17862" t="-14083" r="-15848" b="-25845"/>
+          <a:stretch/>
+        </p:blipFill>
+        <p:spPr>
+          <a:xfrm>
+            <a:off x="8834286" y="0"/>
+            <a:ext cx="3357714" cy="1756941"/>
+          </a:xfrm>
+          <a:prstGeom prst="ellipse">
+            <a:avLst/>
+          </a:prstGeom>
+          <a:ln>
+            <a:noFill/>
+          </a:ln>
+        </p:spPr>
+      </p:pic>
     </p:spTree>
     <p:extLst>
       <p:ext uri="{BB962C8B-B14F-4D97-AF65-F5344CB8AC3E}">
-        <p14:creationId xmlns:p14="http://schemas.microsoft.com/office/powerpoint/2010/main" val="354466000"/>
+        <p14:creationId xmlns:p14="http://schemas.microsoft.com/office/powerpoint/2010/main" val="1806559404"/>
       </p:ext>
     </p:extLst>
   </p:cSld>
@@ -14975,7 +15018,51 @@
           <a:bodyPr/>
           <a:lstStyle/>
           <a:p>
-            <a:endParaRPr lang="de-AT"/>
+            <a:endParaRPr lang="de-AT" dirty="0"/>
+          </a:p>
+          <a:p>
+            <a:r>
+              <a:rPr lang="de-AT" dirty="0"/>
+              <a:t>Adaption des HTML-Codes auf XHTML für die Verwendung von Java Server Faces</a:t>
+            </a:r>
+          </a:p>
+          <a:p>
+            <a:endParaRPr lang="de-AT" dirty="0"/>
+          </a:p>
+          <a:p>
+            <a:r>
+              <a:rPr lang="de-AT" dirty="0" err="1"/>
+              <a:t>Notifications</a:t>
+            </a:r>
+            <a:r>
+              <a:rPr lang="de-AT" dirty="0"/>
+              <a:t> – Library </a:t>
+            </a:r>
+            <a:r>
+              <a:rPr lang="de-AT" dirty="0" err="1"/>
+              <a:t>Noty</a:t>
+            </a:r>
+            <a:endParaRPr lang="de-AT" dirty="0"/>
+          </a:p>
+          <a:p>
+            <a:endParaRPr lang="de-AT" dirty="0"/>
+          </a:p>
+          <a:p>
+            <a:r>
+              <a:rPr lang="de-AT" dirty="0"/>
+              <a:t>Strukturierung des Codes mit </a:t>
+            </a:r>
+            <a:r>
+              <a:rPr lang="de-AT" dirty="0" err="1"/>
+              <a:t>Compositions</a:t>
+            </a:r>
+            <a:endParaRPr lang="de-AT" dirty="0"/>
+          </a:p>
+          <a:p>
+            <a:endParaRPr lang="de-AT" dirty="0"/>
+          </a:p>
+          <a:p>
+            <a:endParaRPr lang="de-AT" dirty="0"/>
           </a:p>
         </p:txBody>
       </p:sp>
@@ -14995,22 +15082,75 @@
             <p:ph type="title"/>
           </p:nvPr>
         </p:nvSpPr>
-        <p:spPr/>
-        <p:txBody>
-          <a:bodyPr/>
+        <p:spPr>
+          <a:xfrm>
+            <a:off x="82061" y="1828800"/>
+            <a:ext cx="2790093" cy="4135271"/>
+          </a:xfrm>
+        </p:spPr>
+        <p:txBody>
+          <a:bodyPr>
+            <a:normAutofit/>
+          </a:bodyPr>
           <a:lstStyle/>
           <a:p>
             <a:r>
-              <a:rPr lang="de-AT" dirty="0"/>
-              <a:t>Aufgabe 2</a:t>
-            </a:r>
-          </a:p>
-        </p:txBody>
-      </p:sp>
+              <a:rPr lang="de-AT" sz="2800" dirty="0"/>
+              <a:t>Web </a:t>
+            </a:r>
+            <a:br>
+              <a:rPr lang="de-AT" sz="2800" dirty="0"/>
+            </a:br>
+            <a:r>
+              <a:rPr lang="de-AT" sz="2400" dirty="0"/>
+              <a:t>(Kommunikation)</a:t>
+            </a:r>
+            <a:endParaRPr lang="de-AT" sz="2800" dirty="0"/>
+          </a:p>
+        </p:txBody>
+      </p:sp>
+      <p:pic>
+        <p:nvPicPr>
+          <p:cNvPr id="4" name="Grafik 3">
+            <a:extLst>
+              <a:ext uri="{FF2B5EF4-FFF2-40B4-BE49-F238E27FC236}">
+                <a16:creationId xmlns:a16="http://schemas.microsoft.com/office/drawing/2014/main" id="{6DE66F63-02D6-4548-85B1-DCDB37F21F6A}"/>
+              </a:ext>
+            </a:extLst>
+          </p:cNvPr>
+          <p:cNvPicPr>
+            <a:picLocks noChangeAspect="1"/>
+          </p:cNvPicPr>
+          <p:nvPr/>
+        </p:nvPicPr>
+        <p:blipFill rotWithShape="1">
+          <a:blip r:embed="rId3">
+            <a:extLst>
+              <a:ext uri="{28A0092B-C50C-407E-A947-70E740481C1C}">
+                <a14:useLocalDpi xmlns:a14="http://schemas.microsoft.com/office/drawing/2010/main" val="0"/>
+              </a:ext>
+            </a:extLst>
+          </a:blip>
+          <a:srcRect l="-17862" t="-14083" r="-15848" b="-25845"/>
+          <a:stretch/>
+        </p:blipFill>
+        <p:spPr>
+          <a:xfrm>
+            <a:off x="8834286" y="0"/>
+            <a:ext cx="3357714" cy="1756941"/>
+          </a:xfrm>
+          <a:prstGeom prst="ellipse">
+            <a:avLst/>
+          </a:prstGeom>
+          <a:ln>
+            <a:noFill/>
+          </a:ln>
+        </p:spPr>
+      </p:pic>
     </p:spTree>
     <p:extLst>
       <p:ext uri="{BB962C8B-B14F-4D97-AF65-F5344CB8AC3E}">
-        <p14:creationId xmlns:p14="http://schemas.microsoft.com/office/powerpoint/2010/main" val="1806559404"/>
+        <p14:creationId xmlns:p14="http://schemas.microsoft.com/office/powerpoint/2010/main" val="938827424"/>
       </p:ext>
     </p:extLst>
   </p:cSld>
@@ -15039,10 +15179,10 @@
       </p:grpSpPr>
       <p:sp>
         <p:nvSpPr>
-          <p:cNvPr id="3" name="Inhaltsplatzhalter 2">
+          <p:cNvPr id="2" name="Inhaltsplatzhalter 1">
             <a:extLst>
               <a:ext uri="{FF2B5EF4-FFF2-40B4-BE49-F238E27FC236}">
-                <a16:creationId xmlns:a16="http://schemas.microsoft.com/office/drawing/2014/main" id="{8FF1EF5B-8B05-47AE-91D8-6071315520CB}"/>
+                <a16:creationId xmlns:a16="http://schemas.microsoft.com/office/drawing/2014/main" id="{7EA70E78-42EA-4340-B10E-CD65AD7FC47A}"/>
               </a:ext>
             </a:extLst>
           </p:cNvPr>
@@ -15055,19 +15195,59 @@
         </p:nvSpPr>
         <p:spPr/>
         <p:txBody>
-          <a:bodyPr/>
+          <a:bodyPr>
+            <a:normAutofit lnSpcReduction="10000"/>
+          </a:bodyPr>
           <a:lstStyle/>
           <a:p>
-            <a:endParaRPr lang="de-AT"/>
-          </a:p>
-        </p:txBody>
-      </p:sp>
-      <p:sp>
-        <p:nvSpPr>
-          <p:cNvPr id="5" name="Titel 4">
+            <a:r>
+              <a:rPr lang="de-AT" dirty="0"/>
+              <a:t>Planung und Controlling</a:t>
+            </a:r>
+          </a:p>
+          <a:p>
+            <a:endParaRPr lang="de-AT" dirty="0"/>
+          </a:p>
+          <a:p>
+            <a:r>
+              <a:rPr lang="de-AT" dirty="0"/>
+              <a:t>Entwurf der Bildschirmmasken für Web und App (Mock-</a:t>
+            </a:r>
+            <a:r>
+              <a:rPr lang="de-AT" dirty="0" err="1"/>
+              <a:t>up</a:t>
+            </a:r>
+            <a:r>
+              <a:rPr lang="de-AT" dirty="0"/>
+              <a:t>)</a:t>
+            </a:r>
+          </a:p>
+          <a:p>
+            <a:endParaRPr lang="de-AT" dirty="0"/>
+          </a:p>
+          <a:p>
+            <a:r>
+              <a:rPr lang="de-AT" dirty="0"/>
+              <a:t>Verfassen von Einreichungen (Jugend Innovativ,…)</a:t>
+            </a:r>
+          </a:p>
+          <a:p>
+            <a:endParaRPr lang="de-AT" dirty="0"/>
+          </a:p>
+          <a:p>
+            <a:r>
+              <a:rPr lang="de-AT" dirty="0"/>
+              <a:t>Kommunikation mit Auftraggeber und verfassen wichtiger Dokumente</a:t>
+            </a:r>
+          </a:p>
+        </p:txBody>
+      </p:sp>
+      <p:sp>
+        <p:nvSpPr>
+          <p:cNvPr id="3" name="Titel 2">
             <a:extLst>
               <a:ext uri="{FF2B5EF4-FFF2-40B4-BE49-F238E27FC236}">
-                <a16:creationId xmlns:a16="http://schemas.microsoft.com/office/drawing/2014/main" id="{83B32A56-86C4-4638-ABB7-821179F05E57}"/>
+                <a16:creationId xmlns:a16="http://schemas.microsoft.com/office/drawing/2014/main" id="{7F4D1C19-A8B0-4D37-8157-E04B0B6BFC9A}"/>
               </a:ext>
             </a:extLst>
           </p:cNvPr>
@@ -15078,22 +15258,64 @@
             <p:ph type="title"/>
           </p:nvPr>
         </p:nvSpPr>
-        <p:spPr/>
-        <p:txBody>
-          <a:bodyPr/>
+        <p:spPr>
+          <a:xfrm>
+            <a:off x="35169" y="1828800"/>
+            <a:ext cx="2731477" cy="4135271"/>
+          </a:xfrm>
+        </p:spPr>
+        <p:txBody>
+          <a:bodyPr>
+            <a:normAutofit/>
+          </a:bodyPr>
           <a:lstStyle/>
           <a:p>
             <a:r>
-              <a:rPr lang="de-AT" dirty="0"/>
-              <a:t>Aufgabe 3</a:t>
-            </a:r>
-          </a:p>
-        </p:txBody>
-      </p:sp>
+              <a:rPr lang="de-AT" sz="3200" dirty="0"/>
+              <a:t>Management</a:t>
+            </a:r>
+          </a:p>
+        </p:txBody>
+      </p:sp>
+      <p:pic>
+        <p:nvPicPr>
+          <p:cNvPr id="4" name="Grafik 3">
+            <a:extLst>
+              <a:ext uri="{FF2B5EF4-FFF2-40B4-BE49-F238E27FC236}">
+                <a16:creationId xmlns:a16="http://schemas.microsoft.com/office/drawing/2014/main" id="{FDBC43A2-CE33-40A0-B06B-2D26A99A4047}"/>
+              </a:ext>
+            </a:extLst>
+          </p:cNvPr>
+          <p:cNvPicPr>
+            <a:picLocks noChangeAspect="1"/>
+          </p:cNvPicPr>
+          <p:nvPr/>
+        </p:nvPicPr>
+        <p:blipFill rotWithShape="1">
+          <a:blip r:embed="rId2">
+            <a:extLst>
+              <a:ext uri="{28A0092B-C50C-407E-A947-70E740481C1C}">
+                <a14:useLocalDpi xmlns:a14="http://schemas.microsoft.com/office/drawing/2010/main" val="0"/>
+              </a:ext>
+            </a:extLst>
+          </a:blip>
+          <a:srcRect l="-10951" t="-9083" r="-5727" b="459"/>
+          <a:stretch/>
+        </p:blipFill>
+        <p:spPr>
+          <a:xfrm>
+            <a:off x="9361132" y="3619"/>
+            <a:ext cx="2830868" cy="1756941"/>
+          </a:xfrm>
+          <a:prstGeom prst="ellipse">
+            <a:avLst/>
+          </a:prstGeom>
+        </p:spPr>
+      </p:pic>
     </p:spTree>
     <p:extLst>
       <p:ext uri="{BB962C8B-B14F-4D97-AF65-F5344CB8AC3E}">
-        <p14:creationId xmlns:p14="http://schemas.microsoft.com/office/powerpoint/2010/main" val="938827424"/>
+        <p14:creationId xmlns:p14="http://schemas.microsoft.com/office/powerpoint/2010/main" val="3656939931"/>
       </p:ext>
     </p:extLst>
   </p:cSld>
@@ -16597,102 +16819,6 @@
 </file>
 
 <file path=ppt/slides/slide3.xml><?xml version="1.0" encoding="utf-8"?>
-<p:sld xmlns:a="http://schemas.openxmlformats.org/drawingml/2006/main" xmlns:r="http://schemas.openxmlformats.org/officeDocument/2006/relationships" xmlns:p="http://schemas.openxmlformats.org/presentationml/2006/main" show="0">
-  <p:cSld>
-    <p:spTree>
-      <p:nvGrpSpPr>
-        <p:cNvPr id="1" name=""/>
-        <p:cNvGrpSpPr/>
-        <p:nvPr/>
-      </p:nvGrpSpPr>
-      <p:grpSpPr>
-        <a:xfrm>
-          <a:off x="0" y="0"/>
-          <a:ext cx="0" cy="0"/>
-          <a:chOff x="0" y="0"/>
-          <a:chExt cx="0" cy="0"/>
-        </a:xfrm>
-      </p:grpSpPr>
-      <p:sp>
-        <p:nvSpPr>
-          <p:cNvPr id="5" name="Inhaltsplatzhalter 4">
-            <a:extLst>
-              <a:ext uri="{FF2B5EF4-FFF2-40B4-BE49-F238E27FC236}">
-                <a16:creationId xmlns:a16="http://schemas.microsoft.com/office/drawing/2014/main" id="{304F8BC6-DF7A-4CD1-B19E-8F8ECAACFD8C}"/>
-              </a:ext>
-            </a:extLst>
-          </p:cNvPr>
-          <p:cNvSpPr>
-            <a:spLocks noGrp="1"/>
-          </p:cNvSpPr>
-          <p:nvPr>
-            <p:ph idx="1"/>
-          </p:nvPr>
-        </p:nvSpPr>
-        <p:spPr>
-          <a:xfrm>
-            <a:off x="3084394" y="1760560"/>
-            <a:ext cx="8276333" cy="4419577"/>
-          </a:xfrm>
-        </p:spPr>
-        <p:txBody>
-          <a:bodyPr>
-            <a:normAutofit/>
-          </a:bodyPr>
-          <a:lstStyle/>
-          <a:p>
-            <a:pPr marL="0" indent="0">
-              <a:buNone/>
-            </a:pPr>
-            <a:br>
-              <a:rPr lang="de-AT" sz="2400" b="1" dirty="0"/>
-            </a:br>
-            <a:endParaRPr lang="de-AT" sz="2400" b="1" dirty="0"/>
-          </a:p>
-        </p:txBody>
-      </p:sp>
-      <p:sp>
-        <p:nvSpPr>
-          <p:cNvPr id="4" name="Titel 3">
-            <a:extLst>
-              <a:ext uri="{FF2B5EF4-FFF2-40B4-BE49-F238E27FC236}">
-                <a16:creationId xmlns:a16="http://schemas.microsoft.com/office/drawing/2014/main" id="{2C004777-F48D-43A5-AAC2-C50F7E682081}"/>
-              </a:ext>
-            </a:extLst>
-          </p:cNvPr>
-          <p:cNvSpPr>
-            <a:spLocks noGrp="1"/>
-          </p:cNvSpPr>
-          <p:nvPr>
-            <p:ph type="title"/>
-          </p:nvPr>
-        </p:nvSpPr>
-        <p:spPr/>
-        <p:txBody>
-          <a:bodyPr/>
-          <a:lstStyle/>
-          <a:p>
-            <a:r>
-              <a:rPr lang="de-AT" dirty="0"/>
-              <a:t>Rahmen-informationen</a:t>
-            </a:r>
-          </a:p>
-        </p:txBody>
-      </p:sp>
-    </p:spTree>
-    <p:extLst>
-      <p:ext uri="{BB962C8B-B14F-4D97-AF65-F5344CB8AC3E}">
-        <p14:creationId xmlns:p14="http://schemas.microsoft.com/office/powerpoint/2010/main" val="3406301472"/>
-      </p:ext>
-    </p:extLst>
-  </p:cSld>
-  <p:clrMapOvr>
-    <a:masterClrMapping/>
-  </p:clrMapOvr>
-</p:sld>
-</file>
-
-<file path=ppt/slides/slide4.xml><?xml version="1.0" encoding="utf-8"?>
 <p:sld xmlns:a="http://schemas.openxmlformats.org/drawingml/2006/main" xmlns:r="http://schemas.openxmlformats.org/officeDocument/2006/relationships" xmlns:p="http://schemas.openxmlformats.org/presentationml/2006/main">
   <p:cSld>
     <p:spTree>
@@ -17432,7 +17558,7 @@
 </p:sld>
 </file>
 
-<file path=ppt/slides/slide5.xml><?xml version="1.0" encoding="utf-8"?>
+<file path=ppt/slides/slide4.xml><?xml version="1.0" encoding="utf-8"?>
 <p:sld xmlns:a="http://schemas.openxmlformats.org/drawingml/2006/main" xmlns:r="http://schemas.openxmlformats.org/officeDocument/2006/relationships" xmlns:p="http://schemas.openxmlformats.org/presentationml/2006/main">
   <p:cSld>
     <p:spTree>
@@ -17609,7 +17735,7 @@
 </p:sld>
 </file>
 
-<file path=ppt/slides/slide6.xml><?xml version="1.0" encoding="utf-8"?>
+<file path=ppt/slides/slide5.xml><?xml version="1.0" encoding="utf-8"?>
 <p:sld xmlns:a="http://schemas.openxmlformats.org/drawingml/2006/main" xmlns:r="http://schemas.openxmlformats.org/officeDocument/2006/relationships" xmlns:p="http://schemas.openxmlformats.org/presentationml/2006/main">
   <p:cSld>
     <p:spTree>
@@ -17817,7 +17943,7 @@
 </p:sld>
 </file>
 
-<file path=ppt/slides/slide7.xml><?xml version="1.0" encoding="utf-8"?>
+<file path=ppt/slides/slide6.xml><?xml version="1.0" encoding="utf-8"?>
 <p:sld xmlns:a="http://schemas.openxmlformats.org/drawingml/2006/main" xmlns:r="http://schemas.openxmlformats.org/officeDocument/2006/relationships" xmlns:p="http://schemas.openxmlformats.org/presentationml/2006/main">
   <p:cSld>
     <p:spTree>
@@ -17977,7 +18103,7 @@
 </p:sld>
 </file>
 
-<file path=ppt/slides/slide8.xml><?xml version="1.0" encoding="utf-8"?>
+<file path=ppt/slides/slide7.xml><?xml version="1.0" encoding="utf-8"?>
 <p:sld xmlns:a="http://schemas.openxmlformats.org/drawingml/2006/main" xmlns:r="http://schemas.openxmlformats.org/officeDocument/2006/relationships" xmlns:p="http://schemas.openxmlformats.org/presentationml/2006/main">
   <p:cSld>
     <p:spTree>
@@ -18141,7 +18267,7 @@
 </p:sld>
 </file>
 
-<file path=ppt/slides/slide9.xml><?xml version="1.0" encoding="utf-8"?>
+<file path=ppt/slides/slide8.xml><?xml version="1.0" encoding="utf-8"?>
 <p:sld xmlns:a="http://schemas.openxmlformats.org/drawingml/2006/main" xmlns:r="http://schemas.openxmlformats.org/officeDocument/2006/relationships" xmlns:p="http://schemas.openxmlformats.org/presentationml/2006/main">
   <p:cSld>
     <p:spTree>
@@ -18943,6 +19069,89 @@
       </p:par>
     </p:tnLst>
   </p:timing>
+</p:sld>
+</file>
+
+<file path=ppt/slides/slide9.xml><?xml version="1.0" encoding="utf-8"?>
+<p:sld xmlns:a="http://schemas.openxmlformats.org/drawingml/2006/main" xmlns:r="http://schemas.openxmlformats.org/officeDocument/2006/relationships" xmlns:p="http://schemas.openxmlformats.org/presentationml/2006/main">
+  <p:cSld>
+    <p:spTree>
+      <p:nvGrpSpPr>
+        <p:cNvPr id="1" name=""/>
+        <p:cNvGrpSpPr/>
+        <p:nvPr/>
+      </p:nvGrpSpPr>
+      <p:grpSpPr>
+        <a:xfrm>
+          <a:off x="0" y="0"/>
+          <a:ext cx="0" cy="0"/>
+          <a:chOff x="0" y="0"/>
+          <a:chExt cx="0" cy="0"/>
+        </a:xfrm>
+      </p:grpSpPr>
+      <p:sp>
+        <p:nvSpPr>
+          <p:cNvPr id="3" name="Inhaltsplatzhalter 2">
+            <a:extLst>
+              <a:ext uri="{FF2B5EF4-FFF2-40B4-BE49-F238E27FC236}">
+                <a16:creationId xmlns:a16="http://schemas.microsoft.com/office/drawing/2014/main" id="{8FF1EF5B-8B05-47AE-91D8-6071315520CB}"/>
+              </a:ext>
+            </a:extLst>
+          </p:cNvPr>
+          <p:cNvSpPr>
+            <a:spLocks noGrp="1"/>
+          </p:cNvSpPr>
+          <p:nvPr>
+            <p:ph idx="1"/>
+          </p:nvPr>
+        </p:nvSpPr>
+        <p:spPr/>
+        <p:txBody>
+          <a:bodyPr/>
+          <a:lstStyle/>
+          <a:p>
+            <a:endParaRPr lang="de-AT"/>
+          </a:p>
+        </p:txBody>
+      </p:sp>
+      <p:sp>
+        <p:nvSpPr>
+          <p:cNvPr id="5" name="Titel 4">
+            <a:extLst>
+              <a:ext uri="{FF2B5EF4-FFF2-40B4-BE49-F238E27FC236}">
+                <a16:creationId xmlns:a16="http://schemas.microsoft.com/office/drawing/2014/main" id="{83B32A56-86C4-4638-ABB7-821179F05E57}"/>
+              </a:ext>
+            </a:extLst>
+          </p:cNvPr>
+          <p:cNvSpPr>
+            <a:spLocks noGrp="1"/>
+          </p:cNvSpPr>
+          <p:nvPr>
+            <p:ph type="title"/>
+          </p:nvPr>
+        </p:nvSpPr>
+        <p:spPr/>
+        <p:txBody>
+          <a:bodyPr/>
+          <a:lstStyle/>
+          <a:p>
+            <a:r>
+              <a:rPr lang="de-AT" dirty="0"/>
+              <a:t>Aufgabe 1</a:t>
+            </a:r>
+          </a:p>
+        </p:txBody>
+      </p:sp>
+    </p:spTree>
+    <p:extLst>
+      <p:ext uri="{BB962C8B-B14F-4D97-AF65-F5344CB8AC3E}">
+        <p14:creationId xmlns:p14="http://schemas.microsoft.com/office/powerpoint/2010/main" val="3126797282"/>
+      </p:ext>
+    </p:extLst>
+  </p:cSld>
+  <p:clrMapOvr>
+    <a:masterClrMapping/>
+  </p:clrMapOvr>
 </p:sld>
 </file>
 
